--- a/Santhoshi/PerlBasics.pptx
+++ b/Santhoshi/PerlBasics.pptx
@@ -8,12 +8,25 @@
     <p:sldId id="256" r:id="rId2"/>
     <p:sldId id="263" r:id="rId3"/>
     <p:sldId id="264" r:id="rId4"/>
-    <p:sldId id="257" r:id="rId5"/>
-    <p:sldId id="258" r:id="rId6"/>
-    <p:sldId id="259" r:id="rId7"/>
-    <p:sldId id="260" r:id="rId8"/>
-    <p:sldId id="261" r:id="rId9"/>
-    <p:sldId id="262" r:id="rId10"/>
+    <p:sldId id="265" r:id="rId5"/>
+    <p:sldId id="266" r:id="rId6"/>
+    <p:sldId id="268" r:id="rId7"/>
+    <p:sldId id="267" r:id="rId8"/>
+    <p:sldId id="269" r:id="rId9"/>
+    <p:sldId id="270" r:id="rId10"/>
+    <p:sldId id="271" r:id="rId11"/>
+    <p:sldId id="272" r:id="rId12"/>
+    <p:sldId id="273" r:id="rId13"/>
+    <p:sldId id="274" r:id="rId14"/>
+    <p:sldId id="275" r:id="rId15"/>
+    <p:sldId id="276" r:id="rId16"/>
+    <p:sldId id="277" r:id="rId17"/>
+    <p:sldId id="257" r:id="rId18"/>
+    <p:sldId id="258" r:id="rId19"/>
+    <p:sldId id="259" r:id="rId20"/>
+    <p:sldId id="260" r:id="rId21"/>
+    <p:sldId id="261" r:id="rId22"/>
+    <p:sldId id="262" r:id="rId23"/>
   </p:sldIdLst>
   <p:sldSz cx="9144000" cy="6858000" type="screen4x3"/>
   <p:notesSz cx="6858000" cy="9144000"/>
@@ -297,7 +310,7 @@
             <a:fld id="{9B859A98-0DC0-4CFD-9B2A-9A4E378C3142}" type="datetimeFigureOut">
               <a:rPr lang="en-US" smtClean="0"/>
               <a:pPr/>
-              <a:t>1/4/2021</a:t>
+              <a:t>1/5/2021</a:t>
             </a:fld>
             <a:endParaRPr lang="en-US" dirty="0"/>
           </a:p>
@@ -464,7 +477,7 @@
             <a:fld id="{9B859A98-0DC0-4CFD-9B2A-9A4E378C3142}" type="datetimeFigureOut">
               <a:rPr lang="en-US" smtClean="0"/>
               <a:pPr/>
-              <a:t>1/4/2021</a:t>
+              <a:t>1/5/2021</a:t>
             </a:fld>
             <a:endParaRPr lang="en-US" dirty="0"/>
           </a:p>
@@ -641,7 +654,7 @@
             <a:fld id="{9B859A98-0DC0-4CFD-9B2A-9A4E378C3142}" type="datetimeFigureOut">
               <a:rPr lang="en-US" smtClean="0"/>
               <a:pPr/>
-              <a:t>1/4/2021</a:t>
+              <a:t>1/5/2021</a:t>
             </a:fld>
             <a:endParaRPr lang="en-US" dirty="0"/>
           </a:p>
@@ -808,7 +821,7 @@
             <a:fld id="{9B859A98-0DC0-4CFD-9B2A-9A4E378C3142}" type="datetimeFigureOut">
               <a:rPr lang="en-US" smtClean="0"/>
               <a:pPr/>
-              <a:t>1/4/2021</a:t>
+              <a:t>1/5/2021</a:t>
             </a:fld>
             <a:endParaRPr lang="en-US" dirty="0"/>
           </a:p>
@@ -1051,7 +1064,7 @@
             <a:fld id="{9B859A98-0DC0-4CFD-9B2A-9A4E378C3142}" type="datetimeFigureOut">
               <a:rPr lang="en-US" smtClean="0"/>
               <a:pPr/>
-              <a:t>1/4/2021</a:t>
+              <a:t>1/5/2021</a:t>
             </a:fld>
             <a:endParaRPr lang="en-US" dirty="0"/>
           </a:p>
@@ -1336,7 +1349,7 @@
             <a:fld id="{9B859A98-0DC0-4CFD-9B2A-9A4E378C3142}" type="datetimeFigureOut">
               <a:rPr lang="en-US" smtClean="0"/>
               <a:pPr/>
-              <a:t>1/4/2021</a:t>
+              <a:t>1/5/2021</a:t>
             </a:fld>
             <a:endParaRPr lang="en-US" dirty="0"/>
           </a:p>
@@ -1755,7 +1768,7 @@
             <a:fld id="{9B859A98-0DC0-4CFD-9B2A-9A4E378C3142}" type="datetimeFigureOut">
               <a:rPr lang="en-US" smtClean="0"/>
               <a:pPr/>
-              <a:t>1/4/2021</a:t>
+              <a:t>1/5/2021</a:t>
             </a:fld>
             <a:endParaRPr lang="en-US" dirty="0"/>
           </a:p>
@@ -1870,7 +1883,7 @@
             <a:fld id="{9B859A98-0DC0-4CFD-9B2A-9A4E378C3142}" type="datetimeFigureOut">
               <a:rPr lang="en-US" smtClean="0"/>
               <a:pPr/>
-              <a:t>1/4/2021</a:t>
+              <a:t>1/5/2021</a:t>
             </a:fld>
             <a:endParaRPr lang="en-US" dirty="0"/>
           </a:p>
@@ -1962,7 +1975,7 @@
             <a:fld id="{9B859A98-0DC0-4CFD-9B2A-9A4E378C3142}" type="datetimeFigureOut">
               <a:rPr lang="en-US" smtClean="0"/>
               <a:pPr/>
-              <a:t>1/4/2021</a:t>
+              <a:t>1/5/2021</a:t>
             </a:fld>
             <a:endParaRPr lang="en-US" dirty="0"/>
           </a:p>
@@ -2236,7 +2249,7 @@
             <a:fld id="{9B859A98-0DC0-4CFD-9B2A-9A4E378C3142}" type="datetimeFigureOut">
               <a:rPr lang="en-US" smtClean="0"/>
               <a:pPr/>
-              <a:t>1/4/2021</a:t>
+              <a:t>1/5/2021</a:t>
             </a:fld>
             <a:endParaRPr lang="en-US" dirty="0"/>
           </a:p>
@@ -2486,7 +2499,7 @@
             <a:fld id="{9B859A98-0DC0-4CFD-9B2A-9A4E378C3142}" type="datetimeFigureOut">
               <a:rPr lang="en-US" smtClean="0"/>
               <a:pPr/>
-              <a:t>1/4/2021</a:t>
+              <a:t>1/5/2021</a:t>
             </a:fld>
             <a:endParaRPr lang="en-US" dirty="0"/>
           </a:p>
@@ -2696,7 +2709,7 @@
             <a:fld id="{9B859A98-0DC0-4CFD-9B2A-9A4E378C3142}" type="datetimeFigureOut">
               <a:rPr lang="en-US" smtClean="0"/>
               <a:pPr/>
-              <a:t>1/4/2021</a:t>
+              <a:t>1/5/2021</a:t>
             </a:fld>
             <a:endParaRPr lang="en-US" dirty="0"/>
           </a:p>
@@ -3121,6 +3134,1534 @@
 </p:sld>
 </file>
 
+<file path=ppt/slides/slide10.xml><?xml version="1.0" encoding="utf-8"?>
+<p:sld xmlns:a="http://schemas.openxmlformats.org/drawingml/2006/main" xmlns:r="http://schemas.openxmlformats.org/officeDocument/2006/relationships" xmlns:p="http://schemas.openxmlformats.org/presentationml/2006/main">
+  <p:cSld>
+    <p:spTree>
+      <p:nvGrpSpPr>
+        <p:cNvPr id="1" name=""/>
+        <p:cNvGrpSpPr/>
+        <p:nvPr/>
+      </p:nvGrpSpPr>
+      <p:grpSpPr>
+        <a:xfrm>
+          <a:off x="0" y="0"/>
+          <a:ext cx="0" cy="0"/>
+          <a:chOff x="0" y="0"/>
+          <a:chExt cx="0" cy="0"/>
+        </a:xfrm>
+      </p:grpSpPr>
+      <p:sp>
+        <p:nvSpPr>
+          <p:cNvPr id="3" name="Content Placeholder 2"/>
+          <p:cNvSpPr>
+            <a:spLocks noGrp="1"/>
+          </p:cNvSpPr>
+          <p:nvPr>
+            <p:ph idx="1"/>
+          </p:nvPr>
+        </p:nvSpPr>
+        <p:spPr>
+          <a:xfrm>
+            <a:off x="457200" y="381000"/>
+            <a:ext cx="8229600" cy="5745163"/>
+          </a:xfrm>
+        </p:spPr>
+        <p:txBody>
+          <a:bodyPr>
+            <a:normAutofit fontScale="70000" lnSpcReduction="20000"/>
+          </a:bodyPr>
+          <a:lstStyle/>
+          <a:p>
+            <a:pPr>
+              <a:buNone/>
+            </a:pPr>
+            <a:r>
+              <a:rPr lang="en-IN" dirty="0" smtClean="0"/>
+              <a:t># </a:t>
+            </a:r>
+            <a:r>
+              <a:rPr lang="en-IN" dirty="0" smtClean="0"/>
+              <a:t>Defining Arrays </a:t>
+            </a:r>
+          </a:p>
+          <a:p>
+            <a:pPr>
+              <a:buNone/>
+            </a:pPr>
+            <a:r>
+              <a:rPr lang="en-IN" dirty="0" smtClean="0"/>
+              <a:t>@array1 = ("Geeks", "For", "Geeks"); </a:t>
+            </a:r>
+          </a:p>
+          <a:p>
+            <a:pPr>
+              <a:buNone/>
+            </a:pPr>
+            <a:r>
+              <a:rPr lang="en-IN" dirty="0" smtClean="0"/>
+              <a:t>@array2 = (1, 1, 0, 0, 9, 6); </a:t>
+            </a:r>
+          </a:p>
+          <a:p>
+            <a:pPr>
+              <a:buNone/>
+            </a:pPr>
+            <a:endParaRPr lang="en-IN" dirty="0" smtClean="0"/>
+          </a:p>
+          <a:p>
+            <a:pPr>
+              <a:buNone/>
+            </a:pPr>
+            <a:r>
+              <a:rPr lang="en-IN" dirty="0" smtClean="0"/>
+              <a:t># Concatenation of both arrays </a:t>
+            </a:r>
+          </a:p>
+          <a:p>
+            <a:pPr>
+              <a:buNone/>
+            </a:pPr>
+            <a:r>
+              <a:rPr lang="en-IN" dirty="0" smtClean="0"/>
+              <a:t>@array3 = (@array1, @array2); </a:t>
+            </a:r>
+          </a:p>
+          <a:p>
+            <a:pPr>
+              <a:buNone/>
+            </a:pPr>
+            <a:endParaRPr lang="en-IN" dirty="0" smtClean="0"/>
+          </a:p>
+          <a:p>
+            <a:pPr>
+              <a:buNone/>
+            </a:pPr>
+            <a:r>
+              <a:rPr lang="en-IN" dirty="0" smtClean="0"/>
+              <a:t># Printing the Concatenated Array </a:t>
+            </a:r>
+          </a:p>
+          <a:p>
+            <a:pPr>
+              <a:buNone/>
+            </a:pPr>
+            <a:r>
+              <a:rPr lang="en-IN" dirty="0" smtClean="0"/>
+              <a:t># in List form </a:t>
+            </a:r>
+          </a:p>
+          <a:p>
+            <a:pPr>
+              <a:buNone/>
+            </a:pPr>
+            <a:r>
+              <a:rPr lang="en-IN" dirty="0" smtClean="0"/>
+              <a:t>print "Array in List form: @array3\n"; </a:t>
+            </a:r>
+          </a:p>
+          <a:p>
+            <a:pPr>
+              <a:buNone/>
+            </a:pPr>
+            <a:endParaRPr lang="en-IN" dirty="0" smtClean="0"/>
+          </a:p>
+          <a:p>
+            <a:pPr>
+              <a:buNone/>
+            </a:pPr>
+            <a:r>
+              <a:rPr lang="en-IN" dirty="0" smtClean="0"/>
+              <a:t># Conversion of Arrays to scalar context </a:t>
+            </a:r>
+          </a:p>
+          <a:p>
+            <a:pPr>
+              <a:buNone/>
+            </a:pPr>
+            <a:r>
+              <a:rPr lang="en-IN" dirty="0" smtClean="0"/>
+              <a:t>@array3 = (scalar(@array1), scalar(@array2)); </a:t>
+            </a:r>
+          </a:p>
+          <a:p>
+            <a:pPr>
+              <a:buNone/>
+            </a:pPr>
+            <a:endParaRPr lang="en-IN" dirty="0" smtClean="0"/>
+          </a:p>
+          <a:p>
+            <a:pPr>
+              <a:buNone/>
+            </a:pPr>
+            <a:r>
+              <a:rPr lang="en-IN" dirty="0" smtClean="0"/>
+              <a:t># Conversion to scalar returns </a:t>
+            </a:r>
+          </a:p>
+          <a:p>
+            <a:pPr>
+              <a:buNone/>
+            </a:pPr>
+            <a:r>
+              <a:rPr lang="en-IN" dirty="0" smtClean="0"/>
+              <a:t># the number of elements in the array </a:t>
+            </a:r>
+          </a:p>
+          <a:p>
+            <a:pPr>
+              <a:buNone/>
+            </a:pPr>
+            <a:r>
+              <a:rPr lang="en-IN" dirty="0" smtClean="0"/>
+              <a:t>print "Array in scalar form: @array3\n"; </a:t>
+            </a:r>
+          </a:p>
+          <a:p>
+            <a:pPr>
+              <a:buNone/>
+            </a:pPr>
+            <a:endParaRPr lang="en-US" dirty="0"/>
+          </a:p>
+        </p:txBody>
+      </p:sp>
+    </p:spTree>
+  </p:cSld>
+  <p:clrMapOvr>
+    <a:masterClrMapping/>
+  </p:clrMapOvr>
+</p:sld>
+</file>
+
+<file path=ppt/slides/slide11.xml><?xml version="1.0" encoding="utf-8"?>
+<p:sld xmlns:a="http://schemas.openxmlformats.org/drawingml/2006/main" xmlns:r="http://schemas.openxmlformats.org/officeDocument/2006/relationships" xmlns:p="http://schemas.openxmlformats.org/presentationml/2006/main">
+  <p:cSld>
+    <p:spTree>
+      <p:nvGrpSpPr>
+        <p:cNvPr id="1" name=""/>
+        <p:cNvGrpSpPr/>
+        <p:nvPr/>
+      </p:nvGrpSpPr>
+      <p:grpSpPr>
+        <a:xfrm>
+          <a:off x="0" y="0"/>
+          <a:ext cx="0" cy="0"/>
+          <a:chOff x="0" y="0"/>
+          <a:chExt cx="0" cy="0"/>
+        </a:xfrm>
+      </p:grpSpPr>
+      <p:sp>
+        <p:nvSpPr>
+          <p:cNvPr id="3" name="Content Placeholder 2"/>
+          <p:cNvSpPr>
+            <a:spLocks noGrp="1"/>
+          </p:cNvSpPr>
+          <p:nvPr>
+            <p:ph idx="1"/>
+          </p:nvPr>
+        </p:nvSpPr>
+        <p:spPr>
+          <a:xfrm>
+            <a:off x="457200" y="533400"/>
+            <a:ext cx="8229600" cy="5592763"/>
+          </a:xfrm>
+        </p:spPr>
+        <p:txBody>
+          <a:bodyPr/>
+          <a:lstStyle/>
+          <a:p>
+            <a:pPr>
+              <a:buNone/>
+            </a:pPr>
+            <a:r>
+              <a:rPr lang="en-US" dirty="0" smtClean="0"/>
+              <a:t>Output:-</a:t>
+            </a:r>
+          </a:p>
+          <a:p>
+            <a:pPr>
+              <a:buNone/>
+            </a:pPr>
+            <a:r>
+              <a:rPr lang="en-IN" dirty="0" smtClean="0"/>
+              <a:t>Array in List form: Geeks For Geeks 1 1 0 0 9 </a:t>
+            </a:r>
+            <a:r>
+              <a:rPr lang="en-IN" dirty="0" smtClean="0"/>
+              <a:t>6</a:t>
+            </a:r>
+          </a:p>
+          <a:p>
+            <a:pPr>
+              <a:buNone/>
+            </a:pPr>
+            <a:r>
+              <a:rPr lang="en-IN" dirty="0" smtClean="0"/>
+              <a:t>Array </a:t>
+            </a:r>
+            <a:r>
+              <a:rPr lang="en-IN" dirty="0" smtClean="0"/>
+              <a:t>in scalar form: 3 6</a:t>
+            </a:r>
+            <a:endParaRPr lang="en-US" dirty="0"/>
+          </a:p>
+        </p:txBody>
+      </p:sp>
+    </p:spTree>
+  </p:cSld>
+  <p:clrMapOvr>
+    <a:masterClrMapping/>
+  </p:clrMapOvr>
+</p:sld>
+</file>
+
+<file path=ppt/slides/slide12.xml><?xml version="1.0" encoding="utf-8"?>
+<p:sld xmlns:a="http://schemas.openxmlformats.org/drawingml/2006/main" xmlns:r="http://schemas.openxmlformats.org/officeDocument/2006/relationships" xmlns:p="http://schemas.openxmlformats.org/presentationml/2006/main">
+  <p:cSld>
+    <p:spTree>
+      <p:nvGrpSpPr>
+        <p:cNvPr id="1" name=""/>
+        <p:cNvGrpSpPr/>
+        <p:nvPr/>
+      </p:nvGrpSpPr>
+      <p:grpSpPr>
+        <a:xfrm>
+          <a:off x="0" y="0"/>
+          <a:ext cx="0" cy="0"/>
+          <a:chOff x="0" y="0"/>
+          <a:chExt cx="0" cy="0"/>
+        </a:xfrm>
+      </p:grpSpPr>
+      <p:sp>
+        <p:nvSpPr>
+          <p:cNvPr id="2" name="Title 1"/>
+          <p:cNvSpPr>
+            <a:spLocks noGrp="1"/>
+          </p:cNvSpPr>
+          <p:nvPr>
+            <p:ph type="title"/>
+          </p:nvPr>
+        </p:nvSpPr>
+        <p:spPr/>
+        <p:txBody>
+          <a:bodyPr/>
+          <a:lstStyle/>
+          <a:p>
+            <a:r>
+              <a:rPr lang="en-US" dirty="0" smtClean="0"/>
+              <a:t>Hash</a:t>
+            </a:r>
+            <a:endParaRPr lang="en-US" dirty="0"/>
+          </a:p>
+        </p:txBody>
+      </p:sp>
+      <p:sp>
+        <p:nvSpPr>
+          <p:cNvPr id="3" name="Content Placeholder 2"/>
+          <p:cNvSpPr>
+            <a:spLocks noGrp="1"/>
+          </p:cNvSpPr>
+          <p:nvPr>
+            <p:ph idx="1"/>
+          </p:nvPr>
+        </p:nvSpPr>
+        <p:spPr>
+          <a:xfrm>
+            <a:off x="457200" y="1371600"/>
+            <a:ext cx="8229600" cy="4754563"/>
+          </a:xfrm>
+        </p:spPr>
+        <p:txBody>
+          <a:bodyPr/>
+          <a:lstStyle/>
+          <a:p>
+            <a:r>
+              <a:rPr lang="en-IN" dirty="0" smtClean="0"/>
+              <a:t>A </a:t>
+            </a:r>
+            <a:r>
+              <a:rPr lang="en-IN" dirty="0" smtClean="0"/>
+              <a:t>hash</a:t>
+            </a:r>
+            <a:r>
+              <a:rPr lang="en-IN" dirty="0" smtClean="0"/>
+              <a:t> is a set of key-value pairs. Perl stores elements of a hash such that it searches for the values based on its keys. </a:t>
+            </a:r>
+            <a:endParaRPr lang="en-IN" dirty="0" smtClean="0"/>
+          </a:p>
+          <a:p>
+            <a:r>
+              <a:rPr lang="en-IN" dirty="0" smtClean="0"/>
+              <a:t>Hash </a:t>
+            </a:r>
+            <a:r>
+              <a:rPr lang="en-IN" dirty="0" smtClean="0"/>
+              <a:t>variables start with a ‘%’ </a:t>
+            </a:r>
+            <a:r>
+              <a:rPr lang="en-IN" dirty="0" smtClean="0"/>
+              <a:t>sign.</a:t>
+            </a:r>
+          </a:p>
+          <a:p>
+            <a:r>
+              <a:rPr lang="en-IN" dirty="0" smtClean="0"/>
+              <a:t>Perl </a:t>
+            </a:r>
+            <a:r>
+              <a:rPr lang="en-IN" dirty="0" smtClean="0"/>
+              <a:t>requires the keys of a hash to be strings, whereas the values can be any </a:t>
+            </a:r>
+            <a:r>
+              <a:rPr lang="en-IN" dirty="0" smtClean="0"/>
+              <a:t>scalars.</a:t>
+            </a:r>
+          </a:p>
+          <a:p>
+            <a:r>
+              <a:rPr lang="en-IN" dirty="0" smtClean="0"/>
+              <a:t>A hash key must be unique. </a:t>
+            </a:r>
+            <a:r>
+              <a:rPr lang="en-IN" dirty="0" smtClean="0"/>
+              <a:t>If key </a:t>
+            </a:r>
+            <a:r>
+              <a:rPr lang="en-IN" dirty="0" smtClean="0"/>
+              <a:t>is existing then its corresponding value is overwritten.</a:t>
+            </a:r>
+            <a:endParaRPr lang="en-US" dirty="0"/>
+          </a:p>
+        </p:txBody>
+      </p:sp>
+    </p:spTree>
+  </p:cSld>
+  <p:clrMapOvr>
+    <a:masterClrMapping/>
+  </p:clrMapOvr>
+</p:sld>
+</file>
+
+<file path=ppt/slides/slide13.xml><?xml version="1.0" encoding="utf-8"?>
+<p:sld xmlns:a="http://schemas.openxmlformats.org/drawingml/2006/main" xmlns:r="http://schemas.openxmlformats.org/officeDocument/2006/relationships" xmlns:p="http://schemas.openxmlformats.org/presentationml/2006/main">
+  <p:cSld>
+    <p:spTree>
+      <p:nvGrpSpPr>
+        <p:cNvPr id="1" name=""/>
+        <p:cNvGrpSpPr/>
+        <p:nvPr/>
+      </p:nvGrpSpPr>
+      <p:grpSpPr>
+        <a:xfrm>
+          <a:off x="0" y="0"/>
+          <a:ext cx="0" cy="0"/>
+          <a:chOff x="0" y="0"/>
+          <a:chExt cx="0" cy="0"/>
+        </a:xfrm>
+      </p:grpSpPr>
+      <p:sp>
+        <p:nvSpPr>
+          <p:cNvPr id="2" name="Title 1"/>
+          <p:cNvSpPr>
+            <a:spLocks noGrp="1"/>
+          </p:cNvSpPr>
+          <p:nvPr>
+            <p:ph type="title"/>
+          </p:nvPr>
+        </p:nvSpPr>
+        <p:spPr/>
+        <p:txBody>
+          <a:bodyPr/>
+          <a:lstStyle/>
+          <a:p>
+            <a:r>
+              <a:rPr lang="en-US" dirty="0" smtClean="0"/>
+              <a:t>Creating Hashes</a:t>
+            </a:r>
+            <a:endParaRPr lang="en-US" dirty="0"/>
+          </a:p>
+        </p:txBody>
+      </p:sp>
+      <p:sp>
+        <p:nvSpPr>
+          <p:cNvPr id="3" name="Content Placeholder 2"/>
+          <p:cNvSpPr>
+            <a:spLocks noGrp="1"/>
+          </p:cNvSpPr>
+          <p:nvPr>
+            <p:ph idx="1"/>
+          </p:nvPr>
+        </p:nvSpPr>
+        <p:spPr/>
+        <p:txBody>
+          <a:bodyPr/>
+          <a:lstStyle/>
+          <a:p>
+            <a:r>
+              <a:rPr lang="en-IN" dirty="0" smtClean="0"/>
+              <a:t>The value is directly assigned as shown below and data is added to existing hash</a:t>
+            </a:r>
+            <a:r>
+              <a:rPr lang="en-IN" dirty="0" smtClean="0"/>
+              <a:t>.</a:t>
+            </a:r>
+          </a:p>
+          <a:p>
+            <a:pPr>
+              <a:buNone/>
+            </a:pPr>
+            <a:r>
+              <a:rPr lang="en-IN" dirty="0" smtClean="0"/>
+              <a:t>	</a:t>
+            </a:r>
+            <a:r>
+              <a:rPr lang="en-IN" sz="2400" dirty="0" smtClean="0"/>
+              <a:t>$</a:t>
+            </a:r>
+            <a:r>
+              <a:rPr lang="en-IN" sz="2400" dirty="0" smtClean="0"/>
+              <a:t>stud{'Comp'} = 45; </a:t>
+            </a:r>
+            <a:endParaRPr lang="en-IN" sz="2400" dirty="0" smtClean="0"/>
+          </a:p>
+          <a:p>
+            <a:pPr>
+              <a:buNone/>
+            </a:pPr>
+            <a:r>
+              <a:rPr lang="en-IN" sz="2400" dirty="0" smtClean="0"/>
+              <a:t>	</a:t>
+            </a:r>
+            <a:r>
+              <a:rPr lang="en-IN" sz="2400" dirty="0" smtClean="0"/>
+              <a:t>$</a:t>
+            </a:r>
+            <a:r>
+              <a:rPr lang="en-IN" sz="2400" dirty="0" smtClean="0"/>
+              <a:t>stud{'</a:t>
+            </a:r>
+            <a:r>
+              <a:rPr lang="en-IN" sz="2400" dirty="0" err="1" smtClean="0"/>
+              <a:t>Inft</a:t>
+            </a:r>
+            <a:r>
+              <a:rPr lang="en-IN" sz="2400" dirty="0" smtClean="0"/>
+              <a:t>'} = 42; </a:t>
+            </a:r>
+            <a:endParaRPr lang="en-IN" sz="2400" dirty="0" smtClean="0"/>
+          </a:p>
+          <a:p>
+            <a:pPr>
+              <a:buNone/>
+            </a:pPr>
+            <a:r>
+              <a:rPr lang="en-IN" sz="2400" dirty="0" smtClean="0"/>
+              <a:t>	</a:t>
+            </a:r>
+            <a:r>
+              <a:rPr lang="en-IN" sz="2400" dirty="0" smtClean="0"/>
+              <a:t>$</a:t>
+            </a:r>
+            <a:r>
+              <a:rPr lang="en-IN" sz="2400" dirty="0" smtClean="0"/>
+              <a:t>stud{'</a:t>
+            </a:r>
+            <a:r>
+              <a:rPr lang="en-IN" sz="2400" dirty="0" err="1" smtClean="0"/>
+              <a:t>Extc</a:t>
+            </a:r>
+            <a:r>
+              <a:rPr lang="en-IN" sz="2400" dirty="0" smtClean="0"/>
+              <a:t>'} = 35</a:t>
+            </a:r>
+            <a:r>
+              <a:rPr lang="en-IN" sz="2400" dirty="0" smtClean="0"/>
+              <a:t>;</a:t>
+            </a:r>
+          </a:p>
+          <a:p>
+            <a:r>
+              <a:rPr lang="en-IN" dirty="0" smtClean="0"/>
+              <a:t>Another way is by using list which gets converted to hash by taking individual pairs. </a:t>
+            </a:r>
+            <a:endParaRPr lang="en-IN" dirty="0" smtClean="0"/>
+          </a:p>
+          <a:p>
+            <a:pPr>
+              <a:buNone/>
+            </a:pPr>
+            <a:r>
+              <a:rPr lang="en-US" dirty="0" smtClean="0"/>
+              <a:t>	</a:t>
+            </a:r>
+            <a:r>
+              <a:rPr lang="en-US" sz="2400" dirty="0" smtClean="0"/>
+              <a:t>%</a:t>
+            </a:r>
+            <a:r>
+              <a:rPr lang="en-US" sz="2400" dirty="0" smtClean="0"/>
+              <a:t>stud = ('Comp', 45, '</a:t>
+            </a:r>
+            <a:r>
+              <a:rPr lang="en-US" sz="2400" dirty="0" err="1" smtClean="0"/>
+              <a:t>Inft</a:t>
+            </a:r>
+            <a:r>
+              <a:rPr lang="en-US" sz="2400" dirty="0" smtClean="0"/>
+              <a:t>', 42, '</a:t>
+            </a:r>
+            <a:r>
+              <a:rPr lang="en-US" sz="2400" dirty="0" err="1" smtClean="0"/>
+              <a:t>Extc</a:t>
+            </a:r>
+            <a:r>
+              <a:rPr lang="en-US" sz="2400" dirty="0" smtClean="0"/>
+              <a:t>', 35);</a:t>
+            </a:r>
+            <a:endParaRPr lang="en-US" sz="2400" dirty="0"/>
+          </a:p>
+        </p:txBody>
+      </p:sp>
+    </p:spTree>
+  </p:cSld>
+  <p:clrMapOvr>
+    <a:masterClrMapping/>
+  </p:clrMapOvr>
+</p:sld>
+</file>
+
+<file path=ppt/slides/slide14.xml><?xml version="1.0" encoding="utf-8"?>
+<p:sld xmlns:a="http://schemas.openxmlformats.org/drawingml/2006/main" xmlns:r="http://schemas.openxmlformats.org/officeDocument/2006/relationships" xmlns:p="http://schemas.openxmlformats.org/presentationml/2006/main">
+  <p:cSld>
+    <p:spTree>
+      <p:nvGrpSpPr>
+        <p:cNvPr id="1" name=""/>
+        <p:cNvGrpSpPr/>
+        <p:nvPr/>
+      </p:nvGrpSpPr>
+      <p:grpSpPr>
+        <a:xfrm>
+          <a:off x="0" y="0"/>
+          <a:ext cx="0" cy="0"/>
+          <a:chOff x="0" y="0"/>
+          <a:chExt cx="0" cy="0"/>
+        </a:xfrm>
+      </p:grpSpPr>
+      <p:sp>
+        <p:nvSpPr>
+          <p:cNvPr id="3" name="Content Placeholder 2"/>
+          <p:cNvSpPr>
+            <a:spLocks noGrp="1"/>
+          </p:cNvSpPr>
+          <p:nvPr>
+            <p:ph idx="1"/>
+          </p:nvPr>
+        </p:nvSpPr>
+        <p:spPr>
+          <a:xfrm>
+            <a:off x="457200" y="533400"/>
+            <a:ext cx="8229600" cy="5592763"/>
+          </a:xfrm>
+        </p:spPr>
+        <p:txBody>
+          <a:bodyPr/>
+          <a:lstStyle/>
+          <a:p>
+            <a:r>
+              <a:rPr lang="en-IN" dirty="0" smtClean="0"/>
+              <a:t>One way is using </a:t>
+            </a:r>
+            <a:r>
+              <a:rPr lang="en-IN" b="1" dirty="0" smtClean="0"/>
+              <a:t>=&gt;</a:t>
+            </a:r>
+            <a:r>
+              <a:rPr lang="en-IN" dirty="0" smtClean="0"/>
+              <a:t> to indicate the key/value pairs </a:t>
+            </a:r>
+            <a:endParaRPr lang="en-IN" dirty="0" smtClean="0"/>
+          </a:p>
+          <a:p>
+            <a:pPr>
+              <a:buNone/>
+            </a:pPr>
+            <a:r>
+              <a:rPr lang="en-IN" sz="2400" dirty="0" smtClean="0"/>
+              <a:t>	</a:t>
+            </a:r>
+            <a:r>
+              <a:rPr lang="en-US" sz="2400" dirty="0" smtClean="0"/>
+              <a:t>%stud = ('Comp' =&gt; 45, '</a:t>
+            </a:r>
+            <a:r>
+              <a:rPr lang="en-US" sz="2400" dirty="0" err="1" smtClean="0"/>
+              <a:t>Inft</a:t>
+            </a:r>
+            <a:r>
+              <a:rPr lang="en-US" sz="2400" dirty="0" smtClean="0"/>
+              <a:t>' =&gt; 42, '</a:t>
+            </a:r>
+            <a:r>
+              <a:rPr lang="en-US" sz="2400" dirty="0" err="1" smtClean="0"/>
+              <a:t>Extc</a:t>
+            </a:r>
+            <a:r>
+              <a:rPr lang="en-US" sz="2400" dirty="0" smtClean="0"/>
+              <a:t>' =&gt; 35</a:t>
+            </a:r>
+            <a:r>
+              <a:rPr lang="en-US" sz="2400" dirty="0" smtClean="0"/>
+              <a:t>);</a:t>
+            </a:r>
+          </a:p>
+          <a:p>
+            <a:pPr>
+              <a:buNone/>
+            </a:pPr>
+            <a:r>
+              <a:rPr lang="en-US" sz="2400" dirty="0" smtClean="0"/>
+              <a:t>	%</a:t>
+            </a:r>
+            <a:r>
+              <a:rPr lang="en-US" sz="2400" dirty="0" smtClean="0"/>
+              <a:t>stud = (-Comp =&gt; 45, -</a:t>
+            </a:r>
+            <a:r>
+              <a:rPr lang="en-US" sz="2400" dirty="0" err="1" smtClean="0"/>
+              <a:t>Inft</a:t>
+            </a:r>
+            <a:r>
+              <a:rPr lang="en-US" sz="2400" dirty="0" smtClean="0"/>
+              <a:t> =&gt; 42, -</a:t>
+            </a:r>
+            <a:r>
+              <a:rPr lang="en-US" sz="2400" dirty="0" err="1" smtClean="0"/>
+              <a:t>Extc</a:t>
+            </a:r>
+            <a:r>
+              <a:rPr lang="en-US" sz="2400" dirty="0" smtClean="0"/>
+              <a:t> =&gt; 35</a:t>
+            </a:r>
+            <a:r>
+              <a:rPr lang="en-US" sz="2400" dirty="0" smtClean="0"/>
+              <a:t>);</a:t>
+            </a:r>
+          </a:p>
+          <a:p>
+            <a:pPr>
+              <a:buNone/>
+            </a:pPr>
+            <a:endParaRPr lang="en-US" sz="2400" dirty="0" smtClean="0"/>
+          </a:p>
+          <a:p>
+            <a:pPr>
+              <a:buNone/>
+            </a:pPr>
+            <a:endParaRPr lang="en-US" dirty="0" smtClean="0"/>
+          </a:p>
+        </p:txBody>
+      </p:sp>
+    </p:spTree>
+  </p:cSld>
+  <p:clrMapOvr>
+    <a:masterClrMapping/>
+  </p:clrMapOvr>
+</p:sld>
+</file>
+
+<file path=ppt/slides/slide15.xml><?xml version="1.0" encoding="utf-8"?>
+<p:sld xmlns:a="http://schemas.openxmlformats.org/drawingml/2006/main" xmlns:r="http://schemas.openxmlformats.org/officeDocument/2006/relationships" xmlns:p="http://schemas.openxmlformats.org/presentationml/2006/main">
+  <p:cSld>
+    <p:spTree>
+      <p:nvGrpSpPr>
+        <p:cNvPr id="1" name=""/>
+        <p:cNvGrpSpPr/>
+        <p:nvPr/>
+      </p:nvGrpSpPr>
+      <p:grpSpPr>
+        <a:xfrm>
+          <a:off x="0" y="0"/>
+          <a:ext cx="0" cy="0"/>
+          <a:chOff x="0" y="0"/>
+          <a:chExt cx="0" cy="0"/>
+        </a:xfrm>
+      </p:grpSpPr>
+      <p:sp>
+        <p:nvSpPr>
+          <p:cNvPr id="3" name="Content Placeholder 2"/>
+          <p:cNvSpPr>
+            <a:spLocks noGrp="1"/>
+          </p:cNvSpPr>
+          <p:nvPr>
+            <p:ph idx="1"/>
+          </p:nvPr>
+        </p:nvSpPr>
+        <p:spPr>
+          <a:xfrm>
+            <a:off x="457200" y="609600"/>
+            <a:ext cx="8229600" cy="5516563"/>
+          </a:xfrm>
+        </p:spPr>
+        <p:txBody>
+          <a:bodyPr/>
+          <a:lstStyle/>
+          <a:p>
+            <a:pPr fontAlgn="base">
+              <a:buNone/>
+            </a:pPr>
+            <a:r>
+              <a:rPr lang="en-US" dirty="0" smtClean="0"/>
+              <a:t>$stud1{'Comp'} = 10; </a:t>
+            </a:r>
+          </a:p>
+          <a:p>
+            <a:pPr fontAlgn="base">
+              <a:buNone/>
+            </a:pPr>
+            <a:r>
+              <a:rPr lang="en-US" dirty="0" smtClean="0"/>
+              <a:t>$stud1{'</a:t>
+            </a:r>
+            <a:r>
+              <a:rPr lang="en-US" dirty="0" err="1" smtClean="0"/>
+              <a:t>Inft</a:t>
+            </a:r>
+            <a:r>
+              <a:rPr lang="en-US" dirty="0" smtClean="0"/>
+              <a:t>'} = 20; </a:t>
+            </a:r>
+          </a:p>
+          <a:p>
+            <a:pPr fontAlgn="base">
+              <a:buNone/>
+            </a:pPr>
+            <a:r>
+              <a:rPr lang="en-US" dirty="0" smtClean="0"/>
+              <a:t>$stud1{'</a:t>
+            </a:r>
+            <a:r>
+              <a:rPr lang="en-US" dirty="0" err="1" smtClean="0"/>
+              <a:t>Extc</a:t>
+            </a:r>
+            <a:r>
+              <a:rPr lang="en-US" dirty="0" smtClean="0"/>
+              <a:t>'} = 30; </a:t>
+            </a:r>
+          </a:p>
+          <a:p>
+            <a:pPr fontAlgn="base">
+              <a:buNone/>
+            </a:pPr>
+            <a:r>
+              <a:rPr lang="en-US" dirty="0" smtClean="0"/>
+              <a:t> </a:t>
+            </a:r>
+          </a:p>
+          <a:p>
+            <a:pPr fontAlgn="base">
+              <a:buNone/>
+            </a:pPr>
+            <a:r>
+              <a:rPr lang="en-US" dirty="0" smtClean="0"/>
+              <a:t># printing elements of stud </a:t>
+            </a:r>
+          </a:p>
+          <a:p>
+            <a:pPr fontAlgn="base">
+              <a:buNone/>
+            </a:pPr>
+            <a:r>
+              <a:rPr lang="en-US" dirty="0" smtClean="0"/>
+              <a:t>print "Printing values of Hash1\n"; </a:t>
+            </a:r>
+          </a:p>
+          <a:p>
+            <a:pPr fontAlgn="base">
+              <a:buNone/>
+            </a:pPr>
+            <a:r>
+              <a:rPr lang="en-US" dirty="0" smtClean="0"/>
+              <a:t>print "$stud1{'Comp'}\n"; </a:t>
+            </a:r>
+            <a:r>
+              <a:rPr lang="en-US" dirty="0" smtClean="0"/>
+              <a:t>		//10</a:t>
+            </a:r>
+            <a:endParaRPr lang="en-US" dirty="0" smtClean="0"/>
+          </a:p>
+          <a:p>
+            <a:pPr fontAlgn="base">
+              <a:buNone/>
+            </a:pPr>
+            <a:r>
+              <a:rPr lang="en-US" dirty="0" smtClean="0"/>
+              <a:t>print "$stud1{'</a:t>
+            </a:r>
+            <a:r>
+              <a:rPr lang="en-US" dirty="0" err="1" smtClean="0"/>
+              <a:t>Inft</a:t>
+            </a:r>
+            <a:r>
+              <a:rPr lang="en-US" dirty="0" smtClean="0"/>
+              <a:t>'}\n"; </a:t>
+            </a:r>
+            <a:r>
+              <a:rPr lang="en-US" dirty="0" smtClean="0"/>
+              <a:t>		//20</a:t>
+            </a:r>
+            <a:endParaRPr lang="en-US" dirty="0" smtClean="0"/>
+          </a:p>
+          <a:p>
+            <a:pPr fontAlgn="base">
+              <a:buNone/>
+            </a:pPr>
+            <a:r>
+              <a:rPr lang="en-US" dirty="0" smtClean="0"/>
+              <a:t>print "$stud1{'</a:t>
+            </a:r>
+            <a:r>
+              <a:rPr lang="en-US" dirty="0" err="1" smtClean="0"/>
+              <a:t>Extc</a:t>
+            </a:r>
+            <a:r>
+              <a:rPr lang="en-US" dirty="0" smtClean="0"/>
+              <a:t>'}\n"; </a:t>
+            </a:r>
+            <a:r>
+              <a:rPr lang="en-US" dirty="0" smtClean="0"/>
+              <a:t>		//30</a:t>
+            </a:r>
+            <a:endParaRPr lang="en-US" dirty="0" smtClean="0"/>
+          </a:p>
+          <a:p>
+            <a:pPr>
+              <a:buNone/>
+            </a:pPr>
+            <a:endParaRPr lang="en-US" dirty="0"/>
+          </a:p>
+        </p:txBody>
+      </p:sp>
+    </p:spTree>
+  </p:cSld>
+  <p:clrMapOvr>
+    <a:masterClrMapping/>
+  </p:clrMapOvr>
+</p:sld>
+</file>
+
+<file path=ppt/slides/slide16.xml><?xml version="1.0" encoding="utf-8"?>
+<p:sld xmlns:a="http://schemas.openxmlformats.org/drawingml/2006/main" xmlns:r="http://schemas.openxmlformats.org/officeDocument/2006/relationships" xmlns:p="http://schemas.openxmlformats.org/presentationml/2006/main">
+  <p:cSld>
+    <p:spTree>
+      <p:nvGrpSpPr>
+        <p:cNvPr id="1" name=""/>
+        <p:cNvGrpSpPr/>
+        <p:nvPr/>
+      </p:nvGrpSpPr>
+      <p:grpSpPr>
+        <a:xfrm>
+          <a:off x="0" y="0"/>
+          <a:ext cx="0" cy="0"/>
+          <a:chOff x="0" y="0"/>
+          <a:chExt cx="0" cy="0"/>
+        </a:xfrm>
+      </p:grpSpPr>
+      <p:sp>
+        <p:nvSpPr>
+          <p:cNvPr id="2" name="Title 1"/>
+          <p:cNvSpPr>
+            <a:spLocks noGrp="1"/>
+          </p:cNvSpPr>
+          <p:nvPr>
+            <p:ph type="title"/>
+          </p:nvPr>
+        </p:nvSpPr>
+        <p:spPr/>
+        <p:txBody>
+          <a:bodyPr/>
+          <a:lstStyle/>
+          <a:p>
+            <a:r>
+              <a:rPr lang="en-US" dirty="0" smtClean="0"/>
+              <a:t>Extracting keys and values</a:t>
+            </a:r>
+            <a:endParaRPr lang="en-US" dirty="0"/>
+          </a:p>
+        </p:txBody>
+      </p:sp>
+      <p:sp>
+        <p:nvSpPr>
+          <p:cNvPr id="3" name="Content Placeholder 2"/>
+          <p:cNvSpPr>
+            <a:spLocks noGrp="1"/>
+          </p:cNvSpPr>
+          <p:nvPr>
+            <p:ph idx="1"/>
+          </p:nvPr>
+        </p:nvSpPr>
+        <p:spPr>
+          <a:xfrm>
+            <a:off x="457200" y="1371600"/>
+            <a:ext cx="8229600" cy="4754563"/>
+          </a:xfrm>
+        </p:spPr>
+        <p:txBody>
+          <a:bodyPr/>
+          <a:lstStyle/>
+          <a:p>
+            <a:r>
+              <a:rPr lang="en-IN" dirty="0" smtClean="0"/>
+              <a:t>Hash allows to </a:t>
+            </a:r>
+            <a:r>
+              <a:rPr lang="en-IN" dirty="0" smtClean="0"/>
+              <a:t>extract </a:t>
+            </a:r>
+            <a:r>
+              <a:rPr lang="en-IN" dirty="0" smtClean="0"/>
+              <a:t>keys and values with the use of inbuilt functions</a:t>
+            </a:r>
+            <a:r>
+              <a:rPr lang="en-IN" dirty="0" smtClean="0"/>
+              <a:t>.</a:t>
+            </a:r>
+          </a:p>
+          <a:p>
+            <a:r>
+              <a:rPr lang="en-US" dirty="0" smtClean="0"/>
+              <a:t>Syntax: keys %</a:t>
+            </a:r>
+            <a:r>
+              <a:rPr lang="en-US" dirty="0" smtClean="0"/>
+              <a:t>HASH</a:t>
+            </a:r>
+          </a:p>
+          <a:p>
+            <a:pPr>
+              <a:buNone/>
+            </a:pPr>
+            <a:r>
+              <a:rPr lang="en-US" dirty="0" smtClean="0"/>
+              <a:t>	</a:t>
+            </a:r>
+            <a:r>
+              <a:rPr lang="en-IN" dirty="0" smtClean="0"/>
+              <a:t>Returns an array of all the keys present in the </a:t>
+            </a:r>
+            <a:r>
+              <a:rPr lang="en-IN" dirty="0" smtClean="0"/>
+              <a:t>HASH</a:t>
+            </a:r>
+          </a:p>
+          <a:p>
+            <a:r>
+              <a:rPr lang="en-IN" dirty="0" smtClean="0"/>
+              <a:t>Syntax: values %HASH</a:t>
+            </a:r>
+            <a:br>
+              <a:rPr lang="en-IN" dirty="0" smtClean="0"/>
+            </a:br>
+            <a:r>
+              <a:rPr lang="en-IN" dirty="0" smtClean="0"/>
+              <a:t>Returns an array with all the values of HASH</a:t>
+            </a:r>
+            <a:endParaRPr lang="en-US" dirty="0" smtClean="0"/>
+          </a:p>
+        </p:txBody>
+      </p:sp>
+    </p:spTree>
+  </p:cSld>
+  <p:clrMapOvr>
+    <a:masterClrMapping/>
+  </p:clrMapOvr>
+</p:sld>
+</file>
+
+<file path=ppt/slides/slide17.xml><?xml version="1.0" encoding="utf-8"?>
+<p:sld xmlns:a="http://schemas.openxmlformats.org/drawingml/2006/main" xmlns:r="http://schemas.openxmlformats.org/officeDocument/2006/relationships" xmlns:p="http://schemas.openxmlformats.org/presentationml/2006/main">
+  <p:cSld>
+    <p:spTree>
+      <p:nvGrpSpPr>
+        <p:cNvPr id="1" name=""/>
+        <p:cNvGrpSpPr/>
+        <p:nvPr/>
+      </p:nvGrpSpPr>
+      <p:grpSpPr>
+        <a:xfrm>
+          <a:off x="0" y="0"/>
+          <a:ext cx="0" cy="0"/>
+          <a:chOff x="0" y="0"/>
+          <a:chExt cx="0" cy="0"/>
+        </a:xfrm>
+      </p:grpSpPr>
+      <p:sp>
+        <p:nvSpPr>
+          <p:cNvPr id="2" name="Title 1"/>
+          <p:cNvSpPr>
+            <a:spLocks noGrp="1"/>
+          </p:cNvSpPr>
+          <p:nvPr>
+            <p:ph type="title"/>
+          </p:nvPr>
+        </p:nvSpPr>
+        <p:spPr/>
+        <p:txBody>
+          <a:bodyPr/>
+          <a:lstStyle/>
+          <a:p>
+            <a:r>
+              <a:rPr lang="en-US" dirty="0" smtClean="0"/>
+              <a:t>Arrays</a:t>
+            </a:r>
+            <a:endParaRPr lang="en-US" dirty="0"/>
+          </a:p>
+        </p:txBody>
+      </p:sp>
+      <p:sp>
+        <p:nvSpPr>
+          <p:cNvPr id="3" name="Content Placeholder 2"/>
+          <p:cNvSpPr>
+            <a:spLocks noGrp="1"/>
+          </p:cNvSpPr>
+          <p:nvPr>
+            <p:ph idx="1"/>
+          </p:nvPr>
+        </p:nvSpPr>
+        <p:spPr>
+          <a:xfrm>
+            <a:off x="457200" y="1417637"/>
+            <a:ext cx="8229600" cy="4830763"/>
+          </a:xfrm>
+        </p:spPr>
+        <p:txBody>
+          <a:bodyPr>
+            <a:normAutofit fontScale="92500"/>
+          </a:bodyPr>
+          <a:lstStyle/>
+          <a:p>
+            <a:r>
+              <a:rPr lang="en-IN" dirty="0">
+                <a:latin typeface="Times New Roman" pitchFamily="18" charset="0"/>
+                <a:cs typeface="Times New Roman" pitchFamily="18" charset="0"/>
+              </a:rPr>
+              <a:t>The array is used to store the list of values and each object of the list is termed as an element. </a:t>
+            </a:r>
+            <a:endParaRPr lang="en-IN" dirty="0" smtClean="0">
+              <a:latin typeface="Times New Roman" pitchFamily="18" charset="0"/>
+              <a:cs typeface="Times New Roman" pitchFamily="18" charset="0"/>
+            </a:endParaRPr>
+          </a:p>
+          <a:p>
+            <a:r>
+              <a:rPr lang="en-IN" dirty="0">
+                <a:latin typeface="Times New Roman" pitchFamily="18" charset="0"/>
+                <a:cs typeface="Times New Roman" pitchFamily="18" charset="0"/>
+              </a:rPr>
+              <a:t>Elements can either be a number, string, or any type of </a:t>
+            </a:r>
+            <a:r>
+              <a:rPr lang="en-IN" dirty="0" smtClean="0">
+                <a:latin typeface="Times New Roman" pitchFamily="18" charset="0"/>
+                <a:cs typeface="Times New Roman" pitchFamily="18" charset="0"/>
+              </a:rPr>
+              <a:t>scalar</a:t>
+            </a:r>
+            <a:r>
+              <a:rPr lang="en-IN" dirty="0">
+                <a:latin typeface="Times New Roman" pitchFamily="18" charset="0"/>
+                <a:cs typeface="Times New Roman" pitchFamily="18" charset="0"/>
+              </a:rPr>
+              <a:t> data including another </a:t>
+            </a:r>
+            <a:r>
+              <a:rPr lang="en-IN" dirty="0" smtClean="0">
+                <a:latin typeface="Times New Roman" pitchFamily="18" charset="0"/>
+                <a:cs typeface="Times New Roman" pitchFamily="18" charset="0"/>
+              </a:rPr>
+              <a:t>variable</a:t>
+            </a:r>
+          </a:p>
+          <a:p>
+            <a:r>
+              <a:rPr lang="en-IN" dirty="0" smtClean="0">
+                <a:latin typeface="Times New Roman" pitchFamily="18" charset="0"/>
+                <a:cs typeface="Times New Roman" pitchFamily="18" charset="0"/>
+              </a:rPr>
+              <a:t>Creation: In </a:t>
+            </a:r>
+            <a:r>
+              <a:rPr lang="en-IN" dirty="0">
+                <a:latin typeface="Times New Roman" pitchFamily="18" charset="0"/>
+                <a:cs typeface="Times New Roman" pitchFamily="18" charset="0"/>
+              </a:rPr>
+              <a:t>Perl programming every array variable is declared using </a:t>
+            </a:r>
+            <a:r>
+              <a:rPr lang="en-IN" b="1" dirty="0">
+                <a:latin typeface="Times New Roman" pitchFamily="18" charset="0"/>
+                <a:cs typeface="Times New Roman" pitchFamily="18" charset="0"/>
+              </a:rPr>
+              <a:t>“@”</a:t>
+            </a:r>
+            <a:r>
+              <a:rPr lang="en-IN" dirty="0">
+                <a:latin typeface="Times New Roman" pitchFamily="18" charset="0"/>
+                <a:cs typeface="Times New Roman" pitchFamily="18" charset="0"/>
+              </a:rPr>
+              <a:t> sign before the variable’s name</a:t>
+            </a:r>
+            <a:r>
+              <a:rPr lang="en-IN" dirty="0" smtClean="0">
+                <a:latin typeface="Times New Roman" pitchFamily="18" charset="0"/>
+                <a:cs typeface="Times New Roman" pitchFamily="18" charset="0"/>
+              </a:rPr>
+              <a:t>.</a:t>
+            </a:r>
+          </a:p>
+          <a:p>
+            <a:pPr>
+              <a:buNone/>
+            </a:pPr>
+            <a:r>
+              <a:rPr lang="en-IN" dirty="0">
+                <a:latin typeface="Times New Roman" pitchFamily="18" charset="0"/>
+                <a:cs typeface="Times New Roman" pitchFamily="18" charset="0"/>
+              </a:rPr>
+              <a:t>	</a:t>
+            </a:r>
+            <a:r>
+              <a:rPr lang="en-IN" dirty="0" smtClean="0">
+                <a:latin typeface="Times New Roman" pitchFamily="18" charset="0"/>
+                <a:cs typeface="Times New Roman" pitchFamily="18" charset="0"/>
+              </a:rPr>
+              <a:t>ex:</a:t>
+            </a:r>
+            <a:r>
+              <a:rPr lang="nb-NO" sz="2600" dirty="0" smtClean="0">
+                <a:latin typeface="Times New Roman" pitchFamily="18" charset="0"/>
+                <a:cs typeface="Times New Roman" pitchFamily="18" charset="0"/>
+              </a:rPr>
+              <a:t>@arr = (1, 2, 3); @arr = (1, 2, 3, "Hello");</a:t>
+            </a:r>
+          </a:p>
+          <a:p>
+            <a:r>
+              <a:rPr lang="en-IN" dirty="0" smtClean="0">
+                <a:latin typeface="Times New Roman" pitchFamily="18" charset="0"/>
+                <a:cs typeface="Times New Roman" pitchFamily="18" charset="0"/>
+              </a:rPr>
+              <a:t>Array can store </a:t>
+            </a:r>
+            <a:r>
+              <a:rPr lang="en-IN" dirty="0">
+                <a:latin typeface="Times New Roman" pitchFamily="18" charset="0"/>
+                <a:cs typeface="Times New Roman" pitchFamily="18" charset="0"/>
+              </a:rPr>
+              <a:t>elements of multiple </a:t>
+            </a:r>
+            <a:r>
+              <a:rPr lang="en-IN" dirty="0" smtClean="0">
+                <a:latin typeface="Times New Roman" pitchFamily="18" charset="0"/>
+                <a:cs typeface="Times New Roman" pitchFamily="18" charset="0"/>
+              </a:rPr>
+              <a:t>data types.</a:t>
+            </a:r>
+            <a:endParaRPr lang="en-US" dirty="0">
+              <a:latin typeface="Times New Roman" pitchFamily="18" charset="0"/>
+              <a:cs typeface="Times New Roman" pitchFamily="18" charset="0"/>
+            </a:endParaRPr>
+          </a:p>
+        </p:txBody>
+      </p:sp>
+    </p:spTree>
+  </p:cSld>
+  <p:clrMapOvr>
+    <a:masterClrMapping/>
+  </p:clrMapOvr>
+</p:sld>
+</file>
+
+<file path=ppt/slides/slide18.xml><?xml version="1.0" encoding="utf-8"?>
+<p:sld xmlns:a="http://schemas.openxmlformats.org/drawingml/2006/main" xmlns:r="http://schemas.openxmlformats.org/officeDocument/2006/relationships" xmlns:p="http://schemas.openxmlformats.org/presentationml/2006/main">
+  <p:cSld>
+    <p:spTree>
+      <p:nvGrpSpPr>
+        <p:cNvPr id="1" name=""/>
+        <p:cNvGrpSpPr/>
+        <p:nvPr/>
+      </p:nvGrpSpPr>
+      <p:grpSpPr>
+        <a:xfrm>
+          <a:off x="0" y="0"/>
+          <a:ext cx="0" cy="0"/>
+          <a:chOff x="0" y="0"/>
+          <a:chExt cx="0" cy="0"/>
+        </a:xfrm>
+      </p:grpSpPr>
+      <p:sp>
+        <p:nvSpPr>
+          <p:cNvPr id="3" name="Content Placeholder 2"/>
+          <p:cNvSpPr>
+            <a:spLocks noGrp="1"/>
+          </p:cNvSpPr>
+          <p:nvPr>
+            <p:ph idx="1"/>
+          </p:nvPr>
+        </p:nvSpPr>
+        <p:spPr>
+          <a:xfrm>
+            <a:off x="457200" y="609600"/>
+            <a:ext cx="8229600" cy="5516563"/>
+          </a:xfrm>
+        </p:spPr>
+        <p:txBody>
+          <a:bodyPr>
+            <a:normAutofit/>
+          </a:bodyPr>
+          <a:lstStyle/>
+          <a:p>
+            <a:r>
+              <a:rPr lang="en-US" dirty="0" smtClean="0"/>
+              <a:t>qw(): This is used to create an array on single quoted words.</a:t>
+            </a:r>
+          </a:p>
+          <a:p>
+            <a:pPr>
+              <a:buNone/>
+            </a:pPr>
+            <a:r>
+              <a:rPr lang="en-US" dirty="0"/>
+              <a:t>	</a:t>
+            </a:r>
+            <a:r>
+              <a:rPr lang="en-US" dirty="0" smtClean="0"/>
+              <a:t>Syntax:</a:t>
+            </a:r>
+          </a:p>
+          <a:p>
+            <a:pPr>
+              <a:buNone/>
+            </a:pPr>
+            <a:r>
+              <a:rPr lang="en-US" dirty="0"/>
+              <a:t>	</a:t>
+            </a:r>
+            <a:r>
+              <a:rPr lang="fr-FR" sz="2400" dirty="0" smtClean="0"/>
+              <a:t>qw (Expression) qw /Expression/ qw 'Expression' qw {Expression}</a:t>
+            </a:r>
+          </a:p>
+          <a:p>
+            <a:pPr>
+              <a:buNone/>
+            </a:pPr>
+            <a:r>
+              <a:rPr lang="en-IN" sz="2400" dirty="0" smtClean="0"/>
+              <a:t>	@arr1</a:t>
+            </a:r>
+            <a:r>
+              <a:rPr lang="en-IN" sz="2400" dirty="0"/>
+              <a:t> </a:t>
+            </a:r>
+            <a:r>
+              <a:rPr lang="en-IN" sz="2400" dirty="0" smtClean="0"/>
+              <a:t>= qw /This is a Perl/;</a:t>
+            </a:r>
+          </a:p>
+          <a:p>
+            <a:pPr>
+              <a:buNone/>
+            </a:pPr>
+            <a:r>
+              <a:rPr lang="en-IN" sz="2400" dirty="0"/>
+              <a:t>	</a:t>
+            </a:r>
+            <a:r>
+              <a:rPr lang="en-IN" sz="2400" dirty="0" smtClean="0"/>
+              <a:t>output: [‘This’, ’is’, ’a’, ’Perl’]</a:t>
+            </a:r>
+          </a:p>
+          <a:p>
+            <a:r>
+              <a:rPr lang="en-IN" dirty="0"/>
+              <a:t>For accessing the elements of an array we must prefix </a:t>
+            </a:r>
+            <a:r>
+              <a:rPr lang="en-IN" b="1" dirty="0"/>
+              <a:t>“$”</a:t>
+            </a:r>
+            <a:r>
+              <a:rPr lang="en-IN" dirty="0"/>
+              <a:t> sign before the array </a:t>
+            </a:r>
+            <a:r>
+              <a:rPr lang="en-IN" dirty="0" smtClean="0"/>
+              <a:t>variable</a:t>
+            </a:r>
+          </a:p>
+          <a:p>
+            <a:pPr>
+              <a:buNone/>
+            </a:pPr>
+            <a:r>
+              <a:rPr lang="en-IN" dirty="0"/>
+              <a:t>	</a:t>
+            </a:r>
+            <a:r>
+              <a:rPr lang="en-US" sz="2400" dirty="0" smtClean="0"/>
+              <a:t>$</a:t>
+            </a:r>
+            <a:r>
+              <a:rPr lang="en-US" sz="2400" dirty="0" err="1" smtClean="0"/>
+              <a:t>arr</a:t>
+            </a:r>
+            <a:r>
+              <a:rPr lang="en-US" sz="2400" dirty="0" smtClean="0"/>
+              <a:t>[0]</a:t>
+            </a:r>
+          </a:p>
+          <a:p>
+            <a:endParaRPr lang="en-US" dirty="0"/>
+          </a:p>
+        </p:txBody>
+      </p:sp>
+    </p:spTree>
+  </p:cSld>
+  <p:clrMapOvr>
+    <a:masterClrMapping/>
+  </p:clrMapOvr>
+</p:sld>
+</file>
+
+<file path=ppt/slides/slide19.xml><?xml version="1.0" encoding="utf-8"?>
+<p:sld xmlns:a="http://schemas.openxmlformats.org/drawingml/2006/main" xmlns:r="http://schemas.openxmlformats.org/officeDocument/2006/relationships" xmlns:p="http://schemas.openxmlformats.org/presentationml/2006/main">
+  <p:cSld>
+    <p:spTree>
+      <p:nvGrpSpPr>
+        <p:cNvPr id="1" name=""/>
+        <p:cNvGrpSpPr/>
+        <p:nvPr/>
+      </p:nvGrpSpPr>
+      <p:grpSpPr>
+        <a:xfrm>
+          <a:off x="0" y="0"/>
+          <a:ext cx="0" cy="0"/>
+          <a:chOff x="0" y="0"/>
+          <a:chExt cx="0" cy="0"/>
+        </a:xfrm>
+      </p:grpSpPr>
+      <p:sp>
+        <p:nvSpPr>
+          <p:cNvPr id="3" name="Content Placeholder 2"/>
+          <p:cNvSpPr>
+            <a:spLocks noGrp="1"/>
+          </p:cNvSpPr>
+          <p:nvPr>
+            <p:ph idx="1"/>
+          </p:nvPr>
+        </p:nvSpPr>
+        <p:spPr>
+          <a:xfrm>
+            <a:off x="457200" y="503237"/>
+            <a:ext cx="8229600" cy="5821363"/>
+          </a:xfrm>
+        </p:spPr>
+        <p:txBody>
+          <a:bodyPr>
+            <a:normAutofit/>
+          </a:bodyPr>
+          <a:lstStyle/>
+          <a:p>
+            <a:r>
+              <a:rPr lang="en-IN" dirty="0" smtClean="0"/>
+              <a:t>Giving negative index will result in selecting the array elements from ending.</a:t>
+            </a:r>
+          </a:p>
+          <a:p>
+            <a:pPr>
+              <a:buNone/>
+            </a:pPr>
+            <a:r>
+              <a:rPr lang="en-IN" dirty="0" smtClean="0"/>
+              <a:t>	ex:</a:t>
+            </a:r>
+          </a:p>
+          <a:p>
+            <a:pPr fontAlgn="base">
+              <a:buNone/>
+            </a:pPr>
+            <a:r>
+              <a:rPr lang="en-IN" sz="2400" dirty="0" smtClean="0"/>
+              <a:t>@fruits = ("apple", "banana", "pineapple", "kiwi");   </a:t>
+            </a:r>
+          </a:p>
+          <a:p>
+            <a:pPr fontAlgn="base">
+              <a:buNone/>
+            </a:pPr>
+            <a:r>
+              <a:rPr lang="en-IN" sz="2400" dirty="0" smtClean="0"/>
+              <a:t>	print "$fruits[-1]\n"; 	//kiwi</a:t>
+            </a:r>
+          </a:p>
+          <a:p>
+            <a:pPr fontAlgn="base">
+              <a:buNone/>
+            </a:pPr>
+            <a:r>
+              <a:rPr lang="en-IN" sz="2400" dirty="0" smtClean="0"/>
+              <a:t>	print "$fruits[-2]\n"; 	//pineapple</a:t>
+            </a:r>
+          </a:p>
+          <a:p>
+            <a:pPr fontAlgn="base"/>
+            <a:r>
+              <a:rPr lang="en-IN" sz="2800" b="1" dirty="0" smtClean="0"/>
+              <a:t>Sequential Number Arrays: </a:t>
+            </a:r>
+            <a:r>
+              <a:rPr lang="en-IN" sz="2800" dirty="0" smtClean="0"/>
+              <a:t>Perl also provides a shortcut to make a sequential array of numbers or letters. </a:t>
+            </a:r>
+          </a:p>
+          <a:p>
+            <a:pPr fontAlgn="base">
+              <a:buNone/>
+            </a:pPr>
+            <a:r>
+              <a:rPr lang="en-IN" sz="2800" dirty="0" smtClean="0"/>
+              <a:t>	</a:t>
+            </a:r>
+            <a:r>
+              <a:rPr lang="en-IN" sz="2000" dirty="0" smtClean="0"/>
+              <a:t>@array = (1..9); # array with numbers from 1 to 9 </a:t>
+            </a:r>
+          </a:p>
+          <a:p>
+            <a:pPr fontAlgn="base">
+              <a:buNone/>
+            </a:pPr>
+            <a:r>
+              <a:rPr lang="en-IN" sz="2000" dirty="0" smtClean="0"/>
+              <a:t>	@array = (a..h); # array with letters from a to h</a:t>
+            </a:r>
+          </a:p>
+          <a:p>
+            <a:pPr>
+              <a:buNone/>
+            </a:pPr>
+            <a:endParaRPr lang="en-US" dirty="0"/>
+          </a:p>
+        </p:txBody>
+      </p:sp>
+    </p:spTree>
+  </p:cSld>
+  <p:clrMapOvr>
+    <a:masterClrMapping/>
+  </p:clrMapOvr>
+</p:sld>
+</file>
+
 <file path=ppt/slides/slide2.xml><?xml version="1.0" encoding="utf-8"?>
 <p:sld xmlns:a="http://schemas.openxmlformats.org/drawingml/2006/main" xmlns:r="http://schemas.openxmlformats.org/officeDocument/2006/relationships" xmlns:p="http://schemas.openxmlformats.org/presentationml/2006/main">
   <p:cSld>
@@ -3186,6 +4727,584 @@
               <a:rPr lang="en-IN" dirty="0" smtClean="0"/>
               <a:t>Originally developed for the text processing like extracting the required information from a specified text file and for converting the text file into a different form.</a:t>
             </a:r>
+            <a:endParaRPr lang="en-US" dirty="0"/>
+          </a:p>
+        </p:txBody>
+      </p:sp>
+    </p:spTree>
+  </p:cSld>
+  <p:clrMapOvr>
+    <a:masterClrMapping/>
+  </p:clrMapOvr>
+</p:sld>
+</file>
+
+<file path=ppt/slides/slide20.xml><?xml version="1.0" encoding="utf-8"?>
+<p:sld xmlns:a="http://schemas.openxmlformats.org/drawingml/2006/main" xmlns:r="http://schemas.openxmlformats.org/officeDocument/2006/relationships" xmlns:p="http://schemas.openxmlformats.org/presentationml/2006/main">
+  <p:cSld>
+    <p:spTree>
+      <p:nvGrpSpPr>
+        <p:cNvPr id="1" name=""/>
+        <p:cNvGrpSpPr/>
+        <p:nvPr/>
+      </p:nvGrpSpPr>
+      <p:grpSpPr>
+        <a:xfrm>
+          <a:off x="0" y="0"/>
+          <a:ext cx="0" cy="0"/>
+          <a:chOff x="0" y="0"/>
+          <a:chExt cx="0" cy="0"/>
+        </a:xfrm>
+      </p:grpSpPr>
+      <p:sp>
+        <p:nvSpPr>
+          <p:cNvPr id="3" name="Content Placeholder 2"/>
+          <p:cNvSpPr>
+            <a:spLocks noGrp="1"/>
+          </p:cNvSpPr>
+          <p:nvPr>
+            <p:ph idx="1"/>
+          </p:nvPr>
+        </p:nvSpPr>
+        <p:spPr>
+          <a:xfrm>
+            <a:off x="457200" y="533400"/>
+            <a:ext cx="8229600" cy="5592763"/>
+          </a:xfrm>
+        </p:spPr>
+        <p:txBody>
+          <a:bodyPr>
+            <a:normAutofit fontScale="92500" lnSpcReduction="10000"/>
+          </a:bodyPr>
+          <a:lstStyle/>
+          <a:p>
+            <a:r>
+              <a:rPr lang="en-US" dirty="0" smtClean="0"/>
+              <a:t>Size of array: It </a:t>
+            </a:r>
+            <a:r>
+              <a:rPr lang="en-IN" dirty="0" smtClean="0"/>
+              <a:t>can be found by evaluating the array in scalar context.</a:t>
+            </a:r>
+            <a:endParaRPr lang="en-US" dirty="0" smtClean="0"/>
+          </a:p>
+          <a:p>
+            <a:pPr fontAlgn="base">
+              <a:buNone/>
+            </a:pPr>
+            <a:r>
+              <a:rPr lang="en-IN" sz="2400" b="1" dirty="0" smtClean="0"/>
+              <a:t>	Implicit Scalar Context:</a:t>
+            </a:r>
+            <a:r>
+              <a:rPr lang="en-IN" sz="2400" dirty="0" smtClean="0"/>
+              <a:t>$size = @array;</a:t>
+            </a:r>
+          </a:p>
+          <a:p>
+            <a:pPr fontAlgn="base">
+              <a:buNone/>
+            </a:pPr>
+            <a:r>
+              <a:rPr lang="en-IN" sz="2400" b="1" dirty="0" smtClean="0"/>
+              <a:t>	Explicit scalar context using keyword scalar:</a:t>
+            </a:r>
+          </a:p>
+          <a:p>
+            <a:pPr fontAlgn="base">
+              <a:buNone/>
+            </a:pPr>
+            <a:r>
+              <a:rPr lang="en-IN" sz="2400" dirty="0" smtClean="0"/>
+              <a:t>	$size = scalar @array;</a:t>
+            </a:r>
+          </a:p>
+          <a:p>
+            <a:pPr fontAlgn="base">
+              <a:buNone/>
+            </a:pPr>
+            <a:r>
+              <a:rPr lang="en-US" sz="2400" dirty="0" smtClean="0"/>
+              <a:t>	$maximum_index = $#arr; </a:t>
+            </a:r>
+          </a:p>
+          <a:p>
+            <a:pPr fontAlgn="base"/>
+            <a:r>
+              <a:rPr lang="en-IN" dirty="0" smtClean="0"/>
+              <a:t>Slicing: It is done to access a range of elements in an array in order</a:t>
+            </a:r>
+          </a:p>
+          <a:p>
+            <a:pPr fontAlgn="base">
+              <a:buNone/>
+            </a:pPr>
+            <a:r>
+              <a:rPr lang="en-IN" sz="3000" dirty="0" smtClean="0"/>
+              <a:t>	-Passing multiple index values</a:t>
+            </a:r>
+          </a:p>
+          <a:p>
+            <a:pPr fontAlgn="base">
+              <a:buNone/>
+            </a:pPr>
+            <a:r>
+              <a:rPr lang="en-IN" dirty="0" smtClean="0"/>
+              <a:t>	</a:t>
+            </a:r>
+            <a:r>
+              <a:rPr lang="en-US" sz="2400" dirty="0" smtClean="0"/>
+              <a:t>@array = (‘Sun', ‘Moon', ‘Earth'); </a:t>
+            </a:r>
+          </a:p>
+          <a:p>
+            <a:pPr fontAlgn="base">
+              <a:buNone/>
+            </a:pPr>
+            <a:r>
+              <a:rPr lang="en-US" sz="2400" dirty="0" smtClean="0"/>
+              <a:t>	@</a:t>
+            </a:r>
+            <a:r>
+              <a:rPr lang="en-US" sz="2400" dirty="0" err="1" smtClean="0"/>
+              <a:t>extracted_elements</a:t>
+            </a:r>
+            <a:r>
+              <a:rPr lang="en-US" sz="2400" dirty="0" smtClean="0"/>
+              <a:t> = @array[1, 2];</a:t>
+            </a:r>
+          </a:p>
+          <a:p>
+            <a:pPr fontAlgn="base">
+              <a:buNone/>
+            </a:pPr>
+            <a:r>
+              <a:rPr lang="en-US" sz="2400" dirty="0" smtClean="0"/>
+              <a:t>	output: Moon Earth</a:t>
+            </a:r>
+          </a:p>
+          <a:p>
+            <a:pPr fontAlgn="base">
+              <a:buNone/>
+            </a:pPr>
+            <a:r>
+              <a:rPr lang="en-US" dirty="0" smtClean="0"/>
+              <a:t>  </a:t>
+            </a:r>
+          </a:p>
+          <a:p>
+            <a:pPr fontAlgn="base">
+              <a:buNone/>
+            </a:pPr>
+            <a:endParaRPr lang="en-IN" dirty="0" smtClean="0"/>
+          </a:p>
+          <a:p>
+            <a:pPr fontAlgn="base">
+              <a:buNone/>
+            </a:pPr>
+            <a:endParaRPr lang="en-IN" sz="2400" dirty="0" smtClean="0"/>
+          </a:p>
+          <a:p>
+            <a:endParaRPr lang="en-US" dirty="0"/>
+          </a:p>
+        </p:txBody>
+      </p:sp>
+    </p:spTree>
+  </p:cSld>
+  <p:clrMapOvr>
+    <a:masterClrMapping/>
+  </p:clrMapOvr>
+</p:sld>
+</file>
+
+<file path=ppt/slides/slide21.xml><?xml version="1.0" encoding="utf-8"?>
+<p:sld xmlns:a="http://schemas.openxmlformats.org/drawingml/2006/main" xmlns:r="http://schemas.openxmlformats.org/officeDocument/2006/relationships" xmlns:p="http://schemas.openxmlformats.org/presentationml/2006/main">
+  <p:cSld>
+    <p:spTree>
+      <p:nvGrpSpPr>
+        <p:cNvPr id="1" name=""/>
+        <p:cNvGrpSpPr/>
+        <p:nvPr/>
+      </p:nvGrpSpPr>
+      <p:grpSpPr>
+        <a:xfrm>
+          <a:off x="0" y="0"/>
+          <a:ext cx="0" cy="0"/>
+          <a:chOff x="0" y="0"/>
+          <a:chExt cx="0" cy="0"/>
+        </a:xfrm>
+      </p:grpSpPr>
+      <p:sp>
+        <p:nvSpPr>
+          <p:cNvPr id="3" name="Content Placeholder 2"/>
+          <p:cNvSpPr>
+            <a:spLocks noGrp="1"/>
+          </p:cNvSpPr>
+          <p:nvPr>
+            <p:ph idx="1"/>
+          </p:nvPr>
+        </p:nvSpPr>
+        <p:spPr>
+          <a:xfrm>
+            <a:off x="457200" y="304800"/>
+            <a:ext cx="8229600" cy="6324600"/>
+          </a:xfrm>
+        </p:spPr>
+        <p:txBody>
+          <a:bodyPr>
+            <a:normAutofit fontScale="92500" lnSpcReduction="10000"/>
+          </a:bodyPr>
+          <a:lstStyle/>
+          <a:p>
+            <a:pPr fontAlgn="base">
+              <a:buNone/>
+            </a:pPr>
+            <a:r>
+              <a:rPr lang="en-IN" sz="2800" dirty="0" smtClean="0"/>
+              <a:t>-Using range operator</a:t>
+            </a:r>
+          </a:p>
+          <a:p>
+            <a:pPr fontAlgn="base">
+              <a:buNone/>
+            </a:pPr>
+            <a:r>
+              <a:rPr lang="en-IN" dirty="0" smtClean="0"/>
+              <a:t>	</a:t>
+            </a:r>
+            <a:r>
+              <a:rPr lang="en-US" sz="2400" dirty="0" smtClean="0"/>
+              <a:t>@array = (‘Sun', ‘Moon', ‘Earth‘, ’Mars’, ‘</a:t>
+            </a:r>
+            <a:r>
+              <a:rPr lang="en-US" sz="2400" dirty="0" err="1" smtClean="0"/>
+              <a:t>Jupitor</a:t>
+            </a:r>
+            <a:r>
+              <a:rPr lang="en-US" sz="2400" dirty="0" smtClean="0"/>
+              <a:t>’); </a:t>
+            </a:r>
+          </a:p>
+          <a:p>
+            <a:pPr fontAlgn="base">
+              <a:buNone/>
+            </a:pPr>
+            <a:r>
+              <a:rPr lang="en-US" sz="2400" dirty="0" smtClean="0"/>
+              <a:t>	@</a:t>
+            </a:r>
+            <a:r>
+              <a:rPr lang="en-US" sz="2400" dirty="0" err="1" smtClean="0"/>
+              <a:t>extracted_elements</a:t>
+            </a:r>
+            <a:r>
+              <a:rPr lang="en-US" sz="2400" dirty="0" smtClean="0"/>
+              <a:t> = @array[1..3];</a:t>
+            </a:r>
+          </a:p>
+          <a:p>
+            <a:pPr fontAlgn="base">
+              <a:buNone/>
+            </a:pPr>
+            <a:r>
+              <a:rPr lang="en-US" sz="2400" dirty="0" smtClean="0"/>
+              <a:t>	output: Moon Earth Mars</a:t>
+            </a:r>
+          </a:p>
+          <a:p>
+            <a:pPr fontAlgn="base"/>
+            <a:r>
+              <a:rPr lang="en-US" dirty="0" smtClean="0"/>
+              <a:t>Push - </a:t>
+            </a:r>
+            <a:r>
+              <a:rPr lang="en-IN" dirty="0" smtClean="0"/>
+              <a:t>Inserts values of the list at the end of an array</a:t>
+            </a:r>
+            <a:endParaRPr lang="en-IN" sz="2400" dirty="0" smtClean="0"/>
+          </a:p>
+          <a:p>
+            <a:pPr fontAlgn="base">
+              <a:buNone/>
+            </a:pPr>
+            <a:r>
+              <a:rPr lang="en-IN" sz="2400" dirty="0" smtClean="0"/>
+              <a:t>	syntax: </a:t>
+            </a:r>
+            <a:r>
+              <a:rPr lang="en-US" sz="2400" i="1" dirty="0" smtClean="0"/>
+              <a:t> push(Array, list)</a:t>
+            </a:r>
+          </a:p>
+          <a:p>
+            <a:pPr fontAlgn="base">
+              <a:buNone/>
+            </a:pPr>
+            <a:r>
+              <a:rPr lang="en-US" sz="2400" i="1" dirty="0" smtClean="0"/>
+              <a:t>	</a:t>
+            </a:r>
+            <a:r>
+              <a:rPr lang="en-US" sz="2400" i="1" dirty="0" err="1" smtClean="0"/>
+              <a:t>ex:</a:t>
+            </a:r>
+            <a:r>
+              <a:rPr lang="en-US" sz="2400" dirty="0" err="1" smtClean="0"/>
+              <a:t>push</a:t>
+            </a:r>
+            <a:r>
+              <a:rPr lang="en-US" sz="2400" dirty="0" smtClean="0"/>
+              <a:t>(@x, 'Python', 'Perl'); </a:t>
+            </a:r>
+          </a:p>
+          <a:p>
+            <a:pPr fontAlgn="base"/>
+            <a:r>
+              <a:rPr lang="en-US" dirty="0" smtClean="0"/>
+              <a:t>Pop - </a:t>
+            </a:r>
+            <a:r>
+              <a:rPr lang="en-IN" dirty="0" smtClean="0"/>
+              <a:t>Removes the last value of an array</a:t>
+            </a:r>
+          </a:p>
+          <a:p>
+            <a:pPr fontAlgn="base">
+              <a:buNone/>
+            </a:pPr>
+            <a:r>
+              <a:rPr lang="en-IN" sz="2400" dirty="0" smtClean="0"/>
+              <a:t>	syntax: </a:t>
+            </a:r>
+            <a:r>
+              <a:rPr lang="en-US" sz="2400" i="1" dirty="0" smtClean="0"/>
+              <a:t> pop(Array)</a:t>
+            </a:r>
+          </a:p>
+          <a:p>
+            <a:pPr fontAlgn="base"/>
+            <a:r>
+              <a:rPr lang="en-US" dirty="0" smtClean="0"/>
+              <a:t>Shift - </a:t>
+            </a:r>
+            <a:r>
+              <a:rPr lang="en-IN" dirty="0" smtClean="0"/>
+              <a:t>Shifts all the values of an array on its left</a:t>
+            </a:r>
+          </a:p>
+          <a:p>
+            <a:pPr fontAlgn="base">
+              <a:buNone/>
+            </a:pPr>
+            <a:r>
+              <a:rPr lang="en-IN" sz="2400" dirty="0" smtClean="0"/>
+              <a:t>	syntax: </a:t>
+            </a:r>
+            <a:r>
+              <a:rPr lang="en-IN" sz="2400" i="1" dirty="0" smtClean="0"/>
+              <a:t>shift(Array)</a:t>
+            </a:r>
+          </a:p>
+          <a:p>
+            <a:pPr fontAlgn="base">
+              <a:buNone/>
+            </a:pPr>
+            <a:r>
+              <a:rPr lang="en-IN" sz="2400" i="1" dirty="0" smtClean="0"/>
+              <a:t>	ex: </a:t>
+            </a:r>
+            <a:r>
+              <a:rPr lang="en-US" sz="2400" dirty="0" smtClean="0"/>
+              <a:t>@x = ('Java', 'C', 'C++'); </a:t>
+            </a:r>
+          </a:p>
+          <a:p>
+            <a:pPr fontAlgn="base">
+              <a:buNone/>
+            </a:pPr>
+            <a:r>
+              <a:rPr lang="en-US" sz="2400" i="1" dirty="0" smtClean="0"/>
+              <a:t>		</a:t>
+            </a:r>
+            <a:r>
+              <a:rPr lang="en-US" sz="2400" i="1" dirty="0" err="1" smtClean="0"/>
+              <a:t>shift@x</a:t>
+            </a:r>
+            <a:r>
+              <a:rPr lang="en-US" sz="2400" i="1" dirty="0" smtClean="0"/>
+              <a:t> 	//updated array:  @x=(‘C’,’C++’)</a:t>
+            </a:r>
+          </a:p>
+          <a:p>
+            <a:pPr fontAlgn="base">
+              <a:buNone/>
+            </a:pPr>
+            <a:endParaRPr lang="en-US" sz="2400" dirty="0" smtClean="0"/>
+          </a:p>
+          <a:p>
+            <a:pPr fontAlgn="base">
+              <a:buNone/>
+            </a:pPr>
+            <a:endParaRPr lang="en-US" sz="2400" dirty="0" smtClean="0"/>
+          </a:p>
+          <a:p>
+            <a:pPr>
+              <a:buNone/>
+            </a:pPr>
+            <a:endParaRPr lang="en-US" dirty="0"/>
+          </a:p>
+        </p:txBody>
+      </p:sp>
+    </p:spTree>
+  </p:cSld>
+  <p:clrMapOvr>
+    <a:masterClrMapping/>
+  </p:clrMapOvr>
+</p:sld>
+</file>
+
+<file path=ppt/slides/slide22.xml><?xml version="1.0" encoding="utf-8"?>
+<p:sld xmlns:a="http://schemas.openxmlformats.org/drawingml/2006/main" xmlns:r="http://schemas.openxmlformats.org/officeDocument/2006/relationships" xmlns:p="http://schemas.openxmlformats.org/presentationml/2006/main">
+  <p:cSld>
+    <p:spTree>
+      <p:nvGrpSpPr>
+        <p:cNvPr id="1" name=""/>
+        <p:cNvGrpSpPr/>
+        <p:nvPr/>
+      </p:nvGrpSpPr>
+      <p:grpSpPr>
+        <a:xfrm>
+          <a:off x="0" y="0"/>
+          <a:ext cx="0" cy="0"/>
+          <a:chOff x="0" y="0"/>
+          <a:chExt cx="0" cy="0"/>
+        </a:xfrm>
+      </p:grpSpPr>
+      <p:sp>
+        <p:nvSpPr>
+          <p:cNvPr id="3" name="Content Placeholder 2"/>
+          <p:cNvSpPr>
+            <a:spLocks noGrp="1"/>
+          </p:cNvSpPr>
+          <p:nvPr>
+            <p:ph idx="1"/>
+          </p:nvPr>
+        </p:nvSpPr>
+        <p:spPr>
+          <a:xfrm>
+            <a:off x="457200" y="457200"/>
+            <a:ext cx="8229600" cy="5668963"/>
+          </a:xfrm>
+        </p:spPr>
+        <p:txBody>
+          <a:bodyPr/>
+          <a:lstStyle/>
+          <a:p>
+            <a:r>
+              <a:rPr lang="en-US" dirty="0" err="1" smtClean="0"/>
+              <a:t>Unshift</a:t>
+            </a:r>
+            <a:r>
+              <a:rPr lang="en-US" dirty="0" smtClean="0"/>
+              <a:t>:</a:t>
+            </a:r>
+            <a:r>
+              <a:rPr lang="en-IN" dirty="0" smtClean="0"/>
+              <a:t>Adds the list element to the front of an array</a:t>
+            </a:r>
+          </a:p>
+          <a:p>
+            <a:pPr fontAlgn="base">
+              <a:buNone/>
+            </a:pPr>
+            <a:r>
+              <a:rPr lang="en-IN" dirty="0" smtClean="0"/>
+              <a:t>	</a:t>
+            </a:r>
+            <a:r>
+              <a:rPr lang="en-IN" sz="2200" dirty="0" smtClean="0"/>
+              <a:t>syntax: </a:t>
+            </a:r>
+            <a:r>
+              <a:rPr lang="en-IN" sz="2200" i="1" dirty="0" err="1" smtClean="0"/>
+              <a:t>unshift</a:t>
+            </a:r>
+            <a:r>
+              <a:rPr lang="en-IN" sz="2200" i="1" dirty="0" smtClean="0"/>
+              <a:t>(</a:t>
+            </a:r>
+            <a:r>
+              <a:rPr lang="en-IN" sz="2200" i="1" dirty="0" err="1" smtClean="0"/>
+              <a:t>Array,List</a:t>
+            </a:r>
+            <a:r>
+              <a:rPr lang="en-IN" sz="2200" i="1" dirty="0" smtClean="0"/>
+              <a:t>)</a:t>
+            </a:r>
+          </a:p>
+          <a:p>
+            <a:pPr fontAlgn="base">
+              <a:buNone/>
+            </a:pPr>
+            <a:r>
+              <a:rPr lang="en-IN" sz="2200" i="1" dirty="0" smtClean="0"/>
+              <a:t>	ex: </a:t>
+            </a:r>
+            <a:r>
+              <a:rPr lang="en-US" sz="2200" dirty="0" smtClean="0"/>
+              <a:t>@x = ('Java', 'C', 'C++'); </a:t>
+            </a:r>
+          </a:p>
+          <a:p>
+            <a:pPr fontAlgn="base">
+              <a:buNone/>
+            </a:pPr>
+            <a:r>
+              <a:rPr lang="en-US" sz="2200" i="1" dirty="0" smtClean="0"/>
+              <a:t>		</a:t>
+            </a:r>
+            <a:r>
+              <a:rPr lang="en-US" sz="2200" i="1" dirty="0" err="1" smtClean="0"/>
+              <a:t>unshift</a:t>
+            </a:r>
+            <a:r>
+              <a:rPr lang="en-US" sz="2200" i="1" dirty="0" smtClean="0"/>
+              <a:t>(@x ,’PHP’,’JSP’) </a:t>
+            </a:r>
+          </a:p>
+          <a:p>
+            <a:pPr fontAlgn="base">
+              <a:buNone/>
+            </a:pPr>
+            <a:r>
+              <a:rPr lang="en-US" sz="2200" i="1" smtClean="0"/>
+              <a:t>	//</a:t>
+            </a:r>
+            <a:r>
+              <a:rPr lang="en-US" sz="2200" i="1" dirty="0" smtClean="0"/>
+              <a:t>updated array:  @</a:t>
+            </a:r>
+            <a:r>
+              <a:rPr lang="en-US" sz="2200" i="1" smtClean="0"/>
+              <a:t>x=(‘</a:t>
+            </a:r>
+            <a:r>
+              <a:rPr lang="en-US" sz="2400" smtClean="0"/>
+              <a:t>PHP ‘,’JSP’ ,’Java’, ‘C ‘,’C++’</a:t>
+            </a:r>
+            <a:r>
+              <a:rPr lang="en-US" sz="2200" i="1" smtClean="0"/>
+              <a:t>)</a:t>
+            </a:r>
+            <a:endParaRPr lang="en-US" sz="2200" i="1" dirty="0" smtClean="0"/>
+          </a:p>
+          <a:p>
+            <a:pPr>
+              <a:buNone/>
+            </a:pPr>
+            <a:endParaRPr lang="en-IN" dirty="0" smtClean="0"/>
+          </a:p>
+          <a:p>
             <a:endParaRPr lang="en-US" dirty="0"/>
           </a:p>
         </p:txBody>
@@ -3340,165 +5459,112 @@
           <a:p>
             <a:r>
               <a:rPr lang="en-US" dirty="0" smtClean="0"/>
+              <a:t>Data Types</a:t>
+            </a:r>
+            <a:endParaRPr lang="en-US" dirty="0"/>
+          </a:p>
+        </p:txBody>
+      </p:sp>
+      <p:sp>
+        <p:nvSpPr>
+          <p:cNvPr id="3" name="Content Placeholder 2"/>
+          <p:cNvSpPr>
+            <a:spLocks noGrp="1"/>
+          </p:cNvSpPr>
+          <p:nvPr>
+            <p:ph idx="1"/>
+          </p:nvPr>
+        </p:nvSpPr>
+        <p:spPr/>
+        <p:txBody>
+          <a:bodyPr/>
+          <a:lstStyle/>
+          <a:p>
+            <a:r>
+              <a:rPr lang="en-IN" dirty="0" smtClean="0"/>
+              <a:t>Data types specify the type of data that a valid </a:t>
+            </a:r>
+            <a:r>
+              <a:rPr lang="en-IN" dirty="0" smtClean="0">
+                <a:hlinkClick r:id="rId2"/>
+              </a:rPr>
+              <a:t>Perl</a:t>
+            </a:r>
+            <a:r>
+              <a:rPr lang="en-IN" dirty="0" smtClean="0"/>
+              <a:t> variable can hold. </a:t>
+            </a:r>
+            <a:endParaRPr lang="en-IN" dirty="0" smtClean="0"/>
+          </a:p>
+          <a:p>
+            <a:r>
+              <a:rPr lang="en-IN" dirty="0" smtClean="0"/>
+              <a:t>The </a:t>
+            </a:r>
+            <a:r>
+              <a:rPr lang="en-IN" dirty="0" smtClean="0">
+                <a:hlinkClick r:id="rId2"/>
+              </a:rPr>
+              <a:t>Perl </a:t>
+            </a:r>
+            <a:r>
+              <a:rPr lang="en-IN" dirty="0" smtClean="0"/>
+              <a:t>interpreter will choose the type based on the context of the data itself</a:t>
+            </a:r>
+            <a:r>
+              <a:rPr lang="en-IN" dirty="0" smtClean="0"/>
+              <a:t>.</a:t>
+            </a:r>
+          </a:p>
+          <a:p>
+            <a:r>
+              <a:rPr lang="en-IN" dirty="0" smtClean="0"/>
+              <a:t>There are 3 data types in Perl as follows</a:t>
+            </a:r>
+            <a:r>
+              <a:rPr lang="en-IN" dirty="0" smtClean="0"/>
+              <a:t>:</a:t>
+            </a:r>
+          </a:p>
+          <a:p>
+            <a:pPr>
+              <a:buNone/>
+            </a:pPr>
+            <a:r>
+              <a:rPr lang="en-IN" dirty="0" smtClean="0"/>
+              <a:t>	</a:t>
+            </a:r>
+            <a:r>
+              <a:rPr lang="en-IN" dirty="0" smtClean="0"/>
+              <a:t>Scalars</a:t>
+            </a:r>
+          </a:p>
+          <a:p>
+            <a:pPr>
+              <a:buNone/>
+            </a:pPr>
+            <a:r>
+              <a:rPr lang="en-IN" dirty="0" smtClean="0"/>
+              <a:t>	</a:t>
+            </a:r>
+            <a:r>
+              <a:rPr lang="en-IN" dirty="0" smtClean="0"/>
               <a:t>Arrays</a:t>
             </a:r>
+          </a:p>
+          <a:p>
+            <a:pPr>
+              <a:buNone/>
+            </a:pPr>
+            <a:r>
+              <a:rPr lang="en-IN" dirty="0" smtClean="0"/>
+              <a:t>	</a:t>
+            </a:r>
+            <a:r>
+              <a:rPr lang="en-IN" dirty="0" smtClean="0"/>
+              <a:t>Hashes</a:t>
+            </a:r>
             <a:endParaRPr lang="en-US" dirty="0"/>
-          </a:p>
-        </p:txBody>
-      </p:sp>
-      <p:sp>
-        <p:nvSpPr>
-          <p:cNvPr id="3" name="Content Placeholder 2"/>
-          <p:cNvSpPr>
-            <a:spLocks noGrp="1"/>
-          </p:cNvSpPr>
-          <p:nvPr>
-            <p:ph idx="1"/>
-          </p:nvPr>
-        </p:nvSpPr>
-        <p:spPr>
-          <a:xfrm>
-            <a:off x="457200" y="1417637"/>
-            <a:ext cx="8229600" cy="4830763"/>
-          </a:xfrm>
-        </p:spPr>
-        <p:txBody>
-          <a:bodyPr>
-            <a:normAutofit fontScale="92500"/>
-          </a:bodyPr>
-          <a:lstStyle/>
-          <a:p>
-            <a:r>
-              <a:rPr lang="en-IN" dirty="0">
-                <a:latin typeface="Times New Roman" pitchFamily="18" charset="0"/>
-                <a:cs typeface="Times New Roman" pitchFamily="18" charset="0"/>
-              </a:rPr>
-              <a:t>The array is used to store the list of values and each object of the list is termed as an element. </a:t>
-            </a:r>
-            <a:endParaRPr lang="en-IN" dirty="0" smtClean="0">
-              <a:latin typeface="Times New Roman" pitchFamily="18" charset="0"/>
-              <a:cs typeface="Times New Roman" pitchFamily="18" charset="0"/>
-            </a:endParaRPr>
-          </a:p>
-          <a:p>
-            <a:r>
-              <a:rPr lang="en-IN" dirty="0">
-                <a:latin typeface="Times New Roman" pitchFamily="18" charset="0"/>
-                <a:cs typeface="Times New Roman" pitchFamily="18" charset="0"/>
-              </a:rPr>
-              <a:t>Elements can either be a number, string, or any type of </a:t>
-            </a:r>
-            <a:r>
-              <a:rPr lang="en-IN" dirty="0" smtClean="0">
-                <a:latin typeface="Times New Roman" pitchFamily="18" charset="0"/>
-                <a:cs typeface="Times New Roman" pitchFamily="18" charset="0"/>
-              </a:rPr>
-              <a:t>scalar</a:t>
-            </a:r>
-            <a:r>
-              <a:rPr lang="en-IN" dirty="0">
-                <a:latin typeface="Times New Roman" pitchFamily="18" charset="0"/>
-                <a:cs typeface="Times New Roman" pitchFamily="18" charset="0"/>
-              </a:rPr>
-              <a:t> data including another </a:t>
-            </a:r>
-            <a:r>
-              <a:rPr lang="en-IN" dirty="0" smtClean="0">
-                <a:latin typeface="Times New Roman" pitchFamily="18" charset="0"/>
-                <a:cs typeface="Times New Roman" pitchFamily="18" charset="0"/>
-              </a:rPr>
-              <a:t>variable</a:t>
-            </a:r>
-          </a:p>
-          <a:p>
-            <a:r>
-              <a:rPr lang="en-IN" dirty="0" smtClean="0">
-                <a:latin typeface="Times New Roman" pitchFamily="18" charset="0"/>
-                <a:cs typeface="Times New Roman" pitchFamily="18" charset="0"/>
-              </a:rPr>
-              <a:t>Creation: In </a:t>
-            </a:r>
-            <a:r>
-              <a:rPr lang="en-IN" dirty="0">
-                <a:latin typeface="Times New Roman" pitchFamily="18" charset="0"/>
-                <a:cs typeface="Times New Roman" pitchFamily="18" charset="0"/>
-              </a:rPr>
-              <a:t>Perl programming every array variable is declared using </a:t>
-            </a:r>
-            <a:r>
-              <a:rPr lang="en-IN" b="1" dirty="0">
-                <a:latin typeface="Times New Roman" pitchFamily="18" charset="0"/>
-                <a:cs typeface="Times New Roman" pitchFamily="18" charset="0"/>
-              </a:rPr>
-              <a:t>“@”</a:t>
-            </a:r>
-            <a:r>
-              <a:rPr lang="en-IN" dirty="0">
-                <a:latin typeface="Times New Roman" pitchFamily="18" charset="0"/>
-                <a:cs typeface="Times New Roman" pitchFamily="18" charset="0"/>
-              </a:rPr>
-              <a:t> sign before the variable’s name</a:t>
-            </a:r>
-            <a:r>
-              <a:rPr lang="en-IN" dirty="0" smtClean="0">
-                <a:latin typeface="Times New Roman" pitchFamily="18" charset="0"/>
-                <a:cs typeface="Times New Roman" pitchFamily="18" charset="0"/>
-              </a:rPr>
-              <a:t>.</a:t>
-            </a:r>
-          </a:p>
-          <a:p>
-            <a:pPr>
-              <a:buNone/>
-            </a:pPr>
-            <a:r>
-              <a:rPr lang="en-IN" dirty="0">
-                <a:latin typeface="Times New Roman" pitchFamily="18" charset="0"/>
-                <a:cs typeface="Times New Roman" pitchFamily="18" charset="0"/>
-              </a:rPr>
-              <a:t>	</a:t>
-            </a:r>
-            <a:r>
-              <a:rPr lang="en-IN" dirty="0" smtClean="0">
-                <a:latin typeface="Times New Roman" pitchFamily="18" charset="0"/>
-                <a:cs typeface="Times New Roman" pitchFamily="18" charset="0"/>
-              </a:rPr>
-              <a:t>ex:</a:t>
-            </a:r>
-            <a:r>
-              <a:rPr lang="nb-NO" sz="2600" dirty="0" smtClean="0">
-                <a:latin typeface="Times New Roman" pitchFamily="18" charset="0"/>
-                <a:cs typeface="Times New Roman" pitchFamily="18" charset="0"/>
-              </a:rPr>
-              <a:t>@arr = (1, 2, 3); @arr = (1, 2, 3, "Hello");</a:t>
-            </a:r>
-          </a:p>
-          <a:p>
-            <a:r>
-              <a:rPr lang="en-IN" dirty="0" smtClean="0">
-                <a:latin typeface="Times New Roman" pitchFamily="18" charset="0"/>
-                <a:cs typeface="Times New Roman" pitchFamily="18" charset="0"/>
-              </a:rPr>
-              <a:t>Array can store </a:t>
-            </a:r>
-            <a:r>
-              <a:rPr lang="en-IN" dirty="0">
-                <a:latin typeface="Times New Roman" pitchFamily="18" charset="0"/>
-                <a:cs typeface="Times New Roman" pitchFamily="18" charset="0"/>
-              </a:rPr>
-              <a:t>elements of multiple </a:t>
-            </a:r>
-            <a:r>
-              <a:rPr lang="en-IN" dirty="0" smtClean="0">
-                <a:latin typeface="Times New Roman" pitchFamily="18" charset="0"/>
-                <a:cs typeface="Times New Roman" pitchFamily="18" charset="0"/>
-              </a:rPr>
-              <a:t>data types.</a:t>
-            </a:r>
-            <a:endParaRPr lang="en-US" dirty="0">
-              <a:latin typeface="Times New Roman" pitchFamily="18" charset="0"/>
-              <a:cs typeface="Times New Roman" pitchFamily="18" charset="0"/>
-            </a:endParaRPr>
           </a:p>
         </p:txBody>
       </p:sp>
@@ -3529,6 +5595,29 @@
       </p:grpSpPr>
       <p:sp>
         <p:nvSpPr>
+          <p:cNvPr id="2" name="Title 1"/>
+          <p:cNvSpPr>
+            <a:spLocks noGrp="1"/>
+          </p:cNvSpPr>
+          <p:nvPr>
+            <p:ph type="title"/>
+          </p:nvPr>
+        </p:nvSpPr>
+        <p:spPr/>
+        <p:txBody>
+          <a:bodyPr/>
+          <a:lstStyle/>
+          <a:p>
+            <a:r>
+              <a:rPr lang="en-US" dirty="0" smtClean="0"/>
+              <a:t>Scalars</a:t>
+            </a:r>
+            <a:endParaRPr lang="en-US" dirty="0"/>
+          </a:p>
+        </p:txBody>
+      </p:sp>
+      <p:sp>
+        <p:nvSpPr>
           <p:cNvPr id="3" name="Content Placeholder 2"/>
           <p:cNvSpPr>
             <a:spLocks noGrp="1"/>
@@ -3539,117 +5628,135 @@
         </p:nvSpPr>
         <p:spPr>
           <a:xfrm>
-            <a:off x="457200" y="609600"/>
-            <a:ext cx="8229600" cy="5516563"/>
+            <a:off x="457200" y="1295400"/>
+            <a:ext cx="8229600" cy="4830763"/>
           </a:xfrm>
         </p:spPr>
         <p:txBody>
           <a:bodyPr>
-            <a:normAutofit/>
+            <a:normAutofit fontScale="92500" lnSpcReduction="20000"/>
           </a:bodyPr>
           <a:lstStyle/>
           <a:p>
             <a:r>
-              <a:rPr lang="en-US" dirty="0" smtClean="0"/>
-              <a:t>qw(): This is used to create an array on single quoted words.</a:t>
+              <a:rPr lang="en-IN" dirty="0" smtClean="0"/>
+              <a:t>It is a single unit of data which can be an integer number, floating point, a character, a string, a paragraph, or an entire web page</a:t>
+            </a:r>
+            <a:r>
+              <a:rPr lang="en-IN" dirty="0" smtClean="0"/>
+              <a:t>.</a:t>
             </a:r>
           </a:p>
           <a:p>
             <a:pPr>
               <a:buNone/>
             </a:pPr>
-            <a:r>
-              <a:rPr lang="en-US" dirty="0"/>
+            <a:endParaRPr lang="en-IN" dirty="0" smtClean="0"/>
+          </a:p>
+          <a:p>
+            <a:pPr fontAlgn="base">
+              <a:buNone/>
+            </a:pPr>
+            <a:r>
+              <a:rPr lang="en-US" sz="2600" dirty="0" smtClean="0"/>
               <a:t>	</a:t>
             </a:r>
             <a:r>
-              <a:rPr lang="en-US" dirty="0" smtClean="0"/>
-              <a:t>Syntax:</a:t>
+              <a:rPr lang="en-IN" sz="2600" dirty="0" smtClean="0"/>
+              <a:t># An integer assignment </a:t>
+            </a:r>
+          </a:p>
+          <a:p>
+            <a:pPr fontAlgn="base">
+              <a:buNone/>
+            </a:pPr>
+            <a:r>
+              <a:rPr lang="en-IN" sz="2600" dirty="0" smtClean="0"/>
+              <a:t>	$</a:t>
+            </a:r>
+            <a:r>
+              <a:rPr lang="en-IN" sz="2600" dirty="0" smtClean="0"/>
+              <a:t>age = 1;              </a:t>
+            </a:r>
+          </a:p>
+          <a:p>
+            <a:pPr fontAlgn="base">
+              <a:buNone/>
+            </a:pPr>
+            <a:r>
+              <a:rPr lang="en-IN" sz="2600" dirty="0" smtClean="0"/>
+              <a:t>	</a:t>
+            </a:r>
+            <a:r>
+              <a:rPr lang="en-IN" sz="2600" dirty="0" smtClean="0"/>
+              <a:t>  </a:t>
+            </a:r>
+          </a:p>
+          <a:p>
+            <a:pPr fontAlgn="base">
+              <a:buNone/>
+            </a:pPr>
+            <a:r>
+              <a:rPr lang="en-IN" sz="2600" dirty="0" smtClean="0"/>
+              <a:t>	# </a:t>
+            </a:r>
+            <a:r>
+              <a:rPr lang="en-IN" sz="2600" dirty="0" smtClean="0"/>
+              <a:t>A string  </a:t>
+            </a:r>
+          </a:p>
+          <a:p>
+            <a:pPr fontAlgn="base">
+              <a:buNone/>
+            </a:pPr>
+            <a:r>
+              <a:rPr lang="en-IN" sz="2600" dirty="0" smtClean="0"/>
+              <a:t>	$</a:t>
+            </a:r>
+            <a:r>
+              <a:rPr lang="en-IN" sz="2600" dirty="0" smtClean="0"/>
+              <a:t>name = "ABC"; </a:t>
+            </a:r>
+          </a:p>
+          <a:p>
+            <a:pPr fontAlgn="base">
+              <a:buNone/>
+            </a:pPr>
+            <a:r>
+              <a:rPr lang="en-IN" sz="2600" dirty="0" smtClean="0"/>
+              <a:t>  </a:t>
+            </a:r>
+          </a:p>
+          <a:p>
+            <a:pPr fontAlgn="base">
+              <a:buNone/>
+            </a:pPr>
+            <a:r>
+              <a:rPr lang="en-IN" sz="2600" dirty="0" smtClean="0"/>
+              <a:t>	# </a:t>
+            </a:r>
+            <a:r>
+              <a:rPr lang="en-IN" sz="2600" dirty="0" smtClean="0"/>
+              <a:t>A floating point    </a:t>
+            </a:r>
+          </a:p>
+          <a:p>
+            <a:pPr fontAlgn="base">
+              <a:buNone/>
+            </a:pPr>
+            <a:r>
+              <a:rPr lang="en-IN" sz="2600" dirty="0" smtClean="0"/>
+              <a:t>	$</a:t>
+            </a:r>
+            <a:r>
+              <a:rPr lang="en-IN" sz="2600" dirty="0" smtClean="0"/>
+              <a:t>salary = 21.5; </a:t>
             </a:r>
           </a:p>
           <a:p>
             <a:pPr>
               <a:buNone/>
             </a:pPr>
-            <a:r>
-              <a:rPr lang="en-US" dirty="0"/>
-              <a:t>	</a:t>
-            </a:r>
-            <a:r>
-              <a:rPr lang="fr-FR" sz="2400" dirty="0" smtClean="0"/>
-              <a:t>qw (Expression) qw /Expression/ qw 'Expression' qw {Expression}</a:t>
-            </a:r>
-          </a:p>
-          <a:p>
-            <a:pPr>
-              <a:buNone/>
-            </a:pPr>
-            <a:r>
-              <a:rPr lang="en-IN" sz="2400" dirty="0" smtClean="0"/>
-              <a:t>	@arr1</a:t>
-            </a:r>
-            <a:r>
-              <a:rPr lang="en-IN" sz="2400" dirty="0"/>
-              <a:t> </a:t>
-            </a:r>
-            <a:r>
-              <a:rPr lang="en-IN" sz="2400" dirty="0" smtClean="0"/>
-              <a:t>= qw /This is a Perl/;</a:t>
-            </a:r>
-          </a:p>
-          <a:p>
-            <a:pPr>
-              <a:buNone/>
-            </a:pPr>
-            <a:r>
-              <a:rPr lang="en-IN" sz="2400" dirty="0"/>
-              <a:t>	</a:t>
-            </a:r>
-            <a:r>
-              <a:rPr lang="en-IN" sz="2400" dirty="0" smtClean="0"/>
-              <a:t>output: [‘This’, ’is’, ’a’, ’Perl’]</a:t>
-            </a:r>
-          </a:p>
-          <a:p>
-            <a:r>
-              <a:rPr lang="en-IN" dirty="0"/>
-              <a:t>For accessing the elements of an array we must prefix </a:t>
-            </a:r>
-            <a:r>
-              <a:rPr lang="en-IN" b="1" dirty="0"/>
-              <a:t>“$”</a:t>
-            </a:r>
-            <a:r>
-              <a:rPr lang="en-IN" dirty="0"/>
-              <a:t> sign before the array </a:t>
-            </a:r>
-            <a:r>
-              <a:rPr lang="en-IN" dirty="0" smtClean="0"/>
-              <a:t>variable</a:t>
-            </a:r>
-          </a:p>
-          <a:p>
-            <a:pPr>
-              <a:buNone/>
-            </a:pPr>
-            <a:r>
-              <a:rPr lang="en-IN" dirty="0"/>
-              <a:t>	</a:t>
-            </a:r>
-            <a:r>
-              <a:rPr lang="en-US" sz="2400" dirty="0" smtClean="0"/>
-              <a:t>$</a:t>
-            </a:r>
-            <a:r>
-              <a:rPr lang="en-US" sz="2400" dirty="0" err="1" smtClean="0"/>
-              <a:t>arr</a:t>
-            </a:r>
-            <a:r>
-              <a:rPr lang="en-US" sz="2400" dirty="0" smtClean="0"/>
-              <a:t>[0]</a:t>
-            </a:r>
-          </a:p>
-          <a:p>
             <a:endParaRPr lang="en-US" dirty="0"/>
           </a:p>
         </p:txBody>
@@ -3681,6 +5788,29 @@
       </p:grpSpPr>
       <p:sp>
         <p:nvSpPr>
+          <p:cNvPr id="2" name="Title 1"/>
+          <p:cNvSpPr>
+            <a:spLocks noGrp="1"/>
+          </p:cNvSpPr>
+          <p:nvPr>
+            <p:ph type="title"/>
+          </p:nvPr>
+        </p:nvSpPr>
+        <p:spPr/>
+        <p:txBody>
+          <a:bodyPr/>
+          <a:lstStyle/>
+          <a:p>
+            <a:r>
+              <a:rPr lang="en-US" dirty="0" smtClean="0"/>
+              <a:t>Types of Scalars</a:t>
+            </a:r>
+            <a:endParaRPr lang="en-US" dirty="0"/>
+          </a:p>
+        </p:txBody>
+      </p:sp>
+      <p:sp>
+        <p:nvSpPr>
           <p:cNvPr id="3" name="Content Placeholder 2"/>
           <p:cNvSpPr>
             <a:spLocks noGrp="1"/>
@@ -3689,97 +5819,145 @@
             <p:ph idx="1"/>
           </p:nvPr>
         </p:nvSpPr>
-        <p:spPr>
-          <a:xfrm>
-            <a:off x="457200" y="503237"/>
-            <a:ext cx="8229600" cy="5821363"/>
-          </a:xfrm>
-        </p:spPr>
+        <p:spPr/>
         <p:txBody>
           <a:bodyPr>
-            <a:normAutofit/>
+            <a:normAutofit fontScale="92500" lnSpcReduction="20000"/>
           </a:bodyPr>
           <a:lstStyle/>
           <a:p>
             <a:r>
-              <a:rPr lang="en-IN" dirty="0" smtClean="0"/>
-              <a:t>Giving negative index will result in selecting the array elements from ending.</a:t>
+              <a:rPr lang="en-US" sz="3400" dirty="0" smtClean="0"/>
+              <a:t>Numeric</a:t>
+            </a:r>
+            <a:r>
+              <a:rPr lang="en-US" sz="2800" dirty="0" smtClean="0"/>
+              <a:t>: </a:t>
+            </a:r>
+            <a:r>
+              <a:rPr lang="en-IN" sz="2800" dirty="0" smtClean="0"/>
+              <a:t>Numeric scalar variables hold values like whole numbers, integers(positive and negative), float(containing decimal point</a:t>
+            </a:r>
+            <a:r>
+              <a:rPr lang="en-IN" sz="2800" dirty="0" smtClean="0"/>
+              <a:t>).</a:t>
+            </a:r>
+            <a:endParaRPr lang="en-IN" sz="3400" dirty="0" smtClean="0"/>
+          </a:p>
+          <a:p>
+            <a:pPr fontAlgn="base">
+              <a:buNone/>
+            </a:pPr>
+            <a:r>
+              <a:rPr lang="en-IN" sz="3400" dirty="0" smtClean="0"/>
+              <a:t>	</a:t>
+            </a:r>
+          </a:p>
+          <a:p>
+            <a:pPr fontAlgn="base">
+              <a:buNone/>
+            </a:pPr>
+            <a:r>
+              <a:rPr lang="en-IN" sz="3400" dirty="0" smtClean="0"/>
+              <a:t>	</a:t>
+            </a:r>
+            <a:r>
+              <a:rPr lang="en-US" sz="3400" dirty="0" smtClean="0"/>
+              <a:t>$</a:t>
+            </a:r>
+            <a:r>
+              <a:rPr lang="en-US" sz="3400" dirty="0" err="1" smtClean="0"/>
+              <a:t>intpositive</a:t>
+            </a:r>
+            <a:r>
+              <a:rPr lang="en-US" sz="3400" dirty="0" smtClean="0"/>
+              <a:t> = 25; 	  </a:t>
+            </a:r>
+          </a:p>
+          <a:p>
+            <a:pPr fontAlgn="base">
+              <a:buNone/>
+            </a:pPr>
+            <a:r>
+              <a:rPr lang="en-US" sz="3400" dirty="0" smtClean="0"/>
+              <a:t>	$</a:t>
+            </a:r>
+            <a:r>
+              <a:rPr lang="en-US" sz="3400" dirty="0" err="1" smtClean="0"/>
+              <a:t>intnegative</a:t>
+            </a:r>
+            <a:r>
+              <a:rPr lang="en-US" sz="3400" dirty="0" smtClean="0"/>
+              <a:t> = -73</a:t>
+            </a:r>
+            <a:r>
+              <a:rPr lang="en-US" sz="3400" dirty="0" smtClean="0"/>
+              <a:t>;</a:t>
+            </a:r>
+            <a:r>
+              <a:rPr lang="en-US" sz="3400" dirty="0" smtClean="0"/>
+              <a:t>	  </a:t>
+            </a:r>
+          </a:p>
+          <a:p>
+            <a:pPr fontAlgn="base">
+              <a:buNone/>
+            </a:pPr>
+            <a:r>
+              <a:rPr lang="en-US" sz="3400" dirty="0" smtClean="0"/>
+              <a:t>	$float = 23.5; 	  </a:t>
+            </a:r>
+          </a:p>
+          <a:p>
+            <a:pPr fontAlgn="base">
+              <a:buNone/>
+            </a:pPr>
+            <a:r>
+              <a:rPr lang="en-US" sz="3400" dirty="0" smtClean="0"/>
+              <a:t>	$</a:t>
+            </a:r>
+            <a:r>
+              <a:rPr lang="en-US" sz="3400" dirty="0" err="1" smtClean="0"/>
+              <a:t>hexadec</a:t>
+            </a:r>
+            <a:r>
+              <a:rPr lang="en-US" sz="3400" dirty="0" smtClean="0"/>
+              <a:t> = 0xcd; </a:t>
+            </a:r>
+            <a:r>
+              <a:rPr lang="en-US" sz="3400" dirty="0" smtClean="0"/>
+              <a:t>	//205</a:t>
+            </a:r>
+            <a:endParaRPr lang="en-US" sz="3400" dirty="0" smtClean="0"/>
+          </a:p>
+          <a:p>
+            <a:pPr fontAlgn="base">
+              <a:buNone/>
+            </a:pPr>
+            <a:r>
+              <a:rPr lang="en-US" sz="2800" dirty="0" smtClean="0"/>
+              <a:t>	</a:t>
+            </a:r>
+            <a:endParaRPr lang="en-IN" sz="2800" dirty="0" smtClean="0"/>
+          </a:p>
+          <a:p>
+            <a:pPr fontAlgn="base">
+              <a:buNone/>
+            </a:pPr>
+            <a:r>
+              <a:rPr lang="en-US" dirty="0" smtClean="0"/>
+              <a:t>	</a:t>
+            </a:r>
+            <a:r>
+              <a:rPr lang="en-US" dirty="0" smtClean="0"/>
+              <a:t>  </a:t>
             </a:r>
           </a:p>
           <a:p>
             <a:pPr>
               <a:buNone/>
             </a:pPr>
-            <a:r>
-              <a:rPr lang="en-IN" dirty="0" smtClean="0"/>
-              <a:t>	ex:</a:t>
-            </a:r>
-          </a:p>
-          <a:p>
-            <a:pPr fontAlgn="base">
-              <a:buNone/>
-            </a:pPr>
-            <a:r>
-              <a:rPr lang="en-IN" sz="2400" dirty="0" smtClean="0"/>
-              <a:t>@fruits = ("apple", "banana", "pineapple", "kiwi");   </a:t>
-            </a:r>
-          </a:p>
-          <a:p>
-            <a:pPr fontAlgn="base">
-              <a:buNone/>
-            </a:pPr>
-            <a:r>
-              <a:rPr lang="en-IN" sz="2400" dirty="0" smtClean="0"/>
-              <a:t>	print "$fruits[-1]\n"; 	//kiwi</a:t>
-            </a:r>
-          </a:p>
-          <a:p>
-            <a:pPr fontAlgn="base">
-              <a:buNone/>
-            </a:pPr>
-            <a:r>
-              <a:rPr lang="en-IN" sz="2400" dirty="0" smtClean="0"/>
-              <a:t>	print "$fruits[-2]\n"; 	//pineapple</a:t>
-            </a:r>
-          </a:p>
-          <a:p>
-            <a:pPr fontAlgn="base"/>
-            <a:r>
-              <a:rPr lang="en-IN" sz="2800" b="1" dirty="0" smtClean="0"/>
-              <a:t>Sequential Number Arrays: </a:t>
-            </a:r>
-            <a:r>
-              <a:rPr lang="en-IN" sz="2800" dirty="0" smtClean="0"/>
-              <a:t>Perl also provides a shortcut to make a sequential array of numbers or letters. </a:t>
-            </a:r>
-          </a:p>
-          <a:p>
-            <a:pPr fontAlgn="base">
-              <a:buNone/>
-            </a:pPr>
-            <a:r>
-              <a:rPr lang="en-IN" sz="2800" dirty="0" smtClean="0"/>
-              <a:t>	</a:t>
-            </a:r>
-            <a:r>
-              <a:rPr lang="en-IN" sz="2000" dirty="0" smtClean="0"/>
-              <a:t>@array = (1..9); # array with numbers from 1 to 9 </a:t>
-            </a:r>
-          </a:p>
-          <a:p>
-            <a:pPr fontAlgn="base">
-              <a:buNone/>
-            </a:pPr>
-            <a:r>
-              <a:rPr lang="en-IN" sz="2000" dirty="0" smtClean="0"/>
-              <a:t>	@array = (a..h); # array with letters from a to h</a:t>
-            </a:r>
-          </a:p>
-          <a:p>
-            <a:pPr>
-              <a:buNone/>
-            </a:pPr>
-            <a:endParaRPr lang="en-US" dirty="0"/>
+            <a:endParaRPr lang="en-IN" dirty="0" smtClean="0"/>
           </a:p>
         </p:txBody>
       </p:sp>
@@ -3820,144 +5998,140 @@
         </p:nvSpPr>
         <p:spPr>
           <a:xfrm>
-            <a:off x="457200" y="533400"/>
-            <a:ext cx="8229600" cy="5592763"/>
+            <a:off x="457200" y="457200"/>
+            <a:ext cx="8229600" cy="5668963"/>
           </a:xfrm>
         </p:spPr>
         <p:txBody>
           <a:bodyPr>
-            <a:normAutofit fontScale="92500" lnSpcReduction="10000"/>
+            <a:normAutofit/>
           </a:bodyPr>
           <a:lstStyle/>
           <a:p>
             <a:r>
               <a:rPr lang="en-US" dirty="0" smtClean="0"/>
-              <a:t>Size of array: It </a:t>
-            </a:r>
-            <a:r>
-              <a:rPr lang="en-IN" dirty="0" smtClean="0"/>
-              <a:t>can be found by evaluating the array in scalar context.</a:t>
-            </a:r>
-            <a:endParaRPr lang="en-US" dirty="0" smtClean="0"/>
-          </a:p>
-          <a:p>
-            <a:pPr fontAlgn="base">
-              <a:buNone/>
-            </a:pPr>
-            <a:r>
-              <a:rPr lang="en-IN" sz="2400" b="1" dirty="0" smtClean="0"/>
-              <a:t>	Implicit Scalar Context:</a:t>
-            </a:r>
-            <a:r>
-              <a:rPr lang="en-IN" sz="2400" dirty="0" smtClean="0"/>
-              <a:t>$size = @array;</a:t>
-            </a:r>
-          </a:p>
-          <a:p>
-            <a:pPr fontAlgn="base">
-              <a:buNone/>
-            </a:pPr>
-            <a:r>
-              <a:rPr lang="en-IN" sz="2400" b="1" dirty="0" smtClean="0"/>
-              <a:t>	Explicit scalar context using keyword scalar:</a:t>
-            </a:r>
-          </a:p>
-          <a:p>
-            <a:pPr fontAlgn="base">
-              <a:buNone/>
-            </a:pPr>
-            <a:r>
-              <a:rPr lang="en-IN" sz="2400" dirty="0" smtClean="0"/>
-              <a:t>	$size = scalar @array;</a:t>
-            </a:r>
-          </a:p>
-          <a:p>
-            <a:pPr fontAlgn="base">
-              <a:buNone/>
-            </a:pPr>
-            <a:r>
-              <a:rPr lang="en-US" sz="2400" dirty="0" smtClean="0"/>
-              <a:t>	$maximum_index = $#arr; </a:t>
-            </a:r>
-          </a:p>
-          <a:p>
-            <a:pPr fontAlgn="base"/>
-            <a:r>
-              <a:rPr lang="en-IN" dirty="0" smtClean="0"/>
-              <a:t>Slicing: It is done to access a range of elements in an array in order</a:t>
-            </a:r>
-          </a:p>
-          <a:p>
-            <a:pPr fontAlgn="base">
-              <a:buNone/>
-            </a:pPr>
-            <a:r>
-              <a:rPr lang="en-IN" sz="3000" dirty="0" smtClean="0"/>
-              <a:t>	-Passing multiple index values</a:t>
-            </a:r>
-          </a:p>
-          <a:p>
-            <a:pPr fontAlgn="base">
+              <a:t>String : </a:t>
+            </a:r>
+            <a:r>
+              <a:rPr lang="en-IN" dirty="0" smtClean="0"/>
+              <a:t>String scalar variables hold values like a word(made of different characters), a group of words or a paragraph</a:t>
+            </a:r>
+            <a:r>
+              <a:rPr lang="en-IN" dirty="0" smtClean="0"/>
+              <a:t>.</a:t>
+            </a:r>
+          </a:p>
+          <a:p>
+            <a:pPr>
               <a:buNone/>
             </a:pPr>
             <a:r>
               <a:rPr lang="en-IN" dirty="0" smtClean="0"/>
               <a:t>	</a:t>
             </a:r>
-            <a:r>
-              <a:rPr lang="en-US" sz="2400" dirty="0" smtClean="0"/>
-              <a:t>@array = (‘Sun', ‘Moon', ‘Earth'); </a:t>
-            </a:r>
-          </a:p>
-          <a:p>
-            <a:pPr fontAlgn="base">
-              <a:buNone/>
-            </a:pPr>
-            <a:r>
-              <a:rPr lang="en-US" sz="2400" dirty="0" smtClean="0"/>
-              <a:t>	@</a:t>
-            </a:r>
-            <a:r>
-              <a:rPr lang="en-US" sz="2400" dirty="0" err="1" smtClean="0"/>
-              <a:t>extracted_elements</a:t>
-            </a:r>
-            <a:r>
-              <a:rPr lang="en-US" sz="2400" dirty="0" smtClean="0"/>
-              <a:t> = @array[1, 2];</a:t>
-            </a:r>
-          </a:p>
-          <a:p>
-            <a:pPr fontAlgn="base">
-              <a:buNone/>
-            </a:pPr>
-            <a:r>
-              <a:rPr lang="en-US" sz="2400" dirty="0" smtClean="0"/>
-              <a:t>	output: Moon Earth</a:t>
-            </a:r>
-          </a:p>
-          <a:p>
-            <a:pPr fontAlgn="base">
-              <a:buNone/>
-            </a:pPr>
-            <a:r>
-              <a:rPr lang="en-US" dirty="0" smtClean="0"/>
-              <a:t>  </a:t>
-            </a:r>
-          </a:p>
-          <a:p>
-            <a:pPr fontAlgn="base">
+          </a:p>
+          <a:p>
+            <a:pPr>
+              <a:buNone/>
+            </a:pPr>
+            <a:r>
+              <a:rPr lang="en-IN" dirty="0" smtClean="0"/>
+              <a:t>	$</a:t>
+            </a:r>
+            <a:r>
+              <a:rPr lang="en-IN" dirty="0" err="1" smtClean="0"/>
+              <a:t>alphastring</a:t>
+            </a:r>
+            <a:r>
+              <a:rPr lang="en-IN" dirty="0" smtClean="0"/>
+              <a:t> = "</a:t>
+            </a:r>
+            <a:r>
+              <a:rPr lang="en-IN" dirty="0" err="1" smtClean="0"/>
+              <a:t>GeeksforGeeks</a:t>
+            </a:r>
+            <a:r>
+              <a:rPr lang="en-IN" dirty="0" smtClean="0"/>
+              <a:t>"; </a:t>
+            </a:r>
+          </a:p>
+          <a:p>
+            <a:pPr>
+              <a:buNone/>
+            </a:pPr>
+            <a:r>
+              <a:rPr lang="en-IN" dirty="0" smtClean="0"/>
+              <a:t>	$</a:t>
+            </a:r>
+            <a:r>
+              <a:rPr lang="en-IN" dirty="0" err="1" smtClean="0"/>
+              <a:t>numericstring</a:t>
+            </a:r>
+            <a:r>
+              <a:rPr lang="en-IN" dirty="0" smtClean="0"/>
+              <a:t> = "17"; </a:t>
+            </a:r>
+          </a:p>
+          <a:p>
+            <a:pPr>
+              <a:buNone/>
+            </a:pPr>
+            <a:r>
+              <a:rPr lang="en-IN" dirty="0" smtClean="0"/>
+              <a:t>	$alphanumeric </a:t>
+            </a:r>
+            <a:r>
+              <a:rPr lang="en-IN" dirty="0" smtClean="0"/>
+              <a:t>= "gfg21"; </a:t>
+            </a:r>
+          </a:p>
+          <a:p>
+            <a:pPr>
+              <a:buNone/>
+            </a:pPr>
+            <a:r>
+              <a:rPr lang="en-IN" dirty="0" smtClean="0"/>
+              <a:t>	$</a:t>
+            </a:r>
+            <a:r>
+              <a:rPr lang="en-IN" dirty="0" err="1" smtClean="0"/>
+              <a:t>specialstring</a:t>
+            </a:r>
+            <a:r>
+              <a:rPr lang="en-IN" dirty="0" smtClean="0"/>
+              <a:t> = "^</a:t>
+            </a:r>
+            <a:r>
+              <a:rPr lang="en-IN" dirty="0" err="1" smtClean="0"/>
+              <a:t>gfg</a:t>
+            </a:r>
+            <a:r>
+              <a:rPr lang="en-IN" dirty="0" smtClean="0"/>
+              <a:t>"; </a:t>
+            </a:r>
+          </a:p>
+          <a:p>
+            <a:pPr>
+              <a:buNone/>
+            </a:pPr>
+            <a:r>
+              <a:rPr lang="en-IN" dirty="0" smtClean="0"/>
+              <a:t>	$</a:t>
+            </a:r>
+            <a:r>
+              <a:rPr lang="en-IN" dirty="0" err="1" smtClean="0"/>
+              <a:t>singlequt</a:t>
+            </a:r>
+            <a:r>
+              <a:rPr lang="en-IN" dirty="0" smtClean="0"/>
+              <a:t> = 'Hello Geeks'; </a:t>
+            </a:r>
+          </a:p>
+          <a:p>
+            <a:pPr>
               <a:buNone/>
             </a:pPr>
             <a:endParaRPr lang="en-IN" dirty="0" smtClean="0"/>
-          </a:p>
-          <a:p>
-            <a:pPr fontAlgn="base">
-              <a:buNone/>
-            </a:pPr>
-            <a:endParaRPr lang="en-IN" sz="2400" dirty="0" smtClean="0"/>
-          </a:p>
-          <a:p>
-            <a:endParaRPr lang="en-US" dirty="0"/>
           </a:p>
         </p:txBody>
       </p:sp>
@@ -3988,6 +6162,29 @@
       </p:grpSpPr>
       <p:sp>
         <p:nvSpPr>
+          <p:cNvPr id="2" name="Title 1"/>
+          <p:cNvSpPr>
+            <a:spLocks noGrp="1"/>
+          </p:cNvSpPr>
+          <p:nvPr>
+            <p:ph type="title"/>
+          </p:nvPr>
+        </p:nvSpPr>
+        <p:spPr/>
+        <p:txBody>
+          <a:bodyPr/>
+          <a:lstStyle/>
+          <a:p>
+            <a:r>
+              <a:rPr lang="en-US" dirty="0" smtClean="0"/>
+              <a:t>Comparing Scalars</a:t>
+            </a:r>
+            <a:endParaRPr lang="en-US" dirty="0"/>
+          </a:p>
+        </p:txBody>
+      </p:sp>
+      <p:sp>
+        <p:nvSpPr>
           <p:cNvPr id="3" name="Content Placeholder 2"/>
           <p:cNvSpPr>
             <a:spLocks noGrp="1"/>
@@ -3996,213 +6193,148 @@
             <p:ph idx="1"/>
           </p:nvPr>
         </p:nvSpPr>
-        <p:spPr>
-          <a:xfrm>
-            <a:off x="457200" y="304800"/>
-            <a:ext cx="8229600" cy="6324600"/>
-          </a:xfrm>
-        </p:spPr>
-        <p:txBody>
-          <a:bodyPr>
-            <a:normAutofit fontScale="92500" lnSpcReduction="10000"/>
-          </a:bodyPr>
-          <a:lstStyle/>
-          <a:p>
-            <a:pPr fontAlgn="base">
-              <a:buNone/>
-            </a:pPr>
-            <a:r>
-              <a:rPr lang="en-IN" sz="2800" dirty="0" smtClean="0"/>
-              <a:t>-Using range operator</a:t>
-            </a:r>
-          </a:p>
-          <a:p>
-            <a:pPr fontAlgn="base">
-              <a:buNone/>
-            </a:pPr>
-            <a:r>
-              <a:rPr lang="en-IN" dirty="0" smtClean="0"/>
-              <a:t>	</a:t>
-            </a:r>
-            <a:r>
-              <a:rPr lang="en-US" sz="2400" dirty="0" smtClean="0"/>
-              <a:t>@array = (‘Sun', ‘Moon', ‘Earth‘, ’Mars’, ‘</a:t>
-            </a:r>
-            <a:r>
-              <a:rPr lang="en-US" sz="2400" dirty="0" err="1" smtClean="0"/>
-              <a:t>Jupitor</a:t>
-            </a:r>
-            <a:r>
-              <a:rPr lang="en-US" sz="2400" dirty="0" smtClean="0"/>
-              <a:t>’); </a:t>
-            </a:r>
-          </a:p>
-          <a:p>
-            <a:pPr fontAlgn="base">
-              <a:buNone/>
-            </a:pPr>
-            <a:r>
-              <a:rPr lang="en-US" sz="2400" dirty="0" smtClean="0"/>
-              <a:t>	@</a:t>
-            </a:r>
-            <a:r>
-              <a:rPr lang="en-US" sz="2400" dirty="0" err="1" smtClean="0"/>
-              <a:t>extracted_elements</a:t>
-            </a:r>
-            <a:r>
-              <a:rPr lang="en-US" sz="2400" dirty="0" smtClean="0"/>
-              <a:t> = @array[1..3];</a:t>
-            </a:r>
-          </a:p>
-          <a:p>
-            <a:pPr fontAlgn="base">
-              <a:buNone/>
-            </a:pPr>
-            <a:r>
-              <a:rPr lang="en-US" sz="2400" dirty="0" smtClean="0"/>
-              <a:t>	output: Moon Earth Mars</a:t>
-            </a:r>
-          </a:p>
-          <a:p>
-            <a:pPr fontAlgn="base"/>
-            <a:r>
-              <a:rPr lang="en-US" dirty="0" smtClean="0"/>
-              <a:t>Push - </a:t>
-            </a:r>
-            <a:r>
-              <a:rPr lang="en-IN" dirty="0" smtClean="0"/>
-              <a:t>Inserts values of the list at the end of an array</a:t>
-            </a:r>
-            <a:endParaRPr lang="en-IN" sz="2400" dirty="0" smtClean="0"/>
-          </a:p>
-          <a:p>
-            <a:pPr fontAlgn="base">
-              <a:buNone/>
-            </a:pPr>
-            <a:r>
-              <a:rPr lang="en-IN" sz="2400" dirty="0" smtClean="0"/>
-              <a:t>	syntax: </a:t>
-            </a:r>
-            <a:r>
-              <a:rPr lang="en-US" sz="2400" i="1" dirty="0" smtClean="0"/>
-              <a:t> push(Array, list)</a:t>
-            </a:r>
-          </a:p>
-          <a:p>
-            <a:pPr fontAlgn="base">
-              <a:buNone/>
-            </a:pPr>
-            <a:r>
-              <a:rPr lang="en-US" sz="2400" i="1" dirty="0" smtClean="0"/>
-              <a:t>	</a:t>
-            </a:r>
-            <a:r>
-              <a:rPr lang="en-US" sz="2400" i="1" dirty="0" err="1" smtClean="0"/>
-              <a:t>ex:</a:t>
-            </a:r>
-            <a:r>
-              <a:rPr lang="en-US" sz="2400" dirty="0" err="1" smtClean="0"/>
-              <a:t>push</a:t>
-            </a:r>
-            <a:r>
-              <a:rPr lang="en-US" sz="2400" dirty="0" smtClean="0"/>
-              <a:t>(@x, 'Python', 'Perl'); </a:t>
-            </a:r>
-          </a:p>
-          <a:p>
-            <a:pPr fontAlgn="base"/>
-            <a:r>
-              <a:rPr lang="en-US" dirty="0" smtClean="0"/>
-              <a:t>Pop - </a:t>
-            </a:r>
-            <a:r>
-              <a:rPr lang="en-IN" dirty="0" smtClean="0"/>
-              <a:t>Removes the last value of an array</a:t>
-            </a:r>
-          </a:p>
-          <a:p>
-            <a:pPr fontAlgn="base">
-              <a:buNone/>
-            </a:pPr>
-            <a:r>
-              <a:rPr lang="en-IN" sz="2400" dirty="0" smtClean="0"/>
-              <a:t>	syntax: </a:t>
-            </a:r>
-            <a:r>
-              <a:rPr lang="en-US" sz="2400" i="1" dirty="0" smtClean="0"/>
-              <a:t> pop(Array)</a:t>
-            </a:r>
-          </a:p>
-          <a:p>
-            <a:pPr fontAlgn="base"/>
-            <a:r>
-              <a:rPr lang="en-US" dirty="0" smtClean="0"/>
-              <a:t>Shift - </a:t>
-            </a:r>
-            <a:r>
-              <a:rPr lang="en-IN" dirty="0" smtClean="0"/>
-              <a:t>Shifts all the values of an array on its left</a:t>
-            </a:r>
-          </a:p>
-          <a:p>
-            <a:pPr fontAlgn="base">
-              <a:buNone/>
-            </a:pPr>
-            <a:r>
-              <a:rPr lang="en-IN" sz="2400" dirty="0" smtClean="0"/>
-              <a:t>	syntax: </a:t>
-            </a:r>
-            <a:r>
-              <a:rPr lang="en-IN" sz="2400" i="1" dirty="0" smtClean="0"/>
-              <a:t>shift(Array)</a:t>
-            </a:r>
-          </a:p>
-          <a:p>
-            <a:pPr fontAlgn="base">
-              <a:buNone/>
-            </a:pPr>
-            <a:r>
-              <a:rPr lang="en-IN" sz="2400" i="1" dirty="0" smtClean="0"/>
-              <a:t>	ex: </a:t>
-            </a:r>
-            <a:r>
-              <a:rPr lang="en-US" sz="2400" dirty="0" smtClean="0"/>
-              <a:t>@x = ('Java', 'C', 'C++'); </a:t>
-            </a:r>
-          </a:p>
-          <a:p>
-            <a:pPr fontAlgn="base">
-              <a:buNone/>
-            </a:pPr>
-            <a:r>
-              <a:rPr lang="en-US" sz="2400" i="1" dirty="0" smtClean="0"/>
-              <a:t>		</a:t>
-            </a:r>
-            <a:r>
-              <a:rPr lang="en-US" sz="2400" i="1" dirty="0" err="1" smtClean="0"/>
-              <a:t>shift@x</a:t>
-            </a:r>
-            <a:r>
-              <a:rPr lang="en-US" sz="2400" i="1" dirty="0" smtClean="0"/>
-              <a:t> 	//updated array:  @x=(‘C’,’C++’)</a:t>
-            </a:r>
-          </a:p>
-          <a:p>
-            <a:pPr fontAlgn="base">
-              <a:buNone/>
-            </a:pPr>
-            <a:endParaRPr lang="en-US" sz="2400" dirty="0" smtClean="0"/>
-          </a:p>
-          <a:p>
-            <a:pPr fontAlgn="base">
-              <a:buNone/>
-            </a:pPr>
-            <a:endParaRPr lang="en-US" sz="2400" dirty="0" smtClean="0"/>
-          </a:p>
+        <p:spPr/>
+        <p:txBody>
+          <a:bodyPr/>
+          <a:lstStyle/>
           <a:p>
             <a:pPr>
               <a:buNone/>
             </a:pPr>
+            <a:r>
+              <a:rPr lang="en-IN" dirty="0" smtClean="0"/>
+              <a:t>Numeric	String	Description</a:t>
+            </a:r>
+          </a:p>
+          <a:p>
+            <a:pPr>
+              <a:buNone/>
+            </a:pPr>
+            <a:r>
+              <a:rPr lang="en-IN" dirty="0" smtClean="0"/>
+              <a:t>==		</a:t>
+            </a:r>
+            <a:r>
+              <a:rPr lang="en-IN" dirty="0" err="1" smtClean="0"/>
+              <a:t>eq</a:t>
+            </a:r>
+            <a:r>
+              <a:rPr lang="en-IN" dirty="0" smtClean="0"/>
+              <a:t>		Equals to</a:t>
+            </a:r>
+          </a:p>
+          <a:p>
+            <a:pPr>
+              <a:buNone/>
+            </a:pPr>
+            <a:r>
+              <a:rPr lang="en-IN" dirty="0" smtClean="0"/>
+              <a:t>!=			ne		Not </a:t>
+            </a:r>
+            <a:r>
+              <a:rPr lang="en-IN" dirty="0" smtClean="0"/>
+              <a:t>Equals </a:t>
+            </a:r>
+            <a:r>
+              <a:rPr lang="en-IN" dirty="0" smtClean="0"/>
+              <a:t>to</a:t>
+            </a:r>
+          </a:p>
+          <a:p>
+            <a:pPr>
+              <a:buNone/>
+            </a:pPr>
+            <a:r>
+              <a:rPr lang="en-IN" dirty="0" smtClean="0"/>
+              <a:t>&lt;			</a:t>
+            </a:r>
+            <a:r>
+              <a:rPr lang="en-IN" dirty="0" err="1" smtClean="0"/>
+              <a:t>l</a:t>
+            </a:r>
+            <a:r>
+              <a:rPr lang="en-IN" dirty="0" err="1" smtClean="0"/>
+              <a:t>t</a:t>
+            </a:r>
+            <a:r>
+              <a:rPr lang="en-IN" dirty="0" smtClean="0"/>
+              <a:t>		Is </a:t>
+            </a:r>
+            <a:r>
+              <a:rPr lang="en-IN" dirty="0" smtClean="0"/>
+              <a:t>less </a:t>
+            </a:r>
+            <a:r>
+              <a:rPr lang="en-IN" dirty="0" smtClean="0"/>
+              <a:t>than</a:t>
+            </a:r>
+          </a:p>
+          <a:p>
+            <a:pPr>
+              <a:buNone/>
+            </a:pPr>
+            <a:r>
+              <a:rPr lang="en-IN" dirty="0" smtClean="0"/>
+              <a:t>&gt;			</a:t>
+            </a:r>
+            <a:r>
+              <a:rPr lang="en-IN" dirty="0" err="1" smtClean="0"/>
+              <a:t>g</a:t>
+            </a:r>
+            <a:r>
+              <a:rPr lang="en-IN" dirty="0" err="1" smtClean="0"/>
+              <a:t>t</a:t>
+            </a:r>
+            <a:r>
+              <a:rPr lang="en-IN" dirty="0" smtClean="0"/>
+              <a:t>		Is </a:t>
+            </a:r>
+            <a:r>
+              <a:rPr lang="en-IN" dirty="0" smtClean="0"/>
+              <a:t>greater </a:t>
+            </a:r>
+            <a:r>
+              <a:rPr lang="en-IN" dirty="0" smtClean="0"/>
+              <a:t>than</a:t>
+            </a:r>
+          </a:p>
+          <a:p>
+            <a:pPr>
+              <a:buNone/>
+            </a:pPr>
+            <a:r>
+              <a:rPr lang="en-IN" dirty="0" smtClean="0"/>
+              <a:t>&lt;=		le		Is </a:t>
+            </a:r>
+            <a:r>
+              <a:rPr lang="en-IN" dirty="0" smtClean="0"/>
+              <a:t>less than or </a:t>
+            </a:r>
+            <a:r>
+              <a:rPr lang="en-IN" dirty="0" smtClean="0"/>
+              <a:t>equal to</a:t>
+            </a:r>
+          </a:p>
+          <a:p>
+            <a:pPr>
+              <a:buNone/>
+            </a:pPr>
+            <a:r>
+              <a:rPr lang="en-IN" dirty="0" smtClean="0"/>
+              <a:t>&gt;=		</a:t>
+            </a:r>
+            <a:r>
+              <a:rPr lang="en-IN" dirty="0" err="1" smtClean="0"/>
+              <a:t>ge</a:t>
+            </a:r>
+            <a:r>
+              <a:rPr lang="en-IN" dirty="0" smtClean="0"/>
+              <a:t>		Is </a:t>
+            </a:r>
+            <a:r>
+              <a:rPr lang="en-IN" dirty="0" smtClean="0"/>
+              <a:t>greater than or equal to</a:t>
+            </a:r>
             <a:endParaRPr lang="en-US" dirty="0"/>
           </a:p>
         </p:txBody>
@@ -4234,6 +6366,29 @@
       </p:grpSpPr>
       <p:sp>
         <p:nvSpPr>
+          <p:cNvPr id="2" name="Title 1"/>
+          <p:cNvSpPr>
+            <a:spLocks noGrp="1"/>
+          </p:cNvSpPr>
+          <p:nvPr>
+            <p:ph type="title"/>
+          </p:nvPr>
+        </p:nvSpPr>
+        <p:spPr/>
+        <p:txBody>
+          <a:bodyPr/>
+          <a:lstStyle/>
+          <a:p>
+            <a:r>
+              <a:rPr lang="en-US" dirty="0" smtClean="0"/>
+              <a:t>Scalar Keyword</a:t>
+            </a:r>
+            <a:endParaRPr lang="en-US" dirty="0"/>
+          </a:p>
+        </p:txBody>
+      </p:sp>
+      <p:sp>
+        <p:nvSpPr>
           <p:cNvPr id="3" name="Content Placeholder 2"/>
           <p:cNvSpPr>
             <a:spLocks noGrp="1"/>
@@ -4242,121 +6397,49 @@
             <p:ph idx="1"/>
           </p:nvPr>
         </p:nvSpPr>
-        <p:spPr>
-          <a:xfrm>
-            <a:off x="457200" y="457200"/>
-            <a:ext cx="8229600" cy="5668963"/>
-          </a:xfrm>
-        </p:spPr>
-        <p:txBody>
-          <a:bodyPr/>
-          <a:lstStyle/>
-          <a:p>
-            <a:r>
-              <a:rPr lang="en-US" dirty="0" err="1" smtClean="0"/>
-              <a:t>Unshift</a:t>
-            </a:r>
-            <a:r>
-              <a:rPr lang="en-US" dirty="0" smtClean="0"/>
-              <a:t>:</a:t>
-            </a:r>
-            <a:r>
-              <a:rPr lang="en-IN" dirty="0" smtClean="0"/>
-              <a:t>Adds the list element to the front of an array</a:t>
-            </a:r>
-          </a:p>
-          <a:p>
-            <a:pPr fontAlgn="base">
+        <p:spPr/>
+        <p:txBody>
+          <a:bodyPr/>
+          <a:lstStyle/>
+          <a:p>
+            <a:r>
+              <a:rPr lang="en-IN" dirty="0" smtClean="0"/>
+              <a:t>Scalar </a:t>
+            </a:r>
+            <a:r>
+              <a:rPr lang="en-IN" dirty="0" smtClean="0"/>
+              <a:t>keyword in </a:t>
+            </a:r>
+            <a:r>
+              <a:rPr lang="en-IN" dirty="0" smtClean="0"/>
+              <a:t>Perl</a:t>
+            </a:r>
+            <a:r>
+              <a:rPr lang="en-IN" dirty="0" smtClean="0"/>
+              <a:t> is used to convert the expression to scalar context. </a:t>
+            </a:r>
+            <a:endParaRPr lang="en-IN" dirty="0" smtClean="0"/>
+          </a:p>
+          <a:p>
+            <a:r>
+              <a:rPr lang="en-IN" dirty="0" smtClean="0"/>
+              <a:t>Syntax – scalar expression</a:t>
+            </a:r>
+          </a:p>
+          <a:p>
+            <a:pPr>
+              <a:buNone/>
+            </a:pPr>
+            <a:endParaRPr lang="en-IN" dirty="0" smtClean="0"/>
+          </a:p>
+          <a:p>
+            <a:pPr>
               <a:buNone/>
             </a:pPr>
             <a:r>
               <a:rPr lang="en-IN" dirty="0" smtClean="0"/>
               <a:t>	</a:t>
             </a:r>
-            <a:r>
-              <a:rPr lang="en-IN" sz="2200" dirty="0" smtClean="0"/>
-              <a:t>syntax: </a:t>
-            </a:r>
-            <a:r>
-              <a:rPr lang="en-IN" sz="2200" i="1" dirty="0" err="1" smtClean="0"/>
-              <a:t>unshift</a:t>
-            </a:r>
-            <a:r>
-              <a:rPr lang="en-IN" sz="2200" i="1" dirty="0" smtClean="0"/>
-              <a:t>(</a:t>
-            </a:r>
-            <a:r>
-              <a:rPr lang="en-IN" sz="2200" i="1" dirty="0" err="1" smtClean="0"/>
-              <a:t>Array,List</a:t>
-            </a:r>
-            <a:r>
-              <a:rPr lang="en-IN" sz="2200" i="1" dirty="0" smtClean="0"/>
-              <a:t>)</a:t>
-            </a:r>
-          </a:p>
-          <a:p>
-            <a:pPr fontAlgn="base">
-              <a:buNone/>
-            </a:pPr>
-            <a:r>
-              <a:rPr lang="en-IN" sz="2200" i="1" dirty="0" smtClean="0"/>
-              <a:t>	ex: </a:t>
-            </a:r>
-            <a:r>
-              <a:rPr lang="en-US" sz="2200" dirty="0" smtClean="0"/>
-              <a:t>@x = ('Java', 'C', 'C++'); </a:t>
-            </a:r>
-          </a:p>
-          <a:p>
-            <a:pPr fontAlgn="base">
-              <a:buNone/>
-            </a:pPr>
-            <a:r>
-              <a:rPr lang="en-US" sz="2200" i="1" dirty="0" smtClean="0"/>
-              <a:t>		</a:t>
-            </a:r>
-            <a:r>
-              <a:rPr lang="en-US" sz="2200" i="1" dirty="0" err="1" smtClean="0"/>
-              <a:t>unshift</a:t>
-            </a:r>
-            <a:r>
-              <a:rPr lang="en-US" sz="2200" i="1" dirty="0" smtClean="0"/>
-              <a:t>(@x ,’PHP’,’JSP’) </a:t>
-            </a:r>
-          </a:p>
-          <a:p>
-            <a:pPr fontAlgn="base">
-              <a:buNone/>
-            </a:pPr>
-            <a:r>
-              <a:rPr lang="en-US" sz="2200" i="1" smtClean="0"/>
-              <a:t>	//</a:t>
-            </a:r>
-            <a:r>
-              <a:rPr lang="en-US" sz="2200" i="1" dirty="0" smtClean="0"/>
-              <a:t>updated array:  @</a:t>
-            </a:r>
-            <a:r>
-              <a:rPr lang="en-US" sz="2200" i="1" smtClean="0"/>
-              <a:t>x=(‘</a:t>
-            </a:r>
-            <a:r>
-              <a:rPr lang="en-US" sz="2400" smtClean="0"/>
-              <a:t>PHP ‘,’JSP’ ,’Java’, ‘C ‘,’C++’</a:t>
-            </a:r>
-            <a:r>
-              <a:rPr lang="en-US" sz="2200" i="1" smtClean="0"/>
-              <a:t>)</a:t>
-            </a:r>
-            <a:endParaRPr lang="en-US" sz="2200" i="1" dirty="0" smtClean="0"/>
-          </a:p>
-          <a:p>
-            <a:pPr>
-              <a:buNone/>
-            </a:pPr>
-            <a:endParaRPr lang="en-IN" dirty="0" smtClean="0"/>
-          </a:p>
-          <a:p>
             <a:endParaRPr lang="en-US" dirty="0"/>
           </a:p>
         </p:txBody>

--- a/Santhoshi/PerlBasics.pptx
+++ b/Santhoshi/PerlBasics.pptx
@@ -7,26 +7,52 @@
   <p:sldIdLst>
     <p:sldId id="256" r:id="rId2"/>
     <p:sldId id="263" r:id="rId3"/>
-    <p:sldId id="264" r:id="rId4"/>
-    <p:sldId id="265" r:id="rId5"/>
-    <p:sldId id="266" r:id="rId6"/>
-    <p:sldId id="268" r:id="rId7"/>
-    <p:sldId id="267" r:id="rId8"/>
-    <p:sldId id="269" r:id="rId9"/>
-    <p:sldId id="270" r:id="rId10"/>
-    <p:sldId id="271" r:id="rId11"/>
-    <p:sldId id="272" r:id="rId12"/>
-    <p:sldId id="273" r:id="rId13"/>
-    <p:sldId id="274" r:id="rId14"/>
-    <p:sldId id="275" r:id="rId15"/>
-    <p:sldId id="276" r:id="rId16"/>
-    <p:sldId id="277" r:id="rId17"/>
-    <p:sldId id="257" r:id="rId18"/>
-    <p:sldId id="258" r:id="rId19"/>
-    <p:sldId id="259" r:id="rId20"/>
-    <p:sldId id="260" r:id="rId21"/>
-    <p:sldId id="261" r:id="rId22"/>
-    <p:sldId id="262" r:id="rId23"/>
+    <p:sldId id="278" r:id="rId4"/>
+    <p:sldId id="264" r:id="rId5"/>
+    <p:sldId id="279" r:id="rId6"/>
+    <p:sldId id="280" r:id="rId7"/>
+    <p:sldId id="281" r:id="rId8"/>
+    <p:sldId id="282" r:id="rId9"/>
+    <p:sldId id="265" r:id="rId10"/>
+    <p:sldId id="283" r:id="rId11"/>
+    <p:sldId id="286" r:id="rId12"/>
+    <p:sldId id="284" r:id="rId13"/>
+    <p:sldId id="285" r:id="rId14"/>
+    <p:sldId id="289" r:id="rId15"/>
+    <p:sldId id="290" r:id="rId16"/>
+    <p:sldId id="291" r:id="rId17"/>
+    <p:sldId id="292" r:id="rId18"/>
+    <p:sldId id="293" r:id="rId19"/>
+    <p:sldId id="294" r:id="rId20"/>
+    <p:sldId id="295" r:id="rId21"/>
+    <p:sldId id="296" r:id="rId22"/>
+    <p:sldId id="297" r:id="rId23"/>
+    <p:sldId id="298" r:id="rId24"/>
+    <p:sldId id="299" r:id="rId25"/>
+    <p:sldId id="300" r:id="rId26"/>
+    <p:sldId id="301" r:id="rId27"/>
+    <p:sldId id="302" r:id="rId28"/>
+    <p:sldId id="303" r:id="rId29"/>
+    <p:sldId id="304" r:id="rId30"/>
+    <p:sldId id="305" r:id="rId31"/>
+    <p:sldId id="266" r:id="rId32"/>
+    <p:sldId id="268" r:id="rId33"/>
+    <p:sldId id="267" r:id="rId34"/>
+    <p:sldId id="269" r:id="rId35"/>
+    <p:sldId id="270" r:id="rId36"/>
+    <p:sldId id="271" r:id="rId37"/>
+    <p:sldId id="272" r:id="rId38"/>
+    <p:sldId id="273" r:id="rId39"/>
+    <p:sldId id="274" r:id="rId40"/>
+    <p:sldId id="275" r:id="rId41"/>
+    <p:sldId id="276" r:id="rId42"/>
+    <p:sldId id="277" r:id="rId43"/>
+    <p:sldId id="257" r:id="rId44"/>
+    <p:sldId id="258" r:id="rId45"/>
+    <p:sldId id="259" r:id="rId46"/>
+    <p:sldId id="260" r:id="rId47"/>
+    <p:sldId id="261" r:id="rId48"/>
+    <p:sldId id="262" r:id="rId49"/>
   </p:sldIdLst>
   <p:sldSz cx="9144000" cy="6858000" type="screen4x3"/>
   <p:notesSz cx="6858000" cy="9144000"/>
@@ -310,7 +336,7 @@
             <a:fld id="{9B859A98-0DC0-4CFD-9B2A-9A4E378C3142}" type="datetimeFigureOut">
               <a:rPr lang="en-US" smtClean="0"/>
               <a:pPr/>
-              <a:t>1/5/2021</a:t>
+              <a:t>1/6/2021</a:t>
             </a:fld>
             <a:endParaRPr lang="en-US" dirty="0"/>
           </a:p>
@@ -477,7 +503,7 @@
             <a:fld id="{9B859A98-0DC0-4CFD-9B2A-9A4E378C3142}" type="datetimeFigureOut">
               <a:rPr lang="en-US" smtClean="0"/>
               <a:pPr/>
-              <a:t>1/5/2021</a:t>
+              <a:t>1/6/2021</a:t>
             </a:fld>
             <a:endParaRPr lang="en-US" dirty="0"/>
           </a:p>
@@ -654,7 +680,7 @@
             <a:fld id="{9B859A98-0DC0-4CFD-9B2A-9A4E378C3142}" type="datetimeFigureOut">
               <a:rPr lang="en-US" smtClean="0"/>
               <a:pPr/>
-              <a:t>1/5/2021</a:t>
+              <a:t>1/6/2021</a:t>
             </a:fld>
             <a:endParaRPr lang="en-US" dirty="0"/>
           </a:p>
@@ -821,7 +847,7 @@
             <a:fld id="{9B859A98-0DC0-4CFD-9B2A-9A4E378C3142}" type="datetimeFigureOut">
               <a:rPr lang="en-US" smtClean="0"/>
               <a:pPr/>
-              <a:t>1/5/2021</a:t>
+              <a:t>1/6/2021</a:t>
             </a:fld>
             <a:endParaRPr lang="en-US" dirty="0"/>
           </a:p>
@@ -1064,7 +1090,7 @@
             <a:fld id="{9B859A98-0DC0-4CFD-9B2A-9A4E378C3142}" type="datetimeFigureOut">
               <a:rPr lang="en-US" smtClean="0"/>
               <a:pPr/>
-              <a:t>1/5/2021</a:t>
+              <a:t>1/6/2021</a:t>
             </a:fld>
             <a:endParaRPr lang="en-US" dirty="0"/>
           </a:p>
@@ -1349,7 +1375,7 @@
             <a:fld id="{9B859A98-0DC0-4CFD-9B2A-9A4E378C3142}" type="datetimeFigureOut">
               <a:rPr lang="en-US" smtClean="0"/>
               <a:pPr/>
-              <a:t>1/5/2021</a:t>
+              <a:t>1/6/2021</a:t>
             </a:fld>
             <a:endParaRPr lang="en-US" dirty="0"/>
           </a:p>
@@ -1768,7 +1794,7 @@
             <a:fld id="{9B859A98-0DC0-4CFD-9B2A-9A4E378C3142}" type="datetimeFigureOut">
               <a:rPr lang="en-US" smtClean="0"/>
               <a:pPr/>
-              <a:t>1/5/2021</a:t>
+              <a:t>1/6/2021</a:t>
             </a:fld>
             <a:endParaRPr lang="en-US" dirty="0"/>
           </a:p>
@@ -1883,7 +1909,7 @@
             <a:fld id="{9B859A98-0DC0-4CFD-9B2A-9A4E378C3142}" type="datetimeFigureOut">
               <a:rPr lang="en-US" smtClean="0"/>
               <a:pPr/>
-              <a:t>1/5/2021</a:t>
+              <a:t>1/6/2021</a:t>
             </a:fld>
             <a:endParaRPr lang="en-US" dirty="0"/>
           </a:p>
@@ -1975,7 +2001,7 @@
             <a:fld id="{9B859A98-0DC0-4CFD-9B2A-9A4E378C3142}" type="datetimeFigureOut">
               <a:rPr lang="en-US" smtClean="0"/>
               <a:pPr/>
-              <a:t>1/5/2021</a:t>
+              <a:t>1/6/2021</a:t>
             </a:fld>
             <a:endParaRPr lang="en-US" dirty="0"/>
           </a:p>
@@ -2249,7 +2275,7 @@
             <a:fld id="{9B859A98-0DC0-4CFD-9B2A-9A4E378C3142}" type="datetimeFigureOut">
               <a:rPr lang="en-US" smtClean="0"/>
               <a:pPr/>
-              <a:t>1/5/2021</a:t>
+              <a:t>1/6/2021</a:t>
             </a:fld>
             <a:endParaRPr lang="en-US" dirty="0"/>
           </a:p>
@@ -2499,7 +2525,7 @@
             <a:fld id="{9B859A98-0DC0-4CFD-9B2A-9A4E378C3142}" type="datetimeFigureOut">
               <a:rPr lang="en-US" smtClean="0"/>
               <a:pPr/>
-              <a:t>1/5/2021</a:t>
+              <a:t>1/6/2021</a:t>
             </a:fld>
             <a:endParaRPr lang="en-US" dirty="0"/>
           </a:p>
@@ -2709,7 +2735,7 @@
             <a:fld id="{9B859A98-0DC0-4CFD-9B2A-9A4E378C3142}" type="datetimeFigureOut">
               <a:rPr lang="en-US" smtClean="0"/>
               <a:pPr/>
-              <a:t>1/5/2021</a:t>
+              <a:t>1/6/2021</a:t>
             </a:fld>
             <a:endParaRPr lang="en-US" dirty="0"/>
           </a:p>
@@ -3153,6 +3179,29 @@
       </p:grpSpPr>
       <p:sp>
         <p:nvSpPr>
+          <p:cNvPr id="2" name="Title 1"/>
+          <p:cNvSpPr>
+            <a:spLocks noGrp="1"/>
+          </p:cNvSpPr>
+          <p:nvPr>
+            <p:ph type="title"/>
+          </p:nvPr>
+        </p:nvSpPr>
+        <p:spPr/>
+        <p:txBody>
+          <a:bodyPr/>
+          <a:lstStyle/>
+          <a:p>
+            <a:r>
+              <a:rPr lang="en-US" dirty="0" smtClean="0"/>
+              <a:t>Boolean values</a:t>
+            </a:r>
+            <a:endParaRPr lang="en-US" dirty="0"/>
+          </a:p>
+        </p:txBody>
+      </p:sp>
+      <p:sp>
+        <p:nvSpPr>
           <p:cNvPr id="3" name="Content Placeholder 2"/>
           <p:cNvSpPr>
             <a:spLocks noGrp="1"/>
@@ -3161,166 +3210,89 @@
             <p:ph idx="1"/>
           </p:nvPr>
         </p:nvSpPr>
-        <p:spPr>
-          <a:xfrm>
-            <a:off x="457200" y="381000"/>
-            <a:ext cx="8229600" cy="5745163"/>
-          </a:xfrm>
-        </p:spPr>
+        <p:spPr/>
         <p:txBody>
           <a:bodyPr>
-            <a:normAutofit fontScale="70000" lnSpcReduction="20000"/>
+            <a:normAutofit/>
           </a:bodyPr>
           <a:lstStyle/>
           <a:p>
-            <a:pPr>
-              <a:buNone/>
-            </a:pPr>
-            <a:r>
-              <a:rPr lang="en-IN" dirty="0" smtClean="0"/>
-              <a:t># </a:t>
-            </a:r>
-            <a:r>
-              <a:rPr lang="en-IN" dirty="0" smtClean="0"/>
-              <a:t>Defining Arrays </a:t>
-            </a:r>
-          </a:p>
-          <a:p>
-            <a:pPr>
-              <a:buNone/>
-            </a:pPr>
-            <a:r>
-              <a:rPr lang="en-IN" dirty="0" smtClean="0"/>
-              <a:t>@array1 = ("Geeks", "For", "Geeks"); </a:t>
-            </a:r>
-          </a:p>
-          <a:p>
-            <a:pPr>
-              <a:buNone/>
-            </a:pPr>
-            <a:r>
-              <a:rPr lang="en-IN" dirty="0" smtClean="0"/>
-              <a:t>@array2 = (1, 1, 0, 0, 9, 6); </a:t>
-            </a:r>
-          </a:p>
-          <a:p>
-            <a:pPr>
-              <a:buNone/>
-            </a:pPr>
-            <a:endParaRPr lang="en-IN" dirty="0" smtClean="0"/>
-          </a:p>
-          <a:p>
-            <a:pPr>
-              <a:buNone/>
-            </a:pPr>
-            <a:r>
-              <a:rPr lang="en-IN" dirty="0" smtClean="0"/>
-              <a:t># Concatenation of both arrays </a:t>
-            </a:r>
-          </a:p>
-          <a:p>
-            <a:pPr>
-              <a:buNone/>
-            </a:pPr>
-            <a:r>
-              <a:rPr lang="en-IN" dirty="0" smtClean="0"/>
-              <a:t>@array3 = (@array1, @array2); </a:t>
-            </a:r>
-          </a:p>
-          <a:p>
-            <a:pPr>
-              <a:buNone/>
-            </a:pPr>
-            <a:endParaRPr lang="en-IN" dirty="0" smtClean="0"/>
-          </a:p>
-          <a:p>
-            <a:pPr>
-              <a:buNone/>
-            </a:pPr>
-            <a:r>
-              <a:rPr lang="en-IN" dirty="0" smtClean="0"/>
-              <a:t># Printing the Concatenated Array </a:t>
-            </a:r>
-          </a:p>
-          <a:p>
-            <a:pPr>
-              <a:buNone/>
-            </a:pPr>
-            <a:r>
-              <a:rPr lang="en-IN" dirty="0" smtClean="0"/>
-              <a:t># in List form </a:t>
-            </a:r>
-          </a:p>
-          <a:p>
-            <a:pPr>
-              <a:buNone/>
-            </a:pPr>
-            <a:r>
-              <a:rPr lang="en-IN" dirty="0" smtClean="0"/>
-              <a:t>print "Array in List form: @array3\n"; </a:t>
-            </a:r>
-          </a:p>
-          <a:p>
-            <a:pPr>
-              <a:buNone/>
-            </a:pPr>
-            <a:endParaRPr lang="en-IN" dirty="0" smtClean="0"/>
-          </a:p>
-          <a:p>
-            <a:pPr>
-              <a:buNone/>
-            </a:pPr>
-            <a:r>
-              <a:rPr lang="en-IN" dirty="0" smtClean="0"/>
-              <a:t># Conversion of Arrays to scalar context </a:t>
-            </a:r>
-          </a:p>
-          <a:p>
-            <a:pPr>
-              <a:buNone/>
-            </a:pPr>
-            <a:r>
-              <a:rPr lang="en-IN" dirty="0" smtClean="0"/>
-              <a:t>@array3 = (scalar(@array1), scalar(@array2)); </a:t>
-            </a:r>
-          </a:p>
-          <a:p>
-            <a:pPr>
-              <a:buNone/>
-            </a:pPr>
-            <a:endParaRPr lang="en-IN" dirty="0" smtClean="0"/>
-          </a:p>
-          <a:p>
-            <a:pPr>
-              <a:buNone/>
-            </a:pPr>
-            <a:r>
-              <a:rPr lang="en-IN" dirty="0" smtClean="0"/>
-              <a:t># Conversion to scalar returns </a:t>
-            </a:r>
-          </a:p>
-          <a:p>
-            <a:pPr>
-              <a:buNone/>
-            </a:pPr>
-            <a:r>
-              <a:rPr lang="en-IN" dirty="0" smtClean="0"/>
-              <a:t># the number of elements in the array </a:t>
-            </a:r>
-          </a:p>
-          <a:p>
-            <a:pPr>
-              <a:buNone/>
-            </a:pPr>
-            <a:r>
-              <a:rPr lang="en-IN" dirty="0" smtClean="0"/>
-              <a:t>print "Array in scalar form: @array3\n"; </a:t>
-            </a:r>
-          </a:p>
-          <a:p>
-            <a:pPr>
-              <a:buNone/>
-            </a:pPr>
+            <a:r>
+              <a:rPr lang="en-IN" dirty="0" smtClean="0"/>
+              <a:t>But Perl does not provide the type </a:t>
+            </a:r>
+            <a:r>
+              <a:rPr lang="en-IN" dirty="0" smtClean="0"/>
+              <a:t>Boolean </a:t>
+            </a:r>
+            <a:r>
+              <a:rPr lang="en-IN" dirty="0" smtClean="0"/>
+              <a:t>for True and False</a:t>
+            </a:r>
+            <a:r>
+              <a:rPr lang="en-IN" dirty="0" smtClean="0"/>
+              <a:t>.</a:t>
+            </a:r>
+          </a:p>
+          <a:p>
+            <a:r>
+              <a:rPr lang="en-IN" dirty="0" smtClean="0"/>
+              <a:t>Any non-zero number i.e. except zero are True values in the Perl language</a:t>
+            </a:r>
+            <a:r>
+              <a:rPr lang="en-IN" dirty="0" smtClean="0"/>
+              <a:t>.</a:t>
+            </a:r>
+          </a:p>
+          <a:p>
+            <a:r>
+              <a:rPr lang="en-IN" dirty="0" smtClean="0"/>
+              <a:t>String constants like </a:t>
+            </a:r>
+            <a:r>
+              <a:rPr lang="en-IN" i="1" dirty="0" smtClean="0"/>
+              <a:t>‘true’</a:t>
+            </a:r>
+            <a:r>
+              <a:rPr lang="en-IN" dirty="0" smtClean="0"/>
+              <a:t>, </a:t>
+            </a:r>
+            <a:r>
+              <a:rPr lang="en-IN" i="1" dirty="0" smtClean="0"/>
+              <a:t>‘false’</a:t>
+            </a:r>
+            <a:r>
+              <a:rPr lang="en-IN" dirty="0" smtClean="0"/>
+              <a:t>, </a:t>
+            </a:r>
+            <a:r>
+              <a:rPr lang="en-IN" i="1" dirty="0" smtClean="0"/>
+              <a:t>’00’</a:t>
+            </a:r>
+            <a:r>
+              <a:rPr lang="en-IN" dirty="0" smtClean="0"/>
+              <a:t> </a:t>
+            </a:r>
+            <a:r>
+              <a:rPr lang="en-IN" dirty="0" smtClean="0"/>
+              <a:t>and </a:t>
+            </a:r>
+            <a:r>
+              <a:rPr lang="en-IN" i="1" dirty="0" smtClean="0"/>
+              <a:t>“</a:t>
+            </a:r>
+            <a:r>
+              <a:rPr lang="en-IN" i="1" dirty="0" smtClean="0"/>
+              <a:t>0\n” etc </a:t>
+            </a:r>
+            <a:r>
+              <a:rPr lang="en-IN" dirty="0" smtClean="0"/>
+              <a:t>are </a:t>
+            </a:r>
+            <a:r>
+              <a:rPr lang="en-IN" dirty="0" smtClean="0"/>
+              <a:t>also consider true values in Perl.</a:t>
+            </a:r>
             <a:endParaRPr lang="en-US" dirty="0"/>
           </a:p>
         </p:txBody>
@@ -3367,42 +3339,179 @@
           </a:xfrm>
         </p:spPr>
         <p:txBody>
-          <a:bodyPr/>
-          <a:lstStyle/>
-          <a:p>
-            <a:pPr>
-              <a:buNone/>
-            </a:pPr>
-            <a:r>
-              <a:rPr lang="en-US" dirty="0" smtClean="0"/>
-              <a:t>Output:-</a:t>
-            </a:r>
-          </a:p>
-          <a:p>
-            <a:pPr>
-              <a:buNone/>
-            </a:pPr>
-            <a:r>
-              <a:rPr lang="en-IN" dirty="0" smtClean="0"/>
-              <a:t>Array in List form: Geeks For Geeks 1 1 0 0 9 </a:t>
-            </a:r>
-            <a:r>
-              <a:rPr lang="en-IN" dirty="0" smtClean="0"/>
-              <a:t>6</a:t>
-            </a:r>
-          </a:p>
-          <a:p>
-            <a:pPr>
-              <a:buNone/>
-            </a:pPr>
-            <a:r>
-              <a:rPr lang="en-IN" dirty="0" smtClean="0"/>
-              <a:t>Array </a:t>
-            </a:r>
-            <a:r>
-              <a:rPr lang="en-IN" dirty="0" smtClean="0"/>
-              <a:t>in scalar form: 3 6</a:t>
-            </a:r>
+          <a:bodyPr>
+            <a:normAutofit fontScale="85000" lnSpcReduction="20000"/>
+          </a:bodyPr>
+          <a:lstStyle/>
+          <a:p>
+            <a:r>
+              <a:rPr lang="en-IN" i="1" dirty="0" smtClean="0"/>
+              <a:t>Empty string</a:t>
+            </a:r>
+            <a:r>
+              <a:rPr lang="en-IN" dirty="0" smtClean="0"/>
+              <a:t> or s</a:t>
+            </a:r>
+            <a:r>
+              <a:rPr lang="en-IN" i="1" dirty="0" smtClean="0"/>
+              <a:t>tring contains single digit 0</a:t>
+            </a:r>
+            <a:r>
+              <a:rPr lang="en-IN" dirty="0" smtClean="0"/>
+              <a:t> or </a:t>
+            </a:r>
+            <a:r>
+              <a:rPr lang="en-IN" i="1" dirty="0" err="1" smtClean="0"/>
+              <a:t>undef</a:t>
+            </a:r>
+            <a:r>
+              <a:rPr lang="en-IN" i="1" dirty="0" smtClean="0"/>
+              <a:t> </a:t>
+            </a:r>
+            <a:r>
+              <a:rPr lang="en-IN" dirty="0" smtClean="0"/>
+              <a:t>value and zero are </a:t>
+            </a:r>
+            <a:r>
+              <a:rPr lang="en-IN" dirty="0" smtClean="0"/>
+              <a:t>considered </a:t>
+            </a:r>
+            <a:r>
+              <a:rPr lang="en-IN" dirty="0" smtClean="0"/>
+              <a:t>as the false values in </a:t>
+            </a:r>
+            <a:r>
+              <a:rPr lang="en-IN" dirty="0" err="1" smtClean="0"/>
+              <a:t>perl</a:t>
+            </a:r>
+            <a:r>
+              <a:rPr lang="en-IN" dirty="0" smtClean="0"/>
+              <a:t>.</a:t>
+            </a:r>
+          </a:p>
+          <a:p>
+            <a:pPr>
+              <a:buNone/>
+            </a:pPr>
+            <a:r>
+              <a:rPr lang="en-US" dirty="0" smtClean="0"/>
+              <a:t>$k = </a:t>
+            </a:r>
+            <a:r>
+              <a:rPr lang="en-US" dirty="0" smtClean="0"/>
+              <a:t>5; </a:t>
+            </a:r>
+            <a:r>
+              <a:rPr lang="en-US" dirty="0" smtClean="0"/>
+              <a:t>#or </a:t>
+            </a:r>
+            <a:r>
+              <a:rPr lang="en-US" dirty="0" smtClean="0"/>
+              <a:t>‘  ’ or ”false“ </a:t>
+            </a:r>
+            <a:r>
+              <a:rPr lang="en-US" dirty="0" smtClean="0"/>
+              <a:t>or </a:t>
+            </a:r>
+            <a:r>
+              <a:rPr lang="en-US" dirty="0" smtClean="0"/>
+              <a:t>“0\n”</a:t>
+            </a:r>
+            <a:endParaRPr lang="en-US" dirty="0" smtClean="0"/>
+          </a:p>
+          <a:p>
+            <a:pPr>
+              <a:buNone/>
+            </a:pPr>
+            <a:r>
+              <a:rPr lang="en-US" dirty="0" smtClean="0"/>
+              <a:t>if ($k) </a:t>
+            </a:r>
+          </a:p>
+          <a:p>
+            <a:pPr>
+              <a:buNone/>
+            </a:pPr>
+            <a:r>
+              <a:rPr lang="en-US" dirty="0" smtClean="0"/>
+              <a:t>{ </a:t>
+            </a:r>
+          </a:p>
+          <a:p>
+            <a:pPr>
+              <a:buNone/>
+            </a:pPr>
+            <a:r>
+              <a:rPr lang="en-US" dirty="0" smtClean="0"/>
+              <a:t>	print "k is True\n"; </a:t>
+            </a:r>
+          </a:p>
+          <a:p>
+            <a:pPr>
+              <a:buNone/>
+            </a:pPr>
+            <a:r>
+              <a:rPr lang="en-US" dirty="0" smtClean="0"/>
+              <a:t>} </a:t>
+            </a:r>
+          </a:p>
+          <a:p>
+            <a:pPr>
+              <a:buNone/>
+            </a:pPr>
+            <a:r>
+              <a:rPr lang="en-US" dirty="0" smtClean="0"/>
+              <a:t>else</a:t>
+            </a:r>
+          </a:p>
+          <a:p>
+            <a:pPr>
+              <a:buNone/>
+            </a:pPr>
+            <a:r>
+              <a:rPr lang="en-US" dirty="0" smtClean="0"/>
+              <a:t>{ </a:t>
+            </a:r>
+          </a:p>
+          <a:p>
+            <a:pPr>
+              <a:buNone/>
+            </a:pPr>
+            <a:r>
+              <a:rPr lang="en-US" dirty="0" smtClean="0"/>
+              <a:t>	print "k is False\n"; </a:t>
+            </a:r>
+          </a:p>
+          <a:p>
+            <a:pPr>
+              <a:buNone/>
+            </a:pPr>
+            <a:r>
+              <a:rPr lang="en-US" dirty="0" smtClean="0"/>
+              <a:t>} </a:t>
+            </a:r>
+          </a:p>
+          <a:p>
+            <a:pPr>
+              <a:buNone/>
+            </a:pPr>
+            <a:r>
+              <a:rPr lang="en-US" dirty="0" smtClean="0"/>
+              <a:t>Output:-k is </a:t>
+            </a:r>
+            <a:r>
+              <a:rPr lang="en-US" dirty="0" smtClean="0"/>
+              <a:t>True</a:t>
+            </a:r>
+            <a:endParaRPr lang="en-US" dirty="0" smtClean="0"/>
+          </a:p>
+          <a:p>
+            <a:endParaRPr lang="en-IN" dirty="0" smtClean="0"/>
+          </a:p>
+          <a:p>
+            <a:pPr>
+              <a:buNone/>
+            </a:pPr>
             <a:endParaRPr lang="en-US" dirty="0"/>
           </a:p>
         </p:txBody>
@@ -3434,29 +3543,6 @@
       </p:grpSpPr>
       <p:sp>
         <p:nvSpPr>
-          <p:cNvPr id="2" name="Title 1"/>
-          <p:cNvSpPr>
-            <a:spLocks noGrp="1"/>
-          </p:cNvSpPr>
-          <p:nvPr>
-            <p:ph type="title"/>
-          </p:nvPr>
-        </p:nvSpPr>
-        <p:spPr/>
-        <p:txBody>
-          <a:bodyPr/>
-          <a:lstStyle/>
-          <a:p>
-            <a:r>
-              <a:rPr lang="en-US" dirty="0" smtClean="0"/>
-              <a:t>Hash</a:t>
-            </a:r>
-            <a:endParaRPr lang="en-US" dirty="0"/>
-          </a:p>
-        </p:txBody>
-      </p:sp>
-      <p:sp>
-        <p:nvSpPr>
           <p:cNvPr id="3" name="Content Placeholder 2"/>
           <p:cNvSpPr>
             <a:spLocks noGrp="1"/>
@@ -3467,70 +3553,156 @@
         </p:nvSpPr>
         <p:spPr>
           <a:xfrm>
-            <a:off x="457200" y="1371600"/>
-            <a:ext cx="8229600" cy="4754563"/>
+            <a:off x="457200" y="533400"/>
+            <a:ext cx="8229600" cy="5592763"/>
           </a:xfrm>
         </p:spPr>
         <p:txBody>
-          <a:bodyPr/>
-          <a:lstStyle/>
-          <a:p>
-            <a:r>
-              <a:rPr lang="en-IN" dirty="0" smtClean="0"/>
-              <a:t>A </a:t>
-            </a:r>
-            <a:r>
-              <a:rPr lang="en-IN" dirty="0" smtClean="0"/>
-              <a:t>hash</a:t>
-            </a:r>
-            <a:r>
-              <a:rPr lang="en-IN" dirty="0" smtClean="0"/>
-              <a:t> is a set of key-value pairs. Perl stores elements of a hash such that it searches for the values based on its keys. </a:t>
-            </a:r>
-            <a:endParaRPr lang="en-IN" dirty="0" smtClean="0"/>
-          </a:p>
-          <a:p>
-            <a:r>
-              <a:rPr lang="en-IN" dirty="0" smtClean="0"/>
-              <a:t>Hash </a:t>
-            </a:r>
-            <a:r>
-              <a:rPr lang="en-IN" dirty="0" smtClean="0"/>
-              <a:t>variables start with a ‘%’ </a:t>
-            </a:r>
-            <a:r>
-              <a:rPr lang="en-IN" dirty="0" smtClean="0"/>
-              <a:t>sign.</a:t>
-            </a:r>
-          </a:p>
-          <a:p>
-            <a:r>
-              <a:rPr lang="en-IN" dirty="0" smtClean="0"/>
-              <a:t>Perl </a:t>
-            </a:r>
-            <a:r>
-              <a:rPr lang="en-IN" dirty="0" smtClean="0"/>
-              <a:t>requires the keys of a hash to be strings, whereas the values can be any </a:t>
-            </a:r>
-            <a:r>
-              <a:rPr lang="en-IN" dirty="0" smtClean="0"/>
-              <a:t>scalars.</a:t>
-            </a:r>
-          </a:p>
-          <a:p>
-            <a:r>
-              <a:rPr lang="en-IN" dirty="0" smtClean="0"/>
-              <a:t>A hash key must be unique. </a:t>
-            </a:r>
-            <a:r>
-              <a:rPr lang="en-IN" dirty="0" smtClean="0"/>
-              <a:t>If key </a:t>
-            </a:r>
-            <a:r>
-              <a:rPr lang="en-IN" dirty="0" smtClean="0"/>
-              <a:t>is existing then its corresponding value is overwritten.</a:t>
-            </a:r>
-            <a:endParaRPr lang="en-US" dirty="0"/>
+          <a:bodyPr>
+            <a:normAutofit fontScale="85000" lnSpcReduction="20000"/>
+          </a:bodyPr>
+          <a:lstStyle/>
+          <a:p>
+            <a:pPr>
+              <a:buNone/>
+            </a:pPr>
+            <a:r>
+              <a:rPr lang="en-US" dirty="0" smtClean="0"/>
+              <a:t># Perl Code to demonstrate the </a:t>
+            </a:r>
+            <a:r>
+              <a:rPr lang="en-US" dirty="0" smtClean="0"/>
+              <a:t>Boolean </a:t>
+            </a:r>
+            <a:r>
+              <a:rPr lang="en-US" dirty="0" smtClean="0"/>
+              <a:t>values </a:t>
+            </a:r>
+          </a:p>
+          <a:p>
+            <a:pPr>
+              <a:buNone/>
+            </a:pPr>
+            <a:endParaRPr lang="en-US" dirty="0" smtClean="0"/>
+          </a:p>
+          <a:p>
+            <a:pPr>
+              <a:buNone/>
+            </a:pPr>
+            <a:r>
+              <a:rPr lang="en-US" dirty="0" smtClean="0"/>
+              <a:t>$</a:t>
+            </a:r>
+            <a:r>
+              <a:rPr lang="en-US" dirty="0" smtClean="0"/>
+              <a:t>k = 0; </a:t>
+            </a:r>
+            <a:r>
+              <a:rPr lang="en-US" dirty="0" smtClean="0"/>
+              <a:t>#or ‘’or ”“ or </a:t>
+            </a:r>
+            <a:r>
+              <a:rPr lang="en-US" dirty="0" err="1" smtClean="0"/>
+              <a:t>undef</a:t>
+            </a:r>
+            <a:endParaRPr lang="en-US" dirty="0" smtClean="0"/>
+          </a:p>
+          <a:p>
+            <a:pPr>
+              <a:buNone/>
+            </a:pPr>
+            <a:endParaRPr lang="en-US" dirty="0" smtClean="0"/>
+          </a:p>
+          <a:p>
+            <a:pPr>
+              <a:buNone/>
+            </a:pPr>
+            <a:r>
+              <a:rPr lang="en-US" dirty="0" smtClean="0"/>
+              <a:t>if </a:t>
+            </a:r>
+            <a:r>
+              <a:rPr lang="en-US" dirty="0" smtClean="0"/>
+              <a:t>($k) </a:t>
+            </a:r>
+          </a:p>
+          <a:p>
+            <a:pPr>
+              <a:buNone/>
+            </a:pPr>
+            <a:r>
+              <a:rPr lang="en-US" dirty="0" smtClean="0"/>
+              <a:t>{ </a:t>
+            </a:r>
+          </a:p>
+          <a:p>
+            <a:pPr>
+              <a:buNone/>
+            </a:pPr>
+            <a:r>
+              <a:rPr lang="en-US" dirty="0" smtClean="0"/>
+              <a:t>	print "k is True\n"; </a:t>
+            </a:r>
+          </a:p>
+          <a:p>
+            <a:pPr>
+              <a:buNone/>
+            </a:pPr>
+            <a:r>
+              <a:rPr lang="en-US" dirty="0" smtClean="0"/>
+              <a:t>} </a:t>
+            </a:r>
+          </a:p>
+          <a:p>
+            <a:pPr>
+              <a:buNone/>
+            </a:pPr>
+            <a:r>
+              <a:rPr lang="en-US" dirty="0" smtClean="0"/>
+              <a:t>else</a:t>
+            </a:r>
+          </a:p>
+          <a:p>
+            <a:pPr>
+              <a:buNone/>
+            </a:pPr>
+            <a:r>
+              <a:rPr lang="en-US" dirty="0" smtClean="0"/>
+              <a:t>{ </a:t>
+            </a:r>
+          </a:p>
+          <a:p>
+            <a:pPr>
+              <a:buNone/>
+            </a:pPr>
+            <a:r>
+              <a:rPr lang="en-US" dirty="0" smtClean="0"/>
+              <a:t>	print "k is False\n"; </a:t>
+            </a:r>
+          </a:p>
+          <a:p>
+            <a:pPr>
+              <a:buNone/>
+            </a:pPr>
+            <a:r>
+              <a:rPr lang="en-US" dirty="0" smtClean="0"/>
+              <a:t>} </a:t>
+            </a:r>
+          </a:p>
+          <a:p>
+            <a:pPr>
+              <a:buNone/>
+            </a:pPr>
+            <a:r>
+              <a:rPr lang="en-US" dirty="0" smtClean="0"/>
+              <a:t>Output:-k is False</a:t>
+            </a:r>
+          </a:p>
+          <a:p>
+            <a:pPr>
+              <a:buNone/>
+            </a:pPr>
+            <a:endParaRPr lang="en-US" dirty="0" smtClean="0"/>
           </a:p>
         </p:txBody>
       </p:sp>
@@ -3576,7 +3748,7 @@
           <a:p>
             <a:r>
               <a:rPr lang="en-US" dirty="0" smtClean="0"/>
-              <a:t>Creating Hashes</a:t>
+              <a:t>Operators</a:t>
             </a:r>
             <a:endParaRPr lang="en-US" dirty="0"/>
           </a:p>
@@ -3599,126 +3771,49 @@
           <a:p>
             <a:r>
               <a:rPr lang="en-IN" dirty="0" smtClean="0"/>
-              <a:t>The value is directly assigned as shown below and data is added to existing hash</a:t>
-            </a:r>
-            <a:r>
-              <a:rPr lang="en-IN" dirty="0" smtClean="0"/>
-              <a:t>.</a:t>
-            </a:r>
-          </a:p>
-          <a:p>
-            <a:pPr>
-              <a:buNone/>
-            </a:pPr>
-            <a:r>
-              <a:rPr lang="en-IN" dirty="0" smtClean="0"/>
-              <a:t>	</a:t>
-            </a:r>
-            <a:r>
-              <a:rPr lang="en-IN" sz="2400" dirty="0" smtClean="0"/>
-              <a:t>$</a:t>
-            </a:r>
-            <a:r>
-              <a:rPr lang="en-IN" sz="2400" dirty="0" smtClean="0"/>
-              <a:t>stud{'Comp'} = 45; </a:t>
-            </a:r>
-            <a:endParaRPr lang="en-IN" sz="2400" dirty="0" smtClean="0"/>
-          </a:p>
-          <a:p>
-            <a:pPr>
-              <a:buNone/>
-            </a:pPr>
-            <a:r>
-              <a:rPr lang="en-IN" sz="2400" dirty="0" smtClean="0"/>
-              <a:t>	</a:t>
-            </a:r>
-            <a:r>
-              <a:rPr lang="en-IN" sz="2400" dirty="0" smtClean="0"/>
-              <a:t>$</a:t>
-            </a:r>
-            <a:r>
-              <a:rPr lang="en-IN" sz="2400" dirty="0" smtClean="0"/>
-              <a:t>stud{'</a:t>
-            </a:r>
-            <a:r>
-              <a:rPr lang="en-IN" sz="2400" dirty="0" err="1" smtClean="0"/>
-              <a:t>Inft</a:t>
-            </a:r>
-            <a:r>
-              <a:rPr lang="en-IN" sz="2400" dirty="0" smtClean="0"/>
-              <a:t>'} = 42; </a:t>
-            </a:r>
-            <a:endParaRPr lang="en-IN" sz="2400" dirty="0" smtClean="0"/>
-          </a:p>
-          <a:p>
-            <a:pPr>
-              <a:buNone/>
-            </a:pPr>
-            <a:r>
-              <a:rPr lang="en-IN" sz="2400" dirty="0" smtClean="0"/>
-              <a:t>	</a:t>
-            </a:r>
-            <a:r>
-              <a:rPr lang="en-IN" sz="2400" dirty="0" smtClean="0"/>
-              <a:t>$</a:t>
-            </a:r>
-            <a:r>
-              <a:rPr lang="en-IN" sz="2400" dirty="0" smtClean="0"/>
-              <a:t>stud{'</a:t>
-            </a:r>
-            <a:r>
-              <a:rPr lang="en-IN" sz="2400" dirty="0" err="1" smtClean="0"/>
-              <a:t>Extc</a:t>
-            </a:r>
-            <a:r>
-              <a:rPr lang="en-IN" sz="2400" dirty="0" smtClean="0"/>
-              <a:t>'} = 35</a:t>
-            </a:r>
-            <a:r>
-              <a:rPr lang="en-IN" sz="2400" dirty="0" smtClean="0"/>
-              <a:t>;</a:t>
-            </a:r>
-          </a:p>
-          <a:p>
-            <a:r>
-              <a:rPr lang="en-IN" dirty="0" smtClean="0"/>
-              <a:t>Another way is by using list which gets converted to hash by taking individual pairs. </a:t>
+              <a:t>Arithmetic 	</a:t>
             </a:r>
             <a:endParaRPr lang="en-IN" dirty="0" smtClean="0"/>
           </a:p>
           <a:p>
-            <a:pPr>
-              <a:buNone/>
-            </a:pPr>
-            <a:r>
-              <a:rPr lang="en-US" dirty="0" smtClean="0"/>
-              <a:t>	</a:t>
-            </a:r>
-            <a:r>
-              <a:rPr lang="en-US" sz="2400" dirty="0" smtClean="0"/>
-              <a:t>%</a:t>
-            </a:r>
-            <a:r>
-              <a:rPr lang="en-US" sz="2400" dirty="0" smtClean="0"/>
-              <a:t>stud = ('Comp', 45, '</a:t>
-            </a:r>
-            <a:r>
-              <a:rPr lang="en-US" sz="2400" dirty="0" err="1" smtClean="0"/>
-              <a:t>Inft</a:t>
-            </a:r>
-            <a:r>
-              <a:rPr lang="en-US" sz="2400" dirty="0" smtClean="0"/>
-              <a:t>', 42, '</a:t>
-            </a:r>
-            <a:r>
-              <a:rPr lang="en-US" sz="2400" dirty="0" err="1" smtClean="0"/>
-              <a:t>Extc</a:t>
-            </a:r>
-            <a:r>
-              <a:rPr lang="en-US" sz="2400" dirty="0" smtClean="0"/>
-              <a:t>', 35);</a:t>
-            </a:r>
-            <a:endParaRPr lang="en-US" sz="2400" dirty="0"/>
+            <a:r>
+              <a:rPr lang="en-IN" dirty="0" smtClean="0"/>
+              <a:t>Relational</a:t>
+            </a:r>
+          </a:p>
+          <a:p>
+            <a:r>
+              <a:rPr lang="en-IN" dirty="0" smtClean="0"/>
+              <a:t>Logical</a:t>
+            </a:r>
+            <a:endParaRPr lang="en-IN" dirty="0" smtClean="0"/>
+          </a:p>
+          <a:p>
+            <a:r>
+              <a:rPr lang="en-IN" dirty="0" smtClean="0"/>
+              <a:t>Bitwise</a:t>
+            </a:r>
+            <a:endParaRPr lang="en-IN" dirty="0" smtClean="0"/>
+          </a:p>
+          <a:p>
+            <a:r>
+              <a:rPr lang="en-IN" dirty="0" smtClean="0"/>
+              <a:t>Assignment</a:t>
+            </a:r>
+            <a:endParaRPr lang="en-IN" dirty="0" smtClean="0"/>
+          </a:p>
+          <a:p>
+            <a:r>
+              <a:rPr lang="en-IN" dirty="0" smtClean="0"/>
+              <a:t>Ternary</a:t>
+            </a:r>
+            <a:endParaRPr lang="en-IN" dirty="0" smtClean="0"/>
+          </a:p>
+          <a:p>
+            <a:pPr>
+              <a:buNone/>
+            </a:pPr>
+            <a:endParaRPr lang="en-US" dirty="0"/>
           </a:p>
         </p:txBody>
       </p:sp>
@@ -3749,6 +3844,29 @@
       </p:grpSpPr>
       <p:sp>
         <p:nvSpPr>
+          <p:cNvPr id="2" name="Title 1"/>
+          <p:cNvSpPr>
+            <a:spLocks noGrp="1"/>
+          </p:cNvSpPr>
+          <p:nvPr>
+            <p:ph type="title"/>
+          </p:nvPr>
+        </p:nvSpPr>
+        <p:spPr/>
+        <p:txBody>
+          <a:bodyPr/>
+          <a:lstStyle/>
+          <a:p>
+            <a:r>
+              <a:rPr lang="en-US" dirty="0" smtClean="0"/>
+              <a:t>Arithmetic Operators</a:t>
+            </a:r>
+            <a:endParaRPr lang="en-US" dirty="0"/>
+          </a:p>
+        </p:txBody>
+      </p:sp>
+      <p:sp>
+        <p:nvSpPr>
           <p:cNvPr id="3" name="Content Placeholder 2"/>
           <p:cNvSpPr>
             <a:spLocks noGrp="1"/>
@@ -3759,105 +3877,110 @@
         </p:nvSpPr>
         <p:spPr>
           <a:xfrm>
-            <a:off x="457200" y="533400"/>
-            <a:ext cx="8229600" cy="5592763"/>
+            <a:off x="457200" y="1295400"/>
+            <a:ext cx="8229600" cy="5029200"/>
           </a:xfrm>
         </p:spPr>
         <p:txBody>
-          <a:bodyPr/>
-          <a:lstStyle/>
-          <a:p>
-            <a:r>
-              <a:rPr lang="en-IN" dirty="0" smtClean="0"/>
-              <a:t>One way is using </a:t>
-            </a:r>
-            <a:r>
-              <a:rPr lang="en-IN" b="1" dirty="0" smtClean="0"/>
-              <a:t>=&gt;</a:t>
-            </a:r>
-            <a:r>
-              <a:rPr lang="en-IN" dirty="0" smtClean="0"/>
-              <a:t> to indicate the key/value pairs </a:t>
-            </a:r>
-            <a:endParaRPr lang="en-IN" dirty="0" smtClean="0"/>
-          </a:p>
-          <a:p>
-            <a:pPr>
-              <a:buNone/>
-            </a:pPr>
-            <a:r>
-              <a:rPr lang="en-IN" sz="2400" dirty="0" smtClean="0"/>
-              <a:t>	</a:t>
-            </a:r>
-            <a:r>
-              <a:rPr lang="en-US" sz="2400" dirty="0" smtClean="0"/>
-              <a:t>%stud = ('Comp' =&gt; 45, '</a:t>
-            </a:r>
-            <a:r>
-              <a:rPr lang="en-US" sz="2400" dirty="0" err="1" smtClean="0"/>
-              <a:t>Inft</a:t>
-            </a:r>
-            <a:r>
-              <a:rPr lang="en-US" sz="2400" dirty="0" smtClean="0"/>
-              <a:t>' =&gt; 42, '</a:t>
-            </a:r>
-            <a:r>
-              <a:rPr lang="en-US" sz="2400" dirty="0" err="1" smtClean="0"/>
-              <a:t>Extc</a:t>
-            </a:r>
-            <a:r>
-              <a:rPr lang="en-US" sz="2400" dirty="0" smtClean="0"/>
-              <a:t>' =&gt; 35</a:t>
-            </a:r>
-            <a:r>
-              <a:rPr lang="en-US" sz="2400" dirty="0" smtClean="0"/>
-              <a:t>);</a:t>
-            </a:r>
-          </a:p>
-          <a:p>
-            <a:pPr>
-              <a:buNone/>
-            </a:pPr>
-            <a:r>
-              <a:rPr lang="en-US" sz="2400" dirty="0" smtClean="0"/>
-              <a:t>	%</a:t>
-            </a:r>
-            <a:r>
-              <a:rPr lang="en-US" sz="2400" dirty="0" smtClean="0"/>
-              <a:t>stud = (-Comp =&gt; 45, -</a:t>
-            </a:r>
-            <a:r>
-              <a:rPr lang="en-US" sz="2400" dirty="0" err="1" smtClean="0"/>
-              <a:t>Inft</a:t>
-            </a:r>
-            <a:r>
-              <a:rPr lang="en-US" sz="2400" dirty="0" smtClean="0"/>
-              <a:t> =&gt; 42, -</a:t>
-            </a:r>
-            <a:r>
-              <a:rPr lang="en-US" sz="2400" dirty="0" err="1" smtClean="0"/>
-              <a:t>Extc</a:t>
-            </a:r>
-            <a:r>
-              <a:rPr lang="en-US" sz="2400" dirty="0" smtClean="0"/>
-              <a:t> =&gt; 35</a:t>
-            </a:r>
-            <a:r>
-              <a:rPr lang="en-US" sz="2400" dirty="0" smtClean="0"/>
-              <a:t>);</a:t>
-            </a:r>
-          </a:p>
-          <a:p>
-            <a:pPr>
-              <a:buNone/>
-            </a:pPr>
-            <a:endParaRPr lang="en-US" sz="2400" dirty="0" smtClean="0"/>
-          </a:p>
-          <a:p>
-            <a:pPr>
-              <a:buNone/>
-            </a:pPr>
-            <a:endParaRPr lang="en-US" dirty="0" smtClean="0"/>
+          <a:bodyPr>
+            <a:normAutofit fontScale="92500" lnSpcReduction="10000"/>
+          </a:bodyPr>
+          <a:lstStyle/>
+          <a:p>
+            <a:pPr fontAlgn="base">
+              <a:buNone/>
+            </a:pPr>
+            <a:r>
+              <a:rPr lang="en-IN" dirty="0" smtClean="0"/>
+              <a:t># Operands </a:t>
+            </a:r>
+          </a:p>
+          <a:p>
+            <a:pPr fontAlgn="base">
+              <a:buNone/>
+            </a:pPr>
+            <a:r>
+              <a:rPr lang="en-IN" dirty="0" smtClean="0"/>
+              <a:t>	$a = 10; </a:t>
+            </a:r>
+          </a:p>
+          <a:p>
+            <a:pPr fontAlgn="base">
+              <a:buNone/>
+            </a:pPr>
+            <a:r>
+              <a:rPr lang="en-IN" dirty="0" smtClean="0"/>
+              <a:t>	$b = 4;   </a:t>
+            </a:r>
+          </a:p>
+          <a:p>
+            <a:pPr fontAlgn="base">
+              <a:buNone/>
+            </a:pPr>
+            <a:r>
+              <a:rPr lang="en-IN" dirty="0" smtClean="0"/>
+              <a:t># using arithmetic operators  </a:t>
+            </a:r>
+          </a:p>
+          <a:p>
+            <a:pPr fontAlgn="base">
+              <a:buNone/>
+            </a:pPr>
+            <a:r>
+              <a:rPr lang="en-IN" dirty="0" smtClean="0"/>
+              <a:t>	print "Addition is: ", $a + $b, "\n"; 	#14</a:t>
+            </a:r>
+          </a:p>
+          <a:p>
+            <a:pPr fontAlgn="base">
+              <a:buNone/>
+            </a:pPr>
+            <a:r>
+              <a:rPr lang="en-IN" dirty="0" smtClean="0"/>
+              <a:t>	print "Subtraction is: ", $a - $b, "\n" ; #6</a:t>
+            </a:r>
+          </a:p>
+          <a:p>
+            <a:pPr fontAlgn="base">
+              <a:buNone/>
+            </a:pPr>
+            <a:r>
+              <a:rPr lang="en-IN" dirty="0" smtClean="0"/>
+              <a:t>	print "Multiplication is: ", $a * $b, "\n"; #40</a:t>
+            </a:r>
+          </a:p>
+          <a:p>
+            <a:pPr fontAlgn="base">
+              <a:buNone/>
+            </a:pPr>
+            <a:r>
+              <a:rPr lang="en-IN" dirty="0" smtClean="0"/>
+              <a:t>	print "Division is: ", $a / $b, "\n"; 	#2.5</a:t>
+            </a:r>
+          </a:p>
+          <a:p>
+            <a:pPr fontAlgn="base">
+              <a:buNone/>
+            </a:pPr>
+            <a:r>
+              <a:rPr lang="en-IN" dirty="0" smtClean="0"/>
+              <a:t>	print "Modulus is: ", $a % $b, "\n"; 	#2</a:t>
+            </a:r>
+          </a:p>
+          <a:p>
+            <a:pPr fontAlgn="base">
+              <a:buNone/>
+            </a:pPr>
+            <a:r>
+              <a:rPr lang="en-IN" dirty="0" smtClean="0"/>
+              <a:t>	print "Exponent is: ", $a ** $b, "\n";  #10000</a:t>
+            </a:r>
+          </a:p>
+          <a:p>
+            <a:pPr>
+              <a:buNone/>
+            </a:pPr>
+            <a:endParaRPr lang="en-US" dirty="0"/>
           </a:p>
         </p:txBody>
       </p:sp>
@@ -3888,6 +4011,29 @@
       </p:grpSpPr>
       <p:sp>
         <p:nvSpPr>
+          <p:cNvPr id="2" name="Title 1"/>
+          <p:cNvSpPr>
+            <a:spLocks noGrp="1"/>
+          </p:cNvSpPr>
+          <p:nvPr>
+            <p:ph type="title"/>
+          </p:nvPr>
+        </p:nvSpPr>
+        <p:spPr/>
+        <p:txBody>
+          <a:bodyPr/>
+          <a:lstStyle/>
+          <a:p>
+            <a:r>
+              <a:rPr lang="en-US" dirty="0" smtClean="0"/>
+              <a:t>Relational Operators</a:t>
+            </a:r>
+            <a:endParaRPr lang="en-US" dirty="0"/>
+          </a:p>
+        </p:txBody>
+      </p:sp>
+      <p:sp>
+        <p:nvSpPr>
           <p:cNvPr id="3" name="Content Placeholder 2"/>
           <p:cNvSpPr>
             <a:spLocks noGrp="1"/>
@@ -3898,140 +4044,138 @@
         </p:nvSpPr>
         <p:spPr>
           <a:xfrm>
-            <a:off x="457200" y="609600"/>
-            <a:ext cx="8229600" cy="5516563"/>
+            <a:off x="457200" y="1371600"/>
+            <a:ext cx="8229600" cy="5105400"/>
           </a:xfrm>
         </p:spPr>
         <p:txBody>
-          <a:bodyPr/>
+          <a:bodyPr>
+            <a:normAutofit fontScale="32500" lnSpcReduction="20000"/>
+          </a:bodyPr>
           <a:lstStyle/>
           <a:p>
             <a:pPr fontAlgn="base">
-              <a:buNone/>
-            </a:pPr>
-            <a:r>
-              <a:rPr lang="en-US" dirty="0" smtClean="0"/>
-              <a:t>$stud1{'Comp'} = 10; </a:t>
+              <a:spcBef>
+                <a:spcPct val="0"/>
+              </a:spcBef>
+            </a:pPr>
+            <a:r>
+              <a:rPr lang="en-IN" sz="9600" dirty="0" smtClean="0">
+                <a:latin typeface="+mj-lt"/>
+                <a:ea typeface="+mj-ea"/>
+                <a:cs typeface="+mj-cs"/>
+              </a:rPr>
+              <a:t>Equal To Operator: </a:t>
+            </a:r>
+            <a:r>
+              <a:rPr lang="en-IN" sz="9600" b="1" dirty="0" smtClean="0">
+                <a:latin typeface="+mj-lt"/>
+                <a:ea typeface="+mj-ea"/>
+                <a:cs typeface="+mj-cs"/>
+              </a:rPr>
+              <a:t>‘==’</a:t>
+            </a:r>
+            <a:r>
+              <a:rPr lang="en-IN" sz="9600" dirty="0" smtClean="0">
+                <a:latin typeface="+mj-lt"/>
+                <a:ea typeface="+mj-ea"/>
+                <a:cs typeface="+mj-cs"/>
+              </a:rPr>
+              <a:t> Check if two values are equal or not. If equals then return 1 otherwise return nothing.</a:t>
             </a:r>
           </a:p>
           <a:p>
             <a:pPr fontAlgn="base">
-              <a:buNone/>
-            </a:pPr>
-            <a:r>
-              <a:rPr lang="en-US" dirty="0" smtClean="0"/>
-              <a:t>$stud1{'</a:t>
-            </a:r>
-            <a:r>
-              <a:rPr lang="en-US" dirty="0" err="1" smtClean="0"/>
-              <a:t>Inft</a:t>
-            </a:r>
-            <a:r>
-              <a:rPr lang="en-US" dirty="0" smtClean="0"/>
-              <a:t>'} = 20; </a:t>
+              <a:spcBef>
+                <a:spcPct val="0"/>
+              </a:spcBef>
+            </a:pPr>
+            <a:r>
+              <a:rPr lang="en-IN" sz="9600" dirty="0" smtClean="0">
+                <a:latin typeface="+mj-lt"/>
+                <a:ea typeface="+mj-ea"/>
+                <a:cs typeface="+mj-cs"/>
+              </a:rPr>
+              <a:t>Not equal To Operator:</a:t>
+            </a:r>
+            <a:r>
+              <a:rPr lang="en-IN" sz="9600" b="1" dirty="0" smtClean="0">
+                <a:latin typeface="+mj-lt"/>
+                <a:ea typeface="+mj-ea"/>
+                <a:cs typeface="+mj-cs"/>
+              </a:rPr>
+              <a:t> ‘!=’</a:t>
+            </a:r>
+            <a:r>
+              <a:rPr lang="en-IN" sz="9600" dirty="0" smtClean="0">
+                <a:latin typeface="+mj-lt"/>
+                <a:ea typeface="+mj-ea"/>
+                <a:cs typeface="+mj-cs"/>
+              </a:rPr>
+              <a:t> Check if the two values are equal or not. If not equal then returns 1 otherwise returns nothing.</a:t>
             </a:r>
           </a:p>
           <a:p>
             <a:pPr fontAlgn="base">
-              <a:buNone/>
-            </a:pPr>
-            <a:r>
-              <a:rPr lang="en-US" dirty="0" smtClean="0"/>
-              <a:t>$stud1{'</a:t>
-            </a:r>
-            <a:r>
-              <a:rPr lang="en-US" dirty="0" err="1" smtClean="0"/>
-              <a:t>Extc</a:t>
-            </a:r>
-            <a:r>
-              <a:rPr lang="en-US" dirty="0" smtClean="0"/>
-              <a:t>'} = 30; </a:t>
+              <a:spcBef>
+                <a:spcPct val="0"/>
+              </a:spcBef>
+            </a:pPr>
+            <a:r>
+              <a:rPr lang="en-IN" sz="9600" dirty="0" smtClean="0">
+                <a:latin typeface="+mj-lt"/>
+                <a:ea typeface="+mj-ea"/>
+                <a:cs typeface="+mj-cs"/>
+              </a:rPr>
+              <a:t>Comparison of equal to Operator: </a:t>
+            </a:r>
+            <a:r>
+              <a:rPr lang="en-IN" sz="9600" b="1" dirty="0" smtClean="0">
+                <a:latin typeface="+mj-lt"/>
+                <a:ea typeface="+mj-ea"/>
+                <a:cs typeface="+mj-cs"/>
+              </a:rPr>
+              <a:t>‘&lt; = &gt;’</a:t>
+            </a:r>
+            <a:r>
+              <a:rPr lang="en-IN" sz="9600" dirty="0" smtClean="0">
+                <a:latin typeface="+mj-lt"/>
+                <a:ea typeface="+mj-ea"/>
+                <a:cs typeface="+mj-cs"/>
+              </a:rPr>
+              <a:t> If left operand is less than right then returns -1, if equal returns 0 else returns 1.</a:t>
             </a:r>
           </a:p>
           <a:p>
             <a:pPr fontAlgn="base">
-              <a:buNone/>
-            </a:pPr>
-            <a:r>
-              <a:rPr lang="en-US" dirty="0" smtClean="0"/>
-              <a:t> </a:t>
-            </a:r>
-          </a:p>
-          <a:p>
-            <a:pPr fontAlgn="base">
-              <a:buNone/>
-            </a:pPr>
-            <a:r>
-              <a:rPr lang="en-US" dirty="0" smtClean="0"/>
-              <a:t># printing elements of stud </a:t>
-            </a:r>
-          </a:p>
-          <a:p>
-            <a:pPr fontAlgn="base">
-              <a:buNone/>
-            </a:pPr>
-            <a:r>
-              <a:rPr lang="en-US" dirty="0" smtClean="0"/>
-              <a:t>print "Printing values of Hash1\n"; </a:t>
-            </a:r>
-          </a:p>
-          <a:p>
-            <a:pPr fontAlgn="base">
-              <a:buNone/>
-            </a:pPr>
-            <a:r>
-              <a:rPr lang="en-US" dirty="0" smtClean="0"/>
-              <a:t>print "$stud1{'Comp'}\n"; </a:t>
-            </a:r>
-            <a:r>
-              <a:rPr lang="en-US" dirty="0" smtClean="0"/>
-              <a:t>		//10</a:t>
-            </a:r>
-            <a:endParaRPr lang="en-US" dirty="0" smtClean="0"/>
-          </a:p>
-          <a:p>
-            <a:pPr fontAlgn="base">
-              <a:buNone/>
-            </a:pPr>
-            <a:r>
-              <a:rPr lang="en-US" dirty="0" smtClean="0"/>
-              <a:t>print "$stud1{'</a:t>
-            </a:r>
-            <a:r>
-              <a:rPr lang="en-US" dirty="0" err="1" smtClean="0"/>
-              <a:t>Inft</a:t>
-            </a:r>
-            <a:r>
-              <a:rPr lang="en-US" dirty="0" smtClean="0"/>
-              <a:t>'}\n"; </a:t>
-            </a:r>
-            <a:r>
-              <a:rPr lang="en-US" dirty="0" smtClean="0"/>
-              <a:t>		//20</a:t>
-            </a:r>
-            <a:endParaRPr lang="en-US" dirty="0" smtClean="0"/>
-          </a:p>
-          <a:p>
-            <a:pPr fontAlgn="base">
-              <a:buNone/>
-            </a:pPr>
-            <a:r>
-              <a:rPr lang="en-US" dirty="0" smtClean="0"/>
-              <a:t>print "$stud1{'</a:t>
-            </a:r>
-            <a:r>
-              <a:rPr lang="en-US" dirty="0" err="1" smtClean="0"/>
-              <a:t>Extc</a:t>
-            </a:r>
-            <a:r>
-              <a:rPr lang="en-US" dirty="0" smtClean="0"/>
-              <a:t>'}\n"; </a:t>
-            </a:r>
-            <a:r>
-              <a:rPr lang="en-US" dirty="0" smtClean="0"/>
-              <a:t>		//30</a:t>
-            </a:r>
-            <a:endParaRPr lang="en-US" dirty="0" smtClean="0"/>
+              <a:spcBef>
+                <a:spcPct val="0"/>
+              </a:spcBef>
+            </a:pPr>
+            <a:r>
+              <a:rPr lang="en-IN" sz="9600" dirty="0" smtClean="0">
+                <a:latin typeface="+mj-lt"/>
+                <a:ea typeface="+mj-ea"/>
+                <a:cs typeface="+mj-cs"/>
+              </a:rPr>
+              <a:t>Greater than Operator: </a:t>
+            </a:r>
+            <a:r>
+              <a:rPr lang="en-IN" sz="9600" b="1" dirty="0" smtClean="0">
+                <a:latin typeface="+mj-lt"/>
+                <a:ea typeface="+mj-ea"/>
+                <a:cs typeface="+mj-cs"/>
+              </a:rPr>
+              <a:t>‘&gt;’</a:t>
+            </a:r>
+            <a:r>
+              <a:rPr lang="en-IN" sz="9600" dirty="0" smtClean="0">
+                <a:latin typeface="+mj-lt"/>
+                <a:ea typeface="+mj-ea"/>
+                <a:cs typeface="+mj-cs"/>
+              </a:rPr>
+              <a:t> If left operand is greater than right returns 1 else returns nothing.</a:t>
+            </a:r>
           </a:p>
           <a:p>
             <a:pPr>
@@ -4068,29 +4212,6 @@
       </p:grpSpPr>
       <p:sp>
         <p:nvSpPr>
-          <p:cNvPr id="2" name="Title 1"/>
-          <p:cNvSpPr>
-            <a:spLocks noGrp="1"/>
-          </p:cNvSpPr>
-          <p:nvPr>
-            <p:ph type="title"/>
-          </p:nvPr>
-        </p:nvSpPr>
-        <p:spPr/>
-        <p:txBody>
-          <a:bodyPr/>
-          <a:lstStyle/>
-          <a:p>
-            <a:r>
-              <a:rPr lang="en-US" dirty="0" smtClean="0"/>
-              <a:t>Extracting keys and values</a:t>
-            </a:r>
-            <a:endParaRPr lang="en-US" dirty="0"/>
-          </a:p>
-        </p:txBody>
-      </p:sp>
-      <p:sp>
-        <p:nvSpPr>
           <p:cNvPr id="3" name="Content Placeholder 2"/>
           <p:cNvSpPr>
             <a:spLocks noGrp="1"/>
@@ -4101,71 +4222,75 @@
         </p:nvSpPr>
         <p:spPr>
           <a:xfrm>
-            <a:off x="457200" y="1371600"/>
-            <a:ext cx="8229600" cy="4754563"/>
+            <a:off x="457200" y="685800"/>
+            <a:ext cx="8229600" cy="4525963"/>
           </a:xfrm>
         </p:spPr>
         <p:txBody>
           <a:bodyPr/>
           <a:lstStyle/>
           <a:p>
-            <a:r>
-              <a:rPr lang="en-IN" dirty="0" smtClean="0"/>
-              <a:t>Hash allows to </a:t>
-            </a:r>
-            <a:r>
-              <a:rPr lang="en-IN" dirty="0" smtClean="0"/>
-              <a:t>extract </a:t>
-            </a:r>
-            <a:r>
-              <a:rPr lang="en-IN" dirty="0" smtClean="0"/>
-              <a:t>keys and values with the use of inbuilt functions</a:t>
-            </a:r>
-            <a:r>
-              <a:rPr lang="en-IN" dirty="0" smtClean="0"/>
-              <a:t>.</a:t>
-            </a:r>
-          </a:p>
-          <a:p>
-            <a:r>
-              <a:rPr lang="en-US" dirty="0" smtClean="0"/>
-              <a:t>Syntax: keys %</a:t>
-            </a:r>
-            <a:r>
-              <a:rPr lang="en-US" dirty="0" smtClean="0"/>
-              <a:t>HASH</a:t>
-            </a:r>
-          </a:p>
-          <a:p>
-            <a:pPr>
-              <a:buNone/>
-            </a:pPr>
-            <a:r>
-              <a:rPr lang="en-US" dirty="0" smtClean="0"/>
-              <a:t>	</a:t>
-            </a:r>
-            <a:r>
-              <a:rPr lang="en-IN" dirty="0" smtClean="0"/>
-              <a:t>Returns an array of all the keys present in the </a:t>
-            </a:r>
-            <a:r>
-              <a:rPr lang="en-IN" dirty="0" smtClean="0"/>
-              <a:t>HASH</a:t>
-            </a:r>
-          </a:p>
-          <a:p>
-            <a:r>
-              <a:rPr lang="en-IN" dirty="0" smtClean="0"/>
-              <a:t>Syntax: values %HASH</a:t>
-            </a:r>
-            <a:br>
-              <a:rPr lang="en-IN" dirty="0" smtClean="0"/>
-            </a:br>
-            <a:r>
-              <a:rPr lang="en-IN" dirty="0" smtClean="0"/>
-              <a:t>Returns an array with all the values of HASH</a:t>
-            </a:r>
-            <a:endParaRPr lang="en-US" dirty="0" smtClean="0"/>
+            <a:pPr fontAlgn="base">
+              <a:spcBef>
+                <a:spcPct val="0"/>
+              </a:spcBef>
+            </a:pPr>
+            <a:r>
+              <a:rPr lang="en-IN" dirty="0" smtClean="0"/>
+              <a:t>Less than Operator: </a:t>
+            </a:r>
+            <a:r>
+              <a:rPr lang="en-IN" b="1" dirty="0" smtClean="0"/>
+              <a:t>‘&lt;'</a:t>
+            </a:r>
+            <a:r>
+              <a:rPr lang="en-IN" dirty="0" smtClean="0"/>
+              <a:t> If left operand is lesser than right returns 1 else returns nothing.</a:t>
+            </a:r>
+          </a:p>
+          <a:p>
+            <a:pPr fontAlgn="base">
+              <a:spcBef>
+                <a:spcPct val="0"/>
+              </a:spcBef>
+            </a:pPr>
+            <a:r>
+              <a:rPr lang="en-IN" dirty="0" smtClean="0"/>
+              <a:t>Greater than equal to Operator: </a:t>
+            </a:r>
+            <a:r>
+              <a:rPr lang="en-IN" b="1" dirty="0" smtClean="0"/>
+              <a:t>‘&gt;=’</a:t>
+            </a:r>
+            <a:r>
+              <a:rPr lang="en-IN" dirty="0" smtClean="0"/>
+              <a:t> If left operand is greater than or equal to right returns 1 else returns nothing.</a:t>
+            </a:r>
+          </a:p>
+          <a:p>
+            <a:pPr fontAlgn="base">
+              <a:spcBef>
+                <a:spcPct val="0"/>
+              </a:spcBef>
+            </a:pPr>
+            <a:r>
+              <a:rPr lang="en-IN" dirty="0" smtClean="0"/>
+              <a:t>Less than equal to Operator: </a:t>
+            </a:r>
+            <a:r>
+              <a:rPr lang="en-IN" b="1" dirty="0" smtClean="0"/>
+              <a:t>‘&lt;='</a:t>
+            </a:r>
+            <a:r>
+              <a:rPr lang="en-IN" dirty="0" smtClean="0"/>
+              <a:t> If left operand is lesser than or equal to right returns 1 else returns nothing.</a:t>
+            </a:r>
+          </a:p>
+          <a:p>
+            <a:pPr>
+              <a:buNone/>
+            </a:pPr>
+            <a:endParaRPr lang="en-US" dirty="0"/>
           </a:p>
         </p:txBody>
       </p:sp>
@@ -4196,29 +4321,6 @@
       </p:grpSpPr>
       <p:sp>
         <p:nvSpPr>
-          <p:cNvPr id="2" name="Title 1"/>
-          <p:cNvSpPr>
-            <a:spLocks noGrp="1"/>
-          </p:cNvSpPr>
-          <p:nvPr>
-            <p:ph type="title"/>
-          </p:nvPr>
-        </p:nvSpPr>
-        <p:spPr/>
-        <p:txBody>
-          <a:bodyPr/>
-          <a:lstStyle/>
-          <a:p>
-            <a:r>
-              <a:rPr lang="en-US" dirty="0" smtClean="0"/>
-              <a:t>Arrays</a:t>
-            </a:r>
-            <a:endParaRPr lang="en-US" dirty="0"/>
-          </a:p>
-        </p:txBody>
-      </p:sp>
-      <p:sp>
-        <p:nvSpPr>
           <p:cNvPr id="3" name="Content Placeholder 2"/>
           <p:cNvSpPr>
             <a:spLocks noGrp="1"/>
@@ -4229,147 +4331,164 @@
         </p:nvSpPr>
         <p:spPr>
           <a:xfrm>
-            <a:off x="457200" y="1417637"/>
-            <a:ext cx="8229600" cy="4830763"/>
+            <a:off x="457200" y="304800"/>
+            <a:ext cx="8229600" cy="5821363"/>
           </a:xfrm>
         </p:spPr>
         <p:txBody>
           <a:bodyPr>
-            <a:normAutofit fontScale="92500"/>
+            <a:normAutofit fontScale="85000" lnSpcReduction="20000"/>
           </a:bodyPr>
           <a:lstStyle/>
           <a:p>
-            <a:r>
-              <a:rPr lang="en-IN" dirty="0">
-                <a:latin typeface="Times New Roman" pitchFamily="18" charset="0"/>
-                <a:cs typeface="Times New Roman" pitchFamily="18" charset="0"/>
-              </a:rPr>
-              <a:t>The array is used to store the list of values and each object of the list is termed as an element. </a:t>
-            </a:r>
-            <a:endParaRPr lang="en-IN" dirty="0" smtClean="0">
-              <a:latin typeface="Times New Roman" pitchFamily="18" charset="0"/>
-              <a:cs typeface="Times New Roman" pitchFamily="18" charset="0"/>
-            </a:endParaRPr>
-          </a:p>
-          <a:p>
-            <a:r>
-              <a:rPr lang="en-IN" dirty="0">
-                <a:latin typeface="Times New Roman" pitchFamily="18" charset="0"/>
-                <a:cs typeface="Times New Roman" pitchFamily="18" charset="0"/>
-              </a:rPr>
-              <a:t>Elements can either be a number, string, or any type of </a:t>
-            </a:r>
-            <a:r>
-              <a:rPr lang="en-IN" dirty="0" smtClean="0">
-                <a:latin typeface="Times New Roman" pitchFamily="18" charset="0"/>
-                <a:cs typeface="Times New Roman" pitchFamily="18" charset="0"/>
-              </a:rPr>
-              <a:t>scalar</a:t>
-            </a:r>
-            <a:r>
-              <a:rPr lang="en-IN" dirty="0">
-                <a:latin typeface="Times New Roman" pitchFamily="18" charset="0"/>
-                <a:cs typeface="Times New Roman" pitchFamily="18" charset="0"/>
-              </a:rPr>
-              <a:t> data including another </a:t>
-            </a:r>
-            <a:r>
-              <a:rPr lang="en-IN" dirty="0" smtClean="0">
-                <a:latin typeface="Times New Roman" pitchFamily="18" charset="0"/>
-                <a:cs typeface="Times New Roman" pitchFamily="18" charset="0"/>
-              </a:rPr>
-              <a:t>variable</a:t>
-            </a:r>
-          </a:p>
-          <a:p>
-            <a:r>
-              <a:rPr lang="en-IN" dirty="0" smtClean="0">
-                <a:latin typeface="Times New Roman" pitchFamily="18" charset="0"/>
-                <a:cs typeface="Times New Roman" pitchFamily="18" charset="0"/>
-              </a:rPr>
-              <a:t>Creation: In </a:t>
-            </a:r>
-            <a:r>
-              <a:rPr lang="en-IN" dirty="0">
-                <a:latin typeface="Times New Roman" pitchFamily="18" charset="0"/>
-                <a:cs typeface="Times New Roman" pitchFamily="18" charset="0"/>
-              </a:rPr>
-              <a:t>Perl programming every array variable is declared using </a:t>
-            </a:r>
-            <a:r>
-              <a:rPr lang="en-IN" b="1" dirty="0">
-                <a:latin typeface="Times New Roman" pitchFamily="18" charset="0"/>
-                <a:cs typeface="Times New Roman" pitchFamily="18" charset="0"/>
-              </a:rPr>
-              <a:t>“@”</a:t>
-            </a:r>
-            <a:r>
-              <a:rPr lang="en-IN" dirty="0">
-                <a:latin typeface="Times New Roman" pitchFamily="18" charset="0"/>
-                <a:cs typeface="Times New Roman" pitchFamily="18" charset="0"/>
-              </a:rPr>
-              <a:t> sign before the variable’s name</a:t>
-            </a:r>
-            <a:r>
-              <a:rPr lang="en-IN" dirty="0" smtClean="0">
-                <a:latin typeface="Times New Roman" pitchFamily="18" charset="0"/>
-                <a:cs typeface="Times New Roman" pitchFamily="18" charset="0"/>
-              </a:rPr>
-              <a:t>.</a:t>
-            </a:r>
-          </a:p>
-          <a:p>
-            <a:pPr>
-              <a:buNone/>
-            </a:pPr>
-            <a:r>
-              <a:rPr lang="en-IN" dirty="0">
-                <a:latin typeface="Times New Roman" pitchFamily="18" charset="0"/>
-                <a:cs typeface="Times New Roman" pitchFamily="18" charset="0"/>
-              </a:rPr>
-              <a:t>	</a:t>
-            </a:r>
-            <a:r>
-              <a:rPr lang="en-IN" dirty="0" smtClean="0">
-                <a:latin typeface="Times New Roman" pitchFamily="18" charset="0"/>
-                <a:cs typeface="Times New Roman" pitchFamily="18" charset="0"/>
-              </a:rPr>
-              <a:t>ex:</a:t>
-            </a:r>
-            <a:r>
-              <a:rPr lang="nb-NO" sz="2600" dirty="0" smtClean="0">
-                <a:latin typeface="Times New Roman" pitchFamily="18" charset="0"/>
-                <a:cs typeface="Times New Roman" pitchFamily="18" charset="0"/>
-              </a:rPr>
-              <a:t>@arr = (1, 2, 3); @arr = (1, 2, 3, "Hello");</a:t>
-            </a:r>
-          </a:p>
-          <a:p>
-            <a:r>
-              <a:rPr lang="en-IN" dirty="0" smtClean="0">
-                <a:latin typeface="Times New Roman" pitchFamily="18" charset="0"/>
-                <a:cs typeface="Times New Roman" pitchFamily="18" charset="0"/>
-              </a:rPr>
-              <a:t>Array can store </a:t>
-            </a:r>
-            <a:r>
-              <a:rPr lang="en-IN" dirty="0">
-                <a:latin typeface="Times New Roman" pitchFamily="18" charset="0"/>
-                <a:cs typeface="Times New Roman" pitchFamily="18" charset="0"/>
-              </a:rPr>
-              <a:t>elements of multiple </a:t>
-            </a:r>
-            <a:r>
-              <a:rPr lang="en-IN" dirty="0" smtClean="0">
-                <a:latin typeface="Times New Roman" pitchFamily="18" charset="0"/>
-                <a:cs typeface="Times New Roman" pitchFamily="18" charset="0"/>
-              </a:rPr>
-              <a:t>data types.</a:t>
-            </a:r>
-            <a:endParaRPr lang="en-US" dirty="0">
-              <a:latin typeface="Times New Roman" pitchFamily="18" charset="0"/>
-              <a:cs typeface="Times New Roman" pitchFamily="18" charset="0"/>
-            </a:endParaRPr>
+            <a:pPr fontAlgn="base">
+              <a:buNone/>
+            </a:pPr>
+            <a:r>
+              <a:rPr lang="en-IN" dirty="0" smtClean="0"/>
+              <a:t>#example for comparison operator</a:t>
+            </a:r>
+          </a:p>
+          <a:p>
+            <a:pPr fontAlgn="base">
+              <a:buNone/>
+            </a:pPr>
+            <a:r>
+              <a:rPr lang="en-US" dirty="0" smtClean="0"/>
+              <a:t>$a = 10; </a:t>
+            </a:r>
+          </a:p>
+          <a:p>
+            <a:pPr fontAlgn="base">
+              <a:buNone/>
+            </a:pPr>
+            <a:r>
+              <a:rPr lang="en-US" dirty="0" smtClean="0"/>
+              <a:t>$b = 60;</a:t>
+            </a:r>
+          </a:p>
+          <a:p>
+            <a:pPr fontAlgn="base">
+              <a:buNone/>
+            </a:pPr>
+            <a:r>
+              <a:rPr lang="pt-BR" dirty="0" smtClean="0"/>
+              <a:t>$r=($a &lt;=&gt; $b);</a:t>
+            </a:r>
+          </a:p>
+          <a:p>
+            <a:pPr fontAlgn="base">
+              <a:buNone/>
+            </a:pPr>
+            <a:r>
+              <a:rPr lang="pt-BR" dirty="0" smtClean="0"/>
+              <a:t>print($r);</a:t>
+            </a:r>
+            <a:endParaRPr lang="en-IN" dirty="0" smtClean="0"/>
+          </a:p>
+          <a:p>
+            <a:pPr fontAlgn="base">
+              <a:buNone/>
+            </a:pPr>
+            <a:r>
+              <a:rPr lang="en-IN" dirty="0" smtClean="0"/>
+              <a:t>if </a:t>
+            </a:r>
+            <a:r>
+              <a:rPr lang="en-IN" dirty="0" smtClean="0"/>
+              <a:t>($a &lt;=&gt; $b) </a:t>
+            </a:r>
+          </a:p>
+          <a:p>
+            <a:pPr fontAlgn="base">
+              <a:buNone/>
+            </a:pPr>
+            <a:r>
+              <a:rPr lang="en-IN" dirty="0" smtClean="0"/>
+              <a:t>{ </a:t>
+            </a:r>
+          </a:p>
+          <a:p>
+            <a:pPr fontAlgn="base">
+              <a:buNone/>
+            </a:pPr>
+            <a:r>
+              <a:rPr lang="en-IN" dirty="0" smtClean="0"/>
+              <a:t>   print </a:t>
+            </a:r>
+            <a:r>
+              <a:rPr lang="en-IN" dirty="0" smtClean="0"/>
+              <a:t>“\t Comparison </a:t>
+            </a:r>
+            <a:r>
+              <a:rPr lang="en-IN" dirty="0" smtClean="0"/>
+              <a:t>of Operator is True\n"; </a:t>
+            </a:r>
+          </a:p>
+          <a:p>
+            <a:pPr fontAlgn="base">
+              <a:buNone/>
+            </a:pPr>
+            <a:r>
+              <a:rPr lang="en-IN" dirty="0" smtClean="0"/>
+              <a:t>}  </a:t>
+            </a:r>
+          </a:p>
+          <a:p>
+            <a:pPr fontAlgn="base">
+              <a:buNone/>
+            </a:pPr>
+            <a:r>
+              <a:rPr lang="en-IN" dirty="0" smtClean="0"/>
+              <a:t>else </a:t>
+            </a:r>
+          </a:p>
+          <a:p>
+            <a:pPr fontAlgn="base">
+              <a:buNone/>
+            </a:pPr>
+            <a:r>
+              <a:rPr lang="en-IN" dirty="0" smtClean="0"/>
+              <a:t>{ </a:t>
+            </a:r>
+          </a:p>
+          <a:p>
+            <a:pPr fontAlgn="base">
+              <a:buNone/>
+            </a:pPr>
+            <a:r>
+              <a:rPr lang="en-IN" dirty="0" smtClean="0"/>
+              <a:t>   print "Comparison of Operator is False\n"; </a:t>
+            </a:r>
+          </a:p>
+          <a:p>
+            <a:pPr fontAlgn="base">
+              <a:buNone/>
+            </a:pPr>
+            <a:r>
+              <a:rPr lang="en-IN" dirty="0" smtClean="0"/>
+              <a:t>} </a:t>
+            </a:r>
+            <a:endParaRPr lang="en-IN" dirty="0" smtClean="0"/>
+          </a:p>
+          <a:p>
+            <a:pPr fontAlgn="base">
+              <a:buNone/>
+            </a:pPr>
+            <a:r>
+              <a:rPr lang="en-IN" dirty="0" smtClean="0"/>
+              <a:t>Output: -1 Comparison </a:t>
+            </a:r>
+            <a:r>
+              <a:rPr lang="en-IN" dirty="0" smtClean="0"/>
+              <a:t>of Operator is True\n</a:t>
+            </a:r>
+          </a:p>
+          <a:p>
+            <a:pPr>
+              <a:buNone/>
+            </a:pPr>
+            <a:endParaRPr lang="en-US" dirty="0"/>
           </a:p>
         </p:txBody>
       </p:sp>
@@ -4400,6 +4519,29 @@
       </p:grpSpPr>
       <p:sp>
         <p:nvSpPr>
+          <p:cNvPr id="2" name="Title 1"/>
+          <p:cNvSpPr>
+            <a:spLocks noGrp="1"/>
+          </p:cNvSpPr>
+          <p:nvPr>
+            <p:ph type="title"/>
+          </p:nvPr>
+        </p:nvSpPr>
+        <p:spPr/>
+        <p:txBody>
+          <a:bodyPr/>
+          <a:lstStyle/>
+          <a:p>
+            <a:r>
+              <a:rPr lang="en-US" dirty="0" smtClean="0"/>
+              <a:t>Operators</a:t>
+            </a:r>
+            <a:endParaRPr lang="en-US" dirty="0"/>
+          </a:p>
+        </p:txBody>
+      </p:sp>
+      <p:sp>
+        <p:nvSpPr>
           <p:cNvPr id="3" name="Content Placeholder 2"/>
           <p:cNvSpPr>
             <a:spLocks noGrp="1"/>
@@ -4408,119 +4550,58 @@
             <p:ph idx="1"/>
           </p:nvPr>
         </p:nvSpPr>
-        <p:spPr>
-          <a:xfrm>
-            <a:off x="457200" y="609600"/>
-            <a:ext cx="8229600" cy="5516563"/>
-          </a:xfrm>
-        </p:spPr>
-        <p:txBody>
-          <a:bodyPr>
-            <a:normAutofit/>
-          </a:bodyPr>
-          <a:lstStyle/>
-          <a:p>
-            <a:r>
-              <a:rPr lang="en-US" dirty="0" smtClean="0"/>
-              <a:t>qw(): This is used to create an array on single quoted words.</a:t>
-            </a:r>
-          </a:p>
-          <a:p>
-            <a:pPr>
-              <a:buNone/>
-            </a:pPr>
-            <a:r>
-              <a:rPr lang="en-US" dirty="0"/>
-              <a:t>	</a:t>
-            </a:r>
-            <a:r>
-              <a:rPr lang="en-US" dirty="0" smtClean="0"/>
-              <a:t>Syntax:</a:t>
-            </a:r>
-          </a:p>
-          <a:p>
-            <a:pPr>
-              <a:buNone/>
-            </a:pPr>
-            <a:r>
-              <a:rPr lang="en-US" dirty="0"/>
-              <a:t>	</a:t>
-            </a:r>
-            <a:r>
-              <a:rPr lang="fr-FR" sz="2400" dirty="0" smtClean="0"/>
-              <a:t>qw (Expression) qw /Expression/ qw 'Expression' qw {Expression}</a:t>
-            </a:r>
-          </a:p>
-          <a:p>
-            <a:pPr>
-              <a:buNone/>
-            </a:pPr>
-            <a:r>
-              <a:rPr lang="en-IN" sz="2400" dirty="0" smtClean="0"/>
-              <a:t>	@arr1</a:t>
-            </a:r>
-            <a:r>
-              <a:rPr lang="en-IN" sz="2400" dirty="0"/>
-              <a:t> </a:t>
-            </a:r>
-            <a:r>
-              <a:rPr lang="en-IN" sz="2400" dirty="0" smtClean="0"/>
-              <a:t>= qw /This is a Perl/;</a:t>
-            </a:r>
-          </a:p>
-          <a:p>
-            <a:pPr>
-              <a:buNone/>
-            </a:pPr>
-            <a:r>
-              <a:rPr lang="en-IN" sz="2400" dirty="0"/>
-              <a:t>	</a:t>
-            </a:r>
-            <a:r>
-              <a:rPr lang="en-IN" sz="2400" dirty="0" smtClean="0"/>
-              <a:t>output: [‘This’, ’is’, ’a’, ’Perl’]</a:t>
-            </a:r>
-          </a:p>
-          <a:p>
-            <a:r>
-              <a:rPr lang="en-IN" dirty="0"/>
-              <a:t>For accessing the elements of an array we must prefix </a:t>
-            </a:r>
-            <a:r>
-              <a:rPr lang="en-IN" b="1" dirty="0"/>
-              <a:t>“$”</a:t>
-            </a:r>
-            <a:r>
-              <a:rPr lang="en-IN" dirty="0"/>
-              <a:t> sign before the array </a:t>
-            </a:r>
-            <a:r>
-              <a:rPr lang="en-IN" dirty="0" smtClean="0"/>
-              <a:t>variable</a:t>
-            </a:r>
-          </a:p>
-          <a:p>
-            <a:pPr>
-              <a:buNone/>
-            </a:pPr>
-            <a:r>
-              <a:rPr lang="en-IN" dirty="0"/>
-              <a:t>	</a:t>
-            </a:r>
-            <a:r>
-              <a:rPr lang="en-US" sz="2400" dirty="0" smtClean="0"/>
-              <a:t>$</a:t>
-            </a:r>
-            <a:r>
-              <a:rPr lang="en-US" sz="2400" dirty="0" err="1" smtClean="0"/>
-              <a:t>arr</a:t>
-            </a:r>
-            <a:r>
-              <a:rPr lang="en-US" sz="2400" dirty="0" smtClean="0"/>
-              <a:t>[0]</a:t>
-            </a:r>
-          </a:p>
-          <a:p>
+        <p:spPr/>
+        <p:txBody>
+          <a:bodyPr/>
+          <a:lstStyle/>
+          <a:p>
+            <a:pPr fontAlgn="base"/>
+            <a:r>
+              <a:rPr lang="en-IN" dirty="0" smtClean="0"/>
+              <a:t>Quote Like </a:t>
+            </a:r>
+            <a:r>
+              <a:rPr lang="en-IN" dirty="0" smtClean="0"/>
+              <a:t>Operators</a:t>
+            </a:r>
+            <a:endParaRPr lang="en-IN" b="1" dirty="0" smtClean="0"/>
+          </a:p>
+          <a:p>
+            <a:pPr fontAlgn="base"/>
+            <a:r>
+              <a:rPr lang="en-IN" dirty="0" smtClean="0"/>
+              <a:t>String Manipulation Operators</a:t>
+            </a:r>
+            <a:endParaRPr lang="en-IN" b="1" dirty="0" smtClean="0"/>
+          </a:p>
+          <a:p>
+            <a:pPr fontAlgn="base"/>
+            <a:r>
+              <a:rPr lang="en-IN" dirty="0" smtClean="0"/>
+              <a:t>Range Operator</a:t>
+            </a:r>
+            <a:endParaRPr lang="en-IN" b="1" dirty="0" smtClean="0"/>
+          </a:p>
+          <a:p>
+            <a:pPr fontAlgn="base"/>
+            <a:r>
+              <a:rPr lang="en-IN" dirty="0" smtClean="0"/>
+              <a:t>Auto Increment &amp; Decrement Operator</a:t>
+            </a:r>
+            <a:endParaRPr lang="en-IN" b="1" dirty="0" smtClean="0"/>
+          </a:p>
+          <a:p>
+            <a:pPr fontAlgn="base"/>
+            <a:r>
+              <a:rPr lang="en-IN" dirty="0" smtClean="0"/>
+              <a:t>Arrow Operator</a:t>
+            </a:r>
+            <a:endParaRPr lang="en-IN" b="1" dirty="0" smtClean="0"/>
+          </a:p>
+          <a:p>
+            <a:pPr>
+              <a:buNone/>
+            </a:pPr>
             <a:endParaRPr lang="en-US" dirty="0"/>
           </a:p>
         </p:txBody>
@@ -4552,6 +4633,29 @@
       </p:grpSpPr>
       <p:sp>
         <p:nvSpPr>
+          <p:cNvPr id="2" name="Title 1"/>
+          <p:cNvSpPr>
+            <a:spLocks noGrp="1"/>
+          </p:cNvSpPr>
+          <p:nvPr>
+            <p:ph type="title"/>
+          </p:nvPr>
+        </p:nvSpPr>
+        <p:spPr/>
+        <p:txBody>
+          <a:bodyPr/>
+          <a:lstStyle/>
+          <a:p>
+            <a:r>
+              <a:rPr lang="en-US" dirty="0" smtClean="0"/>
+              <a:t>Quote like Operators</a:t>
+            </a:r>
+            <a:endParaRPr lang="en-US" dirty="0"/>
+          </a:p>
+        </p:txBody>
+      </p:sp>
+      <p:sp>
+        <p:nvSpPr>
           <p:cNvPr id="3" name="Content Placeholder 2"/>
           <p:cNvSpPr>
             <a:spLocks noGrp="1"/>
@@ -4560,96 +4664,125 @@
             <p:ph idx="1"/>
           </p:nvPr>
         </p:nvSpPr>
-        <p:spPr>
-          <a:xfrm>
-            <a:off x="457200" y="503237"/>
-            <a:ext cx="8229600" cy="5821363"/>
-          </a:xfrm>
-        </p:spPr>
+        <p:spPr/>
         <p:txBody>
           <a:bodyPr>
-            <a:normAutofit/>
+            <a:normAutofit fontScale="92500" lnSpcReduction="20000"/>
           </a:bodyPr>
           <a:lstStyle/>
           <a:p>
-            <a:r>
-              <a:rPr lang="en-IN" dirty="0" smtClean="0"/>
-              <a:t>Giving negative index will result in selecting the array elements from ending.</a:t>
-            </a:r>
-          </a:p>
-          <a:p>
-            <a:pPr>
-              <a:buNone/>
-            </a:pPr>
-            <a:r>
-              <a:rPr lang="en-IN" dirty="0" smtClean="0"/>
-              <a:t>	ex:</a:t>
-            </a:r>
-          </a:p>
-          <a:p>
-            <a:pPr fontAlgn="base">
-              <a:buNone/>
-            </a:pPr>
-            <a:r>
-              <a:rPr lang="en-IN" sz="2400" dirty="0" smtClean="0"/>
-              <a:t>@fruits = ("apple", "banana", "pineapple", "kiwi");   </a:t>
-            </a:r>
-          </a:p>
-          <a:p>
-            <a:pPr fontAlgn="base">
-              <a:buNone/>
-            </a:pPr>
-            <a:r>
-              <a:rPr lang="en-IN" sz="2400" dirty="0" smtClean="0"/>
-              <a:t>	print "$fruits[-1]\n"; 	//kiwi</a:t>
-            </a:r>
-          </a:p>
-          <a:p>
-            <a:pPr fontAlgn="base">
-              <a:buNone/>
-            </a:pPr>
-            <a:r>
-              <a:rPr lang="en-IN" sz="2400" dirty="0" smtClean="0"/>
-              <a:t>	print "$fruits[-2]\n"; 	//pineapple</a:t>
-            </a:r>
-          </a:p>
-          <a:p>
             <a:pPr fontAlgn="base"/>
             <a:r>
-              <a:rPr lang="en-IN" sz="2800" b="1" dirty="0" smtClean="0"/>
-              <a:t>Sequential Number Arrays: </a:t>
-            </a:r>
-            <a:r>
-              <a:rPr lang="en-IN" sz="2800" dirty="0" smtClean="0"/>
-              <a:t>Perl also provides a shortcut to make a sequential array of numbers or letters. </a:t>
-            </a:r>
-          </a:p>
-          <a:p>
-            <a:pPr fontAlgn="base">
-              <a:buNone/>
-            </a:pPr>
-            <a:r>
-              <a:rPr lang="en-IN" sz="2800" dirty="0" smtClean="0"/>
-              <a:t>	</a:t>
-            </a:r>
-            <a:r>
-              <a:rPr lang="en-IN" sz="2000" dirty="0" smtClean="0"/>
-              <a:t>@array = (1..9); # array with numbers from 1 to 9 </a:t>
-            </a:r>
-          </a:p>
-          <a:p>
-            <a:pPr fontAlgn="base">
-              <a:buNone/>
-            </a:pPr>
-            <a:r>
-              <a:rPr lang="en-IN" sz="2000" dirty="0" smtClean="0"/>
-              <a:t>	@array = (a..h); # array with letters from a to h</a:t>
-            </a:r>
-          </a:p>
-          <a:p>
-            <a:pPr>
-              <a:buNone/>
-            </a:pPr>
+              <a:rPr lang="en-IN" dirty="0" smtClean="0"/>
+              <a:t>In these operators, {} will represent a pair of delimiters that user choose. In this category there are three operators as follows:</a:t>
+            </a:r>
+          </a:p>
+          <a:p>
+            <a:pPr fontAlgn="base"/>
+            <a:r>
+              <a:rPr lang="en-IN" b="1" dirty="0" smtClean="0"/>
+              <a:t>q{ } </a:t>
+            </a:r>
+            <a:r>
+              <a:rPr lang="en-IN" dirty="0" smtClean="0"/>
+              <a:t>: It will encloses a string in single quotes</a:t>
+            </a:r>
+            <a:r>
+              <a:rPr lang="en-IN" b="1" dirty="0" smtClean="0"/>
+              <a:t>(”)</a:t>
+            </a:r>
+            <a:r>
+              <a:rPr lang="en-IN" dirty="0" smtClean="0"/>
+              <a:t> and cannot interpolate the string variable. </a:t>
+            </a:r>
+            <a:r>
+              <a:rPr lang="en-IN" i="1" dirty="0" smtClean="0"/>
+              <a:t>For Example:</a:t>
+            </a:r>
+            <a:r>
+              <a:rPr lang="en-IN" dirty="0" smtClean="0"/>
+              <a:t> q{geek} gives ‘geek’.</a:t>
+            </a:r>
+          </a:p>
+          <a:p>
+            <a:pPr fontAlgn="base"/>
+            <a:r>
+              <a:rPr lang="en-IN" b="1" dirty="0" err="1" smtClean="0"/>
+              <a:t>qq</a:t>
+            </a:r>
+            <a:r>
+              <a:rPr lang="en-IN" b="1" dirty="0" smtClean="0"/>
+              <a:t>{ }</a:t>
+            </a:r>
+            <a:r>
+              <a:rPr lang="en-IN" dirty="0" smtClean="0"/>
+              <a:t>: It will encloses a string in double quotes</a:t>
+            </a:r>
+            <a:r>
+              <a:rPr lang="en-IN" b="1" dirty="0" smtClean="0"/>
+              <a:t>(“”)</a:t>
+            </a:r>
+            <a:r>
+              <a:rPr lang="en-IN" dirty="0" smtClean="0"/>
+              <a:t> and can interpolate the string variable. </a:t>
+            </a:r>
+            <a:r>
+              <a:rPr lang="en-IN" i="1" dirty="0" smtClean="0"/>
+              <a:t>For Example:</a:t>
+            </a:r>
+            <a:r>
+              <a:rPr lang="en-IN" dirty="0" smtClean="0"/>
+              <a:t> </a:t>
+            </a:r>
+            <a:r>
+              <a:rPr lang="en-IN" dirty="0" err="1" smtClean="0"/>
+              <a:t>qq</a:t>
+            </a:r>
+            <a:r>
+              <a:rPr lang="en-IN" dirty="0" smtClean="0"/>
+              <a:t>{geek} gives “geek”.</a:t>
+            </a:r>
+          </a:p>
+          <a:p>
+            <a:pPr fontAlgn="base"/>
+            <a:r>
+              <a:rPr lang="en-IN" b="1" dirty="0" err="1" smtClean="0"/>
+              <a:t>qx</a:t>
+            </a:r>
+            <a:r>
+              <a:rPr lang="en-IN" b="1" dirty="0" smtClean="0"/>
+              <a:t>{ }</a:t>
+            </a:r>
+            <a:r>
+              <a:rPr lang="en-IN" dirty="0" smtClean="0"/>
+              <a:t> : It will encloses a string in invert quotes</a:t>
+            </a:r>
+            <a:r>
+              <a:rPr lang="en-IN" b="1" dirty="0" smtClean="0"/>
+              <a:t>(“)</a:t>
+            </a:r>
+            <a:r>
+              <a:rPr lang="en-IN" dirty="0" smtClean="0"/>
+              <a:t>. </a:t>
+            </a:r>
+            <a:r>
+              <a:rPr lang="en-IN" i="1" dirty="0" smtClean="0"/>
+              <a:t>For Example:</a:t>
+            </a:r>
+            <a:r>
+              <a:rPr lang="en-IN" dirty="0" smtClean="0"/>
+              <a:t> </a:t>
+            </a:r>
+            <a:r>
+              <a:rPr lang="en-IN" dirty="0" err="1" smtClean="0"/>
+              <a:t>qq</a:t>
+            </a:r>
+            <a:r>
+              <a:rPr lang="en-IN" dirty="0" smtClean="0"/>
+              <a:t>{geek} gives `geek`.</a:t>
+            </a:r>
+          </a:p>
+          <a:p>
             <a:endParaRPr lang="en-US" dirty="0"/>
           </a:p>
         </p:txBody>
@@ -4774,137 +4907,237 @@
         </p:spPr>
         <p:txBody>
           <a:bodyPr>
-            <a:normAutofit fontScale="92500" lnSpcReduction="10000"/>
+            <a:normAutofit fontScale="62500" lnSpcReduction="20000"/>
           </a:bodyPr>
           <a:lstStyle/>
           <a:p>
-            <a:r>
-              <a:rPr lang="en-US" dirty="0" smtClean="0"/>
-              <a:t>Size of array: It </a:t>
-            </a:r>
-            <a:r>
-              <a:rPr lang="en-IN" dirty="0" smtClean="0"/>
-              <a:t>can be found by evaluating the array in scalar context.</a:t>
-            </a:r>
+            <a:pPr>
+              <a:buNone/>
+            </a:pPr>
             <a:endParaRPr lang="en-US" dirty="0" smtClean="0"/>
           </a:p>
           <a:p>
-            <a:pPr fontAlgn="base">
-              <a:buNone/>
-            </a:pPr>
-            <a:r>
-              <a:rPr lang="en-IN" sz="2400" b="1" dirty="0" smtClean="0"/>
-              <a:t>	Implicit Scalar Context:</a:t>
-            </a:r>
-            <a:r>
-              <a:rPr lang="en-IN" sz="2400" dirty="0" smtClean="0"/>
-              <a:t>$size = @array;</a:t>
-            </a:r>
-          </a:p>
-          <a:p>
-            <a:pPr fontAlgn="base">
-              <a:buNone/>
-            </a:pPr>
-            <a:r>
-              <a:rPr lang="en-IN" sz="2400" b="1" dirty="0" smtClean="0"/>
-              <a:t>	Explicit scalar context using keyword scalar:</a:t>
-            </a:r>
-          </a:p>
-          <a:p>
-            <a:pPr fontAlgn="base">
-              <a:buNone/>
-            </a:pPr>
-            <a:r>
-              <a:rPr lang="en-IN" sz="2400" dirty="0" smtClean="0"/>
-              <a:t>	$size = scalar @array;</a:t>
-            </a:r>
-          </a:p>
-          <a:p>
-            <a:pPr fontAlgn="base">
-              <a:buNone/>
-            </a:pPr>
-            <a:r>
-              <a:rPr lang="en-US" sz="2400" dirty="0" smtClean="0"/>
-              <a:t>	$maximum_index = $#arr; </a:t>
-            </a:r>
-          </a:p>
-          <a:p>
-            <a:pPr fontAlgn="base"/>
-            <a:r>
-              <a:rPr lang="en-IN" dirty="0" smtClean="0"/>
-              <a:t>Slicing: It is done to access a range of elements in an array in order</a:t>
-            </a:r>
-          </a:p>
-          <a:p>
-            <a:pPr fontAlgn="base">
-              <a:buNone/>
-            </a:pPr>
-            <a:r>
-              <a:rPr lang="en-IN" sz="3000" dirty="0" smtClean="0"/>
-              <a:t>	-Passing multiple index values</a:t>
-            </a:r>
-          </a:p>
-          <a:p>
-            <a:pPr fontAlgn="base">
-              <a:buNone/>
-            </a:pPr>
-            <a:r>
-              <a:rPr lang="en-IN" dirty="0" smtClean="0"/>
-              <a:t>	</a:t>
-            </a:r>
-            <a:r>
-              <a:rPr lang="en-US" sz="2400" dirty="0" smtClean="0"/>
-              <a:t>@array = (‘Sun', ‘Moon', ‘Earth'); </a:t>
-            </a:r>
-          </a:p>
-          <a:p>
-            <a:pPr fontAlgn="base">
-              <a:buNone/>
-            </a:pPr>
-            <a:r>
-              <a:rPr lang="en-US" sz="2400" dirty="0" smtClean="0"/>
-              <a:t>	@</a:t>
-            </a:r>
-            <a:r>
-              <a:rPr lang="en-US" sz="2400" dirty="0" err="1" smtClean="0"/>
-              <a:t>extracted_elements</a:t>
-            </a:r>
-            <a:r>
-              <a:rPr lang="en-US" sz="2400" dirty="0" smtClean="0"/>
-              <a:t> = @array[1, 2];</a:t>
-            </a:r>
-          </a:p>
-          <a:p>
-            <a:pPr fontAlgn="base">
-              <a:buNone/>
-            </a:pPr>
-            <a:r>
-              <a:rPr lang="en-US" sz="2400" dirty="0" smtClean="0"/>
-              <a:t>	output: Moon Earth</a:t>
-            </a:r>
-          </a:p>
-          <a:p>
-            <a:pPr fontAlgn="base">
-              <a:buNone/>
-            </a:pPr>
-            <a:r>
-              <a:rPr lang="en-US" dirty="0" smtClean="0"/>
-              <a:t>  </a:t>
-            </a:r>
-          </a:p>
-          <a:p>
-            <a:pPr fontAlgn="base">
-              <a:buNone/>
-            </a:pPr>
-            <a:endParaRPr lang="en-IN" dirty="0" smtClean="0"/>
-          </a:p>
-          <a:p>
-            <a:pPr fontAlgn="base">
-              <a:buNone/>
-            </a:pPr>
-            <a:endParaRPr lang="en-IN" sz="2400" dirty="0" smtClean="0"/>
-          </a:p>
-          <a:p>
+            <a:pPr>
+              <a:buNone/>
+            </a:pPr>
+            <a:r>
+              <a:rPr lang="en-US" dirty="0" smtClean="0"/>
+              <a:t># taking a string variable </a:t>
+            </a:r>
+          </a:p>
+          <a:p>
+            <a:pPr>
+              <a:buNone/>
+            </a:pPr>
+            <a:r>
+              <a:rPr lang="en-US" dirty="0" smtClean="0"/>
+              <a:t>$g = "Geek"; </a:t>
+            </a:r>
+          </a:p>
+          <a:p>
+            <a:pPr>
+              <a:buNone/>
+            </a:pPr>
+            <a:endParaRPr lang="en-US" dirty="0" smtClean="0"/>
+          </a:p>
+          <a:p>
+            <a:pPr>
+              <a:buNone/>
+            </a:pPr>
+            <a:r>
+              <a:rPr lang="en-US" dirty="0" smtClean="0"/>
+              <a:t># using single quote Operators </a:t>
+            </a:r>
+            <a:r>
+              <a:rPr lang="en-US" dirty="0" smtClean="0"/>
+              <a:t> </a:t>
+            </a:r>
+            <a:r>
+              <a:rPr lang="en-US" dirty="0" smtClean="0"/>
+              <a:t>this operator will not </a:t>
+            </a:r>
+            <a:r>
+              <a:rPr lang="en-US" dirty="0" smtClean="0"/>
+              <a:t> </a:t>
+            </a:r>
+            <a:r>
+              <a:rPr lang="en-US" dirty="0" smtClean="0"/>
+              <a:t>interpolate the string variable </a:t>
+            </a:r>
+          </a:p>
+          <a:p>
+            <a:pPr>
+              <a:buNone/>
+            </a:pPr>
+            <a:r>
+              <a:rPr lang="en-US" dirty="0" smtClean="0"/>
+              <a:t>$r = q{$g}; </a:t>
+            </a:r>
+          </a:p>
+          <a:p>
+            <a:pPr>
+              <a:buNone/>
+            </a:pPr>
+            <a:r>
+              <a:rPr lang="en-US" dirty="0" smtClean="0"/>
+              <a:t>print "Value of g is = $r\n"; </a:t>
+            </a:r>
+            <a:r>
+              <a:rPr lang="en-US" dirty="0" smtClean="0"/>
+              <a:t>	#output :</a:t>
+            </a:r>
+            <a:r>
+              <a:rPr lang="en-IN" dirty="0" smtClean="0"/>
+              <a:t> Value of g is = $g</a:t>
+            </a:r>
+            <a:endParaRPr lang="en-US" dirty="0" smtClean="0"/>
+          </a:p>
+          <a:p>
+            <a:pPr>
+              <a:buNone/>
+            </a:pPr>
+            <a:endParaRPr lang="en-US" dirty="0" smtClean="0"/>
+          </a:p>
+          <a:p>
+            <a:pPr>
+              <a:buNone/>
+            </a:pPr>
+            <a:r>
+              <a:rPr lang="en-US" dirty="0" smtClean="0"/>
+              <a:t># using double quote Operators </a:t>
+            </a:r>
+            <a:r>
+              <a:rPr lang="en-US" dirty="0" smtClean="0"/>
+              <a:t> </a:t>
+            </a:r>
+            <a:r>
+              <a:rPr lang="en-US" dirty="0" smtClean="0"/>
+              <a:t>this operator will interpolate </a:t>
+            </a:r>
+            <a:r>
+              <a:rPr lang="en-US" dirty="0" smtClean="0"/>
+              <a:t> </a:t>
+            </a:r>
+            <a:r>
+              <a:rPr lang="en-US" dirty="0" smtClean="0"/>
+              <a:t>the string variable </a:t>
+            </a:r>
+          </a:p>
+          <a:p>
+            <a:pPr>
+              <a:buNone/>
+            </a:pPr>
+            <a:r>
+              <a:rPr lang="en-US" dirty="0" smtClean="0"/>
+              <a:t>$r = </a:t>
+            </a:r>
+            <a:r>
+              <a:rPr lang="en-US" dirty="0" err="1" smtClean="0"/>
+              <a:t>qq</a:t>
+            </a:r>
+            <a:r>
+              <a:rPr lang="en-US" dirty="0" smtClean="0"/>
+              <a:t>{$g}; </a:t>
+            </a:r>
+          </a:p>
+          <a:p>
+            <a:pPr>
+              <a:buNone/>
+            </a:pPr>
+            <a:r>
+              <a:rPr lang="en-US" dirty="0" smtClean="0"/>
+              <a:t>print "Value of g is = $r\n"; </a:t>
+            </a:r>
+            <a:r>
+              <a:rPr lang="en-US" dirty="0" smtClean="0"/>
+              <a:t>	#output:</a:t>
+            </a:r>
+            <a:r>
+              <a:rPr lang="en-IN" dirty="0" smtClean="0"/>
+              <a:t> Value of g is = Geek</a:t>
+            </a:r>
+            <a:endParaRPr lang="en-US" dirty="0" smtClean="0"/>
+          </a:p>
+          <a:p>
+            <a:pPr>
+              <a:buNone/>
+            </a:pPr>
+            <a:endParaRPr lang="en-US" dirty="0" smtClean="0"/>
+          </a:p>
+          <a:p>
+            <a:pPr>
+              <a:buNone/>
+            </a:pPr>
+            <a:r>
+              <a:rPr lang="en-US" dirty="0" smtClean="0"/>
+              <a:t># Executing </a:t>
+            </a:r>
+            <a:r>
+              <a:rPr lang="en-US" dirty="0" err="1" smtClean="0"/>
+              <a:t>unix</a:t>
+            </a:r>
+            <a:r>
+              <a:rPr lang="en-US" dirty="0" smtClean="0"/>
+              <a:t> date command </a:t>
+            </a:r>
+          </a:p>
+          <a:p>
+            <a:pPr>
+              <a:buNone/>
+            </a:pPr>
+            <a:r>
+              <a:rPr lang="en-US" dirty="0" smtClean="0"/>
+              <a:t>$d = </a:t>
+            </a:r>
+            <a:r>
+              <a:rPr lang="en-US" dirty="0" err="1" smtClean="0"/>
+              <a:t>qx</a:t>
+            </a:r>
+            <a:r>
+              <a:rPr lang="en-US" dirty="0" smtClean="0"/>
+              <a:t>{date}; </a:t>
+            </a:r>
+          </a:p>
+          <a:p>
+            <a:pPr>
+              <a:buNone/>
+            </a:pPr>
+            <a:r>
+              <a:rPr lang="en-US" dirty="0" smtClean="0"/>
+              <a:t>print "Value of </a:t>
+            </a:r>
+            <a:r>
+              <a:rPr lang="en-US" dirty="0" err="1" smtClean="0"/>
+              <a:t>qx</a:t>
+            </a:r>
+            <a:r>
+              <a:rPr lang="en-US" dirty="0" smtClean="0"/>
+              <a:t>{date} = $d</a:t>
+            </a:r>
+            <a:r>
+              <a:rPr lang="en-US" dirty="0" smtClean="0"/>
+              <a:t>";	#output:</a:t>
+            </a:r>
+            <a:r>
+              <a:rPr lang="en-IN" dirty="0" smtClean="0"/>
+              <a:t> Value of </a:t>
+            </a:r>
+            <a:r>
+              <a:rPr lang="en-IN" dirty="0" err="1" smtClean="0"/>
+              <a:t>qx</a:t>
+            </a:r>
+            <a:r>
+              <a:rPr lang="en-IN" dirty="0" smtClean="0"/>
+              <a:t>{date} = Sun Aug 12 </a:t>
+            </a:r>
+            <a:r>
+              <a:rPr lang="en-IN" dirty="0" smtClean="0"/>
+              <a:t>					14:19:43 </a:t>
+            </a:r>
+            <a:r>
+              <a:rPr lang="en-IN" dirty="0" smtClean="0"/>
+              <a:t>UTC 2018</a:t>
+            </a:r>
             <a:endParaRPr lang="en-US" dirty="0"/>
           </a:p>
         </p:txBody>
@@ -4936,6 +5169,37 @@
       </p:grpSpPr>
       <p:sp>
         <p:nvSpPr>
+          <p:cNvPr id="2" name="Title 1"/>
+          <p:cNvSpPr>
+            <a:spLocks noGrp="1"/>
+          </p:cNvSpPr>
+          <p:nvPr>
+            <p:ph type="title"/>
+          </p:nvPr>
+        </p:nvSpPr>
+        <p:spPr/>
+        <p:txBody>
+          <a:bodyPr/>
+          <a:lstStyle/>
+          <a:p>
+            <a:r>
+              <a:rPr lang="en-US" dirty="0" smtClean="0"/>
+              <a:t>String </a:t>
+            </a:r>
+            <a:r>
+              <a:rPr lang="en-US" dirty="0" err="1" smtClean="0"/>
+              <a:t>Manupulation</a:t>
+            </a:r>
+            <a:r>
+              <a:rPr lang="en-US" dirty="0" smtClean="0"/>
+              <a:t> Operators</a:t>
+            </a:r>
+            <a:endParaRPr lang="en-US" dirty="0"/>
+          </a:p>
+        </p:txBody>
+      </p:sp>
+      <p:sp>
+        <p:nvSpPr>
           <p:cNvPr id="3" name="Content Placeholder 2"/>
           <p:cNvSpPr>
             <a:spLocks noGrp="1"/>
@@ -4944,213 +5208,50 @@
             <p:ph idx="1"/>
           </p:nvPr>
         </p:nvSpPr>
-        <p:spPr>
-          <a:xfrm>
-            <a:off x="457200" y="304800"/>
-            <a:ext cx="8229600" cy="6324600"/>
-          </a:xfrm>
-        </p:spPr>
+        <p:spPr/>
         <p:txBody>
           <a:bodyPr>
             <a:normAutofit fontScale="92500" lnSpcReduction="10000"/>
           </a:bodyPr>
           <a:lstStyle/>
           <a:p>
-            <a:pPr fontAlgn="base">
-              <a:buNone/>
-            </a:pPr>
-            <a:r>
-              <a:rPr lang="en-IN" sz="2800" dirty="0" smtClean="0"/>
-              <a:t>-Using range operator</a:t>
-            </a:r>
-          </a:p>
-          <a:p>
-            <a:pPr fontAlgn="base">
-              <a:buNone/>
-            </a:pPr>
-            <a:r>
-              <a:rPr lang="en-IN" dirty="0" smtClean="0"/>
-              <a:t>	</a:t>
-            </a:r>
-            <a:r>
-              <a:rPr lang="en-US" sz="2400" dirty="0" smtClean="0"/>
-              <a:t>@array = (‘Sun', ‘Moon', ‘Earth‘, ’Mars’, ‘</a:t>
-            </a:r>
-            <a:r>
-              <a:rPr lang="en-US" sz="2400" dirty="0" err="1" smtClean="0"/>
-              <a:t>Jupitor</a:t>
-            </a:r>
-            <a:r>
-              <a:rPr lang="en-US" sz="2400" dirty="0" smtClean="0"/>
-              <a:t>’); </a:t>
-            </a:r>
-          </a:p>
-          <a:p>
-            <a:pPr fontAlgn="base">
-              <a:buNone/>
-            </a:pPr>
-            <a:r>
-              <a:rPr lang="en-US" sz="2400" dirty="0" smtClean="0"/>
-              <a:t>	@</a:t>
-            </a:r>
-            <a:r>
-              <a:rPr lang="en-US" sz="2400" dirty="0" err="1" smtClean="0"/>
-              <a:t>extracted_elements</a:t>
-            </a:r>
-            <a:r>
-              <a:rPr lang="en-US" sz="2400" dirty="0" smtClean="0"/>
-              <a:t> = @array[1..3];</a:t>
-            </a:r>
-          </a:p>
-          <a:p>
-            <a:pPr fontAlgn="base">
-              <a:buNone/>
-            </a:pPr>
-            <a:r>
-              <a:rPr lang="en-US" sz="2400" dirty="0" smtClean="0"/>
-              <a:t>	output: Moon Earth Mars</a:t>
-            </a:r>
-          </a:p>
-          <a:p>
             <a:pPr fontAlgn="base"/>
             <a:r>
-              <a:rPr lang="en-US" dirty="0" smtClean="0"/>
-              <a:t>Push - </a:t>
-            </a:r>
-            <a:r>
-              <a:rPr lang="en-IN" dirty="0" smtClean="0"/>
-              <a:t>Inserts values of the list at the end of an array</a:t>
-            </a:r>
-            <a:endParaRPr lang="en-IN" sz="2400" dirty="0" smtClean="0"/>
-          </a:p>
-          <a:p>
-            <a:pPr fontAlgn="base">
-              <a:buNone/>
-            </a:pPr>
-            <a:r>
-              <a:rPr lang="en-IN" sz="2400" dirty="0" smtClean="0"/>
-              <a:t>	syntax: </a:t>
-            </a:r>
-            <a:r>
-              <a:rPr lang="en-US" sz="2400" i="1" dirty="0" smtClean="0"/>
-              <a:t> push(Array, list)</a:t>
-            </a:r>
-          </a:p>
-          <a:p>
-            <a:pPr fontAlgn="base">
-              <a:buNone/>
-            </a:pPr>
-            <a:r>
-              <a:rPr lang="en-US" sz="2400" i="1" dirty="0" smtClean="0"/>
-              <a:t>	</a:t>
-            </a:r>
-            <a:r>
-              <a:rPr lang="en-US" sz="2400" i="1" dirty="0" err="1" smtClean="0"/>
-              <a:t>ex:</a:t>
-            </a:r>
-            <a:r>
-              <a:rPr lang="en-US" sz="2400" dirty="0" err="1" smtClean="0"/>
-              <a:t>push</a:t>
-            </a:r>
-            <a:r>
-              <a:rPr lang="en-US" sz="2400" dirty="0" smtClean="0"/>
-              <a:t>(@x, 'Python', 'Perl'); </a:t>
+              <a:rPr lang="en-IN" dirty="0" smtClean="0"/>
+              <a:t>There are different types of string operators in Perl, as follows:</a:t>
             </a:r>
           </a:p>
           <a:p>
             <a:pPr fontAlgn="base"/>
             <a:r>
-              <a:rPr lang="en-US" dirty="0" smtClean="0"/>
-              <a:t>Pop - </a:t>
-            </a:r>
-            <a:r>
-              <a:rPr lang="en-IN" dirty="0" smtClean="0"/>
-              <a:t>Removes the last value of an array</a:t>
-            </a:r>
-          </a:p>
-          <a:p>
-            <a:pPr fontAlgn="base">
-              <a:buNone/>
-            </a:pPr>
-            <a:r>
-              <a:rPr lang="en-IN" sz="2400" dirty="0" smtClean="0"/>
-              <a:t>	syntax: </a:t>
-            </a:r>
-            <a:r>
-              <a:rPr lang="en-US" sz="2400" i="1" dirty="0" smtClean="0"/>
-              <a:t> pop(Array)</a:t>
+              <a:rPr lang="en-IN" b="1" dirty="0" smtClean="0"/>
+              <a:t>Concatenation Operator (.) </a:t>
+            </a:r>
+            <a:r>
+              <a:rPr lang="en-IN" dirty="0" smtClean="0"/>
+              <a:t>: Perl strings are concatenated with a </a:t>
+            </a:r>
+            <a:r>
+              <a:rPr lang="en-IN" b="1" dirty="0" smtClean="0"/>
+              <a:t>Dot(.)</a:t>
+            </a:r>
+            <a:r>
+              <a:rPr lang="en-IN" dirty="0" smtClean="0"/>
+              <a:t> symbol. The Dot(.) sign is used instead of (+) sign in Perl.</a:t>
             </a:r>
           </a:p>
           <a:p>
             <a:pPr fontAlgn="base"/>
             <a:r>
-              <a:rPr lang="en-US" dirty="0" smtClean="0"/>
-              <a:t>Shift - </a:t>
-            </a:r>
-            <a:r>
-              <a:rPr lang="en-IN" dirty="0" smtClean="0"/>
-              <a:t>Shifts all the values of an array on its left</a:t>
-            </a:r>
-          </a:p>
-          <a:p>
-            <a:pPr fontAlgn="base">
-              <a:buNone/>
-            </a:pPr>
-            <a:r>
-              <a:rPr lang="en-IN" sz="2400" dirty="0" smtClean="0"/>
-              <a:t>	syntax: </a:t>
-            </a:r>
-            <a:r>
-              <a:rPr lang="en-IN" sz="2400" i="1" dirty="0" smtClean="0"/>
-              <a:t>shift(Array)</a:t>
-            </a:r>
-          </a:p>
-          <a:p>
-            <a:pPr fontAlgn="base">
-              <a:buNone/>
-            </a:pPr>
-            <a:r>
-              <a:rPr lang="en-IN" sz="2400" i="1" dirty="0" smtClean="0"/>
-              <a:t>	ex: </a:t>
-            </a:r>
-            <a:r>
-              <a:rPr lang="en-US" sz="2400" dirty="0" smtClean="0"/>
-              <a:t>@x = ('Java', 'C', 'C++'); </a:t>
-            </a:r>
-          </a:p>
-          <a:p>
-            <a:pPr fontAlgn="base">
-              <a:buNone/>
-            </a:pPr>
-            <a:r>
-              <a:rPr lang="en-US" sz="2400" i="1" dirty="0" smtClean="0"/>
-              <a:t>		</a:t>
-            </a:r>
-            <a:r>
-              <a:rPr lang="en-US" sz="2400" i="1" dirty="0" err="1" smtClean="0"/>
-              <a:t>shift@x</a:t>
-            </a:r>
-            <a:r>
-              <a:rPr lang="en-US" sz="2400" i="1" dirty="0" smtClean="0"/>
-              <a:t> 	//updated array:  @x=(‘C’,’C++’)</a:t>
-            </a:r>
-          </a:p>
-          <a:p>
-            <a:pPr fontAlgn="base">
-              <a:buNone/>
-            </a:pPr>
-            <a:endParaRPr lang="en-US" sz="2400" dirty="0" smtClean="0"/>
-          </a:p>
-          <a:p>
-            <a:pPr fontAlgn="base">
-              <a:buNone/>
-            </a:pPr>
-            <a:endParaRPr lang="en-US" sz="2400" dirty="0" smtClean="0"/>
-          </a:p>
-          <a:p>
-            <a:pPr>
-              <a:buNone/>
-            </a:pPr>
+              <a:rPr lang="en-IN" b="1" dirty="0" smtClean="0"/>
+              <a:t>Repetition Operator (x):</a:t>
+            </a:r>
+            <a:r>
+              <a:rPr lang="en-IN" dirty="0" smtClean="0"/>
+              <a:t> The x operator accepts a string on its left-hand side and a number on its right-hand side. It will return the string on the left-hand side repeated as many times as the value on the right-hand side.</a:t>
+            </a:r>
+          </a:p>
+          <a:p>
             <a:endParaRPr lang="en-US" dirty="0"/>
           </a:p>
         </p:txBody>
@@ -5192,116 +5293,1274 @@
         </p:nvSpPr>
         <p:spPr>
           <a:xfrm>
+            <a:off x="457200" y="533400"/>
+            <a:ext cx="8229600" cy="5592763"/>
+          </a:xfrm>
+        </p:spPr>
+        <p:txBody>
+          <a:bodyPr>
+            <a:normAutofit fontScale="47500" lnSpcReduction="20000"/>
+          </a:bodyPr>
+          <a:lstStyle/>
+          <a:p>
+            <a:pPr>
+              <a:buNone/>
+            </a:pPr>
+            <a:endParaRPr lang="en-US" dirty="0" smtClean="0"/>
+          </a:p>
+          <a:p>
+            <a:pPr>
+              <a:buNone/>
+            </a:pPr>
+            <a:r>
+              <a:rPr lang="en-US" dirty="0" smtClean="0"/>
+              <a:t># Input first string </a:t>
+            </a:r>
+          </a:p>
+          <a:p>
+            <a:pPr>
+              <a:buNone/>
+            </a:pPr>
+            <a:r>
+              <a:rPr lang="en-US" dirty="0" smtClean="0"/>
+              <a:t>$</a:t>
+            </a:r>
+            <a:r>
+              <a:rPr lang="en-US" dirty="0" err="1" smtClean="0"/>
+              <a:t>first_string</a:t>
+            </a:r>
+            <a:r>
+              <a:rPr lang="en-US" dirty="0" smtClean="0"/>
+              <a:t> = "Geeks"; </a:t>
+            </a:r>
+          </a:p>
+          <a:p>
+            <a:pPr>
+              <a:buNone/>
+            </a:pPr>
+            <a:endParaRPr lang="en-US" dirty="0" smtClean="0"/>
+          </a:p>
+          <a:p>
+            <a:pPr>
+              <a:buNone/>
+            </a:pPr>
+            <a:r>
+              <a:rPr lang="en-US" dirty="0" smtClean="0"/>
+              <a:t># Input second string </a:t>
+            </a:r>
+          </a:p>
+          <a:p>
+            <a:pPr>
+              <a:buNone/>
+            </a:pPr>
+            <a:r>
+              <a:rPr lang="en-US" dirty="0" smtClean="0"/>
+              <a:t>$</a:t>
+            </a:r>
+            <a:r>
+              <a:rPr lang="en-US" dirty="0" err="1" smtClean="0"/>
+              <a:t>second_string</a:t>
+            </a:r>
+            <a:r>
+              <a:rPr lang="en-US" dirty="0" smtClean="0"/>
+              <a:t> = "</a:t>
+            </a:r>
+            <a:r>
+              <a:rPr lang="en-US" dirty="0" err="1" smtClean="0"/>
+              <a:t>forGeeks</a:t>
+            </a:r>
+            <a:r>
+              <a:rPr lang="en-US" dirty="0" smtClean="0"/>
+              <a:t>"; </a:t>
+            </a:r>
+          </a:p>
+          <a:p>
+            <a:pPr>
+              <a:buNone/>
+            </a:pPr>
+            <a:endParaRPr lang="en-US" dirty="0" smtClean="0"/>
+          </a:p>
+          <a:p>
+            <a:pPr>
+              <a:buNone/>
+            </a:pPr>
+            <a:r>
+              <a:rPr lang="en-US" dirty="0" smtClean="0"/>
+              <a:t># Implement </a:t>
+            </a:r>
+            <a:r>
+              <a:rPr lang="en-US" dirty="0" err="1" smtClean="0"/>
+              <a:t>Concatination</a:t>
+            </a:r>
+            <a:r>
+              <a:rPr lang="en-US" dirty="0" smtClean="0"/>
+              <a:t> operator(.) </a:t>
+            </a:r>
+          </a:p>
+          <a:p>
+            <a:pPr>
+              <a:buNone/>
+            </a:pPr>
+            <a:r>
+              <a:rPr lang="en-US" dirty="0" smtClean="0"/>
+              <a:t>$</a:t>
+            </a:r>
+            <a:r>
+              <a:rPr lang="en-US" dirty="0" err="1" smtClean="0"/>
+              <a:t>concat_string</a:t>
+            </a:r>
+            <a:r>
+              <a:rPr lang="en-US" dirty="0" smtClean="0"/>
+              <a:t> = $</a:t>
+            </a:r>
+            <a:r>
+              <a:rPr lang="en-US" dirty="0" err="1" smtClean="0"/>
+              <a:t>first_string.$second_string</a:t>
+            </a:r>
+            <a:r>
+              <a:rPr lang="en-US" dirty="0" smtClean="0"/>
+              <a:t>; </a:t>
+            </a:r>
+          </a:p>
+          <a:p>
+            <a:pPr>
+              <a:buNone/>
+            </a:pPr>
+            <a:endParaRPr lang="en-US" dirty="0" smtClean="0"/>
+          </a:p>
+          <a:p>
+            <a:pPr>
+              <a:buNone/>
+            </a:pPr>
+            <a:r>
+              <a:rPr lang="en-US" dirty="0" smtClean="0"/>
+              <a:t># displaying </a:t>
+            </a:r>
+            <a:r>
+              <a:rPr lang="en-US" dirty="0" err="1" smtClean="0"/>
+              <a:t>concatination</a:t>
+            </a:r>
+            <a:r>
+              <a:rPr lang="en-US" dirty="0" smtClean="0"/>
+              <a:t> string result </a:t>
+            </a:r>
+          </a:p>
+          <a:p>
+            <a:pPr>
+              <a:buNone/>
+            </a:pPr>
+            <a:r>
+              <a:rPr lang="en-US" dirty="0" smtClean="0"/>
+              <a:t>print "Result of Concatenation Operator = $</a:t>
+            </a:r>
+            <a:r>
+              <a:rPr lang="en-US" dirty="0" err="1" smtClean="0"/>
+              <a:t>concat_string</a:t>
+            </a:r>
+            <a:r>
+              <a:rPr lang="en-US" dirty="0" smtClean="0"/>
+              <a:t>\n"; </a:t>
+            </a:r>
+          </a:p>
+          <a:p>
+            <a:pPr>
+              <a:buNone/>
+            </a:pPr>
+            <a:endParaRPr lang="en-US" dirty="0" smtClean="0"/>
+          </a:p>
+          <a:p>
+            <a:pPr>
+              <a:buNone/>
+            </a:pPr>
+            <a:r>
+              <a:rPr lang="en-US" dirty="0" smtClean="0"/>
+              <a:t># Input a string </a:t>
+            </a:r>
+          </a:p>
+          <a:p>
+            <a:pPr>
+              <a:buNone/>
+            </a:pPr>
+            <a:r>
+              <a:rPr lang="en-US" dirty="0" smtClean="0"/>
+              <a:t>$string = "</a:t>
+            </a:r>
+            <a:r>
+              <a:rPr lang="en-US" dirty="0" err="1" smtClean="0"/>
+              <a:t>GeeksforGeeks</a:t>
+            </a:r>
+            <a:r>
+              <a:rPr lang="en-US" dirty="0" smtClean="0"/>
+              <a:t> "; </a:t>
+            </a:r>
+          </a:p>
+          <a:p>
+            <a:pPr>
+              <a:buNone/>
+            </a:pPr>
+            <a:endParaRPr lang="en-US" dirty="0" smtClean="0"/>
+          </a:p>
+          <a:p>
+            <a:pPr>
+              <a:buNone/>
+            </a:pPr>
+            <a:r>
+              <a:rPr lang="en-US" dirty="0" smtClean="0"/>
+              <a:t># Using </a:t>
+            </a:r>
+            <a:r>
+              <a:rPr lang="en-US" dirty="0" err="1" smtClean="0"/>
+              <a:t>Repetation</a:t>
+            </a:r>
+            <a:r>
+              <a:rPr lang="en-US" dirty="0" smtClean="0"/>
+              <a:t> operator(x) </a:t>
+            </a:r>
+          </a:p>
+          <a:p>
+            <a:pPr>
+              <a:buNone/>
+            </a:pPr>
+            <a:r>
+              <a:rPr lang="en-US" dirty="0" smtClean="0"/>
+              <a:t>$</a:t>
+            </a:r>
+            <a:r>
+              <a:rPr lang="en-US" dirty="0" err="1" smtClean="0"/>
+              <a:t>str_result</a:t>
+            </a:r>
+            <a:r>
+              <a:rPr lang="en-US" dirty="0" smtClean="0"/>
+              <a:t> = $string x 4; </a:t>
+            </a:r>
+          </a:p>
+          <a:p>
+            <a:pPr>
+              <a:buNone/>
+            </a:pPr>
+            <a:endParaRPr lang="en-US" dirty="0" smtClean="0"/>
+          </a:p>
+          <a:p>
+            <a:pPr>
+              <a:buNone/>
+            </a:pPr>
+            <a:r>
+              <a:rPr lang="en-US" dirty="0" smtClean="0"/>
+              <a:t># Display output </a:t>
+            </a:r>
+          </a:p>
+          <a:p>
+            <a:pPr>
+              <a:buNone/>
+            </a:pPr>
+            <a:r>
+              <a:rPr lang="en-US" dirty="0" smtClean="0"/>
+              <a:t># print string 4 times </a:t>
+            </a:r>
+          </a:p>
+          <a:p>
+            <a:pPr>
+              <a:buNone/>
+            </a:pPr>
+            <a:r>
+              <a:rPr lang="en-US" dirty="0" smtClean="0"/>
+              <a:t>print "Result of </a:t>
+            </a:r>
+            <a:r>
+              <a:rPr lang="en-US" dirty="0" err="1" smtClean="0"/>
+              <a:t>Repetation</a:t>
+            </a:r>
+            <a:r>
+              <a:rPr lang="en-US" dirty="0" smtClean="0"/>
+              <a:t> Operator = $</a:t>
+            </a:r>
+            <a:r>
+              <a:rPr lang="en-US" dirty="0" err="1" smtClean="0"/>
+              <a:t>str_result</a:t>
+            </a:r>
+            <a:r>
+              <a:rPr lang="en-US" dirty="0" smtClean="0"/>
+              <a:t>";</a:t>
+            </a:r>
+            <a:endParaRPr lang="en-US" dirty="0"/>
+          </a:p>
+        </p:txBody>
+      </p:sp>
+    </p:spTree>
+  </p:cSld>
+  <p:clrMapOvr>
+    <a:masterClrMapping/>
+  </p:clrMapOvr>
+</p:sld>
+</file>
+
+<file path=ppt/slides/slide23.xml><?xml version="1.0" encoding="utf-8"?>
+<p:sld xmlns:a="http://schemas.openxmlformats.org/drawingml/2006/main" xmlns:r="http://schemas.openxmlformats.org/officeDocument/2006/relationships" xmlns:p="http://schemas.openxmlformats.org/presentationml/2006/main">
+  <p:cSld>
+    <p:spTree>
+      <p:nvGrpSpPr>
+        <p:cNvPr id="1" name=""/>
+        <p:cNvGrpSpPr/>
+        <p:nvPr/>
+      </p:nvGrpSpPr>
+      <p:grpSpPr>
+        <a:xfrm>
+          <a:off x="0" y="0"/>
+          <a:ext cx="0" cy="0"/>
+          <a:chOff x="0" y="0"/>
+          <a:chExt cx="0" cy="0"/>
+        </a:xfrm>
+      </p:grpSpPr>
+      <p:sp>
+        <p:nvSpPr>
+          <p:cNvPr id="3" name="Content Placeholder 2"/>
+          <p:cNvSpPr>
+            <a:spLocks noGrp="1"/>
+          </p:cNvSpPr>
+          <p:nvPr>
+            <p:ph idx="1"/>
+          </p:nvPr>
+        </p:nvSpPr>
+        <p:spPr>
+          <a:xfrm>
+            <a:off x="457200" y="609600"/>
+            <a:ext cx="8229600" cy="5516563"/>
+          </a:xfrm>
+        </p:spPr>
+        <p:txBody>
+          <a:bodyPr/>
+          <a:lstStyle/>
+          <a:p>
+            <a:pPr>
+              <a:buNone/>
+            </a:pPr>
+            <a:r>
+              <a:rPr lang="en-US" dirty="0" smtClean="0"/>
+              <a:t>Output:</a:t>
+            </a:r>
+          </a:p>
+          <a:p>
+            <a:pPr>
+              <a:buNone/>
+            </a:pPr>
+            <a:r>
+              <a:rPr lang="en-US" dirty="0" smtClean="0"/>
+              <a:t>Result of Concatenation Operator = </a:t>
+            </a:r>
+            <a:r>
+              <a:rPr lang="en-US" dirty="0" err="1" smtClean="0"/>
+              <a:t>GeeksforGeeks</a:t>
+            </a:r>
+            <a:r>
+              <a:rPr lang="en-US" dirty="0" smtClean="0"/>
+              <a:t> </a:t>
+            </a:r>
+            <a:endParaRPr lang="en-US" dirty="0" smtClean="0"/>
+          </a:p>
+          <a:p>
+            <a:pPr>
+              <a:buNone/>
+            </a:pPr>
+            <a:r>
+              <a:rPr lang="en-US" dirty="0" smtClean="0"/>
+              <a:t>Result </a:t>
+            </a:r>
+            <a:r>
+              <a:rPr lang="en-US" dirty="0" smtClean="0"/>
+              <a:t>of </a:t>
+            </a:r>
+            <a:r>
+              <a:rPr lang="en-US" dirty="0" err="1" smtClean="0"/>
+              <a:t>Repetation</a:t>
+            </a:r>
+            <a:r>
+              <a:rPr lang="en-US" dirty="0" smtClean="0"/>
+              <a:t> Operator = </a:t>
+            </a:r>
+            <a:r>
+              <a:rPr lang="en-US" dirty="0" err="1" smtClean="0"/>
+              <a:t>GeeksforGeeks</a:t>
+            </a:r>
+            <a:r>
+              <a:rPr lang="en-US" dirty="0" smtClean="0"/>
+              <a:t> </a:t>
+            </a:r>
+            <a:r>
+              <a:rPr lang="en-US" dirty="0" err="1" smtClean="0"/>
+              <a:t>GeeksforGeeks</a:t>
+            </a:r>
+            <a:r>
+              <a:rPr lang="en-US" dirty="0" smtClean="0"/>
+              <a:t> </a:t>
+            </a:r>
+            <a:r>
+              <a:rPr lang="en-US" dirty="0" err="1" smtClean="0"/>
+              <a:t>GeeksforGeeks</a:t>
+            </a:r>
+            <a:r>
+              <a:rPr lang="en-US" dirty="0" smtClean="0"/>
+              <a:t> </a:t>
+            </a:r>
+            <a:r>
+              <a:rPr lang="en-US" dirty="0" err="1" smtClean="0"/>
+              <a:t>GeeksforGeeks</a:t>
+            </a:r>
+            <a:endParaRPr lang="en-US" dirty="0"/>
+          </a:p>
+        </p:txBody>
+      </p:sp>
+    </p:spTree>
+  </p:cSld>
+  <p:clrMapOvr>
+    <a:masterClrMapping/>
+  </p:clrMapOvr>
+</p:sld>
+</file>
+
+<file path=ppt/slides/slide24.xml><?xml version="1.0" encoding="utf-8"?>
+<p:sld xmlns:a="http://schemas.openxmlformats.org/drawingml/2006/main" xmlns:r="http://schemas.openxmlformats.org/officeDocument/2006/relationships" xmlns:p="http://schemas.openxmlformats.org/presentationml/2006/main">
+  <p:cSld>
+    <p:spTree>
+      <p:nvGrpSpPr>
+        <p:cNvPr id="1" name=""/>
+        <p:cNvGrpSpPr/>
+        <p:nvPr/>
+      </p:nvGrpSpPr>
+      <p:grpSpPr>
+        <a:xfrm>
+          <a:off x="0" y="0"/>
+          <a:ext cx="0" cy="0"/>
+          <a:chOff x="0" y="0"/>
+          <a:chExt cx="0" cy="0"/>
+        </a:xfrm>
+      </p:grpSpPr>
+      <p:sp>
+        <p:nvSpPr>
+          <p:cNvPr id="2" name="Title 1"/>
+          <p:cNvSpPr>
+            <a:spLocks noGrp="1"/>
+          </p:cNvSpPr>
+          <p:nvPr>
+            <p:ph type="title"/>
+          </p:nvPr>
+        </p:nvSpPr>
+        <p:spPr/>
+        <p:txBody>
+          <a:bodyPr/>
+          <a:lstStyle/>
+          <a:p>
+            <a:r>
+              <a:rPr lang="en-US" dirty="0" smtClean="0"/>
+              <a:t>Range operator</a:t>
+            </a:r>
+            <a:endParaRPr lang="en-US" dirty="0"/>
+          </a:p>
+        </p:txBody>
+      </p:sp>
+      <p:sp>
+        <p:nvSpPr>
+          <p:cNvPr id="3" name="Content Placeholder 2"/>
+          <p:cNvSpPr>
+            <a:spLocks noGrp="1"/>
+          </p:cNvSpPr>
+          <p:nvPr>
+            <p:ph idx="1"/>
+          </p:nvPr>
+        </p:nvSpPr>
+        <p:spPr/>
+        <p:txBody>
+          <a:bodyPr>
+            <a:normAutofit/>
+          </a:bodyPr>
+          <a:lstStyle/>
+          <a:p>
+            <a:r>
+              <a:rPr lang="en-IN" dirty="0" smtClean="0"/>
+              <a:t>This </a:t>
+            </a:r>
+            <a:r>
+              <a:rPr lang="en-IN" dirty="0" smtClean="0"/>
+              <a:t>operator is used to create a specified sequence range in which both the starting and ending element will be inclusive</a:t>
+            </a:r>
+            <a:r>
+              <a:rPr lang="en-IN" dirty="0" smtClean="0"/>
+              <a:t>.</a:t>
+            </a:r>
+            <a:endParaRPr lang="en-IN" dirty="0" smtClean="0"/>
+          </a:p>
+          <a:p>
+            <a:pPr>
+              <a:buNone/>
+            </a:pPr>
+            <a:r>
+              <a:rPr lang="en-IN" sz="2400" dirty="0" smtClean="0"/>
+              <a:t># using range operator </a:t>
+            </a:r>
+          </a:p>
+          <a:p>
+            <a:pPr>
+              <a:buNone/>
+            </a:pPr>
+            <a:r>
+              <a:rPr lang="en-IN" sz="2400" dirty="0" smtClean="0"/>
+              <a:t>@res = (1..4); </a:t>
+            </a:r>
+          </a:p>
+          <a:p>
+            <a:pPr>
+              <a:buNone/>
+            </a:pPr>
+            <a:r>
+              <a:rPr lang="en-IN" sz="2400" dirty="0" smtClean="0"/>
+              <a:t># Display output </a:t>
+            </a:r>
+          </a:p>
+          <a:p>
+            <a:pPr>
+              <a:buNone/>
+            </a:pPr>
+            <a:r>
+              <a:rPr lang="en-IN" sz="2400" dirty="0" smtClean="0"/>
+              <a:t>print "Result of Range Operator = @res</a:t>
+            </a:r>
+            <a:r>
+              <a:rPr lang="en-IN" sz="2400" dirty="0" smtClean="0"/>
+              <a:t>";</a:t>
+            </a:r>
+          </a:p>
+          <a:p>
+            <a:pPr>
+              <a:buNone/>
+            </a:pPr>
+            <a:r>
+              <a:rPr lang="en-IN" sz="2400" dirty="0" smtClean="0"/>
+              <a:t>Output:</a:t>
+            </a:r>
+          </a:p>
+          <a:p>
+            <a:pPr>
+              <a:buNone/>
+            </a:pPr>
+            <a:r>
+              <a:rPr lang="en-IN" sz="2400" dirty="0" smtClean="0"/>
+              <a:t>Result of Range Operator = 1 2 3 </a:t>
+            </a:r>
+            <a:r>
+              <a:rPr lang="en-IN" sz="2400" dirty="0" smtClean="0"/>
+              <a:t>4</a:t>
+            </a:r>
+          </a:p>
+          <a:p>
+            <a:pPr>
+              <a:buNone/>
+            </a:pPr>
+            <a:endParaRPr lang="en-IN" sz="2400" dirty="0" smtClean="0"/>
+          </a:p>
+          <a:p>
+            <a:endParaRPr lang="en-US" dirty="0"/>
+          </a:p>
+        </p:txBody>
+      </p:sp>
+    </p:spTree>
+  </p:cSld>
+  <p:clrMapOvr>
+    <a:masterClrMapping/>
+  </p:clrMapOvr>
+</p:sld>
+</file>
+
+<file path=ppt/slides/slide25.xml><?xml version="1.0" encoding="utf-8"?>
+<p:sld xmlns:a="http://schemas.openxmlformats.org/drawingml/2006/main" xmlns:r="http://schemas.openxmlformats.org/officeDocument/2006/relationships" xmlns:p="http://schemas.openxmlformats.org/presentationml/2006/main">
+  <p:cSld>
+    <p:spTree>
+      <p:nvGrpSpPr>
+        <p:cNvPr id="1" name=""/>
+        <p:cNvGrpSpPr/>
+        <p:nvPr/>
+      </p:nvGrpSpPr>
+      <p:grpSpPr>
+        <a:xfrm>
+          <a:off x="0" y="0"/>
+          <a:ext cx="0" cy="0"/>
+          <a:chOff x="0" y="0"/>
+          <a:chExt cx="0" cy="0"/>
+        </a:xfrm>
+      </p:grpSpPr>
+      <p:sp>
+        <p:nvSpPr>
+          <p:cNvPr id="2" name="Title 1"/>
+          <p:cNvSpPr>
+            <a:spLocks noGrp="1"/>
+          </p:cNvSpPr>
+          <p:nvPr>
+            <p:ph type="title"/>
+          </p:nvPr>
+        </p:nvSpPr>
+        <p:spPr/>
+        <p:txBody>
+          <a:bodyPr>
+            <a:normAutofit fontScale="90000"/>
+          </a:bodyPr>
+          <a:lstStyle/>
+          <a:p>
+            <a:r>
+              <a:rPr lang="en-US" dirty="0" smtClean="0"/>
+              <a:t>Auto Increment and decrement Operators</a:t>
+            </a:r>
+            <a:endParaRPr lang="en-US" dirty="0"/>
+          </a:p>
+        </p:txBody>
+      </p:sp>
+      <p:sp>
+        <p:nvSpPr>
+          <p:cNvPr id="3" name="Content Placeholder 2"/>
+          <p:cNvSpPr>
+            <a:spLocks noGrp="1"/>
+          </p:cNvSpPr>
+          <p:nvPr>
+            <p:ph idx="1"/>
+          </p:nvPr>
+        </p:nvSpPr>
+        <p:spPr/>
+        <p:txBody>
+          <a:bodyPr>
+            <a:normAutofit/>
+          </a:bodyPr>
+          <a:lstStyle/>
+          <a:p>
+            <a:r>
+              <a:rPr lang="en-US" dirty="0" smtClean="0"/>
+              <a:t>Auto Increment(++):</a:t>
+            </a:r>
+            <a:r>
+              <a:rPr lang="en-IN" dirty="0" smtClean="0"/>
+              <a:t> </a:t>
+            </a:r>
+            <a:r>
+              <a:rPr lang="en-IN" dirty="0" smtClean="0"/>
+              <a:t>Increment the value of an integer. When placed before the variable </a:t>
+            </a:r>
+            <a:r>
+              <a:rPr lang="en-IN" dirty="0" smtClean="0"/>
+              <a:t>name , its </a:t>
+            </a:r>
+            <a:r>
+              <a:rPr lang="en-IN" dirty="0" smtClean="0"/>
+              <a:t>value is incremented </a:t>
+            </a:r>
+            <a:r>
+              <a:rPr lang="en-IN" dirty="0" smtClean="0"/>
+              <a:t>instantly and when placed </a:t>
+            </a:r>
+            <a:r>
+              <a:rPr lang="en-IN" dirty="0" smtClean="0"/>
+              <a:t>after the variable name </a:t>
+            </a:r>
+            <a:r>
+              <a:rPr lang="en-IN" dirty="0" smtClean="0"/>
+              <a:t>its </a:t>
+            </a:r>
+            <a:r>
+              <a:rPr lang="en-IN" dirty="0" smtClean="0"/>
+              <a:t>value is preserved temporarily until the execution of this statement and it gets updated before the execution of the next statement. </a:t>
+            </a:r>
+            <a:endParaRPr lang="en-US" dirty="0"/>
+          </a:p>
+        </p:txBody>
+      </p:sp>
+    </p:spTree>
+  </p:cSld>
+  <p:clrMapOvr>
+    <a:masterClrMapping/>
+  </p:clrMapOvr>
+</p:sld>
+</file>
+
+<file path=ppt/slides/slide26.xml><?xml version="1.0" encoding="utf-8"?>
+<p:sld xmlns:a="http://schemas.openxmlformats.org/drawingml/2006/main" xmlns:r="http://schemas.openxmlformats.org/officeDocument/2006/relationships" xmlns:p="http://schemas.openxmlformats.org/presentationml/2006/main">
+  <p:cSld>
+    <p:spTree>
+      <p:nvGrpSpPr>
+        <p:cNvPr id="1" name=""/>
+        <p:cNvGrpSpPr/>
+        <p:nvPr/>
+      </p:nvGrpSpPr>
+      <p:grpSpPr>
+        <a:xfrm>
+          <a:off x="0" y="0"/>
+          <a:ext cx="0" cy="0"/>
+          <a:chOff x="0" y="0"/>
+          <a:chExt cx="0" cy="0"/>
+        </a:xfrm>
+      </p:grpSpPr>
+      <p:sp>
+        <p:nvSpPr>
+          <p:cNvPr id="3" name="Content Placeholder 2"/>
+          <p:cNvSpPr>
+            <a:spLocks noGrp="1"/>
+          </p:cNvSpPr>
+          <p:nvPr>
+            <p:ph idx="1"/>
+          </p:nvPr>
+        </p:nvSpPr>
+        <p:spPr/>
+        <p:txBody>
+          <a:bodyPr>
+            <a:normAutofit/>
+          </a:bodyPr>
+          <a:lstStyle/>
+          <a:p>
+            <a:r>
+              <a:rPr lang="en-IN" dirty="0" smtClean="0"/>
+              <a:t>Auto Decrement(--): Decrements the </a:t>
+            </a:r>
+            <a:r>
+              <a:rPr lang="en-IN" dirty="0" smtClean="0"/>
+              <a:t>value of an integer. When placed before the variable </a:t>
+            </a:r>
+            <a:r>
+              <a:rPr lang="en-IN" dirty="0" smtClean="0"/>
+              <a:t>name its </a:t>
+            </a:r>
+            <a:r>
+              <a:rPr lang="en-IN" dirty="0" smtClean="0"/>
+              <a:t>value is decremented instantly. </a:t>
+            </a:r>
+            <a:r>
+              <a:rPr lang="en-IN" dirty="0" smtClean="0"/>
+              <a:t>When </a:t>
+            </a:r>
+            <a:r>
+              <a:rPr lang="en-IN" dirty="0" smtClean="0"/>
+              <a:t>it is placed after the variable name </a:t>
+            </a:r>
+            <a:r>
+              <a:rPr lang="en-IN" dirty="0" smtClean="0"/>
+              <a:t>its </a:t>
+            </a:r>
+            <a:r>
+              <a:rPr lang="en-IN" dirty="0" smtClean="0"/>
+              <a:t>value is preserved temporarily until the execution of this statement and it gets updated before the execution of the next statement</a:t>
+            </a:r>
+            <a:r>
+              <a:rPr lang="en-IN" dirty="0" smtClean="0"/>
+              <a:t>.</a:t>
+            </a:r>
+            <a:endParaRPr lang="en-US" dirty="0"/>
+          </a:p>
+        </p:txBody>
+      </p:sp>
+    </p:spTree>
+  </p:cSld>
+  <p:clrMapOvr>
+    <a:masterClrMapping/>
+  </p:clrMapOvr>
+</p:sld>
+</file>
+
+<file path=ppt/slides/slide27.xml><?xml version="1.0" encoding="utf-8"?>
+<p:sld xmlns:a="http://schemas.openxmlformats.org/drawingml/2006/main" xmlns:r="http://schemas.openxmlformats.org/officeDocument/2006/relationships" xmlns:p="http://schemas.openxmlformats.org/presentationml/2006/main">
+  <p:cSld>
+    <p:spTree>
+      <p:nvGrpSpPr>
+        <p:cNvPr id="1" name=""/>
+        <p:cNvGrpSpPr/>
+        <p:nvPr/>
+      </p:nvGrpSpPr>
+      <p:grpSpPr>
+        <a:xfrm>
+          <a:off x="0" y="0"/>
+          <a:ext cx="0" cy="0"/>
+          <a:chOff x="0" y="0"/>
+          <a:chExt cx="0" cy="0"/>
+        </a:xfrm>
+      </p:grpSpPr>
+      <p:sp>
+        <p:nvSpPr>
+          <p:cNvPr id="3" name="Content Placeholder 2"/>
+          <p:cNvSpPr>
+            <a:spLocks noGrp="1"/>
+          </p:cNvSpPr>
+          <p:nvPr>
+            <p:ph idx="1"/>
+          </p:nvPr>
+        </p:nvSpPr>
+        <p:spPr>
+          <a:xfrm>
+            <a:off x="457200" y="533400"/>
+            <a:ext cx="8229600" cy="5592763"/>
+          </a:xfrm>
+        </p:spPr>
+        <p:txBody>
+          <a:bodyPr>
+            <a:normAutofit fontScale="62500" lnSpcReduction="20000"/>
+          </a:bodyPr>
+          <a:lstStyle/>
+          <a:p>
+            <a:pPr>
+              <a:buNone/>
+            </a:pPr>
+            <a:endParaRPr lang="en-IN" dirty="0" smtClean="0"/>
+          </a:p>
+          <a:p>
+            <a:pPr>
+              <a:buNone/>
+            </a:pPr>
+            <a:r>
+              <a:rPr lang="en-IN" dirty="0" smtClean="0"/>
+              <a:t># taking a variable </a:t>
+            </a:r>
+          </a:p>
+          <a:p>
+            <a:pPr>
+              <a:buNone/>
+            </a:pPr>
+            <a:r>
+              <a:rPr lang="en-IN" dirty="0" smtClean="0"/>
+              <a:t>$g = 10; </a:t>
+            </a:r>
+          </a:p>
+          <a:p>
+            <a:pPr>
+              <a:buNone/>
+            </a:pPr>
+            <a:endParaRPr lang="en-IN" dirty="0" smtClean="0"/>
+          </a:p>
+          <a:p>
+            <a:pPr>
+              <a:buNone/>
+            </a:pPr>
+            <a:r>
+              <a:rPr lang="en-IN" dirty="0" smtClean="0"/>
+              <a:t># using pre Increment </a:t>
+            </a:r>
+          </a:p>
+          <a:p>
+            <a:pPr>
+              <a:buNone/>
+            </a:pPr>
+            <a:r>
+              <a:rPr lang="en-IN" dirty="0" smtClean="0"/>
+              <a:t>$res = ++$g; </a:t>
+            </a:r>
+          </a:p>
+          <a:p>
+            <a:pPr>
+              <a:buNone/>
+            </a:pPr>
+            <a:endParaRPr lang="en-IN" dirty="0" smtClean="0"/>
+          </a:p>
+          <a:p>
+            <a:pPr>
+              <a:buNone/>
+            </a:pPr>
+            <a:r>
+              <a:rPr lang="en-IN" dirty="0" smtClean="0"/>
+              <a:t>print "Value of res is = $res\n"; </a:t>
+            </a:r>
+            <a:r>
+              <a:rPr lang="en-IN" dirty="0" smtClean="0"/>
+              <a:t>#11</a:t>
+            </a:r>
+            <a:endParaRPr lang="en-IN" dirty="0" smtClean="0"/>
+          </a:p>
+          <a:p>
+            <a:pPr>
+              <a:buNone/>
+            </a:pPr>
+            <a:r>
+              <a:rPr lang="en-IN" dirty="0" smtClean="0"/>
+              <a:t>print "Value of g is = $g\n";  </a:t>
+            </a:r>
+            <a:r>
+              <a:rPr lang="en-IN" dirty="0" smtClean="0"/>
+              <a:t>      #11</a:t>
+            </a:r>
+            <a:endParaRPr lang="en-IN" dirty="0" smtClean="0"/>
+          </a:p>
+          <a:p>
+            <a:pPr>
+              <a:buNone/>
+            </a:pPr>
+            <a:endParaRPr lang="en-IN" dirty="0" smtClean="0"/>
+          </a:p>
+          <a:p>
+            <a:pPr>
+              <a:buNone/>
+            </a:pPr>
+            <a:r>
+              <a:rPr lang="en-IN" dirty="0" smtClean="0"/>
+              <a:t># taking a variable </a:t>
+            </a:r>
+          </a:p>
+          <a:p>
+            <a:pPr>
+              <a:buNone/>
+            </a:pPr>
+            <a:r>
+              <a:rPr lang="en-IN" dirty="0" smtClean="0"/>
+              <a:t>$g1 = 15; </a:t>
+            </a:r>
+          </a:p>
+          <a:p>
+            <a:pPr>
+              <a:buNone/>
+            </a:pPr>
+            <a:endParaRPr lang="en-IN" dirty="0" smtClean="0"/>
+          </a:p>
+          <a:p>
+            <a:pPr>
+              <a:buNone/>
+            </a:pPr>
+            <a:r>
+              <a:rPr lang="en-IN" dirty="0" smtClean="0"/>
+              <a:t># using post Increment </a:t>
+            </a:r>
+          </a:p>
+          <a:p>
+            <a:pPr>
+              <a:buNone/>
+            </a:pPr>
+            <a:r>
+              <a:rPr lang="en-IN" dirty="0" smtClean="0"/>
+              <a:t>$res1 = $g1++; </a:t>
+            </a:r>
+          </a:p>
+          <a:p>
+            <a:pPr>
+              <a:buNone/>
+            </a:pPr>
+            <a:endParaRPr lang="en-IN" dirty="0" smtClean="0"/>
+          </a:p>
+          <a:p>
+            <a:pPr>
+              <a:buNone/>
+            </a:pPr>
+            <a:r>
+              <a:rPr lang="en-IN" dirty="0" smtClean="0"/>
+              <a:t>print "Value of res1 is = $res1\n"; </a:t>
+            </a:r>
+            <a:r>
+              <a:rPr lang="en-IN" dirty="0" smtClean="0"/>
+              <a:t>#15</a:t>
+            </a:r>
+            <a:endParaRPr lang="en-IN" dirty="0" smtClean="0"/>
+          </a:p>
+          <a:p>
+            <a:pPr>
+              <a:buNone/>
+            </a:pPr>
+            <a:r>
+              <a:rPr lang="en-IN" dirty="0" smtClean="0"/>
+              <a:t>print "Value of g1 is = $g1\n";  </a:t>
+            </a:r>
+            <a:r>
+              <a:rPr lang="en-IN" dirty="0" smtClean="0"/>
+              <a:t>      #16</a:t>
+            </a:r>
+            <a:endParaRPr lang="en-IN" dirty="0" smtClean="0"/>
+          </a:p>
+          <a:p>
+            <a:pPr>
+              <a:buNone/>
+            </a:pPr>
+            <a:endParaRPr lang="en-IN" dirty="0" smtClean="0"/>
+          </a:p>
+        </p:txBody>
+      </p:sp>
+    </p:spTree>
+  </p:cSld>
+  <p:clrMapOvr>
+    <a:masterClrMapping/>
+  </p:clrMapOvr>
+</p:sld>
+</file>
+
+<file path=ppt/slides/slide28.xml><?xml version="1.0" encoding="utf-8"?>
+<p:sld xmlns:a="http://schemas.openxmlformats.org/drawingml/2006/main" xmlns:r="http://schemas.openxmlformats.org/officeDocument/2006/relationships" xmlns:p="http://schemas.openxmlformats.org/presentationml/2006/main">
+  <p:cSld>
+    <p:spTree>
+      <p:nvGrpSpPr>
+        <p:cNvPr id="1" name=""/>
+        <p:cNvGrpSpPr/>
+        <p:nvPr/>
+      </p:nvGrpSpPr>
+      <p:grpSpPr>
+        <a:xfrm>
+          <a:off x="0" y="0"/>
+          <a:ext cx="0" cy="0"/>
+          <a:chOff x="0" y="0"/>
+          <a:chExt cx="0" cy="0"/>
+        </a:xfrm>
+      </p:grpSpPr>
+      <p:sp>
+        <p:nvSpPr>
+          <p:cNvPr id="3" name="Content Placeholder 2"/>
+          <p:cNvSpPr>
+            <a:spLocks noGrp="1"/>
+          </p:cNvSpPr>
+          <p:nvPr>
+            <p:ph idx="1"/>
+          </p:nvPr>
+        </p:nvSpPr>
+        <p:spPr>
+          <a:xfrm>
             <a:off x="457200" y="457200"/>
             <a:ext cx="8229600" cy="5668963"/>
           </a:xfrm>
         </p:spPr>
         <p:txBody>
+          <a:bodyPr>
+            <a:normAutofit fontScale="62500" lnSpcReduction="20000"/>
+          </a:bodyPr>
+          <a:lstStyle/>
+          <a:p>
+            <a:pPr>
+              <a:buNone/>
+            </a:pPr>
+            <a:r>
+              <a:rPr lang="en-IN" dirty="0" smtClean="0"/>
+              <a:t># taking a variable </a:t>
+            </a:r>
+          </a:p>
+          <a:p>
+            <a:pPr>
+              <a:buNone/>
+            </a:pPr>
+            <a:r>
+              <a:rPr lang="en-IN" dirty="0" smtClean="0"/>
+              <a:t>$g2 = 20; </a:t>
+            </a:r>
+          </a:p>
+          <a:p>
+            <a:pPr>
+              <a:buNone/>
+            </a:pPr>
+            <a:endParaRPr lang="en-IN" dirty="0" smtClean="0"/>
+          </a:p>
+          <a:p>
+            <a:pPr>
+              <a:buNone/>
+            </a:pPr>
+            <a:r>
+              <a:rPr lang="en-IN" dirty="0" smtClean="0"/>
+              <a:t># using pre Decrement </a:t>
+            </a:r>
+          </a:p>
+          <a:p>
+            <a:pPr>
+              <a:buNone/>
+            </a:pPr>
+            <a:r>
+              <a:rPr lang="en-IN" dirty="0" smtClean="0"/>
+              <a:t>$res2 = --$g2; </a:t>
+            </a:r>
+          </a:p>
+          <a:p>
+            <a:pPr>
+              <a:buNone/>
+            </a:pPr>
+            <a:endParaRPr lang="en-IN" dirty="0" smtClean="0"/>
+          </a:p>
+          <a:p>
+            <a:pPr>
+              <a:buNone/>
+            </a:pPr>
+            <a:r>
+              <a:rPr lang="en-IN" dirty="0" smtClean="0"/>
+              <a:t>print "Value of res2 is = $res2\n</a:t>
+            </a:r>
+            <a:r>
+              <a:rPr lang="en-IN" dirty="0" smtClean="0"/>
+              <a:t>";	#19 </a:t>
+            </a:r>
+            <a:endParaRPr lang="en-IN" dirty="0" smtClean="0"/>
+          </a:p>
+          <a:p>
+            <a:pPr>
+              <a:buNone/>
+            </a:pPr>
+            <a:r>
+              <a:rPr lang="en-IN" dirty="0" smtClean="0"/>
+              <a:t>print "Value of g2 is = $g2\n"; </a:t>
+            </a:r>
+            <a:r>
+              <a:rPr lang="en-IN" dirty="0" smtClean="0"/>
+              <a:t>	#19</a:t>
+            </a:r>
+            <a:endParaRPr lang="en-IN" dirty="0" smtClean="0"/>
+          </a:p>
+          <a:p>
+            <a:pPr>
+              <a:buNone/>
+            </a:pPr>
+            <a:endParaRPr lang="en-IN" dirty="0" smtClean="0"/>
+          </a:p>
+          <a:p>
+            <a:pPr>
+              <a:buNone/>
+            </a:pPr>
+            <a:r>
+              <a:rPr lang="en-IN" dirty="0" smtClean="0"/>
+              <a:t># taking a variable </a:t>
+            </a:r>
+          </a:p>
+          <a:p>
+            <a:pPr>
+              <a:buNone/>
+            </a:pPr>
+            <a:r>
+              <a:rPr lang="en-IN" dirty="0" smtClean="0"/>
+              <a:t>$g3 = 25; </a:t>
+            </a:r>
+          </a:p>
+          <a:p>
+            <a:pPr>
+              <a:buNone/>
+            </a:pPr>
+            <a:endParaRPr lang="en-IN" dirty="0" smtClean="0"/>
+          </a:p>
+          <a:p>
+            <a:pPr>
+              <a:buNone/>
+            </a:pPr>
+            <a:r>
+              <a:rPr lang="en-IN" dirty="0" smtClean="0"/>
+              <a:t># using post Decrement </a:t>
+            </a:r>
+          </a:p>
+          <a:p>
+            <a:pPr>
+              <a:buNone/>
+            </a:pPr>
+            <a:r>
+              <a:rPr lang="en-IN" dirty="0" smtClean="0"/>
+              <a:t>$res3 = $g3--; </a:t>
+            </a:r>
+          </a:p>
+          <a:p>
+            <a:pPr>
+              <a:buNone/>
+            </a:pPr>
+            <a:endParaRPr lang="en-IN" dirty="0" smtClean="0"/>
+          </a:p>
+          <a:p>
+            <a:pPr>
+              <a:buNone/>
+            </a:pPr>
+            <a:r>
+              <a:rPr lang="en-IN" dirty="0" smtClean="0"/>
+              <a:t>print "Value of res3 is = $res3\n"; </a:t>
+            </a:r>
+            <a:r>
+              <a:rPr lang="en-IN" dirty="0" smtClean="0"/>
+              <a:t>#25</a:t>
+            </a:r>
+            <a:endParaRPr lang="en-IN" dirty="0" smtClean="0"/>
+          </a:p>
+          <a:p>
+            <a:pPr>
+              <a:buNone/>
+            </a:pPr>
+            <a:r>
+              <a:rPr lang="en-IN" dirty="0" smtClean="0"/>
+              <a:t>print "Value of g3 is = $g3\n</a:t>
+            </a:r>
+            <a:r>
+              <a:rPr lang="en-IN" dirty="0" smtClean="0"/>
+              <a:t>";        #24</a:t>
+            </a:r>
+            <a:endParaRPr lang="en-US" dirty="0" smtClean="0"/>
+          </a:p>
+          <a:p>
+            <a:pPr>
+              <a:buNone/>
+            </a:pPr>
+            <a:endParaRPr lang="en-US" dirty="0"/>
+          </a:p>
+        </p:txBody>
+      </p:sp>
+    </p:spTree>
+  </p:cSld>
+  <p:clrMapOvr>
+    <a:masterClrMapping/>
+  </p:clrMapOvr>
+</p:sld>
+</file>
+
+<file path=ppt/slides/slide29.xml><?xml version="1.0" encoding="utf-8"?>
+<p:sld xmlns:a="http://schemas.openxmlformats.org/drawingml/2006/main" xmlns:r="http://schemas.openxmlformats.org/officeDocument/2006/relationships" xmlns:p="http://schemas.openxmlformats.org/presentationml/2006/main">
+  <p:cSld>
+    <p:spTree>
+      <p:nvGrpSpPr>
+        <p:cNvPr id="1" name=""/>
+        <p:cNvGrpSpPr/>
+        <p:nvPr/>
+      </p:nvGrpSpPr>
+      <p:grpSpPr>
+        <a:xfrm>
+          <a:off x="0" y="0"/>
+          <a:ext cx="0" cy="0"/>
+          <a:chOff x="0" y="0"/>
+          <a:chExt cx="0" cy="0"/>
+        </a:xfrm>
+      </p:grpSpPr>
+      <p:sp>
+        <p:nvSpPr>
+          <p:cNvPr id="2" name="Title 1"/>
+          <p:cNvSpPr>
+            <a:spLocks noGrp="1"/>
+          </p:cNvSpPr>
+          <p:nvPr>
+            <p:ph type="title"/>
+          </p:nvPr>
+        </p:nvSpPr>
+        <p:spPr/>
+        <p:txBody>
           <a:bodyPr/>
           <a:lstStyle/>
           <a:p>
             <a:r>
-              <a:rPr lang="en-US" dirty="0" err="1" smtClean="0"/>
-              <a:t>Unshift</a:t>
-            </a:r>
-            <a:r>
-              <a:rPr lang="en-US" dirty="0" smtClean="0"/>
-              <a:t>:</a:t>
-            </a:r>
-            <a:r>
-              <a:rPr lang="en-IN" dirty="0" smtClean="0"/>
-              <a:t>Adds the list element to the front of an array</a:t>
-            </a:r>
-          </a:p>
-          <a:p>
-            <a:pPr fontAlgn="base">
-              <a:buNone/>
-            </a:pPr>
-            <a:r>
-              <a:rPr lang="en-IN" dirty="0" smtClean="0"/>
-              <a:t>	</a:t>
-            </a:r>
-            <a:r>
-              <a:rPr lang="en-IN" sz="2200" dirty="0" smtClean="0"/>
-              <a:t>syntax: </a:t>
-            </a:r>
-            <a:r>
-              <a:rPr lang="en-IN" sz="2200" i="1" dirty="0" err="1" smtClean="0"/>
-              <a:t>unshift</a:t>
-            </a:r>
-            <a:r>
-              <a:rPr lang="en-IN" sz="2200" i="1" dirty="0" smtClean="0"/>
-              <a:t>(</a:t>
-            </a:r>
-            <a:r>
-              <a:rPr lang="en-IN" sz="2200" i="1" dirty="0" err="1" smtClean="0"/>
-              <a:t>Array,List</a:t>
-            </a:r>
-            <a:r>
-              <a:rPr lang="en-IN" sz="2200" i="1" dirty="0" smtClean="0"/>
-              <a:t>)</a:t>
-            </a:r>
-          </a:p>
-          <a:p>
-            <a:pPr fontAlgn="base">
-              <a:buNone/>
-            </a:pPr>
-            <a:r>
-              <a:rPr lang="en-IN" sz="2200" i="1" dirty="0" smtClean="0"/>
-              <a:t>	ex: </a:t>
-            </a:r>
-            <a:r>
-              <a:rPr lang="en-US" sz="2200" dirty="0" smtClean="0"/>
-              <a:t>@x = ('Java', 'C', 'C++'); </a:t>
-            </a:r>
-          </a:p>
-          <a:p>
-            <a:pPr fontAlgn="base">
-              <a:buNone/>
-            </a:pPr>
-            <a:r>
-              <a:rPr lang="en-US" sz="2200" i="1" dirty="0" smtClean="0"/>
-              <a:t>		</a:t>
-            </a:r>
-            <a:r>
-              <a:rPr lang="en-US" sz="2200" i="1" dirty="0" err="1" smtClean="0"/>
-              <a:t>unshift</a:t>
-            </a:r>
-            <a:r>
-              <a:rPr lang="en-US" sz="2200" i="1" dirty="0" smtClean="0"/>
-              <a:t>(@x ,’PHP’,’JSP’) </a:t>
-            </a:r>
-          </a:p>
-          <a:p>
-            <a:pPr fontAlgn="base">
-              <a:buNone/>
-            </a:pPr>
-            <a:r>
-              <a:rPr lang="en-US" sz="2200" i="1" smtClean="0"/>
-              <a:t>	//</a:t>
-            </a:r>
-            <a:r>
-              <a:rPr lang="en-US" sz="2200" i="1" dirty="0" smtClean="0"/>
-              <a:t>updated array:  @</a:t>
-            </a:r>
-            <a:r>
-              <a:rPr lang="en-US" sz="2200" i="1" smtClean="0"/>
-              <a:t>x=(‘</a:t>
-            </a:r>
-            <a:r>
-              <a:rPr lang="en-US" sz="2400" smtClean="0"/>
-              <a:t>PHP ‘,’JSP’ ,’Java’, ‘C ‘,’C++’</a:t>
-            </a:r>
-            <a:r>
-              <a:rPr lang="en-US" sz="2200" i="1" smtClean="0"/>
-              <a:t>)</a:t>
-            </a:r>
-            <a:endParaRPr lang="en-US" sz="2200" i="1" dirty="0" smtClean="0"/>
-          </a:p>
-          <a:p>
-            <a:pPr>
-              <a:buNone/>
-            </a:pPr>
+              <a:rPr lang="en-US" dirty="0" smtClean="0"/>
+              <a:t>Arrow operator</a:t>
+            </a:r>
+            <a:endParaRPr lang="en-US" dirty="0"/>
+          </a:p>
+        </p:txBody>
+      </p:sp>
+      <p:sp>
+        <p:nvSpPr>
+          <p:cNvPr id="3" name="Content Placeholder 2"/>
+          <p:cNvSpPr>
+            <a:spLocks noGrp="1"/>
+          </p:cNvSpPr>
+          <p:nvPr>
+            <p:ph idx="1"/>
+          </p:nvPr>
+        </p:nvSpPr>
+        <p:spPr/>
+        <p:txBody>
+          <a:bodyPr/>
+          <a:lstStyle/>
+          <a:p>
+            <a:r>
+              <a:rPr lang="en-IN" dirty="0" smtClean="0"/>
+              <a:t>This operator is used for dereferencing a Variable or a Method from a class or an object</a:t>
+            </a:r>
+            <a:r>
+              <a:rPr lang="en-IN" dirty="0" smtClean="0"/>
+              <a:t>.</a:t>
+            </a:r>
+          </a:p>
+          <a:p>
+            <a:r>
+              <a:rPr lang="en-IN" smtClean="0"/>
+              <a:t>This </a:t>
+            </a:r>
+            <a:r>
+              <a:rPr lang="en-IN" smtClean="0"/>
+              <a:t>operator is used as a reference to a hash or an array to access the elements of the hash or the array.</a:t>
+            </a:r>
             <a:endParaRPr lang="en-IN" dirty="0" smtClean="0"/>
           </a:p>
           <a:p>
@@ -5346,17 +6605,89 @@
         </p:nvSpPr>
         <p:spPr/>
         <p:txBody>
+          <a:bodyPr>
+            <a:normAutofit/>
+          </a:bodyPr>
+          <a:lstStyle/>
+          <a:p>
+            <a:r>
+              <a:rPr lang="en-IN" dirty="0" smtClean="0"/>
+              <a:t>Perl file naming convention</a:t>
+            </a:r>
+            <a:endParaRPr lang="en-US" dirty="0" smtClean="0"/>
+          </a:p>
+        </p:txBody>
+      </p:sp>
+      <p:sp>
+        <p:nvSpPr>
+          <p:cNvPr id="3" name="Content Placeholder 2"/>
+          <p:cNvSpPr>
+            <a:spLocks noGrp="1"/>
+          </p:cNvSpPr>
+          <p:nvPr>
+            <p:ph idx="1"/>
+          </p:nvPr>
+        </p:nvSpPr>
+        <p:spPr/>
+        <p:txBody>
           <a:bodyPr/>
           <a:lstStyle/>
           <a:p>
-            <a:r>
-              <a:rPr lang="en-US" dirty="0" smtClean="0"/>
-              <a:t>Programming</a:t>
-            </a:r>
+            <a:pPr>
+              <a:buClr>
+                <a:srgbClr val="B71E42"/>
+              </a:buClr>
+            </a:pPr>
+            <a:r>
+              <a:rPr lang="en-IN" dirty="0" smtClean="0"/>
+              <a:t>Perl file name can contain numbers, symbols, letters and underscore (_), however spaces are not allowed in the file name. for e.g. hello_world.pl is a valid file name but hello world.pl is an invalid file name.</a:t>
+            </a:r>
+            <a:endParaRPr lang="en-IN" dirty="0" smtClean="0"/>
+          </a:p>
+          <a:p>
+            <a:pPr>
+              <a:buClr>
+                <a:srgbClr val="B71E42"/>
+              </a:buClr>
+            </a:pPr>
+            <a:r>
+              <a:rPr lang="en-IN" dirty="0" smtClean="0"/>
+              <a:t>Perl file can be saved with .pl or .PL extension.</a:t>
+            </a:r>
+          </a:p>
+          <a:p>
+            <a:pPr>
+              <a:buNone/>
+            </a:pPr>
             <a:endParaRPr lang="en-US" dirty="0"/>
           </a:p>
         </p:txBody>
       </p:sp>
+    </p:spTree>
+  </p:cSld>
+  <p:clrMapOvr>
+    <a:masterClrMapping/>
+  </p:clrMapOvr>
+</p:sld>
+</file>
+
+<file path=ppt/slides/slide30.xml><?xml version="1.0" encoding="utf-8"?>
+<p:sld xmlns:a="http://schemas.openxmlformats.org/drawingml/2006/main" xmlns:r="http://schemas.openxmlformats.org/officeDocument/2006/relationships" xmlns:p="http://schemas.openxmlformats.org/presentationml/2006/main">
+  <p:cSld>
+    <p:spTree>
+      <p:nvGrpSpPr>
+        <p:cNvPr id="1" name=""/>
+        <p:cNvGrpSpPr/>
+        <p:nvPr/>
+      </p:nvGrpSpPr>
+      <p:grpSpPr>
+        <a:xfrm>
+          <a:off x="0" y="0"/>
+          <a:ext cx="0" cy="0"/>
+          <a:chOff x="0" y="0"/>
+          <a:chExt cx="0" cy="0"/>
+        </a:xfrm>
+      </p:grpSpPr>
       <p:sp>
         <p:nvSpPr>
           <p:cNvPr id="3" name="Content Placeholder 2"/>
@@ -5367,53 +6698,1514 @@
             <p:ph idx="1"/>
           </p:nvPr>
         </p:nvSpPr>
+        <p:spPr>
+          <a:xfrm>
+            <a:off x="457200" y="381000"/>
+            <a:ext cx="8229600" cy="6172200"/>
+          </a:xfrm>
+        </p:spPr>
+        <p:txBody>
+          <a:bodyPr>
+            <a:normAutofit fontScale="47500" lnSpcReduction="20000"/>
+          </a:bodyPr>
+          <a:lstStyle/>
+          <a:p>
+            <a:pPr fontAlgn="base">
+              <a:buNone/>
+            </a:pPr>
+            <a:r>
+              <a:rPr lang="en-US" dirty="0" smtClean="0"/>
+              <a:t>  </a:t>
+            </a:r>
+          </a:p>
+          <a:p>
+            <a:pPr fontAlgn="base">
+              <a:buNone/>
+            </a:pPr>
+            <a:r>
+              <a:rPr lang="en-US" sz="3800" dirty="0" smtClean="0"/>
+              <a:t># </a:t>
+            </a:r>
+            <a:r>
+              <a:rPr lang="en-US" sz="3800" dirty="0" smtClean="0"/>
+              <a:t>reference to array </a:t>
+            </a:r>
+          </a:p>
+          <a:p>
+            <a:pPr fontAlgn="base">
+              <a:buNone/>
+            </a:pPr>
+            <a:r>
+              <a:rPr lang="en-US" sz="3800" dirty="0" smtClean="0"/>
+              <a:t>my $arr1 = [4,5,6]; </a:t>
+            </a:r>
+          </a:p>
+          <a:p>
+            <a:pPr fontAlgn="base">
+              <a:buNone/>
+            </a:pPr>
+            <a:r>
+              <a:rPr lang="en-US" sz="3800" dirty="0" smtClean="0"/>
+              <a:t>  </a:t>
+            </a:r>
+          </a:p>
+          <a:p>
+            <a:pPr fontAlgn="base">
+              <a:buNone/>
+            </a:pPr>
+            <a:r>
+              <a:rPr lang="en-US" sz="3800" dirty="0" smtClean="0"/>
+              <a:t># array inside array </a:t>
+            </a:r>
+          </a:p>
+          <a:p>
+            <a:pPr fontAlgn="base">
+              <a:buNone/>
+            </a:pPr>
+            <a:r>
+              <a:rPr lang="en-US" sz="3800" dirty="0" smtClean="0"/>
+              <a:t>my $arr2 = [4,5,[6,7]]; </a:t>
+            </a:r>
+          </a:p>
+          <a:p>
+            <a:pPr fontAlgn="base">
+              <a:buNone/>
+            </a:pPr>
+            <a:r>
+              <a:rPr lang="en-US" sz="3800" dirty="0" smtClean="0"/>
+              <a:t>  </a:t>
+            </a:r>
+          </a:p>
+          <a:p>
+            <a:pPr fontAlgn="base">
+              <a:buNone/>
+            </a:pPr>
+            <a:r>
+              <a:rPr lang="en-US" sz="3800" dirty="0" smtClean="0"/>
+              <a:t># reference to hash </a:t>
+            </a:r>
+          </a:p>
+          <a:p>
+            <a:pPr fontAlgn="base">
+              <a:buNone/>
+            </a:pPr>
+            <a:r>
+              <a:rPr lang="en-US" sz="3800" dirty="0" smtClean="0"/>
+              <a:t>my $has1 = {'a'=&gt;1,'b'=&gt;2}; </a:t>
+            </a:r>
+          </a:p>
+          <a:p>
+            <a:pPr fontAlgn="base">
+              <a:buNone/>
+            </a:pPr>
+            <a:r>
+              <a:rPr lang="en-US" sz="3800" dirty="0" smtClean="0"/>
+              <a:t>  </a:t>
+            </a:r>
+          </a:p>
+          <a:p>
+            <a:pPr fontAlgn="base">
+              <a:buNone/>
+            </a:pPr>
+            <a:r>
+              <a:rPr lang="en-US" sz="3800" dirty="0" smtClean="0"/>
+              <a:t># hash inside hash </a:t>
+            </a:r>
+          </a:p>
+          <a:p>
+            <a:pPr fontAlgn="base">
+              <a:buNone/>
+            </a:pPr>
+            <a:r>
+              <a:rPr lang="en-US" sz="3800" dirty="0" smtClean="0"/>
+              <a:t>my $has2 = {'a'=&gt;1,'b'=&gt;2,'c'=&gt;[1,2],'d'=&gt;{'x'=&gt;3,'y'=&gt;4}}; </a:t>
+            </a:r>
+          </a:p>
+          <a:p>
+            <a:pPr fontAlgn="base">
+              <a:buNone/>
+            </a:pPr>
+            <a:r>
+              <a:rPr lang="en-US" sz="3800" dirty="0" smtClean="0"/>
+              <a:t>  </a:t>
+            </a:r>
+          </a:p>
+          <a:p>
+            <a:pPr fontAlgn="base">
+              <a:buNone/>
+            </a:pPr>
+            <a:r>
+              <a:rPr lang="en-US" sz="3800" dirty="0" smtClean="0"/>
+              <a:t># using arrow operator </a:t>
+            </a:r>
+          </a:p>
+          <a:p>
+            <a:pPr fontAlgn="base">
+              <a:buNone/>
+            </a:pPr>
+            <a:r>
+              <a:rPr lang="en-US" sz="3800" dirty="0" smtClean="0"/>
+              <a:t>print "$arr1-&gt;[0]\n"; </a:t>
+            </a:r>
+            <a:r>
+              <a:rPr lang="en-US" sz="3800" dirty="0" smtClean="0"/>
+              <a:t>		#4</a:t>
+            </a:r>
+            <a:endParaRPr lang="en-US" sz="3800" dirty="0" smtClean="0"/>
+          </a:p>
+          <a:p>
+            <a:pPr fontAlgn="base">
+              <a:buNone/>
+            </a:pPr>
+            <a:r>
+              <a:rPr lang="en-US" sz="3800" dirty="0" smtClean="0"/>
+              <a:t>print "$arr2-&gt;[1]\n"; </a:t>
+            </a:r>
+            <a:r>
+              <a:rPr lang="en-US" sz="3800" dirty="0" smtClean="0"/>
+              <a:t>		#5</a:t>
+            </a:r>
+            <a:endParaRPr lang="en-US" sz="3800" dirty="0" smtClean="0"/>
+          </a:p>
+          <a:p>
+            <a:pPr fontAlgn="base">
+              <a:buNone/>
+            </a:pPr>
+            <a:r>
+              <a:rPr lang="en-US" sz="3800" dirty="0" smtClean="0"/>
+              <a:t>print "$arr2-&gt;[2][0]\n"; </a:t>
+            </a:r>
+            <a:r>
+              <a:rPr lang="en-US" sz="3800" dirty="0" smtClean="0"/>
+              <a:t>		#6</a:t>
+            </a:r>
+            <a:endParaRPr lang="en-US" sz="3800" dirty="0" smtClean="0"/>
+          </a:p>
+          <a:p>
+            <a:pPr fontAlgn="base">
+              <a:buNone/>
+            </a:pPr>
+            <a:r>
+              <a:rPr lang="en-US" sz="3800" dirty="0" smtClean="0"/>
+              <a:t>print "$has2-&gt;{'a'}\n"; </a:t>
+            </a:r>
+            <a:r>
+              <a:rPr lang="en-US" sz="3800" dirty="0" smtClean="0"/>
+              <a:t>		#1</a:t>
+            </a:r>
+            <a:endParaRPr lang="en-US" sz="3800" dirty="0" smtClean="0"/>
+          </a:p>
+          <a:p>
+            <a:pPr fontAlgn="base">
+              <a:buNone/>
+            </a:pPr>
+            <a:r>
+              <a:rPr lang="en-US" sz="3800" dirty="0" smtClean="0"/>
+              <a:t>print $has2-&gt;{'d'}-&gt;{'x'},"\n"; </a:t>
+            </a:r>
+            <a:r>
+              <a:rPr lang="en-US" sz="3800" dirty="0" smtClean="0"/>
+              <a:t>		#3</a:t>
+            </a:r>
+            <a:endParaRPr lang="en-US" sz="3800" dirty="0" smtClean="0"/>
+          </a:p>
+          <a:p>
+            <a:pPr fontAlgn="base">
+              <a:buNone/>
+            </a:pPr>
+            <a:r>
+              <a:rPr lang="en-US" sz="3800" dirty="0" smtClean="0"/>
+              <a:t>print $has2-&gt;{'c'}-&gt;[0],"\n"; </a:t>
+            </a:r>
+            <a:r>
+              <a:rPr lang="en-US" sz="3800" dirty="0" smtClean="0"/>
+              <a:t>		#1</a:t>
+            </a:r>
+            <a:endParaRPr lang="en-US" sz="3800" dirty="0" smtClean="0"/>
+          </a:p>
+          <a:p>
+            <a:pPr>
+              <a:buNone/>
+            </a:pPr>
+            <a:endParaRPr lang="en-US" dirty="0"/>
+          </a:p>
+        </p:txBody>
+      </p:sp>
+    </p:spTree>
+  </p:cSld>
+  <p:clrMapOvr>
+    <a:masterClrMapping/>
+  </p:clrMapOvr>
+</p:sld>
+</file>
+
+<file path=ppt/slides/slide31.xml><?xml version="1.0" encoding="utf-8"?>
+<p:sld xmlns:a="http://schemas.openxmlformats.org/drawingml/2006/main" xmlns:r="http://schemas.openxmlformats.org/officeDocument/2006/relationships" xmlns:p="http://schemas.openxmlformats.org/presentationml/2006/main">
+  <p:cSld>
+    <p:spTree>
+      <p:nvGrpSpPr>
+        <p:cNvPr id="1" name=""/>
+        <p:cNvGrpSpPr/>
+        <p:nvPr/>
+      </p:nvGrpSpPr>
+      <p:grpSpPr>
+        <a:xfrm>
+          <a:off x="0" y="0"/>
+          <a:ext cx="0" cy="0"/>
+          <a:chOff x="0" y="0"/>
+          <a:chExt cx="0" cy="0"/>
+        </a:xfrm>
+      </p:grpSpPr>
+      <p:sp>
+        <p:nvSpPr>
+          <p:cNvPr id="2" name="Title 1"/>
+          <p:cNvSpPr>
+            <a:spLocks noGrp="1"/>
+          </p:cNvSpPr>
+          <p:nvPr>
+            <p:ph type="title"/>
+          </p:nvPr>
+        </p:nvSpPr>
         <p:spPr/>
         <p:txBody>
           <a:bodyPr/>
           <a:lstStyle/>
           <a:p>
             <a:r>
-              <a:rPr lang="en-IN" dirty="0" smtClean="0"/>
-              <a:t>Programs can be written in Perl in any of the widely used text editors </a:t>
-            </a:r>
-          </a:p>
-          <a:p>
-            <a:r>
-              <a:rPr lang="en-IN" dirty="0" smtClean="0"/>
-              <a:t>Save the file with the extension </a:t>
-            </a:r>
-            <a:r>
-              <a:rPr lang="en-IN" b="1" i="1" dirty="0" smtClean="0"/>
-              <a:t>.pl</a:t>
-            </a:r>
-            <a:r>
-              <a:rPr lang="en-IN" dirty="0" smtClean="0"/>
-              <a:t> or </a:t>
-            </a:r>
-            <a:r>
-              <a:rPr lang="en-IN" b="1" i="1" dirty="0" smtClean="0"/>
-              <a:t>.PL</a:t>
-            </a:r>
-            <a:r>
-              <a:rPr lang="en-IN" dirty="0" smtClean="0"/>
-              <a:t> To run the program use </a:t>
-            </a:r>
-            <a:r>
-              <a:rPr lang="en-IN" b="1" dirty="0" err="1" smtClean="0"/>
-              <a:t>perl</a:t>
-            </a:r>
-            <a:r>
-              <a:rPr lang="en-IN" b="1" dirty="0" smtClean="0"/>
-              <a:t> file_name.pl</a:t>
-            </a:r>
-            <a:r>
-              <a:rPr lang="en-IN" dirty="0" smtClean="0"/>
-              <a:t> on the command line.</a:t>
-            </a:r>
-            <a:endParaRPr lang="en-IN" smtClean="0"/>
-          </a:p>
-          <a:p>
+              <a:rPr lang="en-US" dirty="0" smtClean="0"/>
+              <a:t>Scalars</a:t>
+            </a:r>
             <a:endParaRPr lang="en-US" dirty="0"/>
+          </a:p>
+        </p:txBody>
+      </p:sp>
+      <p:sp>
+        <p:nvSpPr>
+          <p:cNvPr id="3" name="Content Placeholder 2"/>
+          <p:cNvSpPr>
+            <a:spLocks noGrp="1"/>
+          </p:cNvSpPr>
+          <p:nvPr>
+            <p:ph idx="1"/>
+          </p:nvPr>
+        </p:nvSpPr>
+        <p:spPr>
+          <a:xfrm>
+            <a:off x="457200" y="1295400"/>
+            <a:ext cx="8229600" cy="4830763"/>
+          </a:xfrm>
+        </p:spPr>
+        <p:txBody>
+          <a:bodyPr>
+            <a:normAutofit fontScale="92500" lnSpcReduction="20000"/>
+          </a:bodyPr>
+          <a:lstStyle/>
+          <a:p>
+            <a:r>
+              <a:rPr lang="en-IN" dirty="0" smtClean="0"/>
+              <a:t>It is a single unit of data which can be an integer number, floating point, a character, a string, a paragraph, or an entire web page.</a:t>
+            </a:r>
+          </a:p>
+          <a:p>
+            <a:pPr>
+              <a:buNone/>
+            </a:pPr>
+            <a:endParaRPr lang="en-IN" dirty="0" smtClean="0"/>
+          </a:p>
+          <a:p>
+            <a:pPr fontAlgn="base">
+              <a:buNone/>
+            </a:pPr>
+            <a:r>
+              <a:rPr lang="en-US" sz="2600" dirty="0" smtClean="0"/>
+              <a:t>	</a:t>
+            </a:r>
+            <a:r>
+              <a:rPr lang="en-IN" sz="2600" dirty="0" smtClean="0"/>
+              <a:t># An integer assignment </a:t>
+            </a:r>
+          </a:p>
+          <a:p>
+            <a:pPr fontAlgn="base">
+              <a:buNone/>
+            </a:pPr>
+            <a:r>
+              <a:rPr lang="en-IN" sz="2600" dirty="0" smtClean="0"/>
+              <a:t>	$age = 1;              </a:t>
+            </a:r>
+          </a:p>
+          <a:p>
+            <a:pPr fontAlgn="base">
+              <a:buNone/>
+            </a:pPr>
+            <a:r>
+              <a:rPr lang="en-IN" sz="2600" dirty="0" smtClean="0"/>
+              <a:t>	  </a:t>
+            </a:r>
+          </a:p>
+          <a:p>
+            <a:pPr fontAlgn="base">
+              <a:buNone/>
+            </a:pPr>
+            <a:r>
+              <a:rPr lang="en-IN" sz="2600" dirty="0" smtClean="0"/>
+              <a:t>	# A string  </a:t>
+            </a:r>
+          </a:p>
+          <a:p>
+            <a:pPr fontAlgn="base">
+              <a:buNone/>
+            </a:pPr>
+            <a:r>
+              <a:rPr lang="en-IN" sz="2600" dirty="0" smtClean="0"/>
+              <a:t>	$name = "ABC"; </a:t>
+            </a:r>
+          </a:p>
+          <a:p>
+            <a:pPr fontAlgn="base">
+              <a:buNone/>
+            </a:pPr>
+            <a:r>
+              <a:rPr lang="en-IN" sz="2600" dirty="0" smtClean="0"/>
+              <a:t>  </a:t>
+            </a:r>
+          </a:p>
+          <a:p>
+            <a:pPr fontAlgn="base">
+              <a:buNone/>
+            </a:pPr>
+            <a:r>
+              <a:rPr lang="en-IN" sz="2600" dirty="0" smtClean="0"/>
+              <a:t>	# A floating point    </a:t>
+            </a:r>
+          </a:p>
+          <a:p>
+            <a:pPr fontAlgn="base">
+              <a:buNone/>
+            </a:pPr>
+            <a:r>
+              <a:rPr lang="en-IN" sz="2600" dirty="0" smtClean="0"/>
+              <a:t>	$salary = 21.5; </a:t>
+            </a:r>
+          </a:p>
+          <a:p>
+            <a:pPr>
+              <a:buNone/>
+            </a:pPr>
+            <a:endParaRPr lang="en-US" dirty="0"/>
+          </a:p>
+        </p:txBody>
+      </p:sp>
+    </p:spTree>
+  </p:cSld>
+  <p:clrMapOvr>
+    <a:masterClrMapping/>
+  </p:clrMapOvr>
+</p:sld>
+</file>
+
+<file path=ppt/slides/slide32.xml><?xml version="1.0" encoding="utf-8"?>
+<p:sld xmlns:a="http://schemas.openxmlformats.org/drawingml/2006/main" xmlns:r="http://schemas.openxmlformats.org/officeDocument/2006/relationships" xmlns:p="http://schemas.openxmlformats.org/presentationml/2006/main">
+  <p:cSld>
+    <p:spTree>
+      <p:nvGrpSpPr>
+        <p:cNvPr id="1" name=""/>
+        <p:cNvGrpSpPr/>
+        <p:nvPr/>
+      </p:nvGrpSpPr>
+      <p:grpSpPr>
+        <a:xfrm>
+          <a:off x="0" y="0"/>
+          <a:ext cx="0" cy="0"/>
+          <a:chOff x="0" y="0"/>
+          <a:chExt cx="0" cy="0"/>
+        </a:xfrm>
+      </p:grpSpPr>
+      <p:sp>
+        <p:nvSpPr>
+          <p:cNvPr id="2" name="Title 1"/>
+          <p:cNvSpPr>
+            <a:spLocks noGrp="1"/>
+          </p:cNvSpPr>
+          <p:nvPr>
+            <p:ph type="title"/>
+          </p:nvPr>
+        </p:nvSpPr>
+        <p:spPr/>
+        <p:txBody>
+          <a:bodyPr/>
+          <a:lstStyle/>
+          <a:p>
+            <a:r>
+              <a:rPr lang="en-US" dirty="0" smtClean="0"/>
+              <a:t>Types of Scalars</a:t>
+            </a:r>
+            <a:endParaRPr lang="en-US" dirty="0"/>
+          </a:p>
+        </p:txBody>
+      </p:sp>
+      <p:sp>
+        <p:nvSpPr>
+          <p:cNvPr id="3" name="Content Placeholder 2"/>
+          <p:cNvSpPr>
+            <a:spLocks noGrp="1"/>
+          </p:cNvSpPr>
+          <p:nvPr>
+            <p:ph idx="1"/>
+          </p:nvPr>
+        </p:nvSpPr>
+        <p:spPr/>
+        <p:txBody>
+          <a:bodyPr>
+            <a:normAutofit fontScale="92500" lnSpcReduction="20000"/>
+          </a:bodyPr>
+          <a:lstStyle/>
+          <a:p>
+            <a:r>
+              <a:rPr lang="en-US" sz="3400" dirty="0" smtClean="0"/>
+              <a:t>Numeric</a:t>
+            </a:r>
+            <a:r>
+              <a:rPr lang="en-US" sz="2800" dirty="0" smtClean="0"/>
+              <a:t>: </a:t>
+            </a:r>
+            <a:r>
+              <a:rPr lang="en-IN" sz="2800" dirty="0" smtClean="0"/>
+              <a:t>Numeric scalar variables hold values like whole numbers, integers(positive and negative), float(containing decimal point).</a:t>
+            </a:r>
+            <a:endParaRPr lang="en-IN" sz="3400" dirty="0" smtClean="0"/>
+          </a:p>
+          <a:p>
+            <a:pPr fontAlgn="base">
+              <a:buNone/>
+            </a:pPr>
+            <a:r>
+              <a:rPr lang="en-IN" sz="3400" dirty="0" smtClean="0"/>
+              <a:t>	</a:t>
+            </a:r>
+          </a:p>
+          <a:p>
+            <a:pPr fontAlgn="base">
+              <a:buNone/>
+            </a:pPr>
+            <a:r>
+              <a:rPr lang="en-IN" sz="3400" dirty="0" smtClean="0"/>
+              <a:t>	</a:t>
+            </a:r>
+            <a:r>
+              <a:rPr lang="en-US" sz="3400" dirty="0" smtClean="0"/>
+              <a:t>$</a:t>
+            </a:r>
+            <a:r>
+              <a:rPr lang="en-US" sz="3400" dirty="0" err="1" smtClean="0"/>
+              <a:t>intpositive</a:t>
+            </a:r>
+            <a:r>
+              <a:rPr lang="en-US" sz="3400" dirty="0" smtClean="0"/>
+              <a:t> = 25; 	  </a:t>
+            </a:r>
+          </a:p>
+          <a:p>
+            <a:pPr fontAlgn="base">
+              <a:buNone/>
+            </a:pPr>
+            <a:r>
+              <a:rPr lang="en-US" sz="3400" dirty="0" smtClean="0"/>
+              <a:t>	$</a:t>
+            </a:r>
+            <a:r>
+              <a:rPr lang="en-US" sz="3400" dirty="0" err="1" smtClean="0"/>
+              <a:t>intnegative</a:t>
+            </a:r>
+            <a:r>
+              <a:rPr lang="en-US" sz="3400" dirty="0" smtClean="0"/>
+              <a:t> = -73;	  </a:t>
+            </a:r>
+          </a:p>
+          <a:p>
+            <a:pPr fontAlgn="base">
+              <a:buNone/>
+            </a:pPr>
+            <a:r>
+              <a:rPr lang="en-US" sz="3400" dirty="0" smtClean="0"/>
+              <a:t>	$float = 23.5; 	  </a:t>
+            </a:r>
+          </a:p>
+          <a:p>
+            <a:pPr fontAlgn="base">
+              <a:buNone/>
+            </a:pPr>
+            <a:r>
+              <a:rPr lang="en-US" sz="3400" dirty="0" smtClean="0"/>
+              <a:t>	$</a:t>
+            </a:r>
+            <a:r>
+              <a:rPr lang="en-US" sz="3400" dirty="0" err="1" smtClean="0"/>
+              <a:t>hexadec</a:t>
+            </a:r>
+            <a:r>
+              <a:rPr lang="en-US" sz="3400" dirty="0" smtClean="0"/>
+              <a:t> = 0xcd; 	//205</a:t>
+            </a:r>
+          </a:p>
+          <a:p>
+            <a:pPr fontAlgn="base">
+              <a:buNone/>
+            </a:pPr>
+            <a:r>
+              <a:rPr lang="en-US" sz="2800" dirty="0" smtClean="0"/>
+              <a:t>	</a:t>
+            </a:r>
+            <a:endParaRPr lang="en-IN" sz="2800" dirty="0" smtClean="0"/>
+          </a:p>
+          <a:p>
+            <a:pPr fontAlgn="base">
+              <a:buNone/>
+            </a:pPr>
+            <a:r>
+              <a:rPr lang="en-US" dirty="0" smtClean="0"/>
+              <a:t>	  </a:t>
+            </a:r>
+          </a:p>
+          <a:p>
+            <a:pPr>
+              <a:buNone/>
+            </a:pPr>
+            <a:endParaRPr lang="en-IN" dirty="0" smtClean="0"/>
+          </a:p>
+        </p:txBody>
+      </p:sp>
+    </p:spTree>
+  </p:cSld>
+  <p:clrMapOvr>
+    <a:masterClrMapping/>
+  </p:clrMapOvr>
+</p:sld>
+</file>
+
+<file path=ppt/slides/slide33.xml><?xml version="1.0" encoding="utf-8"?>
+<p:sld xmlns:a="http://schemas.openxmlformats.org/drawingml/2006/main" xmlns:r="http://schemas.openxmlformats.org/officeDocument/2006/relationships" xmlns:p="http://schemas.openxmlformats.org/presentationml/2006/main">
+  <p:cSld>
+    <p:spTree>
+      <p:nvGrpSpPr>
+        <p:cNvPr id="1" name=""/>
+        <p:cNvGrpSpPr/>
+        <p:nvPr/>
+      </p:nvGrpSpPr>
+      <p:grpSpPr>
+        <a:xfrm>
+          <a:off x="0" y="0"/>
+          <a:ext cx="0" cy="0"/>
+          <a:chOff x="0" y="0"/>
+          <a:chExt cx="0" cy="0"/>
+        </a:xfrm>
+      </p:grpSpPr>
+      <p:sp>
+        <p:nvSpPr>
+          <p:cNvPr id="3" name="Content Placeholder 2"/>
+          <p:cNvSpPr>
+            <a:spLocks noGrp="1"/>
+          </p:cNvSpPr>
+          <p:nvPr>
+            <p:ph idx="1"/>
+          </p:nvPr>
+        </p:nvSpPr>
+        <p:spPr>
+          <a:xfrm>
+            <a:off x="457200" y="457200"/>
+            <a:ext cx="8229600" cy="5668963"/>
+          </a:xfrm>
+        </p:spPr>
+        <p:txBody>
+          <a:bodyPr>
+            <a:normAutofit/>
+          </a:bodyPr>
+          <a:lstStyle/>
+          <a:p>
+            <a:r>
+              <a:rPr lang="en-US" dirty="0" smtClean="0"/>
+              <a:t>String : </a:t>
+            </a:r>
+            <a:r>
+              <a:rPr lang="en-IN" dirty="0" smtClean="0"/>
+              <a:t>String scalar variables hold values like a word(made of different characters), a group of words or a paragraph.</a:t>
+            </a:r>
+          </a:p>
+          <a:p>
+            <a:pPr>
+              <a:buNone/>
+            </a:pPr>
+            <a:r>
+              <a:rPr lang="en-IN" dirty="0" smtClean="0"/>
+              <a:t>	</a:t>
+            </a:r>
+          </a:p>
+          <a:p>
+            <a:pPr>
+              <a:buNone/>
+            </a:pPr>
+            <a:r>
+              <a:rPr lang="en-IN" dirty="0" smtClean="0"/>
+              <a:t>	$</a:t>
+            </a:r>
+            <a:r>
+              <a:rPr lang="en-IN" dirty="0" err="1" smtClean="0"/>
+              <a:t>alphastring</a:t>
+            </a:r>
+            <a:r>
+              <a:rPr lang="en-IN" dirty="0" smtClean="0"/>
+              <a:t> = "</a:t>
+            </a:r>
+            <a:r>
+              <a:rPr lang="en-IN" dirty="0" err="1" smtClean="0"/>
+              <a:t>GeeksforGeeks</a:t>
+            </a:r>
+            <a:r>
+              <a:rPr lang="en-IN" dirty="0" smtClean="0"/>
+              <a:t>"; </a:t>
+            </a:r>
+          </a:p>
+          <a:p>
+            <a:pPr>
+              <a:buNone/>
+            </a:pPr>
+            <a:r>
+              <a:rPr lang="en-IN" dirty="0" smtClean="0"/>
+              <a:t>	$</a:t>
+            </a:r>
+            <a:r>
+              <a:rPr lang="en-IN" dirty="0" err="1" smtClean="0"/>
+              <a:t>numericstring</a:t>
+            </a:r>
+            <a:r>
+              <a:rPr lang="en-IN" dirty="0" smtClean="0"/>
+              <a:t> = "17"; </a:t>
+            </a:r>
+          </a:p>
+          <a:p>
+            <a:pPr>
+              <a:buNone/>
+            </a:pPr>
+            <a:r>
+              <a:rPr lang="en-IN" dirty="0" smtClean="0"/>
+              <a:t>	$alphanumeric = "gfg21"; </a:t>
+            </a:r>
+          </a:p>
+          <a:p>
+            <a:pPr>
+              <a:buNone/>
+            </a:pPr>
+            <a:r>
+              <a:rPr lang="en-IN" dirty="0" smtClean="0"/>
+              <a:t>	$</a:t>
+            </a:r>
+            <a:r>
+              <a:rPr lang="en-IN" dirty="0" err="1" smtClean="0"/>
+              <a:t>specialstring</a:t>
+            </a:r>
+            <a:r>
+              <a:rPr lang="en-IN" dirty="0" smtClean="0"/>
+              <a:t> = "^</a:t>
+            </a:r>
+            <a:r>
+              <a:rPr lang="en-IN" dirty="0" err="1" smtClean="0"/>
+              <a:t>gfg</a:t>
+            </a:r>
+            <a:r>
+              <a:rPr lang="en-IN" dirty="0" smtClean="0"/>
+              <a:t>"; </a:t>
+            </a:r>
+          </a:p>
+          <a:p>
+            <a:pPr>
+              <a:buNone/>
+            </a:pPr>
+            <a:r>
+              <a:rPr lang="en-IN" dirty="0" smtClean="0"/>
+              <a:t>	$</a:t>
+            </a:r>
+            <a:r>
+              <a:rPr lang="en-IN" dirty="0" err="1" smtClean="0"/>
+              <a:t>singlequt</a:t>
+            </a:r>
+            <a:r>
+              <a:rPr lang="en-IN" dirty="0" smtClean="0"/>
+              <a:t> = 'Hello Geeks'; </a:t>
+            </a:r>
+          </a:p>
+          <a:p>
+            <a:pPr>
+              <a:buNone/>
+            </a:pPr>
+            <a:endParaRPr lang="en-IN" dirty="0" smtClean="0"/>
+          </a:p>
+        </p:txBody>
+      </p:sp>
+    </p:spTree>
+  </p:cSld>
+  <p:clrMapOvr>
+    <a:masterClrMapping/>
+  </p:clrMapOvr>
+</p:sld>
+</file>
+
+<file path=ppt/slides/slide34.xml><?xml version="1.0" encoding="utf-8"?>
+<p:sld xmlns:a="http://schemas.openxmlformats.org/drawingml/2006/main" xmlns:r="http://schemas.openxmlformats.org/officeDocument/2006/relationships" xmlns:p="http://schemas.openxmlformats.org/presentationml/2006/main">
+  <p:cSld>
+    <p:spTree>
+      <p:nvGrpSpPr>
+        <p:cNvPr id="1" name=""/>
+        <p:cNvGrpSpPr/>
+        <p:nvPr/>
+      </p:nvGrpSpPr>
+      <p:grpSpPr>
+        <a:xfrm>
+          <a:off x="0" y="0"/>
+          <a:ext cx="0" cy="0"/>
+          <a:chOff x="0" y="0"/>
+          <a:chExt cx="0" cy="0"/>
+        </a:xfrm>
+      </p:grpSpPr>
+      <p:sp>
+        <p:nvSpPr>
+          <p:cNvPr id="2" name="Title 1"/>
+          <p:cNvSpPr>
+            <a:spLocks noGrp="1"/>
+          </p:cNvSpPr>
+          <p:nvPr>
+            <p:ph type="title"/>
+          </p:nvPr>
+        </p:nvSpPr>
+        <p:spPr/>
+        <p:txBody>
+          <a:bodyPr/>
+          <a:lstStyle/>
+          <a:p>
+            <a:r>
+              <a:rPr lang="en-US" dirty="0" smtClean="0"/>
+              <a:t>Comparing Scalars</a:t>
+            </a:r>
+            <a:endParaRPr lang="en-US" dirty="0"/>
+          </a:p>
+        </p:txBody>
+      </p:sp>
+      <p:sp>
+        <p:nvSpPr>
+          <p:cNvPr id="3" name="Content Placeholder 2"/>
+          <p:cNvSpPr>
+            <a:spLocks noGrp="1"/>
+          </p:cNvSpPr>
+          <p:nvPr>
+            <p:ph idx="1"/>
+          </p:nvPr>
+        </p:nvSpPr>
+        <p:spPr/>
+        <p:txBody>
+          <a:bodyPr/>
+          <a:lstStyle/>
+          <a:p>
+            <a:pPr>
+              <a:buNone/>
+            </a:pPr>
+            <a:r>
+              <a:rPr lang="en-IN" dirty="0" smtClean="0"/>
+              <a:t>Numeric	String	Description</a:t>
+            </a:r>
+          </a:p>
+          <a:p>
+            <a:pPr>
+              <a:buNone/>
+            </a:pPr>
+            <a:r>
+              <a:rPr lang="en-IN" dirty="0" smtClean="0"/>
+              <a:t>==		</a:t>
+            </a:r>
+            <a:r>
+              <a:rPr lang="en-IN" dirty="0" err="1" smtClean="0"/>
+              <a:t>eq</a:t>
+            </a:r>
+            <a:r>
+              <a:rPr lang="en-IN" dirty="0" smtClean="0"/>
+              <a:t>		Equals to</a:t>
+            </a:r>
+          </a:p>
+          <a:p>
+            <a:pPr>
+              <a:buNone/>
+            </a:pPr>
+            <a:r>
+              <a:rPr lang="en-IN" dirty="0" smtClean="0"/>
+              <a:t>!=			ne		Not Equals to</a:t>
+            </a:r>
+          </a:p>
+          <a:p>
+            <a:pPr>
+              <a:buNone/>
+            </a:pPr>
+            <a:r>
+              <a:rPr lang="en-IN" dirty="0" smtClean="0"/>
+              <a:t>&lt;			</a:t>
+            </a:r>
+            <a:r>
+              <a:rPr lang="en-IN" dirty="0" err="1" smtClean="0"/>
+              <a:t>lt</a:t>
+            </a:r>
+            <a:r>
+              <a:rPr lang="en-IN" dirty="0" smtClean="0"/>
+              <a:t>		Is less than</a:t>
+            </a:r>
+          </a:p>
+          <a:p>
+            <a:pPr>
+              <a:buNone/>
+            </a:pPr>
+            <a:r>
+              <a:rPr lang="en-IN" dirty="0" smtClean="0"/>
+              <a:t>&gt;			</a:t>
+            </a:r>
+            <a:r>
+              <a:rPr lang="en-IN" dirty="0" err="1" smtClean="0"/>
+              <a:t>gt</a:t>
+            </a:r>
+            <a:r>
+              <a:rPr lang="en-IN" dirty="0" smtClean="0"/>
+              <a:t>		Is greater than</a:t>
+            </a:r>
+          </a:p>
+          <a:p>
+            <a:pPr>
+              <a:buNone/>
+            </a:pPr>
+            <a:r>
+              <a:rPr lang="en-IN" dirty="0" smtClean="0"/>
+              <a:t>&lt;=		le		Is less than or equal to</a:t>
+            </a:r>
+          </a:p>
+          <a:p>
+            <a:pPr>
+              <a:buNone/>
+            </a:pPr>
+            <a:r>
+              <a:rPr lang="en-IN" dirty="0" smtClean="0"/>
+              <a:t>&gt;=		</a:t>
+            </a:r>
+            <a:r>
+              <a:rPr lang="en-IN" dirty="0" err="1" smtClean="0"/>
+              <a:t>ge</a:t>
+            </a:r>
+            <a:r>
+              <a:rPr lang="en-IN" dirty="0" smtClean="0"/>
+              <a:t>		Is greater than or equal to</a:t>
+            </a:r>
+            <a:endParaRPr lang="en-US" dirty="0"/>
+          </a:p>
+        </p:txBody>
+      </p:sp>
+    </p:spTree>
+  </p:cSld>
+  <p:clrMapOvr>
+    <a:masterClrMapping/>
+  </p:clrMapOvr>
+</p:sld>
+</file>
+
+<file path=ppt/slides/slide35.xml><?xml version="1.0" encoding="utf-8"?>
+<p:sld xmlns:a="http://schemas.openxmlformats.org/drawingml/2006/main" xmlns:r="http://schemas.openxmlformats.org/officeDocument/2006/relationships" xmlns:p="http://schemas.openxmlformats.org/presentationml/2006/main">
+  <p:cSld>
+    <p:spTree>
+      <p:nvGrpSpPr>
+        <p:cNvPr id="1" name=""/>
+        <p:cNvGrpSpPr/>
+        <p:nvPr/>
+      </p:nvGrpSpPr>
+      <p:grpSpPr>
+        <a:xfrm>
+          <a:off x="0" y="0"/>
+          <a:ext cx="0" cy="0"/>
+          <a:chOff x="0" y="0"/>
+          <a:chExt cx="0" cy="0"/>
+        </a:xfrm>
+      </p:grpSpPr>
+      <p:sp>
+        <p:nvSpPr>
+          <p:cNvPr id="2" name="Title 1"/>
+          <p:cNvSpPr>
+            <a:spLocks noGrp="1"/>
+          </p:cNvSpPr>
+          <p:nvPr>
+            <p:ph type="title"/>
+          </p:nvPr>
+        </p:nvSpPr>
+        <p:spPr/>
+        <p:txBody>
+          <a:bodyPr/>
+          <a:lstStyle/>
+          <a:p>
+            <a:r>
+              <a:rPr lang="en-US" dirty="0" smtClean="0"/>
+              <a:t>Scalar Keyword</a:t>
+            </a:r>
+            <a:endParaRPr lang="en-US" dirty="0"/>
+          </a:p>
+        </p:txBody>
+      </p:sp>
+      <p:sp>
+        <p:nvSpPr>
+          <p:cNvPr id="3" name="Content Placeholder 2"/>
+          <p:cNvSpPr>
+            <a:spLocks noGrp="1"/>
+          </p:cNvSpPr>
+          <p:nvPr>
+            <p:ph idx="1"/>
+          </p:nvPr>
+        </p:nvSpPr>
+        <p:spPr/>
+        <p:txBody>
+          <a:bodyPr/>
+          <a:lstStyle/>
+          <a:p>
+            <a:r>
+              <a:rPr lang="en-IN" dirty="0" smtClean="0"/>
+              <a:t>Scalar keyword in Perl is used to convert the expression to scalar context. </a:t>
+            </a:r>
+          </a:p>
+          <a:p>
+            <a:r>
+              <a:rPr lang="en-IN" dirty="0" smtClean="0"/>
+              <a:t>Syntax – scalar expression</a:t>
+            </a:r>
+          </a:p>
+          <a:p>
+            <a:pPr>
+              <a:buNone/>
+            </a:pPr>
+            <a:endParaRPr lang="en-IN" dirty="0" smtClean="0"/>
+          </a:p>
+          <a:p>
+            <a:pPr>
+              <a:buNone/>
+            </a:pPr>
+            <a:r>
+              <a:rPr lang="en-IN" dirty="0" smtClean="0"/>
+              <a:t>	</a:t>
+            </a:r>
+            <a:endParaRPr lang="en-US" dirty="0"/>
+          </a:p>
+        </p:txBody>
+      </p:sp>
+    </p:spTree>
+  </p:cSld>
+  <p:clrMapOvr>
+    <a:masterClrMapping/>
+  </p:clrMapOvr>
+</p:sld>
+</file>
+
+<file path=ppt/slides/slide36.xml><?xml version="1.0" encoding="utf-8"?>
+<p:sld xmlns:a="http://schemas.openxmlformats.org/drawingml/2006/main" xmlns:r="http://schemas.openxmlformats.org/officeDocument/2006/relationships" xmlns:p="http://schemas.openxmlformats.org/presentationml/2006/main">
+  <p:cSld>
+    <p:spTree>
+      <p:nvGrpSpPr>
+        <p:cNvPr id="1" name=""/>
+        <p:cNvGrpSpPr/>
+        <p:nvPr/>
+      </p:nvGrpSpPr>
+      <p:grpSpPr>
+        <a:xfrm>
+          <a:off x="0" y="0"/>
+          <a:ext cx="0" cy="0"/>
+          <a:chOff x="0" y="0"/>
+          <a:chExt cx="0" cy="0"/>
+        </a:xfrm>
+      </p:grpSpPr>
+      <p:sp>
+        <p:nvSpPr>
+          <p:cNvPr id="3" name="Content Placeholder 2"/>
+          <p:cNvSpPr>
+            <a:spLocks noGrp="1"/>
+          </p:cNvSpPr>
+          <p:nvPr>
+            <p:ph idx="1"/>
+          </p:nvPr>
+        </p:nvSpPr>
+        <p:spPr>
+          <a:xfrm>
+            <a:off x="457200" y="381000"/>
+            <a:ext cx="8229600" cy="5745163"/>
+          </a:xfrm>
+        </p:spPr>
+        <p:txBody>
+          <a:bodyPr>
+            <a:normAutofit fontScale="70000" lnSpcReduction="20000"/>
+          </a:bodyPr>
+          <a:lstStyle/>
+          <a:p>
+            <a:pPr>
+              <a:buNone/>
+            </a:pPr>
+            <a:r>
+              <a:rPr lang="en-IN" dirty="0" smtClean="0"/>
+              <a:t># Defining Arrays </a:t>
+            </a:r>
+          </a:p>
+          <a:p>
+            <a:pPr>
+              <a:buNone/>
+            </a:pPr>
+            <a:r>
+              <a:rPr lang="en-IN" dirty="0" smtClean="0"/>
+              <a:t>@array1 = ("Geeks", "For", "Geeks"); </a:t>
+            </a:r>
+          </a:p>
+          <a:p>
+            <a:pPr>
+              <a:buNone/>
+            </a:pPr>
+            <a:r>
+              <a:rPr lang="en-IN" dirty="0" smtClean="0"/>
+              <a:t>@array2 = (1, 1, 0, 0, 9, 6); </a:t>
+            </a:r>
+          </a:p>
+          <a:p>
+            <a:pPr>
+              <a:buNone/>
+            </a:pPr>
+            <a:endParaRPr lang="en-IN" dirty="0" smtClean="0"/>
+          </a:p>
+          <a:p>
+            <a:pPr>
+              <a:buNone/>
+            </a:pPr>
+            <a:r>
+              <a:rPr lang="en-IN" dirty="0" smtClean="0"/>
+              <a:t># Concatenation of both arrays </a:t>
+            </a:r>
+          </a:p>
+          <a:p>
+            <a:pPr>
+              <a:buNone/>
+            </a:pPr>
+            <a:r>
+              <a:rPr lang="en-IN" dirty="0" smtClean="0"/>
+              <a:t>@array3 = (@array1, @array2); </a:t>
+            </a:r>
+          </a:p>
+          <a:p>
+            <a:pPr>
+              <a:buNone/>
+            </a:pPr>
+            <a:endParaRPr lang="en-IN" dirty="0" smtClean="0"/>
+          </a:p>
+          <a:p>
+            <a:pPr>
+              <a:buNone/>
+            </a:pPr>
+            <a:r>
+              <a:rPr lang="en-IN" dirty="0" smtClean="0"/>
+              <a:t># Printing the Concatenated Array </a:t>
+            </a:r>
+          </a:p>
+          <a:p>
+            <a:pPr>
+              <a:buNone/>
+            </a:pPr>
+            <a:r>
+              <a:rPr lang="en-IN" dirty="0" smtClean="0"/>
+              <a:t># in List form </a:t>
+            </a:r>
+          </a:p>
+          <a:p>
+            <a:pPr>
+              <a:buNone/>
+            </a:pPr>
+            <a:r>
+              <a:rPr lang="en-IN" dirty="0" smtClean="0"/>
+              <a:t>print "Array in List form: @array3\n"; </a:t>
+            </a:r>
+          </a:p>
+          <a:p>
+            <a:pPr>
+              <a:buNone/>
+            </a:pPr>
+            <a:endParaRPr lang="en-IN" dirty="0" smtClean="0"/>
+          </a:p>
+          <a:p>
+            <a:pPr>
+              <a:buNone/>
+            </a:pPr>
+            <a:r>
+              <a:rPr lang="en-IN" dirty="0" smtClean="0"/>
+              <a:t># Conversion of Arrays to scalar context </a:t>
+            </a:r>
+          </a:p>
+          <a:p>
+            <a:pPr>
+              <a:buNone/>
+            </a:pPr>
+            <a:r>
+              <a:rPr lang="en-IN" dirty="0" smtClean="0"/>
+              <a:t>@array3 = (scalar(@array1), scalar(@array2)); </a:t>
+            </a:r>
+          </a:p>
+          <a:p>
+            <a:pPr>
+              <a:buNone/>
+            </a:pPr>
+            <a:endParaRPr lang="en-IN" dirty="0" smtClean="0"/>
+          </a:p>
+          <a:p>
+            <a:pPr>
+              <a:buNone/>
+            </a:pPr>
+            <a:r>
+              <a:rPr lang="en-IN" dirty="0" smtClean="0"/>
+              <a:t># Conversion to scalar returns </a:t>
+            </a:r>
+          </a:p>
+          <a:p>
+            <a:pPr>
+              <a:buNone/>
+            </a:pPr>
+            <a:r>
+              <a:rPr lang="en-IN" dirty="0" smtClean="0"/>
+              <a:t># the number of elements in the array </a:t>
+            </a:r>
+          </a:p>
+          <a:p>
+            <a:pPr>
+              <a:buNone/>
+            </a:pPr>
+            <a:r>
+              <a:rPr lang="en-IN" dirty="0" smtClean="0"/>
+              <a:t>print "Array in scalar form: @array3\n"; </a:t>
+            </a:r>
+          </a:p>
+          <a:p>
+            <a:pPr>
+              <a:buNone/>
+            </a:pPr>
+            <a:endParaRPr lang="en-US" dirty="0"/>
+          </a:p>
+        </p:txBody>
+      </p:sp>
+    </p:spTree>
+  </p:cSld>
+  <p:clrMapOvr>
+    <a:masterClrMapping/>
+  </p:clrMapOvr>
+</p:sld>
+</file>
+
+<file path=ppt/slides/slide37.xml><?xml version="1.0" encoding="utf-8"?>
+<p:sld xmlns:a="http://schemas.openxmlformats.org/drawingml/2006/main" xmlns:r="http://schemas.openxmlformats.org/officeDocument/2006/relationships" xmlns:p="http://schemas.openxmlformats.org/presentationml/2006/main">
+  <p:cSld>
+    <p:spTree>
+      <p:nvGrpSpPr>
+        <p:cNvPr id="1" name=""/>
+        <p:cNvGrpSpPr/>
+        <p:nvPr/>
+      </p:nvGrpSpPr>
+      <p:grpSpPr>
+        <a:xfrm>
+          <a:off x="0" y="0"/>
+          <a:ext cx="0" cy="0"/>
+          <a:chOff x="0" y="0"/>
+          <a:chExt cx="0" cy="0"/>
+        </a:xfrm>
+      </p:grpSpPr>
+      <p:sp>
+        <p:nvSpPr>
+          <p:cNvPr id="3" name="Content Placeholder 2"/>
+          <p:cNvSpPr>
+            <a:spLocks noGrp="1"/>
+          </p:cNvSpPr>
+          <p:nvPr>
+            <p:ph idx="1"/>
+          </p:nvPr>
+        </p:nvSpPr>
+        <p:spPr>
+          <a:xfrm>
+            <a:off x="457200" y="533400"/>
+            <a:ext cx="8229600" cy="5592763"/>
+          </a:xfrm>
+        </p:spPr>
+        <p:txBody>
+          <a:bodyPr/>
+          <a:lstStyle/>
+          <a:p>
+            <a:pPr>
+              <a:buNone/>
+            </a:pPr>
+            <a:r>
+              <a:rPr lang="en-US" dirty="0" smtClean="0"/>
+              <a:t>Output:-</a:t>
+            </a:r>
+          </a:p>
+          <a:p>
+            <a:pPr>
+              <a:buNone/>
+            </a:pPr>
+            <a:r>
+              <a:rPr lang="en-IN" dirty="0" smtClean="0"/>
+              <a:t>Array in List form: Geeks For Geeks 1 1 0 0 9 6</a:t>
+            </a:r>
+          </a:p>
+          <a:p>
+            <a:pPr>
+              <a:buNone/>
+            </a:pPr>
+            <a:r>
+              <a:rPr lang="en-IN" dirty="0" smtClean="0"/>
+              <a:t>Array in scalar form: 3 6</a:t>
+            </a:r>
+            <a:endParaRPr lang="en-US" dirty="0"/>
+          </a:p>
+        </p:txBody>
+      </p:sp>
+    </p:spTree>
+  </p:cSld>
+  <p:clrMapOvr>
+    <a:masterClrMapping/>
+  </p:clrMapOvr>
+</p:sld>
+</file>
+
+<file path=ppt/slides/slide38.xml><?xml version="1.0" encoding="utf-8"?>
+<p:sld xmlns:a="http://schemas.openxmlformats.org/drawingml/2006/main" xmlns:r="http://schemas.openxmlformats.org/officeDocument/2006/relationships" xmlns:p="http://schemas.openxmlformats.org/presentationml/2006/main">
+  <p:cSld>
+    <p:spTree>
+      <p:nvGrpSpPr>
+        <p:cNvPr id="1" name=""/>
+        <p:cNvGrpSpPr/>
+        <p:nvPr/>
+      </p:nvGrpSpPr>
+      <p:grpSpPr>
+        <a:xfrm>
+          <a:off x="0" y="0"/>
+          <a:ext cx="0" cy="0"/>
+          <a:chOff x="0" y="0"/>
+          <a:chExt cx="0" cy="0"/>
+        </a:xfrm>
+      </p:grpSpPr>
+      <p:sp>
+        <p:nvSpPr>
+          <p:cNvPr id="2" name="Title 1"/>
+          <p:cNvSpPr>
+            <a:spLocks noGrp="1"/>
+          </p:cNvSpPr>
+          <p:nvPr>
+            <p:ph type="title"/>
+          </p:nvPr>
+        </p:nvSpPr>
+        <p:spPr/>
+        <p:txBody>
+          <a:bodyPr/>
+          <a:lstStyle/>
+          <a:p>
+            <a:r>
+              <a:rPr lang="en-US" dirty="0" smtClean="0"/>
+              <a:t>Hash</a:t>
+            </a:r>
+            <a:endParaRPr lang="en-US" dirty="0"/>
+          </a:p>
+        </p:txBody>
+      </p:sp>
+      <p:sp>
+        <p:nvSpPr>
+          <p:cNvPr id="3" name="Content Placeholder 2"/>
+          <p:cNvSpPr>
+            <a:spLocks noGrp="1"/>
+          </p:cNvSpPr>
+          <p:nvPr>
+            <p:ph idx="1"/>
+          </p:nvPr>
+        </p:nvSpPr>
+        <p:spPr>
+          <a:xfrm>
+            <a:off x="457200" y="1371600"/>
+            <a:ext cx="8229600" cy="4754563"/>
+          </a:xfrm>
+        </p:spPr>
+        <p:txBody>
+          <a:bodyPr/>
+          <a:lstStyle/>
+          <a:p>
+            <a:r>
+              <a:rPr lang="en-IN" dirty="0" smtClean="0"/>
+              <a:t>A hash is a set of key-value pairs. Perl stores elements of a hash such that it searches for the values based on its keys. </a:t>
+            </a:r>
+          </a:p>
+          <a:p>
+            <a:r>
+              <a:rPr lang="en-IN" dirty="0" smtClean="0"/>
+              <a:t>Hash variables start with a ‘%’ sign.</a:t>
+            </a:r>
+          </a:p>
+          <a:p>
+            <a:r>
+              <a:rPr lang="en-IN" dirty="0" smtClean="0"/>
+              <a:t>Perl requires the keys of a hash to be strings, whereas the values can be any scalars.</a:t>
+            </a:r>
+          </a:p>
+          <a:p>
+            <a:r>
+              <a:rPr lang="en-IN" dirty="0" smtClean="0"/>
+              <a:t>A hash key must be unique. If key is existing then its corresponding value is overwritten.</a:t>
+            </a:r>
+            <a:endParaRPr lang="en-US" dirty="0"/>
+          </a:p>
+        </p:txBody>
+      </p:sp>
+    </p:spTree>
+  </p:cSld>
+  <p:clrMapOvr>
+    <a:masterClrMapping/>
+  </p:clrMapOvr>
+</p:sld>
+</file>
+
+<file path=ppt/slides/slide39.xml><?xml version="1.0" encoding="utf-8"?>
+<p:sld xmlns:a="http://schemas.openxmlformats.org/drawingml/2006/main" xmlns:r="http://schemas.openxmlformats.org/officeDocument/2006/relationships" xmlns:p="http://schemas.openxmlformats.org/presentationml/2006/main">
+  <p:cSld>
+    <p:spTree>
+      <p:nvGrpSpPr>
+        <p:cNvPr id="1" name=""/>
+        <p:cNvGrpSpPr/>
+        <p:nvPr/>
+      </p:nvGrpSpPr>
+      <p:grpSpPr>
+        <a:xfrm>
+          <a:off x="0" y="0"/>
+          <a:ext cx="0" cy="0"/>
+          <a:chOff x="0" y="0"/>
+          <a:chExt cx="0" cy="0"/>
+        </a:xfrm>
+      </p:grpSpPr>
+      <p:sp>
+        <p:nvSpPr>
+          <p:cNvPr id="2" name="Title 1"/>
+          <p:cNvSpPr>
+            <a:spLocks noGrp="1"/>
+          </p:cNvSpPr>
+          <p:nvPr>
+            <p:ph type="title"/>
+          </p:nvPr>
+        </p:nvSpPr>
+        <p:spPr/>
+        <p:txBody>
+          <a:bodyPr/>
+          <a:lstStyle/>
+          <a:p>
+            <a:r>
+              <a:rPr lang="en-US" dirty="0" smtClean="0"/>
+              <a:t>Creating Hashes</a:t>
+            </a:r>
+            <a:endParaRPr lang="en-US" dirty="0"/>
+          </a:p>
+        </p:txBody>
+      </p:sp>
+      <p:sp>
+        <p:nvSpPr>
+          <p:cNvPr id="3" name="Content Placeholder 2"/>
+          <p:cNvSpPr>
+            <a:spLocks noGrp="1"/>
+          </p:cNvSpPr>
+          <p:nvPr>
+            <p:ph idx="1"/>
+          </p:nvPr>
+        </p:nvSpPr>
+        <p:spPr/>
+        <p:txBody>
+          <a:bodyPr/>
+          <a:lstStyle/>
+          <a:p>
+            <a:r>
+              <a:rPr lang="en-IN" dirty="0" smtClean="0"/>
+              <a:t>The value is directly assigned as shown below and data is added to existing hash.</a:t>
+            </a:r>
+          </a:p>
+          <a:p>
+            <a:pPr>
+              <a:buNone/>
+            </a:pPr>
+            <a:r>
+              <a:rPr lang="en-IN" dirty="0" smtClean="0"/>
+              <a:t>	</a:t>
+            </a:r>
+            <a:r>
+              <a:rPr lang="en-IN" sz="2400" dirty="0" smtClean="0"/>
+              <a:t>$stud{'Comp'} = 45; </a:t>
+            </a:r>
+          </a:p>
+          <a:p>
+            <a:pPr>
+              <a:buNone/>
+            </a:pPr>
+            <a:r>
+              <a:rPr lang="en-IN" sz="2400" dirty="0" smtClean="0"/>
+              <a:t>	$stud{'</a:t>
+            </a:r>
+            <a:r>
+              <a:rPr lang="en-IN" sz="2400" dirty="0" err="1" smtClean="0"/>
+              <a:t>Inft</a:t>
+            </a:r>
+            <a:r>
+              <a:rPr lang="en-IN" sz="2400" dirty="0" smtClean="0"/>
+              <a:t>'} = 42; </a:t>
+            </a:r>
+          </a:p>
+          <a:p>
+            <a:pPr>
+              <a:buNone/>
+            </a:pPr>
+            <a:r>
+              <a:rPr lang="en-IN" sz="2400" dirty="0" smtClean="0"/>
+              <a:t>	$stud{'</a:t>
+            </a:r>
+            <a:r>
+              <a:rPr lang="en-IN" sz="2400" dirty="0" err="1" smtClean="0"/>
+              <a:t>Extc</a:t>
+            </a:r>
+            <a:r>
+              <a:rPr lang="en-IN" sz="2400" dirty="0" smtClean="0"/>
+              <a:t>'} = 35;</a:t>
+            </a:r>
+          </a:p>
+          <a:p>
+            <a:r>
+              <a:rPr lang="en-IN" dirty="0" smtClean="0"/>
+              <a:t>Another way is by using list which gets converted to hash by taking individual pairs. </a:t>
+            </a:r>
+          </a:p>
+          <a:p>
+            <a:pPr>
+              <a:buNone/>
+            </a:pPr>
+            <a:r>
+              <a:rPr lang="en-US" dirty="0" smtClean="0"/>
+              <a:t>	</a:t>
+            </a:r>
+            <a:r>
+              <a:rPr lang="en-US" sz="2400" dirty="0" smtClean="0"/>
+              <a:t>%stud = ('Comp', 45, '</a:t>
+            </a:r>
+            <a:r>
+              <a:rPr lang="en-US" sz="2400" dirty="0" err="1" smtClean="0"/>
+              <a:t>Inft</a:t>
+            </a:r>
+            <a:r>
+              <a:rPr lang="en-US" sz="2400" dirty="0" smtClean="0"/>
+              <a:t>', 42, '</a:t>
+            </a:r>
+            <a:r>
+              <a:rPr lang="en-US" sz="2400" dirty="0" err="1" smtClean="0"/>
+              <a:t>Extc</a:t>
+            </a:r>
+            <a:r>
+              <a:rPr lang="en-US" sz="2400" dirty="0" smtClean="0"/>
+              <a:t>', 35);</a:t>
+            </a:r>
+            <a:endParaRPr lang="en-US" sz="2400" dirty="0"/>
           </a:p>
         </p:txBody>
       </p:sp>
@@ -5459,7 +8251,7 @@
           <a:p>
             <a:r>
               <a:rPr lang="en-US" dirty="0" smtClean="0"/>
-              <a:t>Data Types</a:t>
+              <a:t>Programming</a:t>
             </a:r>
             <a:endParaRPr lang="en-US" dirty="0"/>
           </a:p>
@@ -5482,52 +8274,1416 @@
           <a:p>
             <a:r>
               <a:rPr lang="en-IN" dirty="0" smtClean="0"/>
-              <a:t>Data types specify the type of data that a valid </a:t>
+              <a:t>Programs can be written in Perl in any of the widely used text editors </a:t>
+            </a:r>
+          </a:p>
+          <a:p>
+            <a:r>
+              <a:rPr lang="en-IN" dirty="0" smtClean="0"/>
+              <a:t>Save the file with the extension </a:t>
+            </a:r>
+            <a:r>
+              <a:rPr lang="en-IN" b="1" i="1" dirty="0" smtClean="0"/>
+              <a:t>.pl</a:t>
+            </a:r>
+            <a:r>
+              <a:rPr lang="en-IN" dirty="0" smtClean="0"/>
+              <a:t> or </a:t>
+            </a:r>
+            <a:r>
+              <a:rPr lang="en-IN" b="1" i="1" dirty="0" smtClean="0"/>
+              <a:t>.PL</a:t>
+            </a:r>
+            <a:r>
+              <a:rPr lang="en-IN" dirty="0" smtClean="0"/>
+              <a:t> To run the program use </a:t>
+            </a:r>
+            <a:r>
+              <a:rPr lang="en-IN" b="1" dirty="0" err="1" smtClean="0"/>
+              <a:t>perl</a:t>
+            </a:r>
+            <a:r>
+              <a:rPr lang="en-IN" b="1" dirty="0" smtClean="0"/>
+              <a:t> file_name.pl</a:t>
+            </a:r>
+            <a:r>
+              <a:rPr lang="en-IN" dirty="0" smtClean="0"/>
+              <a:t> on the command line.</a:t>
+            </a:r>
+          </a:p>
+          <a:p>
+            <a:endParaRPr lang="en-US" dirty="0"/>
+          </a:p>
+        </p:txBody>
+      </p:sp>
+    </p:spTree>
+  </p:cSld>
+  <p:clrMapOvr>
+    <a:masterClrMapping/>
+  </p:clrMapOvr>
+</p:sld>
+</file>
+
+<file path=ppt/slides/slide40.xml><?xml version="1.0" encoding="utf-8"?>
+<p:sld xmlns:a="http://schemas.openxmlformats.org/drawingml/2006/main" xmlns:r="http://schemas.openxmlformats.org/officeDocument/2006/relationships" xmlns:p="http://schemas.openxmlformats.org/presentationml/2006/main">
+  <p:cSld>
+    <p:spTree>
+      <p:nvGrpSpPr>
+        <p:cNvPr id="1" name=""/>
+        <p:cNvGrpSpPr/>
+        <p:nvPr/>
+      </p:nvGrpSpPr>
+      <p:grpSpPr>
+        <a:xfrm>
+          <a:off x="0" y="0"/>
+          <a:ext cx="0" cy="0"/>
+          <a:chOff x="0" y="0"/>
+          <a:chExt cx="0" cy="0"/>
+        </a:xfrm>
+      </p:grpSpPr>
+      <p:sp>
+        <p:nvSpPr>
+          <p:cNvPr id="3" name="Content Placeholder 2"/>
+          <p:cNvSpPr>
+            <a:spLocks noGrp="1"/>
+          </p:cNvSpPr>
+          <p:nvPr>
+            <p:ph idx="1"/>
+          </p:nvPr>
+        </p:nvSpPr>
+        <p:spPr>
+          <a:xfrm>
+            <a:off x="457200" y="533400"/>
+            <a:ext cx="8229600" cy="5592763"/>
+          </a:xfrm>
+        </p:spPr>
+        <p:txBody>
+          <a:bodyPr/>
+          <a:lstStyle/>
+          <a:p>
+            <a:r>
+              <a:rPr lang="en-IN" dirty="0" smtClean="0"/>
+              <a:t>One way is using </a:t>
+            </a:r>
+            <a:r>
+              <a:rPr lang="en-IN" b="1" dirty="0" smtClean="0"/>
+              <a:t>=&gt;</a:t>
+            </a:r>
+            <a:r>
+              <a:rPr lang="en-IN" dirty="0" smtClean="0"/>
+              <a:t> to indicate the key/value pairs </a:t>
+            </a:r>
+          </a:p>
+          <a:p>
+            <a:pPr>
+              <a:buNone/>
+            </a:pPr>
+            <a:r>
+              <a:rPr lang="en-IN" sz="2400" dirty="0" smtClean="0"/>
+              <a:t>	</a:t>
+            </a:r>
+            <a:r>
+              <a:rPr lang="en-US" sz="2400" dirty="0" smtClean="0"/>
+              <a:t>%stud = ('Comp' =&gt; 45, '</a:t>
+            </a:r>
+            <a:r>
+              <a:rPr lang="en-US" sz="2400" dirty="0" err="1" smtClean="0"/>
+              <a:t>Inft</a:t>
+            </a:r>
+            <a:r>
+              <a:rPr lang="en-US" sz="2400" dirty="0" smtClean="0"/>
+              <a:t>' =&gt; 42, '</a:t>
+            </a:r>
+            <a:r>
+              <a:rPr lang="en-US" sz="2400" dirty="0" err="1" smtClean="0"/>
+              <a:t>Extc</a:t>
+            </a:r>
+            <a:r>
+              <a:rPr lang="en-US" sz="2400" dirty="0" smtClean="0"/>
+              <a:t>' =&gt; 35);</a:t>
+            </a:r>
+          </a:p>
+          <a:p>
+            <a:pPr>
+              <a:buNone/>
+            </a:pPr>
+            <a:r>
+              <a:rPr lang="en-US" sz="2400" dirty="0" smtClean="0"/>
+              <a:t>	%stud = (-Comp =&gt; 45, -</a:t>
+            </a:r>
+            <a:r>
+              <a:rPr lang="en-US" sz="2400" dirty="0" err="1" smtClean="0"/>
+              <a:t>Inft</a:t>
+            </a:r>
+            <a:r>
+              <a:rPr lang="en-US" sz="2400" dirty="0" smtClean="0"/>
+              <a:t> =&gt; 42, -</a:t>
+            </a:r>
+            <a:r>
+              <a:rPr lang="en-US" sz="2400" dirty="0" err="1" smtClean="0"/>
+              <a:t>Extc</a:t>
+            </a:r>
+            <a:r>
+              <a:rPr lang="en-US" sz="2400" dirty="0" smtClean="0"/>
+              <a:t> =&gt; 35);</a:t>
+            </a:r>
+          </a:p>
+          <a:p>
+            <a:pPr>
+              <a:buNone/>
+            </a:pPr>
+            <a:endParaRPr lang="en-US" sz="2400" dirty="0" smtClean="0"/>
+          </a:p>
+          <a:p>
+            <a:pPr>
+              <a:buNone/>
+            </a:pPr>
+            <a:endParaRPr lang="en-US" dirty="0" smtClean="0"/>
+          </a:p>
+        </p:txBody>
+      </p:sp>
+    </p:spTree>
+  </p:cSld>
+  <p:clrMapOvr>
+    <a:masterClrMapping/>
+  </p:clrMapOvr>
+</p:sld>
+</file>
+
+<file path=ppt/slides/slide41.xml><?xml version="1.0" encoding="utf-8"?>
+<p:sld xmlns:a="http://schemas.openxmlformats.org/drawingml/2006/main" xmlns:r="http://schemas.openxmlformats.org/officeDocument/2006/relationships" xmlns:p="http://schemas.openxmlformats.org/presentationml/2006/main">
+  <p:cSld>
+    <p:spTree>
+      <p:nvGrpSpPr>
+        <p:cNvPr id="1" name=""/>
+        <p:cNvGrpSpPr/>
+        <p:nvPr/>
+      </p:nvGrpSpPr>
+      <p:grpSpPr>
+        <a:xfrm>
+          <a:off x="0" y="0"/>
+          <a:ext cx="0" cy="0"/>
+          <a:chOff x="0" y="0"/>
+          <a:chExt cx="0" cy="0"/>
+        </a:xfrm>
+      </p:grpSpPr>
+      <p:sp>
+        <p:nvSpPr>
+          <p:cNvPr id="3" name="Content Placeholder 2"/>
+          <p:cNvSpPr>
+            <a:spLocks noGrp="1"/>
+          </p:cNvSpPr>
+          <p:nvPr>
+            <p:ph idx="1"/>
+          </p:nvPr>
+        </p:nvSpPr>
+        <p:spPr>
+          <a:xfrm>
+            <a:off x="457200" y="609600"/>
+            <a:ext cx="8229600" cy="5516563"/>
+          </a:xfrm>
+        </p:spPr>
+        <p:txBody>
+          <a:bodyPr/>
+          <a:lstStyle/>
+          <a:p>
+            <a:pPr fontAlgn="base">
+              <a:buNone/>
+            </a:pPr>
+            <a:r>
+              <a:rPr lang="en-US" dirty="0" smtClean="0"/>
+              <a:t>$stud1{'Comp'} = 10; </a:t>
+            </a:r>
+          </a:p>
+          <a:p>
+            <a:pPr fontAlgn="base">
+              <a:buNone/>
+            </a:pPr>
+            <a:r>
+              <a:rPr lang="en-US" dirty="0" smtClean="0"/>
+              <a:t>$stud1{'</a:t>
+            </a:r>
+            <a:r>
+              <a:rPr lang="en-US" dirty="0" err="1" smtClean="0"/>
+              <a:t>Inft</a:t>
+            </a:r>
+            <a:r>
+              <a:rPr lang="en-US" dirty="0" smtClean="0"/>
+              <a:t>'} = 20; </a:t>
+            </a:r>
+          </a:p>
+          <a:p>
+            <a:pPr fontAlgn="base">
+              <a:buNone/>
+            </a:pPr>
+            <a:r>
+              <a:rPr lang="en-US" dirty="0" smtClean="0"/>
+              <a:t>$stud1{'</a:t>
+            </a:r>
+            <a:r>
+              <a:rPr lang="en-US" dirty="0" err="1" smtClean="0"/>
+              <a:t>Extc</a:t>
+            </a:r>
+            <a:r>
+              <a:rPr lang="en-US" dirty="0" smtClean="0"/>
+              <a:t>'} = 30; </a:t>
+            </a:r>
+          </a:p>
+          <a:p>
+            <a:pPr fontAlgn="base">
+              <a:buNone/>
+            </a:pPr>
+            <a:r>
+              <a:rPr lang="en-US" dirty="0" smtClean="0"/>
+              <a:t> </a:t>
+            </a:r>
+          </a:p>
+          <a:p>
+            <a:pPr fontAlgn="base">
+              <a:buNone/>
+            </a:pPr>
+            <a:r>
+              <a:rPr lang="en-US" dirty="0" smtClean="0"/>
+              <a:t># printing elements of stud </a:t>
+            </a:r>
+          </a:p>
+          <a:p>
+            <a:pPr fontAlgn="base">
+              <a:buNone/>
+            </a:pPr>
+            <a:r>
+              <a:rPr lang="en-US" dirty="0" smtClean="0"/>
+              <a:t>print "Printing values of Hash1\n"; </a:t>
+            </a:r>
+          </a:p>
+          <a:p>
+            <a:pPr fontAlgn="base">
+              <a:buNone/>
+            </a:pPr>
+            <a:r>
+              <a:rPr lang="en-US" dirty="0" smtClean="0"/>
+              <a:t>print "$stud1{'Comp'}\n"; 		//10</a:t>
+            </a:r>
+          </a:p>
+          <a:p>
+            <a:pPr fontAlgn="base">
+              <a:buNone/>
+            </a:pPr>
+            <a:r>
+              <a:rPr lang="en-US" dirty="0" smtClean="0"/>
+              <a:t>print "$stud1{'</a:t>
+            </a:r>
+            <a:r>
+              <a:rPr lang="en-US" dirty="0" err="1" smtClean="0"/>
+              <a:t>Inft</a:t>
+            </a:r>
+            <a:r>
+              <a:rPr lang="en-US" dirty="0" smtClean="0"/>
+              <a:t>'}\n"; 		//20</a:t>
+            </a:r>
+          </a:p>
+          <a:p>
+            <a:pPr fontAlgn="base">
+              <a:buNone/>
+            </a:pPr>
+            <a:r>
+              <a:rPr lang="en-US" dirty="0" smtClean="0"/>
+              <a:t>print "$stud1{'</a:t>
+            </a:r>
+            <a:r>
+              <a:rPr lang="en-US" dirty="0" err="1" smtClean="0"/>
+              <a:t>Extc</a:t>
+            </a:r>
+            <a:r>
+              <a:rPr lang="en-US" dirty="0" smtClean="0"/>
+              <a:t>'}\n"; 		//30</a:t>
+            </a:r>
+          </a:p>
+          <a:p>
+            <a:pPr>
+              <a:buNone/>
+            </a:pPr>
+            <a:endParaRPr lang="en-US" dirty="0"/>
+          </a:p>
+        </p:txBody>
+      </p:sp>
+    </p:spTree>
+  </p:cSld>
+  <p:clrMapOvr>
+    <a:masterClrMapping/>
+  </p:clrMapOvr>
+</p:sld>
+</file>
+
+<file path=ppt/slides/slide42.xml><?xml version="1.0" encoding="utf-8"?>
+<p:sld xmlns:a="http://schemas.openxmlformats.org/drawingml/2006/main" xmlns:r="http://schemas.openxmlformats.org/officeDocument/2006/relationships" xmlns:p="http://schemas.openxmlformats.org/presentationml/2006/main">
+  <p:cSld>
+    <p:spTree>
+      <p:nvGrpSpPr>
+        <p:cNvPr id="1" name=""/>
+        <p:cNvGrpSpPr/>
+        <p:nvPr/>
+      </p:nvGrpSpPr>
+      <p:grpSpPr>
+        <a:xfrm>
+          <a:off x="0" y="0"/>
+          <a:ext cx="0" cy="0"/>
+          <a:chOff x="0" y="0"/>
+          <a:chExt cx="0" cy="0"/>
+        </a:xfrm>
+      </p:grpSpPr>
+      <p:sp>
+        <p:nvSpPr>
+          <p:cNvPr id="2" name="Title 1"/>
+          <p:cNvSpPr>
+            <a:spLocks noGrp="1"/>
+          </p:cNvSpPr>
+          <p:nvPr>
+            <p:ph type="title"/>
+          </p:nvPr>
+        </p:nvSpPr>
+        <p:spPr/>
+        <p:txBody>
+          <a:bodyPr/>
+          <a:lstStyle/>
+          <a:p>
+            <a:r>
+              <a:rPr lang="en-US" dirty="0" smtClean="0"/>
+              <a:t>Extracting keys and values</a:t>
+            </a:r>
+            <a:endParaRPr lang="en-US" dirty="0"/>
+          </a:p>
+        </p:txBody>
+      </p:sp>
+      <p:sp>
+        <p:nvSpPr>
+          <p:cNvPr id="3" name="Content Placeholder 2"/>
+          <p:cNvSpPr>
+            <a:spLocks noGrp="1"/>
+          </p:cNvSpPr>
+          <p:nvPr>
+            <p:ph idx="1"/>
+          </p:nvPr>
+        </p:nvSpPr>
+        <p:spPr>
+          <a:xfrm>
+            <a:off x="457200" y="1371600"/>
+            <a:ext cx="8229600" cy="4754563"/>
+          </a:xfrm>
+        </p:spPr>
+        <p:txBody>
+          <a:bodyPr/>
+          <a:lstStyle/>
+          <a:p>
+            <a:r>
+              <a:rPr lang="en-IN" dirty="0" smtClean="0"/>
+              <a:t>Hash allows to extract keys and values with the use of inbuilt functions.</a:t>
+            </a:r>
+          </a:p>
+          <a:p>
+            <a:r>
+              <a:rPr lang="en-US" dirty="0" smtClean="0"/>
+              <a:t>Syntax: keys %HASH</a:t>
+            </a:r>
+          </a:p>
+          <a:p>
+            <a:pPr>
+              <a:buNone/>
+            </a:pPr>
+            <a:r>
+              <a:rPr lang="en-US" dirty="0" smtClean="0"/>
+              <a:t>	</a:t>
+            </a:r>
+            <a:r>
+              <a:rPr lang="en-IN" dirty="0" smtClean="0"/>
+              <a:t>Returns an array of all the keys present in the HASH</a:t>
+            </a:r>
+          </a:p>
+          <a:p>
+            <a:r>
+              <a:rPr lang="en-IN" dirty="0" smtClean="0"/>
+              <a:t>Syntax: values %HASH</a:t>
+            </a:r>
+            <a:br>
+              <a:rPr lang="en-IN" dirty="0" smtClean="0"/>
+            </a:br>
+            <a:r>
+              <a:rPr lang="en-IN" dirty="0" smtClean="0"/>
+              <a:t>Returns an array with all the values of HASH</a:t>
+            </a:r>
+            <a:endParaRPr lang="en-US" dirty="0" smtClean="0"/>
+          </a:p>
+        </p:txBody>
+      </p:sp>
+    </p:spTree>
+  </p:cSld>
+  <p:clrMapOvr>
+    <a:masterClrMapping/>
+  </p:clrMapOvr>
+</p:sld>
+</file>
+
+<file path=ppt/slides/slide43.xml><?xml version="1.0" encoding="utf-8"?>
+<p:sld xmlns:a="http://schemas.openxmlformats.org/drawingml/2006/main" xmlns:r="http://schemas.openxmlformats.org/officeDocument/2006/relationships" xmlns:p="http://schemas.openxmlformats.org/presentationml/2006/main">
+  <p:cSld>
+    <p:spTree>
+      <p:nvGrpSpPr>
+        <p:cNvPr id="1" name=""/>
+        <p:cNvGrpSpPr/>
+        <p:nvPr/>
+      </p:nvGrpSpPr>
+      <p:grpSpPr>
+        <a:xfrm>
+          <a:off x="0" y="0"/>
+          <a:ext cx="0" cy="0"/>
+          <a:chOff x="0" y="0"/>
+          <a:chExt cx="0" cy="0"/>
+        </a:xfrm>
+      </p:grpSpPr>
+      <p:sp>
+        <p:nvSpPr>
+          <p:cNvPr id="2" name="Title 1"/>
+          <p:cNvSpPr>
+            <a:spLocks noGrp="1"/>
+          </p:cNvSpPr>
+          <p:nvPr>
+            <p:ph type="title"/>
+          </p:nvPr>
+        </p:nvSpPr>
+        <p:spPr/>
+        <p:txBody>
+          <a:bodyPr/>
+          <a:lstStyle/>
+          <a:p>
+            <a:r>
+              <a:rPr lang="en-US" dirty="0" smtClean="0"/>
+              <a:t>Arrays</a:t>
+            </a:r>
+            <a:endParaRPr lang="en-US" dirty="0"/>
+          </a:p>
+        </p:txBody>
+      </p:sp>
+      <p:sp>
+        <p:nvSpPr>
+          <p:cNvPr id="3" name="Content Placeholder 2"/>
+          <p:cNvSpPr>
+            <a:spLocks noGrp="1"/>
+          </p:cNvSpPr>
+          <p:nvPr>
+            <p:ph idx="1"/>
+          </p:nvPr>
+        </p:nvSpPr>
+        <p:spPr>
+          <a:xfrm>
+            <a:off x="457200" y="1417637"/>
+            <a:ext cx="8229600" cy="4830763"/>
+          </a:xfrm>
+        </p:spPr>
+        <p:txBody>
+          <a:bodyPr>
+            <a:normAutofit fontScale="92500"/>
+          </a:bodyPr>
+          <a:lstStyle/>
+          <a:p>
+            <a:r>
+              <a:rPr lang="en-IN" dirty="0">
+                <a:latin typeface="Times New Roman" pitchFamily="18" charset="0"/>
+                <a:cs typeface="Times New Roman" pitchFamily="18" charset="0"/>
+              </a:rPr>
+              <a:t>The array is used to store the list of values and each object of the list is termed as an element. </a:t>
+            </a:r>
+            <a:endParaRPr lang="en-IN" dirty="0" smtClean="0">
+              <a:latin typeface="Times New Roman" pitchFamily="18" charset="0"/>
+              <a:cs typeface="Times New Roman" pitchFamily="18" charset="0"/>
+            </a:endParaRPr>
+          </a:p>
+          <a:p>
+            <a:r>
+              <a:rPr lang="en-IN" dirty="0">
+                <a:latin typeface="Times New Roman" pitchFamily="18" charset="0"/>
+                <a:cs typeface="Times New Roman" pitchFamily="18" charset="0"/>
+              </a:rPr>
+              <a:t>Elements can either be a number, string, or any type of </a:t>
             </a:r>
             <a:r>
               <a:rPr lang="en-IN" dirty="0" smtClean="0">
-                <a:hlinkClick r:id="rId2"/>
+                <a:latin typeface="Times New Roman" pitchFamily="18" charset="0"/>
+                <a:cs typeface="Times New Roman" pitchFamily="18" charset="0"/>
               </a:rPr>
-              <a:t>Perl</a:t>
-            </a:r>
-            <a:r>
-              <a:rPr lang="en-IN" dirty="0" smtClean="0"/>
-              <a:t> variable can hold. </a:t>
-            </a:r>
+              <a:t>scalar</a:t>
+            </a:r>
+            <a:r>
+              <a:rPr lang="en-IN" dirty="0">
+                <a:latin typeface="Times New Roman" pitchFamily="18" charset="0"/>
+                <a:cs typeface="Times New Roman" pitchFamily="18" charset="0"/>
+              </a:rPr>
+              <a:t> data including another </a:t>
+            </a:r>
+            <a:r>
+              <a:rPr lang="en-IN" dirty="0" smtClean="0">
+                <a:latin typeface="Times New Roman" pitchFamily="18" charset="0"/>
+                <a:cs typeface="Times New Roman" pitchFamily="18" charset="0"/>
+              </a:rPr>
+              <a:t>variable</a:t>
+            </a:r>
+          </a:p>
+          <a:p>
+            <a:r>
+              <a:rPr lang="en-IN" dirty="0" smtClean="0">
+                <a:latin typeface="Times New Roman" pitchFamily="18" charset="0"/>
+                <a:cs typeface="Times New Roman" pitchFamily="18" charset="0"/>
+              </a:rPr>
+              <a:t>Creation: In </a:t>
+            </a:r>
+            <a:r>
+              <a:rPr lang="en-IN" dirty="0">
+                <a:latin typeface="Times New Roman" pitchFamily="18" charset="0"/>
+                <a:cs typeface="Times New Roman" pitchFamily="18" charset="0"/>
+              </a:rPr>
+              <a:t>Perl programming every array variable is declared using </a:t>
+            </a:r>
+            <a:r>
+              <a:rPr lang="en-IN" b="1" dirty="0">
+                <a:latin typeface="Times New Roman" pitchFamily="18" charset="0"/>
+                <a:cs typeface="Times New Roman" pitchFamily="18" charset="0"/>
+              </a:rPr>
+              <a:t>“@”</a:t>
+            </a:r>
+            <a:r>
+              <a:rPr lang="en-IN" dirty="0">
+                <a:latin typeface="Times New Roman" pitchFamily="18" charset="0"/>
+                <a:cs typeface="Times New Roman" pitchFamily="18" charset="0"/>
+              </a:rPr>
+              <a:t> sign before the variable’s name</a:t>
+            </a:r>
+            <a:r>
+              <a:rPr lang="en-IN" dirty="0" smtClean="0">
+                <a:latin typeface="Times New Roman" pitchFamily="18" charset="0"/>
+                <a:cs typeface="Times New Roman" pitchFamily="18" charset="0"/>
+              </a:rPr>
+              <a:t>.</a:t>
+            </a:r>
+          </a:p>
+          <a:p>
+            <a:pPr>
+              <a:buNone/>
+            </a:pPr>
+            <a:r>
+              <a:rPr lang="en-IN" dirty="0">
+                <a:latin typeface="Times New Roman" pitchFamily="18" charset="0"/>
+                <a:cs typeface="Times New Roman" pitchFamily="18" charset="0"/>
+              </a:rPr>
+              <a:t>	</a:t>
+            </a:r>
+            <a:r>
+              <a:rPr lang="en-IN" dirty="0" smtClean="0">
+                <a:latin typeface="Times New Roman" pitchFamily="18" charset="0"/>
+                <a:cs typeface="Times New Roman" pitchFamily="18" charset="0"/>
+              </a:rPr>
+              <a:t>ex:</a:t>
+            </a:r>
+            <a:r>
+              <a:rPr lang="nb-NO" sz="2600" dirty="0" smtClean="0">
+                <a:latin typeface="Times New Roman" pitchFamily="18" charset="0"/>
+                <a:cs typeface="Times New Roman" pitchFamily="18" charset="0"/>
+              </a:rPr>
+              <a:t>@arr = (1, 2, 3); @arr = (1, 2, 3, "Hello");</a:t>
+            </a:r>
+          </a:p>
+          <a:p>
+            <a:r>
+              <a:rPr lang="en-IN" dirty="0" smtClean="0">
+                <a:latin typeface="Times New Roman" pitchFamily="18" charset="0"/>
+                <a:cs typeface="Times New Roman" pitchFamily="18" charset="0"/>
+              </a:rPr>
+              <a:t>Array can store </a:t>
+            </a:r>
+            <a:r>
+              <a:rPr lang="en-IN" dirty="0">
+                <a:latin typeface="Times New Roman" pitchFamily="18" charset="0"/>
+                <a:cs typeface="Times New Roman" pitchFamily="18" charset="0"/>
+              </a:rPr>
+              <a:t>elements of multiple </a:t>
+            </a:r>
+            <a:r>
+              <a:rPr lang="en-IN" dirty="0" smtClean="0">
+                <a:latin typeface="Times New Roman" pitchFamily="18" charset="0"/>
+                <a:cs typeface="Times New Roman" pitchFamily="18" charset="0"/>
+              </a:rPr>
+              <a:t>data types.</a:t>
+            </a:r>
+            <a:endParaRPr lang="en-US" dirty="0">
+              <a:latin typeface="Times New Roman" pitchFamily="18" charset="0"/>
+              <a:cs typeface="Times New Roman" pitchFamily="18" charset="0"/>
+            </a:endParaRPr>
+          </a:p>
+        </p:txBody>
+      </p:sp>
+    </p:spTree>
+  </p:cSld>
+  <p:clrMapOvr>
+    <a:masterClrMapping/>
+  </p:clrMapOvr>
+</p:sld>
+</file>
+
+<file path=ppt/slides/slide44.xml><?xml version="1.0" encoding="utf-8"?>
+<p:sld xmlns:a="http://schemas.openxmlformats.org/drawingml/2006/main" xmlns:r="http://schemas.openxmlformats.org/officeDocument/2006/relationships" xmlns:p="http://schemas.openxmlformats.org/presentationml/2006/main">
+  <p:cSld>
+    <p:spTree>
+      <p:nvGrpSpPr>
+        <p:cNvPr id="1" name=""/>
+        <p:cNvGrpSpPr/>
+        <p:nvPr/>
+      </p:nvGrpSpPr>
+      <p:grpSpPr>
+        <a:xfrm>
+          <a:off x="0" y="0"/>
+          <a:ext cx="0" cy="0"/>
+          <a:chOff x="0" y="0"/>
+          <a:chExt cx="0" cy="0"/>
+        </a:xfrm>
+      </p:grpSpPr>
+      <p:sp>
+        <p:nvSpPr>
+          <p:cNvPr id="3" name="Content Placeholder 2"/>
+          <p:cNvSpPr>
+            <a:spLocks noGrp="1"/>
+          </p:cNvSpPr>
+          <p:nvPr>
+            <p:ph idx="1"/>
+          </p:nvPr>
+        </p:nvSpPr>
+        <p:spPr>
+          <a:xfrm>
+            <a:off x="457200" y="609600"/>
+            <a:ext cx="8229600" cy="5516563"/>
+          </a:xfrm>
+        </p:spPr>
+        <p:txBody>
+          <a:bodyPr>
+            <a:normAutofit/>
+          </a:bodyPr>
+          <a:lstStyle/>
+          <a:p>
+            <a:r>
+              <a:rPr lang="en-US" dirty="0" smtClean="0"/>
+              <a:t>qw(): This is used to create an array on single quoted words.</a:t>
+            </a:r>
+          </a:p>
+          <a:p>
+            <a:pPr>
+              <a:buNone/>
+            </a:pPr>
+            <a:r>
+              <a:rPr lang="en-US" dirty="0"/>
+              <a:t>	</a:t>
+            </a:r>
+            <a:r>
+              <a:rPr lang="en-US" dirty="0" smtClean="0"/>
+              <a:t>Syntax:</a:t>
+            </a:r>
+          </a:p>
+          <a:p>
+            <a:pPr>
+              <a:buNone/>
+            </a:pPr>
+            <a:r>
+              <a:rPr lang="en-US" dirty="0"/>
+              <a:t>	</a:t>
+            </a:r>
+            <a:r>
+              <a:rPr lang="fr-FR" sz="2400" dirty="0" smtClean="0"/>
+              <a:t>qw (Expression) qw /Expression/ qw 'Expression' qw {Expression}</a:t>
+            </a:r>
+          </a:p>
+          <a:p>
+            <a:pPr>
+              <a:buNone/>
+            </a:pPr>
+            <a:r>
+              <a:rPr lang="en-IN" sz="2400" dirty="0" smtClean="0"/>
+              <a:t>	@arr1</a:t>
+            </a:r>
+            <a:r>
+              <a:rPr lang="en-IN" sz="2400" dirty="0"/>
+              <a:t> </a:t>
+            </a:r>
+            <a:r>
+              <a:rPr lang="en-IN" sz="2400" dirty="0" smtClean="0"/>
+              <a:t>= qw /This is a Perl/;</a:t>
+            </a:r>
+          </a:p>
+          <a:p>
+            <a:pPr>
+              <a:buNone/>
+            </a:pPr>
+            <a:r>
+              <a:rPr lang="en-IN" sz="2400" dirty="0"/>
+              <a:t>	</a:t>
+            </a:r>
+            <a:r>
+              <a:rPr lang="en-IN" sz="2400" dirty="0" smtClean="0"/>
+              <a:t>output: [‘This’, ’is’, ’a’, ’Perl’]</a:t>
+            </a:r>
+          </a:p>
+          <a:p>
+            <a:r>
+              <a:rPr lang="en-IN" dirty="0"/>
+              <a:t>For accessing the elements of an array we must prefix </a:t>
+            </a:r>
+            <a:r>
+              <a:rPr lang="en-IN" b="1" dirty="0"/>
+              <a:t>“$”</a:t>
+            </a:r>
+            <a:r>
+              <a:rPr lang="en-IN" dirty="0"/>
+              <a:t> sign before the array </a:t>
+            </a:r>
+            <a:r>
+              <a:rPr lang="en-IN" dirty="0" smtClean="0"/>
+              <a:t>variable</a:t>
+            </a:r>
+          </a:p>
+          <a:p>
+            <a:pPr>
+              <a:buNone/>
+            </a:pPr>
+            <a:r>
+              <a:rPr lang="en-IN" dirty="0"/>
+              <a:t>	</a:t>
+            </a:r>
+            <a:r>
+              <a:rPr lang="en-US" sz="2400" dirty="0" smtClean="0"/>
+              <a:t>$</a:t>
+            </a:r>
+            <a:r>
+              <a:rPr lang="en-US" sz="2400" dirty="0" err="1" smtClean="0"/>
+              <a:t>arr</a:t>
+            </a:r>
+            <a:r>
+              <a:rPr lang="en-US" sz="2400" dirty="0" smtClean="0"/>
+              <a:t>[0]</a:t>
+            </a:r>
+          </a:p>
+          <a:p>
+            <a:endParaRPr lang="en-US" dirty="0"/>
+          </a:p>
+        </p:txBody>
+      </p:sp>
+    </p:spTree>
+  </p:cSld>
+  <p:clrMapOvr>
+    <a:masterClrMapping/>
+  </p:clrMapOvr>
+</p:sld>
+</file>
+
+<file path=ppt/slides/slide45.xml><?xml version="1.0" encoding="utf-8"?>
+<p:sld xmlns:a="http://schemas.openxmlformats.org/drawingml/2006/main" xmlns:r="http://schemas.openxmlformats.org/officeDocument/2006/relationships" xmlns:p="http://schemas.openxmlformats.org/presentationml/2006/main">
+  <p:cSld>
+    <p:spTree>
+      <p:nvGrpSpPr>
+        <p:cNvPr id="1" name=""/>
+        <p:cNvGrpSpPr/>
+        <p:nvPr/>
+      </p:nvGrpSpPr>
+      <p:grpSpPr>
+        <a:xfrm>
+          <a:off x="0" y="0"/>
+          <a:ext cx="0" cy="0"/>
+          <a:chOff x="0" y="0"/>
+          <a:chExt cx="0" cy="0"/>
+        </a:xfrm>
+      </p:grpSpPr>
+      <p:sp>
+        <p:nvSpPr>
+          <p:cNvPr id="3" name="Content Placeholder 2"/>
+          <p:cNvSpPr>
+            <a:spLocks noGrp="1"/>
+          </p:cNvSpPr>
+          <p:nvPr>
+            <p:ph idx="1"/>
+          </p:nvPr>
+        </p:nvSpPr>
+        <p:spPr>
+          <a:xfrm>
+            <a:off x="457200" y="503237"/>
+            <a:ext cx="8229600" cy="5821363"/>
+          </a:xfrm>
+        </p:spPr>
+        <p:txBody>
+          <a:bodyPr>
+            <a:normAutofit/>
+          </a:bodyPr>
+          <a:lstStyle/>
+          <a:p>
+            <a:r>
+              <a:rPr lang="en-IN" dirty="0" smtClean="0"/>
+              <a:t>Giving negative index will result in selecting the array elements from ending.</a:t>
+            </a:r>
+          </a:p>
+          <a:p>
+            <a:pPr>
+              <a:buNone/>
+            </a:pPr>
+            <a:r>
+              <a:rPr lang="en-IN" dirty="0" smtClean="0"/>
+              <a:t>	ex:</a:t>
+            </a:r>
+          </a:p>
+          <a:p>
+            <a:pPr fontAlgn="base">
+              <a:buNone/>
+            </a:pPr>
+            <a:r>
+              <a:rPr lang="en-IN" sz="2400" dirty="0" smtClean="0"/>
+              <a:t>@fruits = ("apple", "banana", "pineapple", "kiwi");   </a:t>
+            </a:r>
+          </a:p>
+          <a:p>
+            <a:pPr fontAlgn="base">
+              <a:buNone/>
+            </a:pPr>
+            <a:r>
+              <a:rPr lang="en-IN" sz="2400" dirty="0" smtClean="0"/>
+              <a:t>	print "$fruits[-1]\n"; 	//kiwi</a:t>
+            </a:r>
+          </a:p>
+          <a:p>
+            <a:pPr fontAlgn="base">
+              <a:buNone/>
+            </a:pPr>
+            <a:r>
+              <a:rPr lang="en-IN" sz="2400" dirty="0" smtClean="0"/>
+              <a:t>	print "$fruits[-2]\n"; 	//pineapple</a:t>
+            </a:r>
+          </a:p>
+          <a:p>
+            <a:pPr fontAlgn="base"/>
+            <a:r>
+              <a:rPr lang="en-IN" sz="2800" b="1" dirty="0" smtClean="0"/>
+              <a:t>Sequential Number Arrays: </a:t>
+            </a:r>
+            <a:r>
+              <a:rPr lang="en-IN" sz="2800" dirty="0" smtClean="0"/>
+              <a:t>Perl also provides a shortcut to make a sequential array of numbers or letters. </a:t>
+            </a:r>
+          </a:p>
+          <a:p>
+            <a:pPr fontAlgn="base">
+              <a:buNone/>
+            </a:pPr>
+            <a:r>
+              <a:rPr lang="en-IN" sz="2800" dirty="0" smtClean="0"/>
+              <a:t>	</a:t>
+            </a:r>
+            <a:r>
+              <a:rPr lang="en-IN" sz="2000" dirty="0" smtClean="0"/>
+              <a:t>@array = (1..9); # array with numbers from 1 to 9 </a:t>
+            </a:r>
+          </a:p>
+          <a:p>
+            <a:pPr fontAlgn="base">
+              <a:buNone/>
+            </a:pPr>
+            <a:r>
+              <a:rPr lang="en-IN" sz="2000" dirty="0" smtClean="0"/>
+              <a:t>	@array = (a..h); # array with letters from a to h</a:t>
+            </a:r>
+          </a:p>
+          <a:p>
+            <a:pPr>
+              <a:buNone/>
+            </a:pPr>
+            <a:endParaRPr lang="en-US" dirty="0"/>
+          </a:p>
+        </p:txBody>
+      </p:sp>
+    </p:spTree>
+  </p:cSld>
+  <p:clrMapOvr>
+    <a:masterClrMapping/>
+  </p:clrMapOvr>
+</p:sld>
+</file>
+
+<file path=ppt/slides/slide46.xml><?xml version="1.0" encoding="utf-8"?>
+<p:sld xmlns:a="http://schemas.openxmlformats.org/drawingml/2006/main" xmlns:r="http://schemas.openxmlformats.org/officeDocument/2006/relationships" xmlns:p="http://schemas.openxmlformats.org/presentationml/2006/main">
+  <p:cSld>
+    <p:spTree>
+      <p:nvGrpSpPr>
+        <p:cNvPr id="1" name=""/>
+        <p:cNvGrpSpPr/>
+        <p:nvPr/>
+      </p:nvGrpSpPr>
+      <p:grpSpPr>
+        <a:xfrm>
+          <a:off x="0" y="0"/>
+          <a:ext cx="0" cy="0"/>
+          <a:chOff x="0" y="0"/>
+          <a:chExt cx="0" cy="0"/>
+        </a:xfrm>
+      </p:grpSpPr>
+      <p:sp>
+        <p:nvSpPr>
+          <p:cNvPr id="3" name="Content Placeholder 2"/>
+          <p:cNvSpPr>
+            <a:spLocks noGrp="1"/>
+          </p:cNvSpPr>
+          <p:nvPr>
+            <p:ph idx="1"/>
+          </p:nvPr>
+        </p:nvSpPr>
+        <p:spPr>
+          <a:xfrm>
+            <a:off x="457200" y="533400"/>
+            <a:ext cx="8229600" cy="5592763"/>
+          </a:xfrm>
+        </p:spPr>
+        <p:txBody>
+          <a:bodyPr>
+            <a:normAutofit fontScale="92500" lnSpcReduction="10000"/>
+          </a:bodyPr>
+          <a:lstStyle/>
+          <a:p>
+            <a:r>
+              <a:rPr lang="en-US" dirty="0" smtClean="0"/>
+              <a:t>Size of array: It </a:t>
+            </a:r>
+            <a:r>
+              <a:rPr lang="en-IN" dirty="0" smtClean="0"/>
+              <a:t>can be found by evaluating the array in scalar context.</a:t>
+            </a:r>
+            <a:endParaRPr lang="en-US" dirty="0" smtClean="0"/>
+          </a:p>
+          <a:p>
+            <a:pPr fontAlgn="base">
+              <a:buNone/>
+            </a:pPr>
+            <a:r>
+              <a:rPr lang="en-IN" sz="2400" b="1" dirty="0" smtClean="0"/>
+              <a:t>	Implicit Scalar Context:</a:t>
+            </a:r>
+            <a:r>
+              <a:rPr lang="en-IN" sz="2400" dirty="0" smtClean="0"/>
+              <a:t>$size = @array;</a:t>
+            </a:r>
+          </a:p>
+          <a:p>
+            <a:pPr fontAlgn="base">
+              <a:buNone/>
+            </a:pPr>
+            <a:r>
+              <a:rPr lang="en-IN" sz="2400" b="1" dirty="0" smtClean="0"/>
+              <a:t>	Explicit scalar context using keyword scalar:</a:t>
+            </a:r>
+          </a:p>
+          <a:p>
+            <a:pPr fontAlgn="base">
+              <a:buNone/>
+            </a:pPr>
+            <a:r>
+              <a:rPr lang="en-IN" sz="2400" dirty="0" smtClean="0"/>
+              <a:t>	$size = scalar @array;</a:t>
+            </a:r>
+          </a:p>
+          <a:p>
+            <a:pPr fontAlgn="base">
+              <a:buNone/>
+            </a:pPr>
+            <a:r>
+              <a:rPr lang="en-US" sz="2400" dirty="0" smtClean="0"/>
+              <a:t>	$maximum_index = $#arr; </a:t>
+            </a:r>
+          </a:p>
+          <a:p>
+            <a:pPr fontAlgn="base"/>
+            <a:r>
+              <a:rPr lang="en-IN" dirty="0" smtClean="0"/>
+              <a:t>Slicing: It is done to access a range of elements in an array in order</a:t>
+            </a:r>
+          </a:p>
+          <a:p>
+            <a:pPr fontAlgn="base">
+              <a:buNone/>
+            </a:pPr>
+            <a:r>
+              <a:rPr lang="en-IN" sz="3000" dirty="0" smtClean="0"/>
+              <a:t>	-Passing multiple index values</a:t>
+            </a:r>
+          </a:p>
+          <a:p>
+            <a:pPr fontAlgn="base">
+              <a:buNone/>
+            </a:pPr>
+            <a:r>
+              <a:rPr lang="en-IN" dirty="0" smtClean="0"/>
+              <a:t>	</a:t>
+            </a:r>
+            <a:r>
+              <a:rPr lang="en-US" sz="2400" dirty="0" smtClean="0"/>
+              <a:t>@array = (‘Sun', ‘Moon', ‘Earth'); </a:t>
+            </a:r>
+          </a:p>
+          <a:p>
+            <a:pPr fontAlgn="base">
+              <a:buNone/>
+            </a:pPr>
+            <a:r>
+              <a:rPr lang="en-US" sz="2400" dirty="0" smtClean="0"/>
+              <a:t>	@</a:t>
+            </a:r>
+            <a:r>
+              <a:rPr lang="en-US" sz="2400" dirty="0" err="1" smtClean="0"/>
+              <a:t>extracted_elements</a:t>
+            </a:r>
+            <a:r>
+              <a:rPr lang="en-US" sz="2400" dirty="0" smtClean="0"/>
+              <a:t> = @array[1, 2];</a:t>
+            </a:r>
+          </a:p>
+          <a:p>
+            <a:pPr fontAlgn="base">
+              <a:buNone/>
+            </a:pPr>
+            <a:r>
+              <a:rPr lang="en-US" sz="2400" dirty="0" smtClean="0"/>
+              <a:t>	output: Moon Earth</a:t>
+            </a:r>
+          </a:p>
+          <a:p>
+            <a:pPr fontAlgn="base">
+              <a:buNone/>
+            </a:pPr>
+            <a:r>
+              <a:rPr lang="en-US" dirty="0" smtClean="0"/>
+              <a:t>  </a:t>
+            </a:r>
+          </a:p>
+          <a:p>
+            <a:pPr fontAlgn="base">
+              <a:buNone/>
+            </a:pPr>
             <a:endParaRPr lang="en-IN" dirty="0" smtClean="0"/>
           </a:p>
           <a:p>
-            <a:r>
-              <a:rPr lang="en-IN" dirty="0" smtClean="0"/>
-              <a:t>The </a:t>
-            </a:r>
-            <a:r>
-              <a:rPr lang="en-IN" dirty="0" smtClean="0">
-                <a:hlinkClick r:id="rId2"/>
-              </a:rPr>
-              <a:t>Perl </a:t>
-            </a:r>
-            <a:r>
-              <a:rPr lang="en-IN" dirty="0" smtClean="0"/>
-              <a:t>interpreter will choose the type based on the context of the data itself</a:t>
-            </a:r>
-            <a:r>
-              <a:rPr lang="en-IN" dirty="0" smtClean="0"/>
-              <a:t>.</a:t>
-            </a:r>
-          </a:p>
-          <a:p>
-            <a:r>
-              <a:rPr lang="en-IN" dirty="0" smtClean="0"/>
-              <a:t>There are 3 data types in Perl as follows</a:t>
-            </a:r>
-            <a:r>
-              <a:rPr lang="en-IN" dirty="0" smtClean="0"/>
+            <a:pPr fontAlgn="base">
+              <a:buNone/>
+            </a:pPr>
+            <a:endParaRPr lang="en-IN" sz="2400" dirty="0" smtClean="0"/>
+          </a:p>
+          <a:p>
+            <a:endParaRPr lang="en-US" dirty="0"/>
+          </a:p>
+        </p:txBody>
+      </p:sp>
+    </p:spTree>
+  </p:cSld>
+  <p:clrMapOvr>
+    <a:masterClrMapping/>
+  </p:clrMapOvr>
+</p:sld>
+</file>
+
+<file path=ppt/slides/slide47.xml><?xml version="1.0" encoding="utf-8"?>
+<p:sld xmlns:a="http://schemas.openxmlformats.org/drawingml/2006/main" xmlns:r="http://schemas.openxmlformats.org/officeDocument/2006/relationships" xmlns:p="http://schemas.openxmlformats.org/presentationml/2006/main">
+  <p:cSld>
+    <p:spTree>
+      <p:nvGrpSpPr>
+        <p:cNvPr id="1" name=""/>
+        <p:cNvGrpSpPr/>
+        <p:nvPr/>
+      </p:nvGrpSpPr>
+      <p:grpSpPr>
+        <a:xfrm>
+          <a:off x="0" y="0"/>
+          <a:ext cx="0" cy="0"/>
+          <a:chOff x="0" y="0"/>
+          <a:chExt cx="0" cy="0"/>
+        </a:xfrm>
+      </p:grpSpPr>
+      <p:sp>
+        <p:nvSpPr>
+          <p:cNvPr id="3" name="Content Placeholder 2"/>
+          <p:cNvSpPr>
+            <a:spLocks noGrp="1"/>
+          </p:cNvSpPr>
+          <p:nvPr>
+            <p:ph idx="1"/>
+          </p:nvPr>
+        </p:nvSpPr>
+        <p:spPr>
+          <a:xfrm>
+            <a:off x="457200" y="304800"/>
+            <a:ext cx="8229600" cy="6324600"/>
+          </a:xfrm>
+        </p:spPr>
+        <p:txBody>
+          <a:bodyPr>
+            <a:normAutofit fontScale="92500" lnSpcReduction="10000"/>
+          </a:bodyPr>
+          <a:lstStyle/>
+          <a:p>
+            <a:pPr fontAlgn="base">
+              <a:buNone/>
+            </a:pPr>
+            <a:r>
+              <a:rPr lang="en-IN" sz="2800" dirty="0" smtClean="0"/>
+              <a:t>-Using range operator</a:t>
+            </a:r>
+          </a:p>
+          <a:p>
+            <a:pPr fontAlgn="base">
+              <a:buNone/>
+            </a:pPr>
+            <a:r>
+              <a:rPr lang="en-IN" dirty="0" smtClean="0"/>
+              <a:t>	</a:t>
+            </a:r>
+            <a:r>
+              <a:rPr lang="en-US" sz="2400" dirty="0" smtClean="0"/>
+              <a:t>@array = (‘Sun', ‘Moon', ‘Earth‘, ’Mars’, ‘</a:t>
+            </a:r>
+            <a:r>
+              <a:rPr lang="en-US" sz="2400" dirty="0" err="1" smtClean="0"/>
+              <a:t>Jupitor</a:t>
+            </a:r>
+            <a:r>
+              <a:rPr lang="en-US" sz="2400" dirty="0" smtClean="0"/>
+              <a:t>’); </a:t>
+            </a:r>
+          </a:p>
+          <a:p>
+            <a:pPr fontAlgn="base">
+              <a:buNone/>
+            </a:pPr>
+            <a:r>
+              <a:rPr lang="en-US" sz="2400" dirty="0" smtClean="0"/>
+              <a:t>	@</a:t>
+            </a:r>
+            <a:r>
+              <a:rPr lang="en-US" sz="2400" dirty="0" err="1" smtClean="0"/>
+              <a:t>extracted_elements</a:t>
+            </a:r>
+            <a:r>
+              <a:rPr lang="en-US" sz="2400" dirty="0" smtClean="0"/>
+              <a:t> = @array[1..3];</a:t>
+            </a:r>
+          </a:p>
+          <a:p>
+            <a:pPr fontAlgn="base">
+              <a:buNone/>
+            </a:pPr>
+            <a:r>
+              <a:rPr lang="en-US" sz="2400" dirty="0" smtClean="0"/>
+              <a:t>	output: Moon Earth Mars</a:t>
+            </a:r>
+          </a:p>
+          <a:p>
+            <a:pPr fontAlgn="base"/>
+            <a:r>
+              <a:rPr lang="en-US" dirty="0" smtClean="0"/>
+              <a:t>Push - </a:t>
+            </a:r>
+            <a:r>
+              <a:rPr lang="en-IN" dirty="0" smtClean="0"/>
+              <a:t>Inserts values of the list at the end of an array</a:t>
+            </a:r>
+            <a:endParaRPr lang="en-IN" sz="2400" dirty="0" smtClean="0"/>
+          </a:p>
+          <a:p>
+            <a:pPr fontAlgn="base">
+              <a:buNone/>
+            </a:pPr>
+            <a:r>
+              <a:rPr lang="en-IN" sz="2400" dirty="0" smtClean="0"/>
+              <a:t>	syntax: </a:t>
+            </a:r>
+            <a:r>
+              <a:rPr lang="en-US" sz="2400" i="1" dirty="0" smtClean="0"/>
+              <a:t> push(Array, list)</a:t>
+            </a:r>
+          </a:p>
+          <a:p>
+            <a:pPr fontAlgn="base">
+              <a:buNone/>
+            </a:pPr>
+            <a:r>
+              <a:rPr lang="en-US" sz="2400" i="1" dirty="0" smtClean="0"/>
+              <a:t>	</a:t>
+            </a:r>
+            <a:r>
+              <a:rPr lang="en-US" sz="2400" i="1" dirty="0" err="1" smtClean="0"/>
+              <a:t>ex:</a:t>
+            </a:r>
+            <a:r>
+              <a:rPr lang="en-US" sz="2400" dirty="0" err="1" smtClean="0"/>
+              <a:t>push</a:t>
+            </a:r>
+            <a:r>
+              <a:rPr lang="en-US" sz="2400" dirty="0" smtClean="0"/>
+              <a:t>(@x, 'Python', 'Perl'); </a:t>
+            </a:r>
+          </a:p>
+          <a:p>
+            <a:pPr fontAlgn="base"/>
+            <a:r>
+              <a:rPr lang="en-US" dirty="0" smtClean="0"/>
+              <a:t>Pop - </a:t>
+            </a:r>
+            <a:r>
+              <a:rPr lang="en-IN" dirty="0" smtClean="0"/>
+              <a:t>Removes the last value of an array</a:t>
+            </a:r>
+          </a:p>
+          <a:p>
+            <a:pPr fontAlgn="base">
+              <a:buNone/>
+            </a:pPr>
+            <a:r>
+              <a:rPr lang="en-IN" sz="2400" dirty="0" smtClean="0"/>
+              <a:t>	syntax: </a:t>
+            </a:r>
+            <a:r>
+              <a:rPr lang="en-US" sz="2400" i="1" dirty="0" smtClean="0"/>
+              <a:t> pop(Array)</a:t>
+            </a:r>
+          </a:p>
+          <a:p>
+            <a:pPr fontAlgn="base"/>
+            <a:r>
+              <a:rPr lang="en-US" dirty="0" smtClean="0"/>
+              <a:t>Shift - </a:t>
+            </a:r>
+            <a:r>
+              <a:rPr lang="en-IN" dirty="0" smtClean="0"/>
+              <a:t>Shifts all the values of an array on its left</a:t>
+            </a:r>
+          </a:p>
+          <a:p>
+            <a:pPr fontAlgn="base">
+              <a:buNone/>
+            </a:pPr>
+            <a:r>
+              <a:rPr lang="en-IN" sz="2400" dirty="0" smtClean="0"/>
+              <a:t>	syntax: </a:t>
+            </a:r>
+            <a:r>
+              <a:rPr lang="en-IN" sz="2400" i="1" dirty="0" smtClean="0"/>
+              <a:t>shift(Array)</a:t>
+            </a:r>
+          </a:p>
+          <a:p>
+            <a:pPr fontAlgn="base">
+              <a:buNone/>
+            </a:pPr>
+            <a:r>
+              <a:rPr lang="en-IN" sz="2400" i="1" dirty="0" smtClean="0"/>
+              <a:t>	ex: </a:t>
+            </a:r>
+            <a:r>
+              <a:rPr lang="en-US" sz="2400" dirty="0" smtClean="0"/>
+              <a:t>@x = ('Java', 'C', 'C++'); </a:t>
+            </a:r>
+          </a:p>
+          <a:p>
+            <a:pPr fontAlgn="base">
+              <a:buNone/>
+            </a:pPr>
+            <a:r>
+              <a:rPr lang="en-US" sz="2400" i="1" dirty="0" smtClean="0"/>
+              <a:t>		</a:t>
+            </a:r>
+            <a:r>
+              <a:rPr lang="en-US" sz="2400" i="1" dirty="0" err="1" smtClean="0"/>
+              <a:t>shift@x</a:t>
+            </a:r>
+            <a:r>
+              <a:rPr lang="en-US" sz="2400" i="1" dirty="0" smtClean="0"/>
+              <a:t> 	//updated array:  @x=(‘C’,’C++’)</a:t>
+            </a:r>
+          </a:p>
+          <a:p>
+            <a:pPr fontAlgn="base">
+              <a:buNone/>
+            </a:pPr>
+            <a:endParaRPr lang="en-US" sz="2400" dirty="0" smtClean="0"/>
+          </a:p>
+          <a:p>
+            <a:pPr fontAlgn="base">
+              <a:buNone/>
+            </a:pPr>
+            <a:endParaRPr lang="en-US" sz="2400" dirty="0" smtClean="0"/>
+          </a:p>
+          <a:p>
+            <a:pPr>
+              <a:buNone/>
+            </a:pPr>
+            <a:endParaRPr lang="en-US" dirty="0"/>
+          </a:p>
+        </p:txBody>
+      </p:sp>
+    </p:spTree>
+  </p:cSld>
+  <p:clrMapOvr>
+    <a:masterClrMapping/>
+  </p:clrMapOvr>
+</p:sld>
+</file>
+
+<file path=ppt/slides/slide48.xml><?xml version="1.0" encoding="utf-8"?>
+<p:sld xmlns:a="http://schemas.openxmlformats.org/drawingml/2006/main" xmlns:r="http://schemas.openxmlformats.org/officeDocument/2006/relationships" xmlns:p="http://schemas.openxmlformats.org/presentationml/2006/main">
+  <p:cSld>
+    <p:spTree>
+      <p:nvGrpSpPr>
+        <p:cNvPr id="1" name=""/>
+        <p:cNvGrpSpPr/>
+        <p:nvPr/>
+      </p:nvGrpSpPr>
+      <p:grpSpPr>
+        <a:xfrm>
+          <a:off x="0" y="0"/>
+          <a:ext cx="0" cy="0"/>
+          <a:chOff x="0" y="0"/>
+          <a:chExt cx="0" cy="0"/>
+        </a:xfrm>
+      </p:grpSpPr>
+      <p:sp>
+        <p:nvSpPr>
+          <p:cNvPr id="3" name="Content Placeholder 2"/>
+          <p:cNvSpPr>
+            <a:spLocks noGrp="1"/>
+          </p:cNvSpPr>
+          <p:nvPr>
+            <p:ph idx="1"/>
+          </p:nvPr>
+        </p:nvSpPr>
+        <p:spPr>
+          <a:xfrm>
+            <a:off x="457200" y="457200"/>
+            <a:ext cx="8229600" cy="5668963"/>
+          </a:xfrm>
+        </p:spPr>
+        <p:txBody>
+          <a:bodyPr/>
+          <a:lstStyle/>
+          <a:p>
+            <a:r>
+              <a:rPr lang="en-US" dirty="0" err="1" smtClean="0"/>
+              <a:t>Unshift</a:t>
+            </a:r>
+            <a:r>
+              <a:rPr lang="en-US" dirty="0" smtClean="0"/>
               <a:t>:</a:t>
             </a:r>
-          </a:p>
-          <a:p>
-            <a:pPr>
+            <a:r>
+              <a:rPr lang="en-IN" dirty="0" smtClean="0"/>
+              <a:t>Adds the list element to the front of an array</a:t>
+            </a:r>
+          </a:p>
+          <a:p>
+            <a:pPr fontAlgn="base">
               <a:buNone/>
             </a:pPr>
             <a:r>
@@ -5535,35 +9691,89 @@
               <a:t>	</a:t>
             </a:r>
             <a:r>
-              <a:rPr lang="en-IN" dirty="0" smtClean="0"/>
-              <a:t>Scalars</a:t>
-            </a:r>
-          </a:p>
-          <a:p>
-            <a:pPr>
-              <a:buNone/>
-            </a:pPr>
-            <a:r>
-              <a:rPr lang="en-IN" dirty="0" smtClean="0"/>
-              <a:t>	</a:t>
-            </a:r>
-            <a:r>
-              <a:rPr lang="en-IN" dirty="0" smtClean="0"/>
-              <a:t>Arrays</a:t>
-            </a:r>
-          </a:p>
-          <a:p>
-            <a:pPr>
-              <a:buNone/>
-            </a:pPr>
-            <a:r>
-              <a:rPr lang="en-IN" dirty="0" smtClean="0"/>
-              <a:t>	</a:t>
-            </a:r>
-            <a:r>
-              <a:rPr lang="en-IN" dirty="0" smtClean="0"/>
-              <a:t>Hashes</a:t>
-            </a:r>
+              <a:rPr lang="en-IN" sz="2200" dirty="0" smtClean="0"/>
+              <a:t>syntax: </a:t>
+            </a:r>
+            <a:r>
+              <a:rPr lang="en-IN" sz="2200" i="1" dirty="0" err="1" smtClean="0"/>
+              <a:t>unshift</a:t>
+            </a:r>
+            <a:r>
+              <a:rPr lang="en-IN" sz="2200" i="1" dirty="0" smtClean="0"/>
+              <a:t>(</a:t>
+            </a:r>
+            <a:r>
+              <a:rPr lang="en-IN" sz="2200" i="1" dirty="0" err="1" smtClean="0"/>
+              <a:t>Array,List</a:t>
+            </a:r>
+            <a:r>
+              <a:rPr lang="en-IN" sz="2200" i="1" dirty="0" smtClean="0"/>
+              <a:t>)</a:t>
+            </a:r>
+          </a:p>
+          <a:p>
+            <a:pPr fontAlgn="base">
+              <a:buNone/>
+            </a:pPr>
+            <a:r>
+              <a:rPr lang="en-IN" sz="2200" i="1" dirty="0" smtClean="0"/>
+              <a:t>	ex: </a:t>
+            </a:r>
+            <a:r>
+              <a:rPr lang="en-US" sz="2200" dirty="0" smtClean="0"/>
+              <a:t>@x = ('Java', 'C', 'C++'); </a:t>
+            </a:r>
+          </a:p>
+          <a:p>
+            <a:pPr fontAlgn="base">
+              <a:buNone/>
+            </a:pPr>
+            <a:r>
+              <a:rPr lang="en-US" sz="2200" i="1" dirty="0" smtClean="0"/>
+              <a:t>		</a:t>
+            </a:r>
+            <a:r>
+              <a:rPr lang="en-US" sz="2200" i="1" dirty="0" err="1" smtClean="0"/>
+              <a:t>unshift</a:t>
+            </a:r>
+            <a:r>
+              <a:rPr lang="en-US" sz="2200" i="1" dirty="0" smtClean="0"/>
+              <a:t>(@x ,’PHP’,’JSP’) </a:t>
+            </a:r>
+          </a:p>
+          <a:p>
+            <a:pPr fontAlgn="base">
+              <a:buNone/>
+            </a:pPr>
+            <a:r>
+              <a:rPr lang="en-US" sz="2200" i="1" smtClean="0"/>
+              <a:t>	//</a:t>
+            </a:r>
+            <a:r>
+              <a:rPr lang="en-US" sz="2200" i="1" dirty="0" smtClean="0"/>
+              <a:t>updated array:  @</a:t>
+            </a:r>
+            <a:r>
+              <a:rPr lang="en-US" sz="2200" i="1" smtClean="0"/>
+              <a:t>x=(‘</a:t>
+            </a:r>
+            <a:r>
+              <a:rPr lang="en-US" sz="2400" smtClean="0"/>
+              <a:t>PHP ‘,’JSP’ ,’Java’, ‘C ‘,’C++’</a:t>
+            </a:r>
+            <a:r>
+              <a:rPr lang="en-US" sz="2200" i="1" smtClean="0"/>
+              <a:t>)</a:t>
+            </a:r>
+            <a:endParaRPr lang="en-US" sz="2200" i="1" dirty="0" smtClean="0"/>
+          </a:p>
+          <a:p>
+            <a:pPr>
+              <a:buNone/>
+            </a:pPr>
+            <a:endParaRPr lang="en-IN" dirty="0" smtClean="0"/>
+          </a:p>
+          <a:p>
             <a:endParaRPr lang="en-US" dirty="0"/>
           </a:p>
         </p:txBody>
@@ -5605,14 +9815,16 @@
         </p:nvSpPr>
         <p:spPr/>
         <p:txBody>
-          <a:bodyPr/>
-          <a:lstStyle/>
-          <a:p>
-            <a:r>
-              <a:rPr lang="en-US" dirty="0" smtClean="0"/>
-              <a:t>Scalars</a:t>
-            </a:r>
-            <a:endParaRPr lang="en-US" dirty="0"/>
+          <a:bodyPr>
+            <a:normAutofit/>
+          </a:bodyPr>
+          <a:lstStyle/>
+          <a:p>
+            <a:r>
+              <a:rPr lang="en-IN" dirty="0" smtClean="0"/>
+              <a:t>Programming Types</a:t>
+            </a:r>
+            <a:endParaRPr lang="en-US" dirty="0" smtClean="0"/>
           </a:p>
         </p:txBody>
       </p:sp>
@@ -5626,137 +9838,307 @@
             <p:ph idx="1"/>
           </p:nvPr>
         </p:nvSpPr>
-        <p:spPr>
-          <a:xfrm>
-            <a:off x="457200" y="1295400"/>
-            <a:ext cx="8229600" cy="4830763"/>
-          </a:xfrm>
-        </p:spPr>
+        <p:spPr/>
         <p:txBody>
           <a:bodyPr>
-            <a:normAutofit fontScale="92500" lnSpcReduction="20000"/>
+            <a:normAutofit fontScale="85000" lnSpcReduction="10000"/>
           </a:bodyPr>
           <a:lstStyle/>
           <a:p>
-            <a:r>
-              <a:rPr lang="en-IN" dirty="0" smtClean="0"/>
-              <a:t>It is a single unit of data which can be an integer number, floating point, a character, a string, a paragraph, or an entire web page</a:t>
-            </a:r>
-            <a:r>
-              <a:rPr lang="en-IN" dirty="0" smtClean="0"/>
-              <a:t>.</a:t>
-            </a:r>
-          </a:p>
-          <a:p>
-            <a:pPr>
-              <a:buNone/>
-            </a:pPr>
-            <a:endParaRPr lang="en-IN" dirty="0" smtClean="0"/>
-          </a:p>
-          <a:p>
-            <a:pPr fontAlgn="base">
-              <a:buNone/>
-            </a:pPr>
-            <a:r>
-              <a:rPr lang="en-US" sz="2600" dirty="0" smtClean="0"/>
-              <a:t>	</a:t>
-            </a:r>
-            <a:r>
-              <a:rPr lang="en-IN" sz="2600" dirty="0" smtClean="0"/>
-              <a:t># An integer assignment </a:t>
-            </a:r>
-          </a:p>
-          <a:p>
-            <a:pPr fontAlgn="base">
-              <a:buNone/>
-            </a:pPr>
-            <a:r>
-              <a:rPr lang="en-IN" sz="2600" dirty="0" smtClean="0"/>
-              <a:t>	$</a:t>
-            </a:r>
-            <a:r>
-              <a:rPr lang="en-IN" sz="2600" dirty="0" smtClean="0"/>
-              <a:t>age = 1;              </a:t>
-            </a:r>
-          </a:p>
-          <a:p>
-            <a:pPr fontAlgn="base">
-              <a:buNone/>
-            </a:pPr>
-            <a:r>
-              <a:rPr lang="en-IN" sz="2600" dirty="0" smtClean="0"/>
-              <a:t>	</a:t>
-            </a:r>
-            <a:r>
-              <a:rPr lang="en-IN" sz="2600" dirty="0" smtClean="0"/>
-              <a:t>  </a:t>
-            </a:r>
-          </a:p>
-          <a:p>
-            <a:pPr fontAlgn="base">
-              <a:buNone/>
-            </a:pPr>
-            <a:r>
-              <a:rPr lang="en-IN" sz="2600" dirty="0" smtClean="0"/>
-              <a:t>	# </a:t>
-            </a:r>
-            <a:r>
-              <a:rPr lang="en-IN" sz="2600" dirty="0" smtClean="0"/>
-              <a:t>A string  </a:t>
-            </a:r>
-          </a:p>
-          <a:p>
-            <a:pPr fontAlgn="base">
-              <a:buNone/>
-            </a:pPr>
-            <a:r>
-              <a:rPr lang="en-IN" sz="2600" dirty="0" smtClean="0"/>
-              <a:t>	$</a:t>
-            </a:r>
-            <a:r>
-              <a:rPr lang="en-IN" sz="2600" dirty="0" smtClean="0"/>
-              <a:t>name = "ABC"; </a:t>
-            </a:r>
-          </a:p>
-          <a:p>
-            <a:pPr fontAlgn="base">
-              <a:buNone/>
-            </a:pPr>
-            <a:r>
-              <a:rPr lang="en-IN" sz="2600" dirty="0" smtClean="0"/>
-              <a:t>  </a:t>
-            </a:r>
-          </a:p>
-          <a:p>
-            <a:pPr fontAlgn="base">
-              <a:buNone/>
-            </a:pPr>
-            <a:r>
-              <a:rPr lang="en-IN" sz="2600" dirty="0" smtClean="0"/>
-              <a:t>	# </a:t>
-            </a:r>
-            <a:r>
-              <a:rPr lang="en-IN" sz="2600" dirty="0" smtClean="0"/>
-              <a:t>A floating point    </a:t>
-            </a:r>
-          </a:p>
-          <a:p>
-            <a:pPr fontAlgn="base">
-              <a:buNone/>
-            </a:pPr>
-            <a:r>
-              <a:rPr lang="en-IN" sz="2600" dirty="0" smtClean="0"/>
-              <a:t>	$</a:t>
-            </a:r>
-            <a:r>
-              <a:rPr lang="en-IN" sz="2600" dirty="0" smtClean="0"/>
-              <a:t>salary = 21.5; </a:t>
-            </a:r>
-          </a:p>
-          <a:p>
-            <a:pPr>
-              <a:buNone/>
-            </a:pPr>
+            <a:pPr marL="720">
+              <a:lnSpc>
+                <a:spcPct val="120000"/>
+              </a:lnSpc>
+              <a:buClr>
+                <a:srgbClr val="B71E42"/>
+              </a:buClr>
+              <a:buSzPct val="45000"/>
+              <a:buFont typeface="Wingdings" charset="2"/>
+              <a:buChar char=""/>
+            </a:pPr>
+            <a:r>
+              <a:rPr lang="en-IN" spc="-1" dirty="0" smtClean="0">
+                <a:solidFill>
+                  <a:srgbClr val="222426"/>
+                </a:solidFill>
+                <a:uFill>
+                  <a:solidFill>
+                    <a:srgbClr val="FFFFFF"/>
+                  </a:solidFill>
+                </a:uFill>
+                <a:latin typeface="PT Sans"/>
+              </a:rPr>
+              <a:t>Interactive Mode Programming</a:t>
+            </a:r>
+            <a:endParaRPr lang="en-IN" sz="2800" spc="-1" dirty="0" smtClean="0">
+              <a:solidFill>
+                <a:srgbClr val="000000"/>
+              </a:solidFill>
+              <a:uFill>
+                <a:solidFill>
+                  <a:srgbClr val="FFFFFF"/>
+                </a:solidFill>
+              </a:uFill>
+              <a:latin typeface="Arial"/>
+            </a:endParaRPr>
+          </a:p>
+          <a:p>
+            <a:pPr marL="720">
+              <a:lnSpc>
+                <a:spcPct val="120000"/>
+              </a:lnSpc>
+              <a:buClr>
+                <a:srgbClr val="B71E42"/>
+              </a:buClr>
+              <a:buSzPct val="45000"/>
+              <a:buNone/>
+            </a:pPr>
+            <a:r>
+              <a:rPr lang="en-IN" spc="-1" dirty="0" smtClean="0">
+                <a:solidFill>
+                  <a:srgbClr val="222426"/>
+                </a:solidFill>
+                <a:uFill>
+                  <a:solidFill>
+                    <a:srgbClr val="FFFFFF"/>
+                  </a:solidFill>
+                </a:uFill>
+                <a:latin typeface="PT Sans"/>
+              </a:rPr>
+              <a:t>	You </a:t>
+            </a:r>
+            <a:r>
+              <a:rPr lang="en-IN" spc="-1" dirty="0" smtClean="0">
+                <a:solidFill>
+                  <a:srgbClr val="222426"/>
+                </a:solidFill>
+                <a:uFill>
+                  <a:solidFill>
+                    <a:srgbClr val="FFFFFF"/>
+                  </a:solidFill>
+                </a:uFill>
+                <a:latin typeface="PT Sans"/>
+              </a:rPr>
+              <a:t>can use Perl interpreter with -e option at command line, which lets     you execute Perl statements from the command line. </a:t>
+            </a:r>
+            <a:endParaRPr lang="en-IN" sz="2800" spc="-1" dirty="0" smtClean="0">
+              <a:solidFill>
+                <a:srgbClr val="000000"/>
+              </a:solidFill>
+              <a:uFill>
+                <a:solidFill>
+                  <a:srgbClr val="FFFFFF"/>
+                </a:solidFill>
+              </a:uFill>
+              <a:latin typeface="Arial"/>
+            </a:endParaRPr>
+          </a:p>
+          <a:p>
+            <a:pPr marL="720">
+              <a:lnSpc>
+                <a:spcPct val="120000"/>
+              </a:lnSpc>
+              <a:buClr>
+                <a:srgbClr val="B71E42"/>
+              </a:buClr>
+              <a:buSzPct val="45000"/>
+              <a:buNone/>
+            </a:pPr>
+            <a:r>
+              <a:rPr lang="en-IN" sz="2800" spc="-1" dirty="0" smtClean="0">
+                <a:solidFill>
+                  <a:srgbClr val="222426"/>
+                </a:solidFill>
+                <a:uFill>
+                  <a:solidFill>
+                    <a:srgbClr val="FFFFFF"/>
+                  </a:solidFill>
+                </a:uFill>
+                <a:latin typeface="PT Sans"/>
+              </a:rPr>
+              <a:t> $</a:t>
+            </a:r>
+            <a:r>
+              <a:rPr lang="en-IN" sz="2800" spc="-1" dirty="0" err="1" smtClean="0">
+                <a:solidFill>
+                  <a:srgbClr val="222426"/>
+                </a:solidFill>
+                <a:uFill>
+                  <a:solidFill>
+                    <a:srgbClr val="FFFFFF"/>
+                  </a:solidFill>
+                </a:uFill>
+                <a:latin typeface="PT Sans"/>
+              </a:rPr>
+              <a:t>perl</a:t>
+            </a:r>
+            <a:r>
+              <a:rPr lang="en-IN" sz="2800" spc="-1" dirty="0" smtClean="0">
+                <a:solidFill>
+                  <a:srgbClr val="222426"/>
+                </a:solidFill>
+                <a:uFill>
+                  <a:solidFill>
+                    <a:srgbClr val="FFFFFF"/>
+                  </a:solidFill>
+                </a:uFill>
+                <a:latin typeface="PT Sans"/>
+              </a:rPr>
+              <a:t> -e 'print "Hello World\n</a:t>
+            </a:r>
+            <a:r>
+              <a:rPr lang="en-IN" sz="2800" spc="-1" dirty="0" smtClean="0">
+                <a:solidFill>
+                  <a:srgbClr val="222426"/>
+                </a:solidFill>
+                <a:uFill>
+                  <a:solidFill>
+                    <a:srgbClr val="FFFFFF"/>
+                  </a:solidFill>
+                </a:uFill>
+                <a:latin typeface="PT Sans"/>
+              </a:rPr>
+              <a:t>"‘</a:t>
+            </a:r>
+            <a:endParaRPr lang="en-IN" sz="2400" spc="-1" dirty="0" smtClean="0">
+              <a:solidFill>
+                <a:srgbClr val="000000"/>
+              </a:solidFill>
+              <a:uFill>
+                <a:solidFill>
+                  <a:srgbClr val="FFFFFF"/>
+                </a:solidFill>
+              </a:uFill>
+              <a:latin typeface="Arial"/>
+            </a:endParaRPr>
+          </a:p>
+          <a:p>
+            <a:pPr marL="720">
+              <a:lnSpc>
+                <a:spcPct val="120000"/>
+              </a:lnSpc>
+              <a:buClr>
+                <a:srgbClr val="B71E42"/>
+              </a:buClr>
+              <a:buSzPct val="45000"/>
+              <a:buNone/>
+            </a:pPr>
+            <a:r>
+              <a:rPr lang="en-IN" spc="-1" dirty="0" smtClean="0">
+                <a:solidFill>
+                  <a:srgbClr val="222426"/>
+                </a:solidFill>
+                <a:uFill>
+                  <a:solidFill>
+                    <a:srgbClr val="FFFFFF"/>
+                  </a:solidFill>
+                </a:uFill>
+                <a:latin typeface="PT Sans"/>
+              </a:rPr>
+              <a:t> </a:t>
+            </a:r>
+            <a:endParaRPr lang="en-IN" sz="2800" spc="-1" dirty="0" smtClean="0">
+              <a:solidFill>
+                <a:srgbClr val="000000"/>
+              </a:solidFill>
+              <a:uFill>
+                <a:solidFill>
+                  <a:srgbClr val="FFFFFF"/>
+                </a:solidFill>
+              </a:uFill>
+              <a:latin typeface="Arial"/>
+            </a:endParaRPr>
+          </a:p>
+          <a:p>
+            <a:pPr marL="720">
+              <a:lnSpc>
+                <a:spcPct val="120000"/>
+              </a:lnSpc>
+              <a:buClr>
+                <a:srgbClr val="B71E42"/>
+              </a:buClr>
+              <a:buSzPct val="45000"/>
+              <a:buFont typeface="Wingdings" charset="2"/>
+              <a:buChar char=""/>
+            </a:pPr>
+            <a:r>
+              <a:rPr lang="en-IN" spc="-1" dirty="0" smtClean="0">
+                <a:solidFill>
+                  <a:srgbClr val="222426"/>
+                </a:solidFill>
+                <a:uFill>
+                  <a:solidFill>
+                    <a:srgbClr val="FFFFFF"/>
+                  </a:solidFill>
+                </a:uFill>
+                <a:latin typeface="PT Sans"/>
+              </a:rPr>
+              <a:t>Script Mode Programming</a:t>
+            </a:r>
+            <a:endParaRPr lang="en-IN" sz="2800" spc="-1" dirty="0" smtClean="0">
+              <a:solidFill>
+                <a:srgbClr val="000000"/>
+              </a:solidFill>
+              <a:uFill>
+                <a:solidFill>
+                  <a:srgbClr val="FFFFFF"/>
+                </a:solidFill>
+              </a:uFill>
+              <a:latin typeface="Arial"/>
+            </a:endParaRPr>
+          </a:p>
+          <a:p>
+            <a:pPr marL="720">
+              <a:lnSpc>
+                <a:spcPct val="120000"/>
+              </a:lnSpc>
+              <a:buClr>
+                <a:srgbClr val="B71E42"/>
+              </a:buClr>
+              <a:buSzPct val="45000"/>
+              <a:buNone/>
+            </a:pPr>
+            <a:r>
+              <a:rPr lang="en-IN" spc="-1" dirty="0" smtClean="0">
+                <a:solidFill>
+                  <a:srgbClr val="222426"/>
+                </a:solidFill>
+                <a:uFill>
+                  <a:solidFill>
+                    <a:srgbClr val="FFFFFF"/>
+                  </a:solidFill>
+                </a:uFill>
+                <a:latin typeface="PT Sans"/>
+              </a:rPr>
+              <a:t>	You </a:t>
+            </a:r>
+            <a:r>
+              <a:rPr lang="en-IN" spc="-1" dirty="0" smtClean="0">
+                <a:solidFill>
+                  <a:srgbClr val="222426"/>
+                </a:solidFill>
+                <a:uFill>
+                  <a:solidFill>
+                    <a:srgbClr val="FFFFFF"/>
+                  </a:solidFill>
+                </a:uFill>
+                <a:latin typeface="PT Sans"/>
+              </a:rPr>
+              <a:t>can write the program in a file and execute it.</a:t>
+            </a:r>
+            <a:endParaRPr lang="en-IN" sz="2800" spc="-1" dirty="0" smtClean="0">
+              <a:solidFill>
+                <a:srgbClr val="000000"/>
+              </a:solidFill>
+              <a:uFill>
+                <a:solidFill>
+                  <a:srgbClr val="FFFFFF"/>
+                </a:solidFill>
+              </a:uFill>
+              <a:latin typeface="Arial"/>
+            </a:endParaRPr>
+          </a:p>
+          <a:p>
             <a:endParaRPr lang="en-US" dirty="0"/>
           </a:p>
         </p:txBody>
@@ -5803,7 +10185,7 @@
           <a:p>
             <a:r>
               <a:rPr lang="en-US" dirty="0" smtClean="0"/>
-              <a:t>Types of Scalars</a:t>
+              <a:t>Execution</a:t>
             </a:r>
             <a:endParaRPr lang="en-US" dirty="0"/>
           </a:p>
@@ -5822,142 +10204,432 @@
         <p:spPr/>
         <p:txBody>
           <a:bodyPr>
-            <a:normAutofit fontScale="92500" lnSpcReduction="20000"/>
+            <a:normAutofit fontScale="92500" lnSpcReduction="10000"/>
           </a:bodyPr>
           <a:lstStyle/>
           <a:p>
-            <a:r>
-              <a:rPr lang="en-US" sz="3400" dirty="0" smtClean="0"/>
-              <a:t>Numeric</a:t>
-            </a:r>
-            <a:r>
-              <a:rPr lang="en-US" sz="2800" dirty="0" smtClean="0"/>
-              <a:t>: </a:t>
-            </a:r>
-            <a:r>
-              <a:rPr lang="en-IN" sz="2800" dirty="0" smtClean="0"/>
-              <a:t>Numeric scalar variables hold values like whole numbers, integers(positive and negative), float(containing decimal point</a:t>
-            </a:r>
-            <a:r>
-              <a:rPr lang="en-IN" sz="2800" dirty="0" smtClean="0"/>
-              <a:t>).</a:t>
-            </a:r>
-            <a:endParaRPr lang="en-IN" sz="3400" dirty="0" smtClean="0"/>
-          </a:p>
-          <a:p>
-            <a:pPr fontAlgn="base">
-              <a:buNone/>
-            </a:pPr>
-            <a:r>
-              <a:rPr lang="en-IN" sz="3400" dirty="0" smtClean="0"/>
+            <a:pPr marL="720">
+              <a:lnSpc>
+                <a:spcPct val="120000"/>
+              </a:lnSpc>
+              <a:buClr>
+                <a:srgbClr val="B71E42"/>
+              </a:buClr>
+              <a:buSzPct val="45000"/>
+              <a:buFont typeface="Wingdings" charset="2"/>
+              <a:buChar char=""/>
+            </a:pPr>
+            <a:r>
+              <a:rPr lang="en-IN" spc="-1" dirty="0" smtClean="0">
+                <a:solidFill>
+                  <a:srgbClr val="222426"/>
+                </a:solidFill>
+                <a:uFill>
+                  <a:solidFill>
+                    <a:srgbClr val="FFFFFF"/>
+                  </a:solidFill>
+                </a:uFill>
+                <a:latin typeface="PT Sans"/>
+              </a:rPr>
+              <a:t> To execute without mentioning </a:t>
+            </a:r>
+            <a:r>
+              <a:rPr lang="en-IN" spc="-1" dirty="0" err="1" smtClean="0">
+                <a:solidFill>
+                  <a:srgbClr val="222426"/>
+                </a:solidFill>
+                <a:uFill>
+                  <a:solidFill>
+                    <a:srgbClr val="FFFFFF"/>
+                  </a:solidFill>
+                </a:uFill>
+                <a:latin typeface="PT Sans"/>
+              </a:rPr>
+              <a:t>perl</a:t>
+            </a:r>
+            <a:r>
+              <a:rPr lang="en-IN" spc="-1" dirty="0" smtClean="0">
+                <a:solidFill>
+                  <a:srgbClr val="222426"/>
+                </a:solidFill>
+                <a:uFill>
+                  <a:solidFill>
+                    <a:srgbClr val="FFFFFF"/>
+                  </a:solidFill>
+                </a:uFill>
+                <a:latin typeface="PT Sans"/>
+              </a:rPr>
+              <a:t> before filename</a:t>
+            </a:r>
+            <a:endParaRPr lang="en-IN" sz="2800" spc="-1" dirty="0" smtClean="0">
+              <a:solidFill>
+                <a:srgbClr val="000000"/>
+              </a:solidFill>
+              <a:uFill>
+                <a:solidFill>
+                  <a:srgbClr val="FFFFFF"/>
+                </a:solidFill>
+              </a:uFill>
+              <a:latin typeface="Arial"/>
+            </a:endParaRPr>
+          </a:p>
+          <a:p>
+            <a:pPr marL="720">
+              <a:lnSpc>
+                <a:spcPct val="120000"/>
+              </a:lnSpc>
+              <a:buClr>
+                <a:srgbClr val="B71E42"/>
+              </a:buClr>
+              <a:buSzPct val="45000"/>
+              <a:buNone/>
+            </a:pPr>
+            <a:r>
+              <a:rPr lang="en-IN" spc="-1" dirty="0" smtClean="0">
+                <a:solidFill>
+                  <a:srgbClr val="222426"/>
+                </a:solidFill>
+                <a:uFill>
+                  <a:solidFill>
+                    <a:srgbClr val="FFFFFF"/>
+                  </a:solidFill>
+                </a:uFill>
+                <a:latin typeface="PT Sans"/>
+              </a:rPr>
               <a:t>	</a:t>
             </a:r>
-          </a:p>
-          <a:p>
-            <a:pPr fontAlgn="base">
-              <a:buNone/>
-            </a:pPr>
-            <a:r>
-              <a:rPr lang="en-IN" sz="3400" dirty="0" smtClean="0"/>
-              <a:t>	</a:t>
-            </a:r>
-            <a:r>
-              <a:rPr lang="en-US" sz="3400" dirty="0" smtClean="0"/>
-              <a:t>$</a:t>
-            </a:r>
-            <a:r>
-              <a:rPr lang="en-US" sz="3400" dirty="0" err="1" smtClean="0"/>
-              <a:t>intpositive</a:t>
-            </a:r>
-            <a:r>
-              <a:rPr lang="en-US" sz="3400" dirty="0" smtClean="0"/>
-              <a:t> = 25; 	  </a:t>
-            </a:r>
-          </a:p>
-          <a:p>
-            <a:pPr fontAlgn="base">
-              <a:buNone/>
-            </a:pPr>
-            <a:r>
-              <a:rPr lang="en-US" sz="3400" dirty="0" smtClean="0"/>
-              <a:t>	$</a:t>
-            </a:r>
-            <a:r>
-              <a:rPr lang="en-US" sz="3400" dirty="0" err="1" smtClean="0"/>
-              <a:t>intnegative</a:t>
-            </a:r>
-            <a:r>
-              <a:rPr lang="en-US" sz="3400" dirty="0" smtClean="0"/>
-              <a:t> = -73</a:t>
-            </a:r>
-            <a:r>
-              <a:rPr lang="en-US" sz="3400" dirty="0" smtClean="0"/>
-              <a:t>;</a:t>
-            </a:r>
-            <a:r>
-              <a:rPr lang="en-US" sz="3400" dirty="0" smtClean="0"/>
-              <a:t>	  </a:t>
-            </a:r>
-          </a:p>
-          <a:p>
-            <a:pPr fontAlgn="base">
-              <a:buNone/>
-            </a:pPr>
-            <a:r>
-              <a:rPr lang="en-US" sz="3400" dirty="0" smtClean="0"/>
-              <a:t>	$float = 23.5; 	  </a:t>
-            </a:r>
-          </a:p>
-          <a:p>
-            <a:pPr fontAlgn="base">
-              <a:buNone/>
-            </a:pPr>
-            <a:r>
-              <a:rPr lang="en-US" sz="3400" dirty="0" smtClean="0"/>
-              <a:t>	$</a:t>
-            </a:r>
-            <a:r>
-              <a:rPr lang="en-US" sz="3400" dirty="0" err="1" smtClean="0"/>
-              <a:t>hexadec</a:t>
-            </a:r>
-            <a:r>
-              <a:rPr lang="en-US" sz="3400" dirty="0" smtClean="0"/>
-              <a:t> = 0xcd; </a:t>
-            </a:r>
-            <a:r>
-              <a:rPr lang="en-US" sz="3400" dirty="0" smtClean="0"/>
-              <a:t>	//205</a:t>
-            </a:r>
-            <a:endParaRPr lang="en-US" sz="3400" dirty="0" smtClean="0"/>
-          </a:p>
-          <a:p>
-            <a:pPr fontAlgn="base">
-              <a:buNone/>
-            </a:pPr>
-            <a:r>
-              <a:rPr lang="en-US" sz="2800" dirty="0" smtClean="0"/>
-              <a:t>	</a:t>
-            </a:r>
-            <a:endParaRPr lang="en-IN" sz="2800" dirty="0" smtClean="0"/>
-          </a:p>
-          <a:p>
-            <a:pPr fontAlgn="base">
-              <a:buNone/>
-            </a:pPr>
-            <a:r>
-              <a:rPr lang="en-US" dirty="0" smtClean="0"/>
-              <a:t>	</a:t>
-            </a:r>
-            <a:r>
-              <a:rPr lang="en-US" dirty="0" smtClean="0"/>
-              <a:t>  </a:t>
-            </a:r>
-          </a:p>
-          <a:p>
-            <a:pPr>
-              <a:buNone/>
-            </a:pPr>
-            <a:endParaRPr lang="en-IN" dirty="0" smtClean="0"/>
+            <a:r>
+              <a:rPr lang="en-IN" spc="-1" dirty="0" smtClean="0">
+                <a:solidFill>
+                  <a:srgbClr val="222426"/>
+                </a:solidFill>
+                <a:uFill>
+                  <a:solidFill>
+                    <a:srgbClr val="FFFFFF"/>
+                  </a:solidFill>
+                </a:uFill>
+                <a:latin typeface="PT Sans"/>
+              </a:rPr>
+              <a:t> </a:t>
+            </a:r>
+            <a:r>
+              <a:rPr lang="en-IN" spc="-1" dirty="0" smtClean="0">
+                <a:solidFill>
+                  <a:srgbClr val="222426"/>
+                </a:solidFill>
+                <a:uFill>
+                  <a:solidFill>
+                    <a:srgbClr val="FFFFFF"/>
+                  </a:solidFill>
+                </a:uFill>
+                <a:latin typeface="PT Sans"/>
+              </a:rPr>
+              <a:t>- </a:t>
+            </a:r>
+            <a:r>
+              <a:rPr lang="en-IN" spc="-1" dirty="0" smtClean="0">
+                <a:solidFill>
+                  <a:srgbClr val="222426"/>
+                </a:solidFill>
+                <a:uFill>
+                  <a:solidFill>
+                    <a:srgbClr val="FFFFFF"/>
+                  </a:solidFill>
+                </a:uFill>
+                <a:latin typeface="PT Sans"/>
+              </a:rPr>
+              <a:t>#!/</a:t>
+            </a:r>
+            <a:r>
+              <a:rPr lang="en-IN" spc="-1" dirty="0" err="1" smtClean="0">
+                <a:solidFill>
+                  <a:srgbClr val="222426"/>
+                </a:solidFill>
+                <a:uFill>
+                  <a:solidFill>
+                    <a:srgbClr val="FFFFFF"/>
+                  </a:solidFill>
+                </a:uFill>
+                <a:latin typeface="PT Sans"/>
+              </a:rPr>
+              <a:t>usr</a:t>
+            </a:r>
+            <a:r>
+              <a:rPr lang="en-IN" spc="-1" dirty="0" smtClean="0">
+                <a:solidFill>
+                  <a:srgbClr val="222426"/>
+                </a:solidFill>
+                <a:uFill>
+                  <a:solidFill>
+                    <a:srgbClr val="FFFFFF"/>
+                  </a:solidFill>
+                </a:uFill>
+                <a:latin typeface="PT Sans"/>
+              </a:rPr>
+              <a:t>/bin/</a:t>
+            </a:r>
+            <a:r>
+              <a:rPr lang="en-IN" spc="-1" dirty="0" err="1" smtClean="0">
+                <a:solidFill>
+                  <a:srgbClr val="222426"/>
+                </a:solidFill>
+                <a:uFill>
+                  <a:solidFill>
+                    <a:srgbClr val="FFFFFF"/>
+                  </a:solidFill>
+                </a:uFill>
+                <a:latin typeface="PT Sans"/>
+              </a:rPr>
+              <a:t>perl</a:t>
+            </a:r>
+            <a:r>
+              <a:rPr lang="en-IN" spc="-1" dirty="0" smtClean="0">
+                <a:solidFill>
+                  <a:srgbClr val="222426"/>
+                </a:solidFill>
+                <a:uFill>
+                  <a:solidFill>
+                    <a:srgbClr val="FFFFFF"/>
+                  </a:solidFill>
+                </a:uFill>
+                <a:latin typeface="PT Sans"/>
+              </a:rPr>
+              <a:t> – shebang line which specifies path to </a:t>
+            </a:r>
+            <a:r>
+              <a:rPr lang="en-IN" spc="-1" dirty="0" err="1" smtClean="0">
+                <a:solidFill>
+                  <a:srgbClr val="222426"/>
+                </a:solidFill>
+                <a:uFill>
+                  <a:solidFill>
+                    <a:srgbClr val="FFFFFF"/>
+                  </a:solidFill>
+                </a:uFill>
+                <a:latin typeface="PT Sans"/>
+              </a:rPr>
+              <a:t>perl</a:t>
+            </a:r>
+            <a:r>
+              <a:rPr lang="en-IN" spc="-1" dirty="0" smtClean="0">
+                <a:solidFill>
+                  <a:srgbClr val="222426"/>
+                </a:solidFill>
+                <a:uFill>
+                  <a:solidFill>
+                    <a:srgbClr val="FFFFFF"/>
+                  </a:solidFill>
+                </a:uFill>
+                <a:latin typeface="PT Sans"/>
+              </a:rPr>
+              <a:t> binary.</a:t>
+            </a:r>
+            <a:endParaRPr lang="en-IN" sz="2800" spc="-1" dirty="0" smtClean="0">
+              <a:solidFill>
+                <a:srgbClr val="000000"/>
+              </a:solidFill>
+              <a:uFill>
+                <a:solidFill>
+                  <a:srgbClr val="FFFFFF"/>
+                </a:solidFill>
+              </a:uFill>
+              <a:latin typeface="Arial"/>
+            </a:endParaRPr>
+          </a:p>
+          <a:p>
+            <a:pPr marL="720">
+              <a:lnSpc>
+                <a:spcPct val="120000"/>
+              </a:lnSpc>
+              <a:buClr>
+                <a:srgbClr val="B71E42"/>
+              </a:buClr>
+              <a:buSzPct val="45000"/>
+              <a:buNone/>
+            </a:pPr>
+            <a:r>
+              <a:rPr lang="en-IN" spc="-1" dirty="0" smtClean="0">
+                <a:solidFill>
+                  <a:srgbClr val="222426"/>
+                </a:solidFill>
+                <a:uFill>
+                  <a:solidFill>
+                    <a:srgbClr val="FFFFFF"/>
+                  </a:solidFill>
+                </a:uFill>
+                <a:latin typeface="PT Sans"/>
+              </a:rPr>
+              <a:t> - </a:t>
+            </a:r>
+            <a:r>
+              <a:rPr lang="en-IN" spc="-1" dirty="0" smtClean="0">
+                <a:solidFill>
+                  <a:srgbClr val="222426"/>
+                </a:solidFill>
+                <a:uFill>
+                  <a:solidFill>
+                    <a:srgbClr val="FFFFFF"/>
+                  </a:solidFill>
+                </a:uFill>
+                <a:latin typeface="PT Sans"/>
+              </a:rPr>
+              <a:t>Give </a:t>
+            </a:r>
+            <a:r>
+              <a:rPr lang="en-IN" spc="-1" dirty="0" err="1" smtClean="0">
+                <a:solidFill>
+                  <a:srgbClr val="222426"/>
+                </a:solidFill>
+                <a:uFill>
+                  <a:solidFill>
+                    <a:srgbClr val="FFFFFF"/>
+                  </a:solidFill>
+                </a:uFill>
+                <a:latin typeface="PT Sans"/>
+              </a:rPr>
+              <a:t>chmod</a:t>
+            </a:r>
+            <a:r>
+              <a:rPr lang="en-IN" spc="-1" dirty="0" smtClean="0">
+                <a:solidFill>
+                  <a:srgbClr val="222426"/>
+                </a:solidFill>
+                <a:uFill>
+                  <a:solidFill>
+                    <a:srgbClr val="FFFFFF"/>
+                  </a:solidFill>
+                </a:uFill>
+                <a:latin typeface="PT Sans"/>
+              </a:rPr>
+              <a:t> 0755 permissions</a:t>
+            </a:r>
+            <a:endParaRPr lang="en-IN" sz="2800" spc="-1" dirty="0" smtClean="0">
+              <a:solidFill>
+                <a:srgbClr val="000000"/>
+              </a:solidFill>
+              <a:uFill>
+                <a:solidFill>
+                  <a:srgbClr val="FFFFFF"/>
+                </a:solidFill>
+              </a:uFill>
+              <a:latin typeface="Arial"/>
+            </a:endParaRPr>
+          </a:p>
+          <a:p>
+            <a:pPr marL="720">
+              <a:lnSpc>
+                <a:spcPct val="120000"/>
+              </a:lnSpc>
+              <a:buClr>
+                <a:srgbClr val="B71E42"/>
+              </a:buClr>
+              <a:buSzPct val="45000"/>
+              <a:buNone/>
+            </a:pPr>
+            <a:r>
+              <a:rPr lang="en-IN" spc="-1" dirty="0" smtClean="0">
+                <a:solidFill>
+                  <a:srgbClr val="222426"/>
+                </a:solidFill>
+                <a:uFill>
+                  <a:solidFill>
+                    <a:srgbClr val="FFFFFF"/>
+                  </a:solidFill>
+                </a:uFill>
+                <a:latin typeface="PT Sans"/>
+              </a:rPr>
+              <a:t> - ./</a:t>
+            </a:r>
+            <a:r>
+              <a:rPr lang="en-IN" spc="-1" dirty="0" smtClean="0">
+                <a:solidFill>
+                  <a:srgbClr val="222426"/>
+                </a:solidFill>
+                <a:uFill>
+                  <a:solidFill>
+                    <a:srgbClr val="FFFFFF"/>
+                  </a:solidFill>
+                </a:uFill>
+                <a:latin typeface="PT Sans"/>
+              </a:rPr>
+              <a:t>filename.pl </a:t>
+            </a:r>
+            <a:endParaRPr lang="en-IN" sz="2800" spc="-1" dirty="0" smtClean="0">
+              <a:solidFill>
+                <a:srgbClr val="000000"/>
+              </a:solidFill>
+              <a:uFill>
+                <a:solidFill>
+                  <a:srgbClr val="FFFFFF"/>
+                </a:solidFill>
+              </a:uFill>
+              <a:latin typeface="Arial"/>
+            </a:endParaRPr>
+          </a:p>
+          <a:p>
+            <a:pPr marL="228600" indent="-227880">
+              <a:buClr>
+                <a:srgbClr val="B71E42"/>
+              </a:buClr>
+              <a:buFont typeface="Arial"/>
+              <a:buChar char="•"/>
+            </a:pPr>
+            <a:r>
+              <a:rPr lang="en-IN" spc="-1" dirty="0" smtClean="0">
+                <a:solidFill>
+                  <a:srgbClr val="222426"/>
+                </a:solidFill>
+                <a:uFill>
+                  <a:solidFill>
+                    <a:srgbClr val="FFFFFF"/>
+                  </a:solidFill>
+                </a:uFill>
+                <a:latin typeface="PT Sans"/>
+              </a:rPr>
+              <a:t>If we do not mention shebang line we need to type </a:t>
+            </a:r>
+            <a:r>
+              <a:rPr lang="en-IN" spc="-1" dirty="0" err="1" smtClean="0">
+                <a:solidFill>
+                  <a:srgbClr val="222426"/>
+                </a:solidFill>
+                <a:uFill>
+                  <a:solidFill>
+                    <a:srgbClr val="FFFFFF"/>
+                  </a:solidFill>
+                </a:uFill>
+                <a:latin typeface="PT Sans"/>
+              </a:rPr>
+              <a:t>perl</a:t>
+            </a:r>
+            <a:r>
+              <a:rPr lang="en-IN" spc="-1" dirty="0" smtClean="0">
+                <a:solidFill>
+                  <a:srgbClr val="222426"/>
+                </a:solidFill>
+                <a:uFill>
+                  <a:solidFill>
+                    <a:srgbClr val="FFFFFF"/>
+                  </a:solidFill>
+                </a:uFill>
+                <a:latin typeface="PT Sans"/>
+              </a:rPr>
+              <a:t> before filename and execute.</a:t>
+            </a:r>
+            <a:endParaRPr lang="en-IN" sz="2800" spc="-1" dirty="0" smtClean="0">
+              <a:solidFill>
+                <a:srgbClr val="000000"/>
+              </a:solidFill>
+              <a:uFill>
+                <a:solidFill>
+                  <a:srgbClr val="FFFFFF"/>
+                </a:solidFill>
+              </a:uFill>
+              <a:latin typeface="Arial"/>
+            </a:endParaRPr>
+          </a:p>
+          <a:p>
+            <a:endParaRPr lang="en-US" dirty="0"/>
           </a:p>
         </p:txBody>
       </p:sp>
@@ -5988,6 +10660,29 @@
       </p:grpSpPr>
       <p:sp>
         <p:nvSpPr>
+          <p:cNvPr id="2" name="Title 1"/>
+          <p:cNvSpPr>
+            <a:spLocks noGrp="1"/>
+          </p:cNvSpPr>
+          <p:nvPr>
+            <p:ph type="title"/>
+          </p:nvPr>
+        </p:nvSpPr>
+        <p:spPr/>
+        <p:txBody>
+          <a:bodyPr/>
+          <a:lstStyle/>
+          <a:p>
+            <a:r>
+              <a:rPr lang="en-US" dirty="0" smtClean="0"/>
+              <a:t>Comments</a:t>
+            </a:r>
+            <a:endParaRPr lang="en-US" dirty="0"/>
+          </a:p>
+        </p:txBody>
+      </p:sp>
+      <p:sp>
+        <p:nvSpPr>
           <p:cNvPr id="3" name="Content Placeholder 2"/>
           <p:cNvSpPr>
             <a:spLocks noGrp="1"/>
@@ -5996,142 +10691,401 @@
             <p:ph idx="1"/>
           </p:nvPr>
         </p:nvSpPr>
-        <p:spPr>
-          <a:xfrm>
-            <a:off x="457200" y="457200"/>
-            <a:ext cx="8229600" cy="5668963"/>
-          </a:xfrm>
-        </p:spPr>
+        <p:spPr/>
         <p:txBody>
           <a:bodyPr>
-            <a:normAutofit/>
+            <a:normAutofit fontScale="92500"/>
           </a:bodyPr>
           <a:lstStyle/>
           <a:p>
-            <a:r>
-              <a:rPr lang="en-US" dirty="0" smtClean="0"/>
-              <a:t>String : </a:t>
-            </a:r>
-            <a:r>
-              <a:rPr lang="en-IN" dirty="0" smtClean="0"/>
-              <a:t>String scalar variables hold values like a word(made of different characters), a group of words or a paragraph</a:t>
-            </a:r>
-            <a:r>
-              <a:rPr lang="en-IN" dirty="0" smtClean="0"/>
-              <a:t>.</a:t>
-            </a:r>
-          </a:p>
-          <a:p>
-            <a:pPr>
-              <a:buNone/>
-            </a:pPr>
-            <a:r>
-              <a:rPr lang="en-IN" dirty="0" smtClean="0"/>
+            <a:pPr marL="228600" indent="-227880">
+              <a:buClr>
+                <a:srgbClr val="B71E42"/>
+              </a:buClr>
+              <a:buFont typeface="Arial"/>
+              <a:buChar char="•"/>
+            </a:pPr>
+            <a:r>
+              <a:rPr lang="en-IN" spc="-1" dirty="0" smtClean="0">
+                <a:solidFill>
+                  <a:srgbClr val="000000"/>
+                </a:solidFill>
+                <a:uFill>
+                  <a:solidFill>
+                    <a:srgbClr val="FFFFFF"/>
+                  </a:solidFill>
+                </a:uFill>
+                <a:latin typeface="verdana"/>
+              </a:rPr>
+              <a:t>There </a:t>
+            </a:r>
+            <a:r>
+              <a:rPr lang="en-IN" spc="-1" dirty="0" smtClean="0">
+                <a:solidFill>
+                  <a:srgbClr val="000000"/>
+                </a:solidFill>
+                <a:uFill>
+                  <a:solidFill>
+                    <a:srgbClr val="FFFFFF"/>
+                  </a:solidFill>
+                </a:uFill>
+                <a:latin typeface="verdana"/>
+              </a:rPr>
+              <a:t>are two ways to comment in Perl:</a:t>
+            </a:r>
+            <a:endParaRPr lang="en-IN" sz="2800" spc="-1" dirty="0" smtClean="0">
+              <a:solidFill>
+                <a:srgbClr val="000000"/>
+              </a:solidFill>
+              <a:uFill>
+                <a:solidFill>
+                  <a:srgbClr val="FFFFFF"/>
+                </a:solidFill>
+              </a:uFill>
+              <a:latin typeface="Arial"/>
+            </a:endParaRPr>
+          </a:p>
+          <a:p>
+            <a:pPr marL="228600" indent="-227880">
+              <a:buClr>
+                <a:srgbClr val="B71E42"/>
+              </a:buClr>
+              <a:buNone/>
+            </a:pPr>
+            <a:r>
+              <a:rPr lang="en-IN" spc="-1" dirty="0" smtClean="0">
+                <a:solidFill>
+                  <a:srgbClr val="000000"/>
+                </a:solidFill>
+                <a:uFill>
+                  <a:solidFill>
+                    <a:srgbClr val="FFFFFF"/>
+                  </a:solidFill>
+                </a:uFill>
+                <a:latin typeface="verdana"/>
+              </a:rPr>
               <a:t>	</a:t>
             </a:r>
-          </a:p>
-          <a:p>
-            <a:pPr>
-              <a:buNone/>
-            </a:pPr>
-            <a:r>
-              <a:rPr lang="en-IN" dirty="0" smtClean="0"/>
-              <a:t>	$</a:t>
-            </a:r>
-            <a:r>
-              <a:rPr lang="en-IN" dirty="0" err="1" smtClean="0"/>
-              <a:t>alphastring</a:t>
-            </a:r>
-            <a:r>
-              <a:rPr lang="en-IN" dirty="0" smtClean="0"/>
-              <a:t> = "</a:t>
-            </a:r>
-            <a:r>
-              <a:rPr lang="en-IN" dirty="0" err="1" smtClean="0"/>
-              <a:t>GeeksforGeeks</a:t>
-            </a:r>
-            <a:r>
-              <a:rPr lang="en-IN" dirty="0" smtClean="0"/>
-              <a:t>"; </a:t>
-            </a:r>
-          </a:p>
-          <a:p>
-            <a:pPr>
-              <a:buNone/>
-            </a:pPr>
-            <a:r>
-              <a:rPr lang="en-IN" dirty="0" smtClean="0"/>
-              <a:t>	$</a:t>
-            </a:r>
-            <a:r>
-              <a:rPr lang="en-IN" dirty="0" err="1" smtClean="0"/>
-              <a:t>numericstring</a:t>
-            </a:r>
-            <a:r>
-              <a:rPr lang="en-IN" dirty="0" smtClean="0"/>
-              <a:t> = "17"; </a:t>
-            </a:r>
-          </a:p>
-          <a:p>
-            <a:pPr>
-              <a:buNone/>
-            </a:pPr>
-            <a:r>
-              <a:rPr lang="en-IN" dirty="0" smtClean="0"/>
-              <a:t>	$alphanumeric </a:t>
-            </a:r>
-            <a:r>
-              <a:rPr lang="en-IN" dirty="0" smtClean="0"/>
-              <a:t>= "gfg21"; </a:t>
-            </a:r>
-          </a:p>
-          <a:p>
-            <a:pPr>
-              <a:buNone/>
-            </a:pPr>
-            <a:r>
-              <a:rPr lang="en-IN" dirty="0" smtClean="0"/>
-              <a:t>	$</a:t>
-            </a:r>
-            <a:r>
-              <a:rPr lang="en-IN" dirty="0" err="1" smtClean="0"/>
-              <a:t>specialstring</a:t>
-            </a:r>
-            <a:r>
-              <a:rPr lang="en-IN" dirty="0" smtClean="0"/>
-              <a:t> = "^</a:t>
-            </a:r>
-            <a:r>
-              <a:rPr lang="en-IN" dirty="0" err="1" smtClean="0"/>
-              <a:t>gfg</a:t>
-            </a:r>
-            <a:r>
-              <a:rPr lang="en-IN" dirty="0" smtClean="0"/>
-              <a:t>"; </a:t>
-            </a:r>
-          </a:p>
-          <a:p>
-            <a:pPr>
-              <a:buNone/>
-            </a:pPr>
-            <a:r>
-              <a:rPr lang="en-IN" dirty="0" smtClean="0"/>
-              <a:t>	$</a:t>
-            </a:r>
-            <a:r>
-              <a:rPr lang="en-IN" dirty="0" err="1" smtClean="0"/>
-              <a:t>singlequt</a:t>
-            </a:r>
-            <a:r>
-              <a:rPr lang="en-IN" dirty="0" smtClean="0"/>
-              <a:t> = 'Hello Geeks'; </a:t>
-            </a:r>
-          </a:p>
-          <a:p>
-            <a:pPr>
-              <a:buNone/>
-            </a:pPr>
-            <a:endParaRPr lang="en-IN" dirty="0" smtClean="0"/>
+            <a:r>
+              <a:rPr lang="en-IN" sz="2800" spc="-1" dirty="0" smtClean="0">
+                <a:solidFill>
+                  <a:srgbClr val="000000"/>
+                </a:solidFill>
+                <a:uFill>
+                  <a:solidFill>
+                    <a:srgbClr val="FFFFFF"/>
+                  </a:solidFill>
+                </a:uFill>
+                <a:latin typeface="verdana"/>
+              </a:rPr>
+              <a:t>-</a:t>
+            </a:r>
+            <a:r>
+              <a:rPr lang="en-IN" sz="2800" spc="-1" dirty="0" smtClean="0">
+                <a:solidFill>
+                  <a:srgbClr val="000000"/>
+                </a:solidFill>
+                <a:uFill>
+                  <a:solidFill>
+                    <a:srgbClr val="FFFFFF"/>
+                  </a:solidFill>
+                </a:uFill>
+                <a:latin typeface="verdana"/>
+              </a:rPr>
+              <a:t>Single line comments</a:t>
+            </a:r>
+            <a:endParaRPr lang="en-IN" sz="2400" spc="-1" dirty="0" smtClean="0">
+              <a:solidFill>
+                <a:srgbClr val="000000"/>
+              </a:solidFill>
+              <a:uFill>
+                <a:solidFill>
+                  <a:srgbClr val="FFFFFF"/>
+                </a:solidFill>
+              </a:uFill>
+              <a:latin typeface="Arial"/>
+            </a:endParaRPr>
+          </a:p>
+          <a:p>
+            <a:pPr marL="228600" indent="-227880">
+              <a:buClr>
+                <a:srgbClr val="B71E42"/>
+              </a:buClr>
+              <a:buNone/>
+            </a:pPr>
+            <a:r>
+              <a:rPr lang="en-IN" sz="2400" spc="-1" dirty="0" smtClean="0">
+                <a:solidFill>
+                  <a:srgbClr val="000000"/>
+                </a:solidFill>
+                <a:uFill>
+                  <a:solidFill>
+                    <a:srgbClr val="FFFFFF"/>
+                  </a:solidFill>
+                </a:uFill>
+                <a:latin typeface="verdana"/>
+              </a:rPr>
+              <a:t>	 Putting </a:t>
+            </a:r>
+            <a:r>
+              <a:rPr lang="en-IN" sz="2400" spc="-1" dirty="0" smtClean="0">
+                <a:solidFill>
+                  <a:srgbClr val="000000"/>
+                </a:solidFill>
+                <a:uFill>
+                  <a:solidFill>
+                    <a:srgbClr val="FFFFFF"/>
+                  </a:solidFill>
+                </a:uFill>
+                <a:latin typeface="verdana"/>
+              </a:rPr>
+              <a:t># before a </a:t>
+            </a:r>
+            <a:r>
+              <a:rPr lang="en-IN" sz="2400" spc="-1" dirty="0" smtClean="0">
+                <a:solidFill>
+                  <a:srgbClr val="000000"/>
+                </a:solidFill>
+                <a:uFill>
+                  <a:solidFill>
+                    <a:srgbClr val="FFFFFF"/>
+                  </a:solidFill>
+                </a:uFill>
+                <a:latin typeface="verdana"/>
+              </a:rPr>
+              <a:t>statement </a:t>
+            </a:r>
+            <a:r>
+              <a:rPr lang="en-IN" sz="2400" spc="-1" dirty="0" smtClean="0">
+                <a:solidFill>
+                  <a:srgbClr val="000000"/>
+                </a:solidFill>
+                <a:uFill>
+                  <a:solidFill>
+                    <a:srgbClr val="FFFFFF"/>
+                  </a:solidFill>
+                </a:uFill>
+                <a:latin typeface="verdana"/>
+              </a:rPr>
+              <a:t>makes it a comment.</a:t>
+            </a:r>
+            <a:endParaRPr lang="en-IN" sz="2000" spc="-1" dirty="0" smtClean="0">
+              <a:solidFill>
+                <a:srgbClr val="000000"/>
+              </a:solidFill>
+              <a:uFill>
+                <a:solidFill>
+                  <a:srgbClr val="FFFFFF"/>
+                </a:solidFill>
+              </a:uFill>
+              <a:latin typeface="Arial"/>
+            </a:endParaRPr>
+          </a:p>
+          <a:p>
+            <a:pPr marL="228600" indent="-227880">
+              <a:buClr>
+                <a:srgbClr val="B71E42"/>
+              </a:buClr>
+              <a:buNone/>
+            </a:pPr>
+            <a:endParaRPr lang="en-IN" sz="2400" spc="-1" dirty="0" smtClean="0">
+              <a:solidFill>
+                <a:srgbClr val="000000"/>
+              </a:solidFill>
+              <a:uFill>
+                <a:solidFill>
+                  <a:srgbClr val="FFFFFF"/>
+                </a:solidFill>
+              </a:uFill>
+              <a:latin typeface="verdana"/>
+            </a:endParaRPr>
+          </a:p>
+          <a:p>
+            <a:pPr marL="228600" indent="-227880">
+              <a:buClr>
+                <a:srgbClr val="B71E42"/>
+              </a:buClr>
+              <a:buNone/>
+            </a:pPr>
+            <a:r>
+              <a:rPr lang="en-IN" sz="2400" spc="-1" dirty="0" smtClean="0">
+                <a:solidFill>
+                  <a:srgbClr val="000000"/>
+                </a:solidFill>
+                <a:uFill>
+                  <a:solidFill>
+                    <a:srgbClr val="FFFFFF"/>
+                  </a:solidFill>
+                </a:uFill>
+                <a:latin typeface="verdana"/>
+              </a:rPr>
+              <a:t>	-</a:t>
+            </a:r>
+            <a:r>
+              <a:rPr lang="en-IN" sz="2800" spc="-1" dirty="0" smtClean="0">
+                <a:solidFill>
+                  <a:srgbClr val="000000"/>
+                </a:solidFill>
+                <a:uFill>
+                  <a:solidFill>
+                    <a:srgbClr val="FFFFFF"/>
+                  </a:solidFill>
+                </a:uFill>
+                <a:latin typeface="verdana"/>
+              </a:rPr>
+              <a:t>Multi line comments</a:t>
+            </a:r>
+          </a:p>
+          <a:p>
+            <a:pPr>
+              <a:lnSpc>
+                <a:spcPct val="100000"/>
+              </a:lnSpc>
+              <a:buNone/>
+            </a:pPr>
+            <a:r>
+              <a:rPr lang="en-IN" sz="2400" spc="-1" dirty="0" smtClean="0">
+                <a:solidFill>
+                  <a:srgbClr val="000000"/>
+                </a:solidFill>
+                <a:uFill>
+                  <a:solidFill>
+                    <a:srgbClr val="FFFFFF"/>
+                  </a:solidFill>
+                </a:uFill>
+                <a:latin typeface="verdana"/>
+              </a:rPr>
+              <a:t>	Perl does not currently implement true multiline comments.</a:t>
+            </a:r>
+          </a:p>
+          <a:p>
+            <a:pPr>
+              <a:lnSpc>
+                <a:spcPct val="100000"/>
+              </a:lnSpc>
+              <a:buNone/>
+            </a:pPr>
+            <a:r>
+              <a:rPr lang="en-IN" sz="2400" spc="-1" dirty="0" smtClean="0">
+                <a:solidFill>
+                  <a:srgbClr val="000000"/>
+                </a:solidFill>
+                <a:uFill>
+                  <a:solidFill>
+                    <a:srgbClr val="FFFFFF"/>
+                  </a:solidFill>
+                </a:uFill>
+                <a:latin typeface="verdana"/>
+              </a:rPr>
+              <a:t>	Workaround commonly used is</a:t>
+            </a:r>
+          </a:p>
+          <a:p>
+            <a:pPr>
+              <a:lnSpc>
+                <a:spcPct val="100000"/>
+              </a:lnSpc>
+              <a:buNone/>
+            </a:pPr>
+            <a:r>
+              <a:rPr lang="en-IN" sz="2000" spc="-1" dirty="0" smtClean="0">
+                <a:solidFill>
+                  <a:srgbClr val="000000"/>
+                </a:solidFill>
+                <a:uFill>
+                  <a:solidFill>
+                    <a:srgbClr val="FFFFFF"/>
+                  </a:solidFill>
+                </a:uFill>
+                <a:latin typeface="verdana"/>
+              </a:rPr>
+              <a:t>  	=begin</a:t>
+            </a:r>
+            <a:endParaRPr lang="en-IN" sz="1800" spc="-1" dirty="0" smtClean="0">
+              <a:solidFill>
+                <a:srgbClr val="000000"/>
+              </a:solidFill>
+              <a:uFill>
+                <a:solidFill>
+                  <a:srgbClr val="FFFFFF"/>
+                </a:solidFill>
+              </a:uFill>
+              <a:latin typeface="Arial"/>
+            </a:endParaRPr>
+          </a:p>
+          <a:p>
+            <a:pPr>
+              <a:lnSpc>
+                <a:spcPct val="100000"/>
+              </a:lnSpc>
+              <a:buNone/>
+            </a:pPr>
+            <a:r>
+              <a:rPr lang="en-IN" sz="2000" spc="-1" dirty="0" smtClean="0">
+                <a:solidFill>
+                  <a:srgbClr val="000000"/>
+                </a:solidFill>
+                <a:uFill>
+                  <a:solidFill>
+                    <a:srgbClr val="FFFFFF"/>
+                  </a:solidFill>
+                </a:uFill>
+                <a:latin typeface="verdana"/>
+              </a:rPr>
+              <a:t>  	=cut</a:t>
+            </a:r>
+            <a:endParaRPr lang="en-IN" sz="1800" spc="-1" dirty="0" smtClean="0">
+              <a:solidFill>
+                <a:srgbClr val="000000"/>
+              </a:solidFill>
+              <a:uFill>
+                <a:solidFill>
+                  <a:srgbClr val="FFFFFF"/>
+                </a:solidFill>
+              </a:uFill>
+              <a:latin typeface="Arial"/>
+            </a:endParaRPr>
+          </a:p>
+          <a:p>
+            <a:pPr marL="228600" indent="-227880">
+              <a:buClr>
+                <a:srgbClr val="B71E42"/>
+              </a:buClr>
+              <a:buNone/>
+            </a:pPr>
+            <a:endParaRPr lang="en-IN" sz="2000" spc="-1" dirty="0" smtClean="0">
+              <a:solidFill>
+                <a:srgbClr val="000000"/>
+              </a:solidFill>
+              <a:uFill>
+                <a:solidFill>
+                  <a:srgbClr val="FFFFFF"/>
+                </a:solidFill>
+              </a:uFill>
+              <a:latin typeface="Arial"/>
+            </a:endParaRPr>
+          </a:p>
+          <a:p>
+            <a:pPr marL="228600" indent="-227880">
+              <a:buClr>
+                <a:srgbClr val="B71E42"/>
+              </a:buClr>
+              <a:buNone/>
+            </a:pPr>
+            <a:endParaRPr lang="en-IN" sz="2400" spc="-1" dirty="0" smtClean="0">
+              <a:solidFill>
+                <a:srgbClr val="000000"/>
+              </a:solidFill>
+              <a:uFill>
+                <a:solidFill>
+                  <a:srgbClr val="FFFFFF"/>
+                </a:solidFill>
+              </a:uFill>
+              <a:latin typeface="Arial"/>
+            </a:endParaRPr>
+          </a:p>
+          <a:p>
+            <a:endParaRPr lang="en-US" dirty="0"/>
           </a:p>
         </p:txBody>
       </p:sp>
@@ -6162,179 +11116,51 @@
       </p:grpSpPr>
       <p:sp>
         <p:nvSpPr>
-          <p:cNvPr id="2" name="Title 1"/>
-          <p:cNvSpPr>
-            <a:spLocks noGrp="1"/>
-          </p:cNvSpPr>
-          <p:nvPr>
-            <p:ph type="title"/>
-          </p:nvPr>
-        </p:nvSpPr>
-        <p:spPr/>
+          <p:cNvPr id="3" name="Content Placeholder 2"/>
+          <p:cNvSpPr>
+            <a:spLocks noGrp="1"/>
+          </p:cNvSpPr>
+          <p:nvPr>
+            <p:ph idx="1"/>
+          </p:nvPr>
+        </p:nvSpPr>
+        <p:spPr>
+          <a:xfrm>
+            <a:off x="457200" y="533400"/>
+            <a:ext cx="8229600" cy="5592763"/>
+          </a:xfrm>
+        </p:spPr>
         <p:txBody>
           <a:bodyPr/>
           <a:lstStyle/>
           <a:p>
             <a:r>
-              <a:rPr lang="en-US" dirty="0" smtClean="0"/>
-              <a:t>Comparing Scalars</a:t>
-            </a:r>
-            <a:endParaRPr lang="en-US" dirty="0"/>
-          </a:p>
-        </p:txBody>
-      </p:sp>
-      <p:sp>
-        <p:nvSpPr>
-          <p:cNvPr id="3" name="Content Placeholder 2"/>
-          <p:cNvSpPr>
-            <a:spLocks noGrp="1"/>
-          </p:cNvSpPr>
-          <p:nvPr>
-            <p:ph idx="1"/>
-          </p:nvPr>
-        </p:nvSpPr>
-        <p:spPr/>
-        <p:txBody>
-          <a:bodyPr/>
-          <a:lstStyle/>
-          <a:p>
-            <a:pPr>
-              <a:buNone/>
-            </a:pPr>
-            <a:r>
-              <a:rPr lang="en-IN" dirty="0" smtClean="0"/>
-              <a:t>Numeric	String	Description</a:t>
-            </a:r>
-          </a:p>
-          <a:p>
-            <a:pPr>
-              <a:buNone/>
-            </a:pPr>
-            <a:r>
-              <a:rPr lang="en-IN" dirty="0" smtClean="0"/>
-              <a:t>==		</a:t>
-            </a:r>
-            <a:r>
-              <a:rPr lang="en-IN" dirty="0" err="1" smtClean="0"/>
-              <a:t>eq</a:t>
-            </a:r>
-            <a:r>
-              <a:rPr lang="en-IN" dirty="0" smtClean="0"/>
-              <a:t>		Equals to</a:t>
-            </a:r>
-          </a:p>
-          <a:p>
-            <a:pPr>
-              <a:buNone/>
-            </a:pPr>
-            <a:r>
-              <a:rPr lang="en-IN" dirty="0" smtClean="0"/>
-              <a:t>!=			ne		Not </a:t>
-            </a:r>
-            <a:r>
-              <a:rPr lang="en-IN" dirty="0" smtClean="0"/>
-              <a:t>Equals </a:t>
-            </a:r>
-            <a:r>
-              <a:rPr lang="en-IN" dirty="0" smtClean="0"/>
-              <a:t>to</a:t>
-            </a:r>
-          </a:p>
-          <a:p>
-            <a:pPr>
-              <a:buNone/>
-            </a:pPr>
-            <a:r>
-              <a:rPr lang="en-IN" dirty="0" smtClean="0"/>
-              <a:t>&lt;			</a:t>
-            </a:r>
-            <a:r>
-              <a:rPr lang="en-IN" dirty="0" err="1" smtClean="0"/>
-              <a:t>l</a:t>
-            </a:r>
-            <a:r>
-              <a:rPr lang="en-IN" dirty="0" err="1" smtClean="0"/>
-              <a:t>t</a:t>
-            </a:r>
-            <a:r>
-              <a:rPr lang="en-IN" dirty="0" smtClean="0"/>
-              <a:t>		Is </a:t>
-            </a:r>
-            <a:r>
-              <a:rPr lang="en-IN" dirty="0" smtClean="0"/>
-              <a:t>less </a:t>
-            </a:r>
-            <a:r>
-              <a:rPr lang="en-IN" dirty="0" smtClean="0"/>
-              <a:t>than</a:t>
-            </a:r>
-          </a:p>
-          <a:p>
-            <a:pPr>
-              <a:buNone/>
-            </a:pPr>
-            <a:r>
-              <a:rPr lang="en-IN" dirty="0" smtClean="0"/>
-              <a:t>&gt;			</a:t>
-            </a:r>
-            <a:r>
-              <a:rPr lang="en-IN" dirty="0" err="1" smtClean="0"/>
-              <a:t>g</a:t>
-            </a:r>
-            <a:r>
-              <a:rPr lang="en-IN" dirty="0" err="1" smtClean="0"/>
-              <a:t>t</a:t>
-            </a:r>
-            <a:r>
-              <a:rPr lang="en-IN" dirty="0" smtClean="0"/>
-              <a:t>		Is </a:t>
-            </a:r>
-            <a:r>
-              <a:rPr lang="en-IN" dirty="0" smtClean="0"/>
-              <a:t>greater </a:t>
-            </a:r>
-            <a:r>
-              <a:rPr lang="en-IN" dirty="0" smtClean="0"/>
-              <a:t>than</a:t>
-            </a:r>
-          </a:p>
-          <a:p>
-            <a:pPr>
-              <a:buNone/>
-            </a:pPr>
-            <a:r>
-              <a:rPr lang="en-IN" dirty="0" smtClean="0"/>
-              <a:t>&lt;=		le		Is </a:t>
-            </a:r>
-            <a:r>
-              <a:rPr lang="en-IN" dirty="0" smtClean="0"/>
-              <a:t>less than or </a:t>
-            </a:r>
-            <a:r>
-              <a:rPr lang="en-IN" dirty="0" smtClean="0"/>
-              <a:t>equal to</a:t>
-            </a:r>
-          </a:p>
-          <a:p>
-            <a:pPr>
-              <a:buNone/>
-            </a:pPr>
-            <a:r>
-              <a:rPr lang="en-IN" dirty="0" smtClean="0"/>
-              <a:t>&gt;=		</a:t>
-            </a:r>
-            <a:r>
-              <a:rPr lang="en-IN" dirty="0" err="1" smtClean="0"/>
-              <a:t>ge</a:t>
-            </a:r>
-            <a:r>
-              <a:rPr lang="en-IN" dirty="0" smtClean="0"/>
-              <a:t>		Is </a:t>
-            </a:r>
-            <a:r>
-              <a:rPr lang="en-IN" dirty="0" smtClean="0"/>
-              <a:t>greater than or equal to</a:t>
-            </a:r>
+              <a:rPr lang="en-IN" sz="2800" spc="-1" dirty="0" smtClean="0">
+                <a:solidFill>
+                  <a:srgbClr val="000000"/>
+                </a:solidFill>
+                <a:uFill>
+                  <a:solidFill>
+                    <a:srgbClr val="FFFFFF"/>
+                  </a:solidFill>
+                </a:uFill>
+                <a:latin typeface="verdana"/>
+              </a:rPr>
+              <a:t>It cannot be nested since =cut closes all previously opened sections,        and would therefore require the programmer to remove any =cut tags     within a section that she/he wished to be comment.</a:t>
+            </a:r>
+            <a:endParaRPr lang="en-IN" sz="2400" spc="-1" dirty="0" smtClean="0">
+              <a:solidFill>
+                <a:srgbClr val="000000"/>
+              </a:solidFill>
+              <a:uFill>
+                <a:solidFill>
+                  <a:srgbClr val="FFFFFF"/>
+                </a:solidFill>
+              </a:uFill>
+              <a:latin typeface="Arial"/>
+            </a:endParaRPr>
+          </a:p>
+          <a:p>
             <a:endParaRPr lang="en-US" dirty="0"/>
           </a:p>
         </p:txBody>
@@ -6381,7 +11207,7 @@
           <a:p>
             <a:r>
               <a:rPr lang="en-US" dirty="0" smtClean="0"/>
-              <a:t>Scalar Keyword</a:t>
+              <a:t>Data Types</a:t>
             </a:r>
             <a:endParaRPr lang="en-US" dirty="0"/>
           </a:p>
@@ -6404,41 +11230,66 @@
           <a:p>
             <a:r>
               <a:rPr lang="en-IN" dirty="0" smtClean="0"/>
-              <a:t>Scalar </a:t>
-            </a:r>
-            <a:r>
-              <a:rPr lang="en-IN" dirty="0" smtClean="0"/>
-              <a:t>keyword in </a:t>
-            </a:r>
-            <a:r>
-              <a:rPr lang="en-IN" dirty="0" smtClean="0"/>
+              <a:t>Data types specify the type of data that a valid </a:t>
+            </a:r>
+            <a:r>
+              <a:rPr lang="en-IN" dirty="0" smtClean="0">
+                <a:hlinkClick r:id="rId2"/>
+              </a:rPr>
               <a:t>Perl</a:t>
             </a:r>
             <a:r>
               <a:rPr lang="en-IN" dirty="0" smtClean="0"/>
-              <a:t> is used to convert the expression to scalar context. </a:t>
-            </a:r>
-            <a:endParaRPr lang="en-IN" dirty="0" smtClean="0"/>
-          </a:p>
-          <a:p>
-            <a:r>
-              <a:rPr lang="en-IN" dirty="0" smtClean="0"/>
-              <a:t>Syntax – scalar expression</a:t>
-            </a:r>
-          </a:p>
-          <a:p>
-            <a:pPr>
-              <a:buNone/>
-            </a:pPr>
-            <a:endParaRPr lang="en-IN" dirty="0" smtClean="0"/>
-          </a:p>
-          <a:p>
-            <a:pPr>
-              <a:buNone/>
-            </a:pPr>
-            <a:r>
-              <a:rPr lang="en-IN" dirty="0" smtClean="0"/>
-              <a:t>	</a:t>
+              <a:t> variable can hold. </a:t>
+            </a:r>
+          </a:p>
+          <a:p>
+            <a:r>
+              <a:rPr lang="en-IN" dirty="0" smtClean="0"/>
+              <a:t>The </a:t>
+            </a:r>
+            <a:r>
+              <a:rPr lang="en-IN" dirty="0" smtClean="0">
+                <a:hlinkClick r:id="rId2"/>
+              </a:rPr>
+              <a:t>Perl </a:t>
+            </a:r>
+            <a:r>
+              <a:rPr lang="en-IN" dirty="0" smtClean="0"/>
+              <a:t>interpreter will choose the type based on the context of the data itself.</a:t>
+            </a:r>
+          </a:p>
+          <a:p>
+            <a:r>
+              <a:rPr lang="en-IN" dirty="0" smtClean="0"/>
+              <a:t>There are 3 data types in Perl as follows:</a:t>
+            </a:r>
+          </a:p>
+          <a:p>
+            <a:pPr>
+              <a:buNone/>
+            </a:pPr>
+            <a:r>
+              <a:rPr lang="en-IN" dirty="0" smtClean="0"/>
+              <a:t>	Scalars</a:t>
+            </a:r>
+          </a:p>
+          <a:p>
+            <a:pPr>
+              <a:buNone/>
+            </a:pPr>
+            <a:r>
+              <a:rPr lang="en-IN" dirty="0" smtClean="0"/>
+              <a:t>	Arrays</a:t>
+            </a:r>
+          </a:p>
+          <a:p>
+            <a:pPr>
+              <a:buNone/>
+            </a:pPr>
+            <a:r>
+              <a:rPr lang="en-IN" dirty="0" smtClean="0"/>
+              <a:t>	Hashes</a:t>
             </a:r>
             <a:endParaRPr lang="en-US" dirty="0"/>
           </a:p>
